--- a/แผนภาพต่างๆ/แผนภาพ  dfd.pptx
+++ b/แผนภาพต่างๆ/แผนภาพ  dfd.pptx
@@ -106,6 +106,11 @@
       </a:defRPr>
     </a:lvl9pPr>
   </p:defaultTextStyle>
+  <p:extLst>
+    <p:ext uri="{EFAFB233-063F-42B5-8137-9DF3F51BA10A}">
+      <p15:sldGuideLst xmlns:p15="http://schemas.microsoft.com/office/powerpoint/2012/main"/>
+    </p:ext>
+  </p:extLst>
 </p:presentation>
 </file>
 
@@ -5614,8 +5619,8 @@
         </p:nvSpPr>
         <p:spPr>
           <a:xfrm>
-            <a:off x="6382782" y="3098790"/>
-            <a:ext cx="1653017" cy="584775"/>
+            <a:off x="6541479" y="3098790"/>
+            <a:ext cx="1335622" cy="584775"/>
           </a:xfrm>
           <a:prstGeom prst="rect">
             <a:avLst/>
@@ -5634,7 +5639,7 @@
                 <a:latin typeface="TH Sarabun New" panose="020B0500040200020003" pitchFamily="34" charset="-34"/>
                 <a:cs typeface="TH Sarabun New" panose="020B0500040200020003" pitchFamily="34" charset="-34"/>
               </a:rPr>
-              <a:t>ข้อมูลข้อมูลรถจักรยานยนต์</a:t>
+              <a:t>ข้อมูลรถจักรยานยนต์</a:t>
             </a:r>
           </a:p>
           <a:p>
@@ -5660,8 +5665,8 @@
         </p:nvSpPr>
         <p:spPr>
           <a:xfrm>
-            <a:off x="6623310" y="3464791"/>
-            <a:ext cx="1653017" cy="584775"/>
+            <a:off x="6782007" y="3464791"/>
+            <a:ext cx="1335622" cy="584775"/>
           </a:xfrm>
           <a:prstGeom prst="rect">
             <a:avLst/>
@@ -5680,7 +5685,7 @@
                 <a:latin typeface="TH Sarabun New" panose="020B0500040200020003" pitchFamily="34" charset="-34"/>
                 <a:cs typeface="TH Sarabun New" panose="020B0500040200020003" pitchFamily="34" charset="-34"/>
               </a:rPr>
-              <a:t>ข้อมูลข้อมูลรถจักรยานยนต์</a:t>
+              <a:t>ข้อมูลรถจักรยานยนต์</a:t>
             </a:r>
           </a:p>
           <a:p>
@@ -8986,8 +8991,8 @@
         </p:nvSpPr>
         <p:spPr>
           <a:xfrm>
-            <a:off x="6382782" y="3098790"/>
-            <a:ext cx="1653017" cy="584775"/>
+            <a:off x="6771510" y="3098790"/>
+            <a:ext cx="875561" cy="584775"/>
           </a:xfrm>
           <a:prstGeom prst="rect">
             <a:avLst/>
@@ -9006,7 +9011,7 @@
                 <a:latin typeface="TH Sarabun New" panose="020B0500040200020003" pitchFamily="34" charset="-34"/>
                 <a:cs typeface="TH Sarabun New" panose="020B0500040200020003" pitchFamily="34" charset="-34"/>
               </a:rPr>
-              <a:t>ข้อมูลข้อมูลรถจักรยานยนต์</a:t>
+              <a:t>ข้อมูลจังหวัด</a:t>
             </a:r>
           </a:p>
           <a:p>
@@ -9032,8 +9037,8 @@
         </p:nvSpPr>
         <p:spPr>
           <a:xfrm>
-            <a:off x="6623310" y="3464791"/>
-            <a:ext cx="1653017" cy="584775"/>
+            <a:off x="7012038" y="3464791"/>
+            <a:ext cx="875561" cy="338554"/>
           </a:xfrm>
           <a:prstGeom prst="rect">
             <a:avLst/>
@@ -9052,15 +9057,8 @@
                 <a:latin typeface="TH Sarabun New" panose="020B0500040200020003" pitchFamily="34" charset="-34"/>
                 <a:cs typeface="TH Sarabun New" panose="020B0500040200020003" pitchFamily="34" charset="-34"/>
               </a:rPr>
-              <a:t>ข้อมูลข้อมูลรถจักรยานยนต์</a:t>
-            </a:r>
-          </a:p>
-          <a:p>
-            <a:pPr algn="ctr"/>
-            <a:endParaRPr lang="th-TH" sz="1600" dirty="0">
-              <a:latin typeface="TH Sarabun New" panose="020B0500040200020003" pitchFamily="34" charset="-34"/>
-              <a:cs typeface="TH Sarabun New" panose="020B0500040200020003" pitchFamily="34" charset="-34"/>
-            </a:endParaRPr>
+              <a:t>ข้อมูลจังหวัด</a:t>
+            </a:r>
           </a:p>
         </p:txBody>
       </p:sp>
@@ -9078,8 +9076,8 @@
         </p:nvSpPr>
         <p:spPr>
           <a:xfrm>
-            <a:off x="6790286" y="4415303"/>
-            <a:ext cx="1159292" cy="338554"/>
+            <a:off x="6702122" y="4415303"/>
+            <a:ext cx="1335623" cy="338554"/>
           </a:xfrm>
           <a:prstGeom prst="rect">
             <a:avLst/>
@@ -9098,7 +9096,7 @@
                 <a:latin typeface="TH Sarabun New" panose="020B0500040200020003" pitchFamily="34" charset="-34"/>
                 <a:cs typeface="TH Sarabun New" panose="020B0500040200020003" pitchFamily="34" charset="-34"/>
               </a:rPr>
-              <a:t>ข้อมูลสิ่งที่อยากได้</a:t>
+              <a:t>ข้อมูลรถจักรยานยนต์</a:t>
             </a:r>
           </a:p>
         </p:txBody>
@@ -9117,8 +9115,8 @@
         </p:nvSpPr>
         <p:spPr>
           <a:xfrm>
-            <a:off x="6819599" y="4777668"/>
-            <a:ext cx="1159292" cy="338554"/>
+            <a:off x="6731434" y="4777668"/>
+            <a:ext cx="1335623" cy="338554"/>
           </a:xfrm>
           <a:prstGeom prst="rect">
             <a:avLst/>
@@ -9137,47 +9135,11 @@
                 <a:latin typeface="TH Sarabun New" panose="020B0500040200020003" pitchFamily="34" charset="-34"/>
                 <a:cs typeface="TH Sarabun New" panose="020B0500040200020003" pitchFamily="34" charset="-34"/>
               </a:rPr>
-              <a:t>ข้อมูลสิ่งที่อยากได้</a:t>
-            </a:r>
-          </a:p>
-        </p:txBody>
-      </p:sp>
-      <p:pic>
-        <p:nvPicPr>
-          <p:cNvPr id="3" name="Picture 2">
-            <a:extLst>
-              <a:ext uri="{FF2B5EF4-FFF2-40B4-BE49-F238E27FC236}">
-                <a16:creationId xmlns:a16="http://schemas.microsoft.com/office/drawing/2014/main" id="{B0C63CB4-26D1-4773-9C90-EDA6C2410F97}"/>
-              </a:ext>
-            </a:extLst>
-          </p:cNvPr>
-          <p:cNvPicPr>
-            <a:picLocks noChangeAspect="1"/>
-          </p:cNvPicPr>
-          <p:nvPr/>
-        </p:nvPicPr>
-        <p:blipFill>
-          <a:blip r:embed="rId2">
-            <a:extLst>
-              <a:ext uri="{28A0092B-C50C-407E-A947-70E740481C1C}">
-                <a14:useLocalDpi xmlns:a14="http://schemas.microsoft.com/office/drawing/2010/main" val="0"/>
-              </a:ext>
-            </a:extLst>
-          </a:blip>
-          <a:stretch>
-            <a:fillRect/>
-          </a:stretch>
-        </p:blipFill>
-        <p:spPr>
-          <a:xfrm>
-            <a:off x="-2692186" y="-36143"/>
-            <a:ext cx="5712766" cy="2599958"/>
-          </a:xfrm>
-          <a:prstGeom prst="rect">
-            <a:avLst/>
-          </a:prstGeom>
-        </p:spPr>
-      </p:pic>
+              <a:t>ข้อมูลรถจักรยานยนต์</a:t>
+            </a:r>
+          </a:p>
+        </p:txBody>
+      </p:sp>
       <p:cxnSp>
         <p:nvCxnSpPr>
           <p:cNvPr id="64" name="Connector: Elbow 63">

--- a/แผนภาพต่างๆ/แผนภาพ  dfd.pptx
+++ b/แผนภาพต่างๆ/แผนภาพ  dfd.pptx
@@ -2,21 +2,22 @@
 <file path=ppt/presentation.xml><?xml version="1.0" encoding="utf-8"?>
 <p:presentation xmlns:a="http://schemas.openxmlformats.org/drawingml/2006/main" xmlns:r="http://schemas.openxmlformats.org/officeDocument/2006/relationships" xmlns:p="http://schemas.openxmlformats.org/presentationml/2006/main" saveSubsetFonts="1">
   <p:sldMasterIdLst>
-    <p:sldMasterId id="2147483648" r:id="rId1"/>
+    <p:sldMasterId id="2147483660" r:id="rId1"/>
   </p:sldMasterIdLst>
   <p:sldIdLst>
     <p:sldId id="256" r:id="rId2"/>
     <p:sldId id="257" r:id="rId3"/>
     <p:sldId id="258" r:id="rId4"/>
+    <p:sldId id="259" r:id="rId5"/>
   </p:sldIdLst>
-  <p:sldSz cx="12192000" cy="6858000"/>
+  <p:sldSz cx="9906000" cy="6858000" type="A4"/>
   <p:notesSz cx="6858000" cy="9144000"/>
   <p:defaultTextStyle>
     <a:defPPr>
-      <a:defRPr lang="th-TH"/>
+      <a:defRPr lang="en-US"/>
     </a:defPPr>
-    <a:lvl1pPr marL="0" algn="l" defTabSz="914400" rtl="0" eaLnBrk="1" latinLnBrk="0" hangingPunct="1">
-      <a:defRPr sz="2800" kern="1200">
+    <a:lvl1pPr marL="0" algn="l" defTabSz="457200" rtl="0" eaLnBrk="1" latinLnBrk="0" hangingPunct="1">
+      <a:defRPr sz="1800" kern="1200">
         <a:solidFill>
           <a:schemeClr val="tx1"/>
         </a:solidFill>
@@ -25,8 +26,8 @@
         <a:cs typeface="+mn-cs"/>
       </a:defRPr>
     </a:lvl1pPr>
-    <a:lvl2pPr marL="457200" algn="l" defTabSz="914400" rtl="0" eaLnBrk="1" latinLnBrk="0" hangingPunct="1">
-      <a:defRPr sz="2800" kern="1200">
+    <a:lvl2pPr marL="457200" algn="l" defTabSz="457200" rtl="0" eaLnBrk="1" latinLnBrk="0" hangingPunct="1">
+      <a:defRPr sz="1800" kern="1200">
         <a:solidFill>
           <a:schemeClr val="tx1"/>
         </a:solidFill>
@@ -35,8 +36,8 @@
         <a:cs typeface="+mn-cs"/>
       </a:defRPr>
     </a:lvl2pPr>
-    <a:lvl3pPr marL="914400" algn="l" defTabSz="914400" rtl="0" eaLnBrk="1" latinLnBrk="0" hangingPunct="1">
-      <a:defRPr sz="2800" kern="1200">
+    <a:lvl3pPr marL="914400" algn="l" defTabSz="457200" rtl="0" eaLnBrk="1" latinLnBrk="0" hangingPunct="1">
+      <a:defRPr sz="1800" kern="1200">
         <a:solidFill>
           <a:schemeClr val="tx1"/>
         </a:solidFill>
@@ -45,8 +46,8 @@
         <a:cs typeface="+mn-cs"/>
       </a:defRPr>
     </a:lvl3pPr>
-    <a:lvl4pPr marL="1371600" algn="l" defTabSz="914400" rtl="0" eaLnBrk="1" latinLnBrk="0" hangingPunct="1">
-      <a:defRPr sz="2800" kern="1200">
+    <a:lvl4pPr marL="1371600" algn="l" defTabSz="457200" rtl="0" eaLnBrk="1" latinLnBrk="0" hangingPunct="1">
+      <a:defRPr sz="1800" kern="1200">
         <a:solidFill>
           <a:schemeClr val="tx1"/>
         </a:solidFill>
@@ -55,8 +56,8 @@
         <a:cs typeface="+mn-cs"/>
       </a:defRPr>
     </a:lvl4pPr>
-    <a:lvl5pPr marL="1828800" algn="l" defTabSz="914400" rtl="0" eaLnBrk="1" latinLnBrk="0" hangingPunct="1">
-      <a:defRPr sz="2800" kern="1200">
+    <a:lvl5pPr marL="1828800" algn="l" defTabSz="457200" rtl="0" eaLnBrk="1" latinLnBrk="0" hangingPunct="1">
+      <a:defRPr sz="1800" kern="1200">
         <a:solidFill>
           <a:schemeClr val="tx1"/>
         </a:solidFill>
@@ -65,8 +66,8 @@
         <a:cs typeface="+mn-cs"/>
       </a:defRPr>
     </a:lvl5pPr>
-    <a:lvl6pPr marL="2286000" algn="l" defTabSz="914400" rtl="0" eaLnBrk="1" latinLnBrk="0" hangingPunct="1">
-      <a:defRPr sz="2800" kern="1200">
+    <a:lvl6pPr marL="2286000" algn="l" defTabSz="457200" rtl="0" eaLnBrk="1" latinLnBrk="0" hangingPunct="1">
+      <a:defRPr sz="1800" kern="1200">
         <a:solidFill>
           <a:schemeClr val="tx1"/>
         </a:solidFill>
@@ -75,8 +76,8 @@
         <a:cs typeface="+mn-cs"/>
       </a:defRPr>
     </a:lvl6pPr>
-    <a:lvl7pPr marL="2743200" algn="l" defTabSz="914400" rtl="0" eaLnBrk="1" latinLnBrk="0" hangingPunct="1">
-      <a:defRPr sz="2800" kern="1200">
+    <a:lvl7pPr marL="2743200" algn="l" defTabSz="457200" rtl="0" eaLnBrk="1" latinLnBrk="0" hangingPunct="1">
+      <a:defRPr sz="1800" kern="1200">
         <a:solidFill>
           <a:schemeClr val="tx1"/>
         </a:solidFill>
@@ -85,8 +86,8 @@
         <a:cs typeface="+mn-cs"/>
       </a:defRPr>
     </a:lvl7pPr>
-    <a:lvl8pPr marL="3200400" algn="l" defTabSz="914400" rtl="0" eaLnBrk="1" latinLnBrk="0" hangingPunct="1">
-      <a:defRPr sz="2800" kern="1200">
+    <a:lvl8pPr marL="3200400" algn="l" defTabSz="457200" rtl="0" eaLnBrk="1" latinLnBrk="0" hangingPunct="1">
+      <a:defRPr sz="1800" kern="1200">
         <a:solidFill>
           <a:schemeClr val="tx1"/>
         </a:solidFill>
@@ -95,8 +96,8 @@
         <a:cs typeface="+mn-cs"/>
       </a:defRPr>
     </a:lvl8pPr>
-    <a:lvl9pPr marL="3657600" algn="l" defTabSz="914400" rtl="0" eaLnBrk="1" latinLnBrk="0" hangingPunct="1">
-      <a:defRPr sz="2800" kern="1200">
+    <a:lvl9pPr marL="3657600" algn="l" defTabSz="457200" rtl="0" eaLnBrk="1" latinLnBrk="0" hangingPunct="1">
+      <a:defRPr sz="1800" kern="1200">
         <a:solidFill>
           <a:schemeClr val="tx1"/>
         </a:solidFill>
@@ -133,13 +134,7 @@
       </p:grpSpPr>
       <p:sp>
         <p:nvSpPr>
-          <p:cNvPr id="2" name="Title 1">
-            <a:extLst>
-              <a:ext uri="{FF2B5EF4-FFF2-40B4-BE49-F238E27FC236}">
-                <a16:creationId xmlns:a16="http://schemas.microsoft.com/office/drawing/2014/main" id="{B8055AB1-384C-4E08-8FA5-8C4446AA2C8C}"/>
-              </a:ext>
-            </a:extLst>
-          </p:cNvPr>
+          <p:cNvPr id="2" name="Title 1"/>
           <p:cNvSpPr>
             <a:spLocks noGrp="1"/>
           </p:cNvSpPr>
@@ -149,8 +144,8 @@
         </p:nvSpPr>
         <p:spPr>
           <a:xfrm>
-            <a:off x="1524000" y="1122363"/>
-            <a:ext cx="9144000" cy="2387600"/>
+            <a:off x="742950" y="1122363"/>
+            <a:ext cx="8420100" cy="2387600"/>
           </a:xfrm>
         </p:spPr>
         <p:txBody>
@@ -165,19 +160,13 @@
               <a:rPr lang="en-US"/>
               <a:t>Click to edit Master title style</a:t>
             </a:r>
-            <a:endParaRPr lang="th-TH"/>
-          </a:p>
-        </p:txBody>
-      </p:sp>
-      <p:sp>
-        <p:nvSpPr>
-          <p:cNvPr id="3" name="Subtitle 2">
-            <a:extLst>
-              <a:ext uri="{FF2B5EF4-FFF2-40B4-BE49-F238E27FC236}">
-                <a16:creationId xmlns:a16="http://schemas.microsoft.com/office/drawing/2014/main" id="{6E83CF4D-53B9-4F93-9F95-FFD37526E0C7}"/>
-              </a:ext>
-            </a:extLst>
-          </p:cNvPr>
+            <a:endParaRPr lang="en-US" dirty="0"/>
+          </a:p>
+        </p:txBody>
+      </p:sp>
+      <p:sp>
+        <p:nvSpPr>
+          <p:cNvPr id="3" name="Subtitle 2"/>
           <p:cNvSpPr>
             <a:spLocks noGrp="1"/>
           </p:cNvSpPr>
@@ -187,8 +176,8 @@
         </p:nvSpPr>
         <p:spPr>
           <a:xfrm>
-            <a:off x="1524000" y="3602038"/>
-            <a:ext cx="9144000" cy="1655762"/>
+            <a:off x="1238250" y="3602038"/>
+            <a:ext cx="7429500" cy="1655762"/>
           </a:xfrm>
         </p:spPr>
         <p:txBody>
@@ -236,19 +225,13 @@
               <a:rPr lang="en-US"/>
               <a:t>Click to edit Master subtitle style</a:t>
             </a:r>
-            <a:endParaRPr lang="th-TH"/>
-          </a:p>
-        </p:txBody>
-      </p:sp>
-      <p:sp>
-        <p:nvSpPr>
-          <p:cNvPr id="4" name="Date Placeholder 3">
-            <a:extLst>
-              <a:ext uri="{FF2B5EF4-FFF2-40B4-BE49-F238E27FC236}">
-                <a16:creationId xmlns:a16="http://schemas.microsoft.com/office/drawing/2014/main" id="{E2313A97-9BE4-4ABD-8057-1F83F6605C18}"/>
-              </a:ext>
-            </a:extLst>
-          </p:cNvPr>
+            <a:endParaRPr lang="en-US" dirty="0"/>
+          </a:p>
+        </p:txBody>
+      </p:sp>
+      <p:sp>
+        <p:nvSpPr>
+          <p:cNvPr id="4" name="Date Placeholder 3"/>
           <p:cNvSpPr>
             <a:spLocks noGrp="1"/>
           </p:cNvSpPr>
@@ -271,13 +254,7 @@
       </p:sp>
       <p:sp>
         <p:nvSpPr>
-          <p:cNvPr id="5" name="Footer Placeholder 4">
-            <a:extLst>
-              <a:ext uri="{FF2B5EF4-FFF2-40B4-BE49-F238E27FC236}">
-                <a16:creationId xmlns:a16="http://schemas.microsoft.com/office/drawing/2014/main" id="{D3CE70F6-C668-4CC0-B0D4-83FF50F8BB47}"/>
-              </a:ext>
-            </a:extLst>
-          </p:cNvPr>
+          <p:cNvPr id="5" name="Footer Placeholder 4"/>
           <p:cNvSpPr>
             <a:spLocks noGrp="1"/>
           </p:cNvSpPr>
@@ -296,13 +273,7 @@
       </p:sp>
       <p:sp>
         <p:nvSpPr>
-          <p:cNvPr id="6" name="Slide Number Placeholder 5">
-            <a:extLst>
-              <a:ext uri="{FF2B5EF4-FFF2-40B4-BE49-F238E27FC236}">
-                <a16:creationId xmlns:a16="http://schemas.microsoft.com/office/drawing/2014/main" id="{1C4E562C-4ED9-4417-946D-560A3D06B4D7}"/>
-              </a:ext>
-            </a:extLst>
-          </p:cNvPr>
+          <p:cNvPr id="6" name="Slide Number Placeholder 5"/>
           <p:cNvSpPr>
             <a:spLocks noGrp="1"/>
           </p:cNvSpPr>
@@ -326,7 +297,7 @@
     </p:spTree>
     <p:extLst>
       <p:ext uri="{BB962C8B-B14F-4D97-AF65-F5344CB8AC3E}">
-        <p14:creationId xmlns:p14="http://schemas.microsoft.com/office/powerpoint/2010/main" val="166557710"/>
+        <p14:creationId xmlns:p14="http://schemas.microsoft.com/office/powerpoint/2010/main" val="2521919272"/>
       </p:ext>
     </p:extLst>
   </p:cSld>
@@ -355,13 +326,7 @@
       </p:grpSpPr>
       <p:sp>
         <p:nvSpPr>
-          <p:cNvPr id="2" name="Title 1">
-            <a:extLst>
-              <a:ext uri="{FF2B5EF4-FFF2-40B4-BE49-F238E27FC236}">
-                <a16:creationId xmlns:a16="http://schemas.microsoft.com/office/drawing/2014/main" id="{D59BE742-2CE0-4514-B8D0-C593C281EEAB}"/>
-              </a:ext>
-            </a:extLst>
-          </p:cNvPr>
+          <p:cNvPr id="2" name="Title 1"/>
           <p:cNvSpPr>
             <a:spLocks noGrp="1"/>
           </p:cNvSpPr>
@@ -378,19 +343,13 @@
               <a:rPr lang="en-US"/>
               <a:t>Click to edit Master title style</a:t>
             </a:r>
-            <a:endParaRPr lang="th-TH"/>
-          </a:p>
-        </p:txBody>
-      </p:sp>
-      <p:sp>
-        <p:nvSpPr>
-          <p:cNvPr id="3" name="Vertical Text Placeholder 2">
-            <a:extLst>
-              <a:ext uri="{FF2B5EF4-FFF2-40B4-BE49-F238E27FC236}">
-                <a16:creationId xmlns:a16="http://schemas.microsoft.com/office/drawing/2014/main" id="{D601D0BC-3EF4-44FE-A739-E6F2C83A24C2}"/>
-              </a:ext>
-            </a:extLst>
-          </p:cNvPr>
+            <a:endParaRPr lang="en-US" dirty="0"/>
+          </a:p>
+        </p:txBody>
+      </p:sp>
+      <p:sp>
+        <p:nvSpPr>
+          <p:cNvPr id="3" name="Vertical Text Placeholder 2"/>
           <p:cNvSpPr>
             <a:spLocks noGrp="1"/>
           </p:cNvSpPr>
@@ -436,19 +395,13 @@
               <a:rPr lang="en-US"/>
               <a:t>Fifth level</a:t>
             </a:r>
-            <a:endParaRPr lang="th-TH"/>
-          </a:p>
-        </p:txBody>
-      </p:sp>
-      <p:sp>
-        <p:nvSpPr>
-          <p:cNvPr id="4" name="Date Placeholder 3">
-            <a:extLst>
-              <a:ext uri="{FF2B5EF4-FFF2-40B4-BE49-F238E27FC236}">
-                <a16:creationId xmlns:a16="http://schemas.microsoft.com/office/drawing/2014/main" id="{36CAD59D-2B4E-41A3-8D67-6572A1F880EB}"/>
-              </a:ext>
-            </a:extLst>
-          </p:cNvPr>
+            <a:endParaRPr lang="en-US" dirty="0"/>
+          </a:p>
+        </p:txBody>
+      </p:sp>
+      <p:sp>
+        <p:nvSpPr>
+          <p:cNvPr id="4" name="Date Placeholder 3"/>
           <p:cNvSpPr>
             <a:spLocks noGrp="1"/>
           </p:cNvSpPr>
@@ -471,13 +424,7 @@
       </p:sp>
       <p:sp>
         <p:nvSpPr>
-          <p:cNvPr id="5" name="Footer Placeholder 4">
-            <a:extLst>
-              <a:ext uri="{FF2B5EF4-FFF2-40B4-BE49-F238E27FC236}">
-                <a16:creationId xmlns:a16="http://schemas.microsoft.com/office/drawing/2014/main" id="{C9ECF54A-AB7D-40D2-A3B1-6B4F01A46CF0}"/>
-              </a:ext>
-            </a:extLst>
-          </p:cNvPr>
+          <p:cNvPr id="5" name="Footer Placeholder 4"/>
           <p:cNvSpPr>
             <a:spLocks noGrp="1"/>
           </p:cNvSpPr>
@@ -496,13 +443,7 @@
       </p:sp>
       <p:sp>
         <p:nvSpPr>
-          <p:cNvPr id="6" name="Slide Number Placeholder 5">
-            <a:extLst>
-              <a:ext uri="{FF2B5EF4-FFF2-40B4-BE49-F238E27FC236}">
-                <a16:creationId xmlns:a16="http://schemas.microsoft.com/office/drawing/2014/main" id="{590187CC-E454-49AC-A6A9-33238893576D}"/>
-              </a:ext>
-            </a:extLst>
-          </p:cNvPr>
+          <p:cNvPr id="6" name="Slide Number Placeholder 5"/>
           <p:cNvSpPr>
             <a:spLocks noGrp="1"/>
           </p:cNvSpPr>
@@ -526,7 +467,7 @@
     </p:spTree>
     <p:extLst>
       <p:ext uri="{BB962C8B-B14F-4D97-AF65-F5344CB8AC3E}">
-        <p14:creationId xmlns:p14="http://schemas.microsoft.com/office/powerpoint/2010/main" val="1265662696"/>
+        <p14:creationId xmlns:p14="http://schemas.microsoft.com/office/powerpoint/2010/main" val="740086710"/>
       </p:ext>
     </p:extLst>
   </p:cSld>
@@ -555,13 +496,7 @@
       </p:grpSpPr>
       <p:sp>
         <p:nvSpPr>
-          <p:cNvPr id="2" name="Vertical Title 1">
-            <a:extLst>
-              <a:ext uri="{FF2B5EF4-FFF2-40B4-BE49-F238E27FC236}">
-                <a16:creationId xmlns:a16="http://schemas.microsoft.com/office/drawing/2014/main" id="{12442557-9FF1-437F-9914-9E4FD485AE10}"/>
-              </a:ext>
-            </a:extLst>
-          </p:cNvPr>
+          <p:cNvPr id="2" name="Vertical Title 1"/>
           <p:cNvSpPr>
             <a:spLocks noGrp="1"/>
           </p:cNvSpPr>
@@ -571,8 +506,8 @@
         </p:nvSpPr>
         <p:spPr>
           <a:xfrm>
-            <a:off x="8724900" y="365125"/>
-            <a:ext cx="2628900" cy="5811838"/>
+            <a:off x="7088982" y="365125"/>
+            <a:ext cx="2135981" cy="5811838"/>
           </a:xfrm>
         </p:spPr>
         <p:txBody>
@@ -583,19 +518,13 @@
               <a:rPr lang="en-US"/>
               <a:t>Click to edit Master title style</a:t>
             </a:r>
-            <a:endParaRPr lang="th-TH"/>
-          </a:p>
-        </p:txBody>
-      </p:sp>
-      <p:sp>
-        <p:nvSpPr>
-          <p:cNvPr id="3" name="Vertical Text Placeholder 2">
-            <a:extLst>
-              <a:ext uri="{FF2B5EF4-FFF2-40B4-BE49-F238E27FC236}">
-                <a16:creationId xmlns:a16="http://schemas.microsoft.com/office/drawing/2014/main" id="{B24D8B08-432E-4733-801B-A8B7463DD8D8}"/>
-              </a:ext>
-            </a:extLst>
-          </p:cNvPr>
+            <a:endParaRPr lang="en-US" dirty="0"/>
+          </a:p>
+        </p:txBody>
+      </p:sp>
+      <p:sp>
+        <p:nvSpPr>
+          <p:cNvPr id="3" name="Vertical Text Placeholder 2"/>
           <p:cNvSpPr>
             <a:spLocks noGrp="1"/>
           </p:cNvSpPr>
@@ -605,8 +534,8 @@
         </p:nvSpPr>
         <p:spPr>
           <a:xfrm>
-            <a:off x="838200" y="365125"/>
-            <a:ext cx="7734300" cy="5811838"/>
+            <a:off x="681038" y="365125"/>
+            <a:ext cx="6284119" cy="5811838"/>
           </a:xfrm>
         </p:spPr>
         <p:txBody>
@@ -646,19 +575,13 @@
               <a:rPr lang="en-US"/>
               <a:t>Fifth level</a:t>
             </a:r>
-            <a:endParaRPr lang="th-TH"/>
-          </a:p>
-        </p:txBody>
-      </p:sp>
-      <p:sp>
-        <p:nvSpPr>
-          <p:cNvPr id="4" name="Date Placeholder 3">
-            <a:extLst>
-              <a:ext uri="{FF2B5EF4-FFF2-40B4-BE49-F238E27FC236}">
-                <a16:creationId xmlns:a16="http://schemas.microsoft.com/office/drawing/2014/main" id="{5A405D58-50C5-4294-82FB-FA53F03BEB0B}"/>
-              </a:ext>
-            </a:extLst>
-          </p:cNvPr>
+            <a:endParaRPr lang="en-US" dirty="0"/>
+          </a:p>
+        </p:txBody>
+      </p:sp>
+      <p:sp>
+        <p:nvSpPr>
+          <p:cNvPr id="4" name="Date Placeholder 3"/>
           <p:cNvSpPr>
             <a:spLocks noGrp="1"/>
           </p:cNvSpPr>
@@ -681,13 +604,7 @@
       </p:sp>
       <p:sp>
         <p:nvSpPr>
-          <p:cNvPr id="5" name="Footer Placeholder 4">
-            <a:extLst>
-              <a:ext uri="{FF2B5EF4-FFF2-40B4-BE49-F238E27FC236}">
-                <a16:creationId xmlns:a16="http://schemas.microsoft.com/office/drawing/2014/main" id="{F9A5B882-B7E0-443F-BA1C-CC7990139A57}"/>
-              </a:ext>
-            </a:extLst>
-          </p:cNvPr>
+          <p:cNvPr id="5" name="Footer Placeholder 4"/>
           <p:cNvSpPr>
             <a:spLocks noGrp="1"/>
           </p:cNvSpPr>
@@ -706,13 +623,7 @@
       </p:sp>
       <p:sp>
         <p:nvSpPr>
-          <p:cNvPr id="6" name="Slide Number Placeholder 5">
-            <a:extLst>
-              <a:ext uri="{FF2B5EF4-FFF2-40B4-BE49-F238E27FC236}">
-                <a16:creationId xmlns:a16="http://schemas.microsoft.com/office/drawing/2014/main" id="{98FB4BB0-31E6-43D4-9003-F564993950BC}"/>
-              </a:ext>
-            </a:extLst>
-          </p:cNvPr>
+          <p:cNvPr id="6" name="Slide Number Placeholder 5"/>
           <p:cNvSpPr>
             <a:spLocks noGrp="1"/>
           </p:cNvSpPr>
@@ -736,7 +647,7 @@
     </p:spTree>
     <p:extLst>
       <p:ext uri="{BB962C8B-B14F-4D97-AF65-F5344CB8AC3E}">
-        <p14:creationId xmlns:p14="http://schemas.microsoft.com/office/powerpoint/2010/main" val="2141023997"/>
+        <p14:creationId xmlns:p14="http://schemas.microsoft.com/office/powerpoint/2010/main" val="3540130841"/>
       </p:ext>
     </p:extLst>
   </p:cSld>
@@ -765,13 +676,7 @@
       </p:grpSpPr>
       <p:sp>
         <p:nvSpPr>
-          <p:cNvPr id="2" name="Title 1">
-            <a:extLst>
-              <a:ext uri="{FF2B5EF4-FFF2-40B4-BE49-F238E27FC236}">
-                <a16:creationId xmlns:a16="http://schemas.microsoft.com/office/drawing/2014/main" id="{35E6962A-6E60-4D50-A33A-5BE4167B380E}"/>
-              </a:ext>
-            </a:extLst>
-          </p:cNvPr>
+          <p:cNvPr id="2" name="Title 1"/>
           <p:cNvSpPr>
             <a:spLocks noGrp="1"/>
           </p:cNvSpPr>
@@ -788,19 +693,13 @@
               <a:rPr lang="en-US"/>
               <a:t>Click to edit Master title style</a:t>
             </a:r>
-            <a:endParaRPr lang="th-TH"/>
-          </a:p>
-        </p:txBody>
-      </p:sp>
-      <p:sp>
-        <p:nvSpPr>
-          <p:cNvPr id="3" name="Content Placeholder 2">
-            <a:extLst>
-              <a:ext uri="{FF2B5EF4-FFF2-40B4-BE49-F238E27FC236}">
-                <a16:creationId xmlns:a16="http://schemas.microsoft.com/office/drawing/2014/main" id="{B8C2652B-3A3A-49F1-BA88-B78B043391AC}"/>
-              </a:ext>
-            </a:extLst>
-          </p:cNvPr>
+            <a:endParaRPr lang="en-US" dirty="0"/>
+          </a:p>
+        </p:txBody>
+      </p:sp>
+      <p:sp>
+        <p:nvSpPr>
+          <p:cNvPr id="3" name="Content Placeholder 2"/>
           <p:cNvSpPr>
             <a:spLocks noGrp="1"/>
           </p:cNvSpPr>
@@ -846,19 +745,13 @@
               <a:rPr lang="en-US"/>
               <a:t>Fifth level</a:t>
             </a:r>
-            <a:endParaRPr lang="th-TH"/>
-          </a:p>
-        </p:txBody>
-      </p:sp>
-      <p:sp>
-        <p:nvSpPr>
-          <p:cNvPr id="4" name="Date Placeholder 3">
-            <a:extLst>
-              <a:ext uri="{FF2B5EF4-FFF2-40B4-BE49-F238E27FC236}">
-                <a16:creationId xmlns:a16="http://schemas.microsoft.com/office/drawing/2014/main" id="{E9C43318-1F04-45E1-BFFC-65C54E122A7F}"/>
-              </a:ext>
-            </a:extLst>
-          </p:cNvPr>
+            <a:endParaRPr lang="en-US" dirty="0"/>
+          </a:p>
+        </p:txBody>
+      </p:sp>
+      <p:sp>
+        <p:nvSpPr>
+          <p:cNvPr id="4" name="Date Placeholder 3"/>
           <p:cNvSpPr>
             <a:spLocks noGrp="1"/>
           </p:cNvSpPr>
@@ -881,13 +774,7 @@
       </p:sp>
       <p:sp>
         <p:nvSpPr>
-          <p:cNvPr id="5" name="Footer Placeholder 4">
-            <a:extLst>
-              <a:ext uri="{FF2B5EF4-FFF2-40B4-BE49-F238E27FC236}">
-                <a16:creationId xmlns:a16="http://schemas.microsoft.com/office/drawing/2014/main" id="{63A4B668-7CC9-4CD5-A645-ADEBDB77669D}"/>
-              </a:ext>
-            </a:extLst>
-          </p:cNvPr>
+          <p:cNvPr id="5" name="Footer Placeholder 4"/>
           <p:cNvSpPr>
             <a:spLocks noGrp="1"/>
           </p:cNvSpPr>
@@ -906,13 +793,7 @@
       </p:sp>
       <p:sp>
         <p:nvSpPr>
-          <p:cNvPr id="6" name="Slide Number Placeholder 5">
-            <a:extLst>
-              <a:ext uri="{FF2B5EF4-FFF2-40B4-BE49-F238E27FC236}">
-                <a16:creationId xmlns:a16="http://schemas.microsoft.com/office/drawing/2014/main" id="{A73EDD5C-7FC7-43BC-9B24-1C0DDD496FDF}"/>
-              </a:ext>
-            </a:extLst>
-          </p:cNvPr>
+          <p:cNvPr id="6" name="Slide Number Placeholder 5"/>
           <p:cNvSpPr>
             <a:spLocks noGrp="1"/>
           </p:cNvSpPr>
@@ -936,7 +817,7 @@
     </p:spTree>
     <p:extLst>
       <p:ext uri="{BB962C8B-B14F-4D97-AF65-F5344CB8AC3E}">
-        <p14:creationId xmlns:p14="http://schemas.microsoft.com/office/powerpoint/2010/main" val="1628363644"/>
+        <p14:creationId xmlns:p14="http://schemas.microsoft.com/office/powerpoint/2010/main" val="2018526600"/>
       </p:ext>
     </p:extLst>
   </p:cSld>
@@ -965,13 +846,7 @@
       </p:grpSpPr>
       <p:sp>
         <p:nvSpPr>
-          <p:cNvPr id="2" name="Title 1">
-            <a:extLst>
-              <a:ext uri="{FF2B5EF4-FFF2-40B4-BE49-F238E27FC236}">
-                <a16:creationId xmlns:a16="http://schemas.microsoft.com/office/drawing/2014/main" id="{CBAF38BF-C9D2-441D-8843-5A3F86A6EACD}"/>
-              </a:ext>
-            </a:extLst>
-          </p:cNvPr>
+          <p:cNvPr id="2" name="Title 1"/>
           <p:cNvSpPr>
             <a:spLocks noGrp="1"/>
           </p:cNvSpPr>
@@ -981,8 +856,8 @@
         </p:nvSpPr>
         <p:spPr>
           <a:xfrm>
-            <a:off x="831850" y="1709738"/>
-            <a:ext cx="10515600" cy="2852737"/>
+            <a:off x="675879" y="1709740"/>
+            <a:ext cx="8543925" cy="2852737"/>
           </a:xfrm>
         </p:spPr>
         <p:txBody>
@@ -997,19 +872,13 @@
               <a:rPr lang="en-US"/>
               <a:t>Click to edit Master title style</a:t>
             </a:r>
-            <a:endParaRPr lang="th-TH"/>
-          </a:p>
-        </p:txBody>
-      </p:sp>
-      <p:sp>
-        <p:nvSpPr>
-          <p:cNvPr id="3" name="Text Placeholder 2">
-            <a:extLst>
-              <a:ext uri="{FF2B5EF4-FFF2-40B4-BE49-F238E27FC236}">
-                <a16:creationId xmlns:a16="http://schemas.microsoft.com/office/drawing/2014/main" id="{56F4DC22-DBC9-40D0-8708-32137B987BBD}"/>
-              </a:ext>
-            </a:extLst>
-          </p:cNvPr>
+            <a:endParaRPr lang="en-US" dirty="0"/>
+          </a:p>
+        </p:txBody>
+      </p:sp>
+      <p:sp>
+        <p:nvSpPr>
+          <p:cNvPr id="3" name="Text Placeholder 2"/>
           <p:cNvSpPr>
             <a:spLocks noGrp="1"/>
           </p:cNvSpPr>
@@ -1019,8 +888,8 @@
         </p:nvSpPr>
         <p:spPr>
           <a:xfrm>
-            <a:off x="831850" y="4589463"/>
-            <a:ext cx="10515600" cy="1500187"/>
+            <a:off x="675879" y="4589465"/>
+            <a:ext cx="8543925" cy="1500187"/>
           </a:xfrm>
         </p:spPr>
         <p:txBody>
@@ -1030,9 +899,7 @@
               <a:buNone/>
               <a:defRPr sz="2400">
                 <a:solidFill>
-                  <a:schemeClr val="tx1">
-                    <a:tint val="75000"/>
-                  </a:schemeClr>
+                  <a:schemeClr val="tx1"/>
                 </a:solidFill>
               </a:defRPr>
             </a:lvl1pPr>
@@ -1128,13 +995,7 @@
       </p:sp>
       <p:sp>
         <p:nvSpPr>
-          <p:cNvPr id="4" name="Date Placeholder 3">
-            <a:extLst>
-              <a:ext uri="{FF2B5EF4-FFF2-40B4-BE49-F238E27FC236}">
-                <a16:creationId xmlns:a16="http://schemas.microsoft.com/office/drawing/2014/main" id="{F9DCFEB7-3409-474D-BF35-F1CC07B0FE66}"/>
-              </a:ext>
-            </a:extLst>
-          </p:cNvPr>
+          <p:cNvPr id="4" name="Date Placeholder 3"/>
           <p:cNvSpPr>
             <a:spLocks noGrp="1"/>
           </p:cNvSpPr>
@@ -1157,13 +1018,7 @@
       </p:sp>
       <p:sp>
         <p:nvSpPr>
-          <p:cNvPr id="5" name="Footer Placeholder 4">
-            <a:extLst>
-              <a:ext uri="{FF2B5EF4-FFF2-40B4-BE49-F238E27FC236}">
-                <a16:creationId xmlns:a16="http://schemas.microsoft.com/office/drawing/2014/main" id="{0C89C236-A563-4E02-9E1F-405829B1CA4F}"/>
-              </a:ext>
-            </a:extLst>
-          </p:cNvPr>
+          <p:cNvPr id="5" name="Footer Placeholder 4"/>
           <p:cNvSpPr>
             <a:spLocks noGrp="1"/>
           </p:cNvSpPr>
@@ -1182,13 +1037,7 @@
       </p:sp>
       <p:sp>
         <p:nvSpPr>
-          <p:cNvPr id="6" name="Slide Number Placeholder 5">
-            <a:extLst>
-              <a:ext uri="{FF2B5EF4-FFF2-40B4-BE49-F238E27FC236}">
-                <a16:creationId xmlns:a16="http://schemas.microsoft.com/office/drawing/2014/main" id="{C48CE6C5-B80A-42DC-9DDC-DFF74B26EE1B}"/>
-              </a:ext>
-            </a:extLst>
-          </p:cNvPr>
+          <p:cNvPr id="6" name="Slide Number Placeholder 5"/>
           <p:cNvSpPr>
             <a:spLocks noGrp="1"/>
           </p:cNvSpPr>
@@ -1212,7 +1061,7 @@
     </p:spTree>
     <p:extLst>
       <p:ext uri="{BB962C8B-B14F-4D97-AF65-F5344CB8AC3E}">
-        <p14:creationId xmlns:p14="http://schemas.microsoft.com/office/powerpoint/2010/main" val="2387331259"/>
+        <p14:creationId xmlns:p14="http://schemas.microsoft.com/office/powerpoint/2010/main" val="1096963491"/>
       </p:ext>
     </p:extLst>
   </p:cSld>
@@ -1241,13 +1090,7 @@
       </p:grpSpPr>
       <p:sp>
         <p:nvSpPr>
-          <p:cNvPr id="2" name="Title 1">
-            <a:extLst>
-              <a:ext uri="{FF2B5EF4-FFF2-40B4-BE49-F238E27FC236}">
-                <a16:creationId xmlns:a16="http://schemas.microsoft.com/office/drawing/2014/main" id="{3E8B7E4D-DAF4-427B-A6E6-D8B73D2572E9}"/>
-              </a:ext>
-            </a:extLst>
-          </p:cNvPr>
+          <p:cNvPr id="2" name="Title 1"/>
           <p:cNvSpPr>
             <a:spLocks noGrp="1"/>
           </p:cNvSpPr>
@@ -1264,19 +1107,13 @@
               <a:rPr lang="en-US"/>
               <a:t>Click to edit Master title style</a:t>
             </a:r>
-            <a:endParaRPr lang="th-TH"/>
-          </a:p>
-        </p:txBody>
-      </p:sp>
-      <p:sp>
-        <p:nvSpPr>
-          <p:cNvPr id="3" name="Content Placeholder 2">
-            <a:extLst>
-              <a:ext uri="{FF2B5EF4-FFF2-40B4-BE49-F238E27FC236}">
-                <a16:creationId xmlns:a16="http://schemas.microsoft.com/office/drawing/2014/main" id="{3BB9DD8F-45EF-49C0-90D9-8C6B0D23D780}"/>
-              </a:ext>
-            </a:extLst>
-          </p:cNvPr>
+            <a:endParaRPr lang="en-US" dirty="0"/>
+          </a:p>
+        </p:txBody>
+      </p:sp>
+      <p:sp>
+        <p:nvSpPr>
+          <p:cNvPr id="3" name="Content Placeholder 2"/>
           <p:cNvSpPr>
             <a:spLocks noGrp="1"/>
           </p:cNvSpPr>
@@ -1286,8 +1123,8 @@
         </p:nvSpPr>
         <p:spPr>
           <a:xfrm>
-            <a:off x="838200" y="1825625"/>
-            <a:ext cx="5181600" cy="4351338"/>
+            <a:off x="681038" y="1825625"/>
+            <a:ext cx="4210050" cy="4351338"/>
           </a:xfrm>
         </p:spPr>
         <p:txBody>
@@ -1327,19 +1164,13 @@
               <a:rPr lang="en-US"/>
               <a:t>Fifth level</a:t>
             </a:r>
-            <a:endParaRPr lang="th-TH"/>
-          </a:p>
-        </p:txBody>
-      </p:sp>
-      <p:sp>
-        <p:nvSpPr>
-          <p:cNvPr id="4" name="Content Placeholder 3">
-            <a:extLst>
-              <a:ext uri="{FF2B5EF4-FFF2-40B4-BE49-F238E27FC236}">
-                <a16:creationId xmlns:a16="http://schemas.microsoft.com/office/drawing/2014/main" id="{1A7AC487-27A6-4CE3-8D03-E98249F5339E}"/>
-              </a:ext>
-            </a:extLst>
-          </p:cNvPr>
+            <a:endParaRPr lang="en-US" dirty="0"/>
+          </a:p>
+        </p:txBody>
+      </p:sp>
+      <p:sp>
+        <p:nvSpPr>
+          <p:cNvPr id="4" name="Content Placeholder 3"/>
           <p:cNvSpPr>
             <a:spLocks noGrp="1"/>
           </p:cNvSpPr>
@@ -1349,8 +1180,8 @@
         </p:nvSpPr>
         <p:spPr>
           <a:xfrm>
-            <a:off x="6172200" y="1825625"/>
-            <a:ext cx="5181600" cy="4351338"/>
+            <a:off x="5014913" y="1825625"/>
+            <a:ext cx="4210050" cy="4351338"/>
           </a:xfrm>
         </p:spPr>
         <p:txBody>
@@ -1390,19 +1221,13 @@
               <a:rPr lang="en-US"/>
               <a:t>Fifth level</a:t>
             </a:r>
-            <a:endParaRPr lang="th-TH"/>
-          </a:p>
-        </p:txBody>
-      </p:sp>
-      <p:sp>
-        <p:nvSpPr>
-          <p:cNvPr id="5" name="Date Placeholder 4">
-            <a:extLst>
-              <a:ext uri="{FF2B5EF4-FFF2-40B4-BE49-F238E27FC236}">
-                <a16:creationId xmlns:a16="http://schemas.microsoft.com/office/drawing/2014/main" id="{C276BC95-B42B-44A9-92F5-E4203F1FEF54}"/>
-              </a:ext>
-            </a:extLst>
-          </p:cNvPr>
+            <a:endParaRPr lang="en-US" dirty="0"/>
+          </a:p>
+        </p:txBody>
+      </p:sp>
+      <p:sp>
+        <p:nvSpPr>
+          <p:cNvPr id="5" name="Date Placeholder 4"/>
           <p:cNvSpPr>
             <a:spLocks noGrp="1"/>
           </p:cNvSpPr>
@@ -1425,13 +1250,7 @@
       </p:sp>
       <p:sp>
         <p:nvSpPr>
-          <p:cNvPr id="6" name="Footer Placeholder 5">
-            <a:extLst>
-              <a:ext uri="{FF2B5EF4-FFF2-40B4-BE49-F238E27FC236}">
-                <a16:creationId xmlns:a16="http://schemas.microsoft.com/office/drawing/2014/main" id="{E79C4048-1995-45A9-A44E-6F1D0D86592B}"/>
-              </a:ext>
-            </a:extLst>
-          </p:cNvPr>
+          <p:cNvPr id="6" name="Footer Placeholder 5"/>
           <p:cNvSpPr>
             <a:spLocks noGrp="1"/>
           </p:cNvSpPr>
@@ -1450,13 +1269,7 @@
       </p:sp>
       <p:sp>
         <p:nvSpPr>
-          <p:cNvPr id="7" name="Slide Number Placeholder 6">
-            <a:extLst>
-              <a:ext uri="{FF2B5EF4-FFF2-40B4-BE49-F238E27FC236}">
-                <a16:creationId xmlns:a16="http://schemas.microsoft.com/office/drawing/2014/main" id="{ED722654-7311-40A6-AFAF-AC59FF933DCF}"/>
-              </a:ext>
-            </a:extLst>
-          </p:cNvPr>
+          <p:cNvPr id="7" name="Slide Number Placeholder 6"/>
           <p:cNvSpPr>
             <a:spLocks noGrp="1"/>
           </p:cNvSpPr>
@@ -1480,7 +1293,7 @@
     </p:spTree>
     <p:extLst>
       <p:ext uri="{BB962C8B-B14F-4D97-AF65-F5344CB8AC3E}">
-        <p14:creationId xmlns:p14="http://schemas.microsoft.com/office/powerpoint/2010/main" val="1151515323"/>
+        <p14:creationId xmlns:p14="http://schemas.microsoft.com/office/powerpoint/2010/main" val="63550135"/>
       </p:ext>
     </p:extLst>
   </p:cSld>
@@ -1509,13 +1322,7 @@
       </p:grpSpPr>
       <p:sp>
         <p:nvSpPr>
-          <p:cNvPr id="2" name="Title 1">
-            <a:extLst>
-              <a:ext uri="{FF2B5EF4-FFF2-40B4-BE49-F238E27FC236}">
-                <a16:creationId xmlns:a16="http://schemas.microsoft.com/office/drawing/2014/main" id="{B443B719-FFED-4016-AEB4-C7642B431BC2}"/>
-              </a:ext>
-            </a:extLst>
-          </p:cNvPr>
+          <p:cNvPr id="2" name="Title 1"/>
           <p:cNvSpPr>
             <a:spLocks noGrp="1"/>
           </p:cNvSpPr>
@@ -1525,8 +1332,8 @@
         </p:nvSpPr>
         <p:spPr>
           <a:xfrm>
-            <a:off x="839788" y="365125"/>
-            <a:ext cx="10515600" cy="1325563"/>
+            <a:off x="682328" y="365127"/>
+            <a:ext cx="8543925" cy="1325563"/>
           </a:xfrm>
         </p:spPr>
         <p:txBody>
@@ -1537,19 +1344,13 @@
               <a:rPr lang="en-US"/>
               <a:t>Click to edit Master title style</a:t>
             </a:r>
-            <a:endParaRPr lang="th-TH"/>
-          </a:p>
-        </p:txBody>
-      </p:sp>
-      <p:sp>
-        <p:nvSpPr>
-          <p:cNvPr id="3" name="Text Placeholder 2">
-            <a:extLst>
-              <a:ext uri="{FF2B5EF4-FFF2-40B4-BE49-F238E27FC236}">
-                <a16:creationId xmlns:a16="http://schemas.microsoft.com/office/drawing/2014/main" id="{4D00B4BB-4792-4CD7-9BA7-7368396F7279}"/>
-              </a:ext>
-            </a:extLst>
-          </p:cNvPr>
+            <a:endParaRPr lang="en-US" dirty="0"/>
+          </a:p>
+        </p:txBody>
+      </p:sp>
+      <p:sp>
+        <p:nvSpPr>
+          <p:cNvPr id="3" name="Text Placeholder 2"/>
           <p:cNvSpPr>
             <a:spLocks noGrp="1"/>
           </p:cNvSpPr>
@@ -1559,8 +1360,8 @@
         </p:nvSpPr>
         <p:spPr>
           <a:xfrm>
-            <a:off x="839788" y="1681163"/>
-            <a:ext cx="5157787" cy="823912"/>
+            <a:off x="682329" y="1681163"/>
+            <a:ext cx="4190702" cy="823912"/>
           </a:xfrm>
         </p:spPr>
         <p:txBody>
@@ -1614,13 +1415,7 @@
       </p:sp>
       <p:sp>
         <p:nvSpPr>
-          <p:cNvPr id="4" name="Content Placeholder 3">
-            <a:extLst>
-              <a:ext uri="{FF2B5EF4-FFF2-40B4-BE49-F238E27FC236}">
-                <a16:creationId xmlns:a16="http://schemas.microsoft.com/office/drawing/2014/main" id="{56C73677-B2B5-45E2-A46F-3770A92EBD66}"/>
-              </a:ext>
-            </a:extLst>
-          </p:cNvPr>
+          <p:cNvPr id="4" name="Content Placeholder 3"/>
           <p:cNvSpPr>
             <a:spLocks noGrp="1"/>
           </p:cNvSpPr>
@@ -1630,8 +1425,8 @@
         </p:nvSpPr>
         <p:spPr>
           <a:xfrm>
-            <a:off x="839788" y="2505075"/>
-            <a:ext cx="5157787" cy="3684588"/>
+            <a:off x="682329" y="2505075"/>
+            <a:ext cx="4190702" cy="3684588"/>
           </a:xfrm>
         </p:spPr>
         <p:txBody>
@@ -1671,19 +1466,13 @@
               <a:rPr lang="en-US"/>
               <a:t>Fifth level</a:t>
             </a:r>
-            <a:endParaRPr lang="th-TH"/>
-          </a:p>
-        </p:txBody>
-      </p:sp>
-      <p:sp>
-        <p:nvSpPr>
-          <p:cNvPr id="5" name="Text Placeholder 4">
-            <a:extLst>
-              <a:ext uri="{FF2B5EF4-FFF2-40B4-BE49-F238E27FC236}">
-                <a16:creationId xmlns:a16="http://schemas.microsoft.com/office/drawing/2014/main" id="{70B8951A-4385-40D7-8B46-3E36BF46994C}"/>
-              </a:ext>
-            </a:extLst>
-          </p:cNvPr>
+            <a:endParaRPr lang="en-US" dirty="0"/>
+          </a:p>
+        </p:txBody>
+      </p:sp>
+      <p:sp>
+        <p:nvSpPr>
+          <p:cNvPr id="5" name="Text Placeholder 4"/>
           <p:cNvSpPr>
             <a:spLocks noGrp="1"/>
           </p:cNvSpPr>
@@ -1693,8 +1482,8 @@
         </p:nvSpPr>
         <p:spPr>
           <a:xfrm>
-            <a:off x="6172200" y="1681163"/>
-            <a:ext cx="5183188" cy="823912"/>
+            <a:off x="5014913" y="1681163"/>
+            <a:ext cx="4211340" cy="823912"/>
           </a:xfrm>
         </p:spPr>
         <p:txBody>
@@ -1748,13 +1537,7 @@
       </p:sp>
       <p:sp>
         <p:nvSpPr>
-          <p:cNvPr id="6" name="Content Placeholder 5">
-            <a:extLst>
-              <a:ext uri="{FF2B5EF4-FFF2-40B4-BE49-F238E27FC236}">
-                <a16:creationId xmlns:a16="http://schemas.microsoft.com/office/drawing/2014/main" id="{AC28828D-8DC0-482A-8EBB-DF5E00633C37}"/>
-              </a:ext>
-            </a:extLst>
-          </p:cNvPr>
+          <p:cNvPr id="6" name="Content Placeholder 5"/>
           <p:cNvSpPr>
             <a:spLocks noGrp="1"/>
           </p:cNvSpPr>
@@ -1764,8 +1547,8 @@
         </p:nvSpPr>
         <p:spPr>
           <a:xfrm>
-            <a:off x="6172200" y="2505075"/>
-            <a:ext cx="5183188" cy="3684588"/>
+            <a:off x="5014913" y="2505075"/>
+            <a:ext cx="4211340" cy="3684588"/>
           </a:xfrm>
         </p:spPr>
         <p:txBody>
@@ -1805,19 +1588,13 @@
               <a:rPr lang="en-US"/>
               <a:t>Fifth level</a:t>
             </a:r>
-            <a:endParaRPr lang="th-TH"/>
-          </a:p>
-        </p:txBody>
-      </p:sp>
-      <p:sp>
-        <p:nvSpPr>
-          <p:cNvPr id="7" name="Date Placeholder 6">
-            <a:extLst>
-              <a:ext uri="{FF2B5EF4-FFF2-40B4-BE49-F238E27FC236}">
-                <a16:creationId xmlns:a16="http://schemas.microsoft.com/office/drawing/2014/main" id="{A93B72A1-817E-42F9-9913-461CB86909F0}"/>
-              </a:ext>
-            </a:extLst>
-          </p:cNvPr>
+            <a:endParaRPr lang="en-US" dirty="0"/>
+          </a:p>
+        </p:txBody>
+      </p:sp>
+      <p:sp>
+        <p:nvSpPr>
+          <p:cNvPr id="7" name="Date Placeholder 6"/>
           <p:cNvSpPr>
             <a:spLocks noGrp="1"/>
           </p:cNvSpPr>
@@ -1840,13 +1617,7 @@
       </p:sp>
       <p:sp>
         <p:nvSpPr>
-          <p:cNvPr id="8" name="Footer Placeholder 7">
-            <a:extLst>
-              <a:ext uri="{FF2B5EF4-FFF2-40B4-BE49-F238E27FC236}">
-                <a16:creationId xmlns:a16="http://schemas.microsoft.com/office/drawing/2014/main" id="{71D7BC8B-464D-4855-B759-74A974D02C5F}"/>
-              </a:ext>
-            </a:extLst>
-          </p:cNvPr>
+          <p:cNvPr id="8" name="Footer Placeholder 7"/>
           <p:cNvSpPr>
             <a:spLocks noGrp="1"/>
           </p:cNvSpPr>
@@ -1865,13 +1636,7 @@
       </p:sp>
       <p:sp>
         <p:nvSpPr>
-          <p:cNvPr id="9" name="Slide Number Placeholder 8">
-            <a:extLst>
-              <a:ext uri="{FF2B5EF4-FFF2-40B4-BE49-F238E27FC236}">
-                <a16:creationId xmlns:a16="http://schemas.microsoft.com/office/drawing/2014/main" id="{2382A7C6-611F-49FC-8099-CEDB882D41D4}"/>
-              </a:ext>
-            </a:extLst>
-          </p:cNvPr>
+          <p:cNvPr id="9" name="Slide Number Placeholder 8"/>
           <p:cNvSpPr>
             <a:spLocks noGrp="1"/>
           </p:cNvSpPr>
@@ -1895,7 +1660,7 @@
     </p:spTree>
     <p:extLst>
       <p:ext uri="{BB962C8B-B14F-4D97-AF65-F5344CB8AC3E}">
-        <p14:creationId xmlns:p14="http://schemas.microsoft.com/office/powerpoint/2010/main" val="4017123390"/>
+        <p14:creationId xmlns:p14="http://schemas.microsoft.com/office/powerpoint/2010/main" val="838014850"/>
       </p:ext>
     </p:extLst>
   </p:cSld>
@@ -1924,13 +1689,7 @@
       </p:grpSpPr>
       <p:sp>
         <p:nvSpPr>
-          <p:cNvPr id="2" name="Title 1">
-            <a:extLst>
-              <a:ext uri="{FF2B5EF4-FFF2-40B4-BE49-F238E27FC236}">
-                <a16:creationId xmlns:a16="http://schemas.microsoft.com/office/drawing/2014/main" id="{A7BD724A-1DC7-4304-9D28-ABC657857387}"/>
-              </a:ext>
-            </a:extLst>
-          </p:cNvPr>
+          <p:cNvPr id="2" name="Title 1"/>
           <p:cNvSpPr>
             <a:spLocks noGrp="1"/>
           </p:cNvSpPr>
@@ -1947,19 +1706,13 @@
               <a:rPr lang="en-US"/>
               <a:t>Click to edit Master title style</a:t>
             </a:r>
-            <a:endParaRPr lang="th-TH"/>
-          </a:p>
-        </p:txBody>
-      </p:sp>
-      <p:sp>
-        <p:nvSpPr>
-          <p:cNvPr id="3" name="Date Placeholder 2">
-            <a:extLst>
-              <a:ext uri="{FF2B5EF4-FFF2-40B4-BE49-F238E27FC236}">
-                <a16:creationId xmlns:a16="http://schemas.microsoft.com/office/drawing/2014/main" id="{516E270A-A3A0-4C17-94BA-F6ECBCB85CB4}"/>
-              </a:ext>
-            </a:extLst>
-          </p:cNvPr>
+            <a:endParaRPr lang="en-US" dirty="0"/>
+          </a:p>
+        </p:txBody>
+      </p:sp>
+      <p:sp>
+        <p:nvSpPr>
+          <p:cNvPr id="3" name="Date Placeholder 2"/>
           <p:cNvSpPr>
             <a:spLocks noGrp="1"/>
           </p:cNvSpPr>
@@ -1982,13 +1735,7 @@
       </p:sp>
       <p:sp>
         <p:nvSpPr>
-          <p:cNvPr id="4" name="Footer Placeholder 3">
-            <a:extLst>
-              <a:ext uri="{FF2B5EF4-FFF2-40B4-BE49-F238E27FC236}">
-                <a16:creationId xmlns:a16="http://schemas.microsoft.com/office/drawing/2014/main" id="{BE8D4EE8-8DA5-48B6-A550-76C4CE5D8F3C}"/>
-              </a:ext>
-            </a:extLst>
-          </p:cNvPr>
+          <p:cNvPr id="4" name="Footer Placeholder 3"/>
           <p:cNvSpPr>
             <a:spLocks noGrp="1"/>
           </p:cNvSpPr>
@@ -2007,13 +1754,7 @@
       </p:sp>
       <p:sp>
         <p:nvSpPr>
-          <p:cNvPr id="5" name="Slide Number Placeholder 4">
-            <a:extLst>
-              <a:ext uri="{FF2B5EF4-FFF2-40B4-BE49-F238E27FC236}">
-                <a16:creationId xmlns:a16="http://schemas.microsoft.com/office/drawing/2014/main" id="{A1840896-B889-4263-91DB-17999F13E857}"/>
-              </a:ext>
-            </a:extLst>
-          </p:cNvPr>
+          <p:cNvPr id="5" name="Slide Number Placeholder 4"/>
           <p:cNvSpPr>
             <a:spLocks noGrp="1"/>
           </p:cNvSpPr>
@@ -2037,7 +1778,7 @@
     </p:spTree>
     <p:extLst>
       <p:ext uri="{BB962C8B-B14F-4D97-AF65-F5344CB8AC3E}">
-        <p14:creationId xmlns:p14="http://schemas.microsoft.com/office/powerpoint/2010/main" val="2754834738"/>
+        <p14:creationId xmlns:p14="http://schemas.microsoft.com/office/powerpoint/2010/main" val="3170713603"/>
       </p:ext>
     </p:extLst>
   </p:cSld>
@@ -2066,13 +1807,7 @@
       </p:grpSpPr>
       <p:sp>
         <p:nvSpPr>
-          <p:cNvPr id="2" name="Date Placeholder 1">
-            <a:extLst>
-              <a:ext uri="{FF2B5EF4-FFF2-40B4-BE49-F238E27FC236}">
-                <a16:creationId xmlns:a16="http://schemas.microsoft.com/office/drawing/2014/main" id="{F60784B6-6666-4A34-8D27-F936544D40B8}"/>
-              </a:ext>
-            </a:extLst>
-          </p:cNvPr>
+          <p:cNvPr id="2" name="Date Placeholder 1"/>
           <p:cNvSpPr>
             <a:spLocks noGrp="1"/>
           </p:cNvSpPr>
@@ -2095,13 +1830,7 @@
       </p:sp>
       <p:sp>
         <p:nvSpPr>
-          <p:cNvPr id="3" name="Footer Placeholder 2">
-            <a:extLst>
-              <a:ext uri="{FF2B5EF4-FFF2-40B4-BE49-F238E27FC236}">
-                <a16:creationId xmlns:a16="http://schemas.microsoft.com/office/drawing/2014/main" id="{7B5ACA17-E826-4C11-B2E3-76E1C45474EA}"/>
-              </a:ext>
-            </a:extLst>
-          </p:cNvPr>
+          <p:cNvPr id="3" name="Footer Placeholder 2"/>
           <p:cNvSpPr>
             <a:spLocks noGrp="1"/>
           </p:cNvSpPr>
@@ -2120,13 +1849,7 @@
       </p:sp>
       <p:sp>
         <p:nvSpPr>
-          <p:cNvPr id="4" name="Slide Number Placeholder 3">
-            <a:extLst>
-              <a:ext uri="{FF2B5EF4-FFF2-40B4-BE49-F238E27FC236}">
-                <a16:creationId xmlns:a16="http://schemas.microsoft.com/office/drawing/2014/main" id="{E24E33A3-5E3A-485A-BD35-E9642CDC2EA7}"/>
-              </a:ext>
-            </a:extLst>
-          </p:cNvPr>
+          <p:cNvPr id="4" name="Slide Number Placeholder 3"/>
           <p:cNvSpPr>
             <a:spLocks noGrp="1"/>
           </p:cNvSpPr>
@@ -2150,7 +1873,7 @@
     </p:spTree>
     <p:extLst>
       <p:ext uri="{BB962C8B-B14F-4D97-AF65-F5344CB8AC3E}">
-        <p14:creationId xmlns:p14="http://schemas.microsoft.com/office/powerpoint/2010/main" val="3351790416"/>
+        <p14:creationId xmlns:p14="http://schemas.microsoft.com/office/powerpoint/2010/main" val="3268113624"/>
       </p:ext>
     </p:extLst>
   </p:cSld>
@@ -2179,13 +1902,7 @@
       </p:grpSpPr>
       <p:sp>
         <p:nvSpPr>
-          <p:cNvPr id="2" name="Title 1">
-            <a:extLst>
-              <a:ext uri="{FF2B5EF4-FFF2-40B4-BE49-F238E27FC236}">
-                <a16:creationId xmlns:a16="http://schemas.microsoft.com/office/drawing/2014/main" id="{60C522AD-8AE6-44D3-A3ED-977A00F00AB2}"/>
-              </a:ext>
-            </a:extLst>
-          </p:cNvPr>
+          <p:cNvPr id="2" name="Title 1"/>
           <p:cNvSpPr>
             <a:spLocks noGrp="1"/>
           </p:cNvSpPr>
@@ -2195,8 +1912,8 @@
         </p:nvSpPr>
         <p:spPr>
           <a:xfrm>
-            <a:off x="839788" y="457200"/>
-            <a:ext cx="3932237" cy="1600200"/>
+            <a:off x="682328" y="457200"/>
+            <a:ext cx="3194943" cy="1600200"/>
           </a:xfrm>
         </p:spPr>
         <p:txBody>
@@ -2211,19 +1928,13 @@
               <a:rPr lang="en-US"/>
               <a:t>Click to edit Master title style</a:t>
             </a:r>
-            <a:endParaRPr lang="th-TH"/>
-          </a:p>
-        </p:txBody>
-      </p:sp>
-      <p:sp>
-        <p:nvSpPr>
-          <p:cNvPr id="3" name="Content Placeholder 2">
-            <a:extLst>
-              <a:ext uri="{FF2B5EF4-FFF2-40B4-BE49-F238E27FC236}">
-                <a16:creationId xmlns:a16="http://schemas.microsoft.com/office/drawing/2014/main" id="{7778E4F3-1037-41A4-965F-31B6B3EEC881}"/>
-              </a:ext>
-            </a:extLst>
-          </p:cNvPr>
+            <a:endParaRPr lang="en-US" dirty="0"/>
+          </a:p>
+        </p:txBody>
+      </p:sp>
+      <p:sp>
+        <p:nvSpPr>
+          <p:cNvPr id="3" name="Content Placeholder 2"/>
           <p:cNvSpPr>
             <a:spLocks noGrp="1"/>
           </p:cNvSpPr>
@@ -2233,8 +1944,8 @@
         </p:nvSpPr>
         <p:spPr>
           <a:xfrm>
-            <a:off x="5183188" y="987425"/>
-            <a:ext cx="6172200" cy="4873625"/>
+            <a:off x="4211340" y="987427"/>
+            <a:ext cx="5014913" cy="4873625"/>
           </a:xfrm>
         </p:spPr>
         <p:txBody>
@@ -2302,19 +2013,13 @@
               <a:rPr lang="en-US"/>
               <a:t>Fifth level</a:t>
             </a:r>
-            <a:endParaRPr lang="th-TH"/>
-          </a:p>
-        </p:txBody>
-      </p:sp>
-      <p:sp>
-        <p:nvSpPr>
-          <p:cNvPr id="4" name="Text Placeholder 3">
-            <a:extLst>
-              <a:ext uri="{FF2B5EF4-FFF2-40B4-BE49-F238E27FC236}">
-                <a16:creationId xmlns:a16="http://schemas.microsoft.com/office/drawing/2014/main" id="{205058EF-199C-4D2F-BCDE-E9F17C754B36}"/>
-              </a:ext>
-            </a:extLst>
-          </p:cNvPr>
+            <a:endParaRPr lang="en-US" dirty="0"/>
+          </a:p>
+        </p:txBody>
+      </p:sp>
+      <p:sp>
+        <p:nvSpPr>
+          <p:cNvPr id="4" name="Text Placeholder 3"/>
           <p:cNvSpPr>
             <a:spLocks noGrp="1"/>
           </p:cNvSpPr>
@@ -2324,8 +2029,8 @@
         </p:nvSpPr>
         <p:spPr>
           <a:xfrm>
-            <a:off x="839788" y="2057400"/>
-            <a:ext cx="3932237" cy="3811588"/>
+            <a:off x="682328" y="2057400"/>
+            <a:ext cx="3194943" cy="3811588"/>
           </a:xfrm>
         </p:spPr>
         <p:txBody>
@@ -2379,13 +2084,7 @@
       </p:sp>
       <p:sp>
         <p:nvSpPr>
-          <p:cNvPr id="5" name="Date Placeholder 4">
-            <a:extLst>
-              <a:ext uri="{FF2B5EF4-FFF2-40B4-BE49-F238E27FC236}">
-                <a16:creationId xmlns:a16="http://schemas.microsoft.com/office/drawing/2014/main" id="{3713615D-F776-4C1D-8B30-6C57F253DB17}"/>
-              </a:ext>
-            </a:extLst>
-          </p:cNvPr>
+          <p:cNvPr id="5" name="Date Placeholder 4"/>
           <p:cNvSpPr>
             <a:spLocks noGrp="1"/>
           </p:cNvSpPr>
@@ -2408,13 +2107,7 @@
       </p:sp>
       <p:sp>
         <p:nvSpPr>
-          <p:cNvPr id="6" name="Footer Placeholder 5">
-            <a:extLst>
-              <a:ext uri="{FF2B5EF4-FFF2-40B4-BE49-F238E27FC236}">
-                <a16:creationId xmlns:a16="http://schemas.microsoft.com/office/drawing/2014/main" id="{BB6096D2-E283-4583-A8AE-AD361D84AE32}"/>
-              </a:ext>
-            </a:extLst>
-          </p:cNvPr>
+          <p:cNvPr id="6" name="Footer Placeholder 5"/>
           <p:cNvSpPr>
             <a:spLocks noGrp="1"/>
           </p:cNvSpPr>
@@ -2433,13 +2126,7 @@
       </p:sp>
       <p:sp>
         <p:nvSpPr>
-          <p:cNvPr id="7" name="Slide Number Placeholder 6">
-            <a:extLst>
-              <a:ext uri="{FF2B5EF4-FFF2-40B4-BE49-F238E27FC236}">
-                <a16:creationId xmlns:a16="http://schemas.microsoft.com/office/drawing/2014/main" id="{B3040002-C4ED-49F3-836C-EEE66F76A9A0}"/>
-              </a:ext>
-            </a:extLst>
-          </p:cNvPr>
+          <p:cNvPr id="7" name="Slide Number Placeholder 6"/>
           <p:cNvSpPr>
             <a:spLocks noGrp="1"/>
           </p:cNvSpPr>
@@ -2463,7 +2150,7 @@
     </p:spTree>
     <p:extLst>
       <p:ext uri="{BB962C8B-B14F-4D97-AF65-F5344CB8AC3E}">
-        <p14:creationId xmlns:p14="http://schemas.microsoft.com/office/powerpoint/2010/main" val="1021122650"/>
+        <p14:creationId xmlns:p14="http://schemas.microsoft.com/office/powerpoint/2010/main" val="3776190181"/>
       </p:ext>
     </p:extLst>
   </p:cSld>
@@ -2492,13 +2179,7 @@
       </p:grpSpPr>
       <p:sp>
         <p:nvSpPr>
-          <p:cNvPr id="2" name="Title 1">
-            <a:extLst>
-              <a:ext uri="{FF2B5EF4-FFF2-40B4-BE49-F238E27FC236}">
-                <a16:creationId xmlns:a16="http://schemas.microsoft.com/office/drawing/2014/main" id="{9B79701C-FCC8-4335-A846-556221187BA2}"/>
-              </a:ext>
-            </a:extLst>
-          </p:cNvPr>
+          <p:cNvPr id="2" name="Title 1"/>
           <p:cNvSpPr>
             <a:spLocks noGrp="1"/>
           </p:cNvSpPr>
@@ -2508,8 +2189,8 @@
         </p:nvSpPr>
         <p:spPr>
           <a:xfrm>
-            <a:off x="839788" y="457200"/>
-            <a:ext cx="3932237" cy="1600200"/>
+            <a:off x="682328" y="457200"/>
+            <a:ext cx="3194943" cy="1600200"/>
           </a:xfrm>
         </p:spPr>
         <p:txBody>
@@ -2524,21 +2205,15 @@
               <a:rPr lang="en-US"/>
               <a:t>Click to edit Master title style</a:t>
             </a:r>
-            <a:endParaRPr lang="th-TH"/>
-          </a:p>
-        </p:txBody>
-      </p:sp>
-      <p:sp>
-        <p:nvSpPr>
-          <p:cNvPr id="3" name="Picture Placeholder 2">
-            <a:extLst>
-              <a:ext uri="{FF2B5EF4-FFF2-40B4-BE49-F238E27FC236}">
-                <a16:creationId xmlns:a16="http://schemas.microsoft.com/office/drawing/2014/main" id="{88D0C915-111E-43EE-9C1D-3AE7178B9B94}"/>
-              </a:ext>
-            </a:extLst>
-          </p:cNvPr>
+            <a:endParaRPr lang="en-US" dirty="0"/>
+          </a:p>
+        </p:txBody>
+      </p:sp>
+      <p:sp>
+        <p:nvSpPr>
+          <p:cNvPr id="3" name="Picture Placeholder 2"/>
           <p:cNvSpPr>
-            <a:spLocks noGrp="1"/>
+            <a:spLocks noGrp="1" noChangeAspect="1"/>
           </p:cNvSpPr>
           <p:nvPr>
             <p:ph type="pic" idx="1"/>
@@ -2546,12 +2221,12 @@
         </p:nvSpPr>
         <p:spPr>
           <a:xfrm>
-            <a:off x="5183188" y="987425"/>
-            <a:ext cx="6172200" cy="4873625"/>
-          </a:xfrm>
-        </p:spPr>
-        <p:txBody>
-          <a:bodyPr/>
+            <a:off x="4211340" y="987427"/>
+            <a:ext cx="5014913" cy="4873625"/>
+          </a:xfrm>
+        </p:spPr>
+        <p:txBody>
+          <a:bodyPr anchor="t"/>
           <a:lstStyle>
             <a:lvl1pPr marL="0" indent="0">
               <a:buNone/>
@@ -2591,19 +2266,17 @@
             </a:lvl9pPr>
           </a:lstStyle>
           <a:p>
-            <a:endParaRPr lang="th-TH"/>
-          </a:p>
-        </p:txBody>
-      </p:sp>
-      <p:sp>
-        <p:nvSpPr>
-          <p:cNvPr id="4" name="Text Placeholder 3">
-            <a:extLst>
-              <a:ext uri="{FF2B5EF4-FFF2-40B4-BE49-F238E27FC236}">
-                <a16:creationId xmlns:a16="http://schemas.microsoft.com/office/drawing/2014/main" id="{D0279CF3-78F5-4FA8-8AF5-4EF622C69D83}"/>
-              </a:ext>
-            </a:extLst>
-          </p:cNvPr>
+            <a:r>
+              <a:rPr lang="en-US"/>
+              <a:t>Click icon to add picture</a:t>
+            </a:r>
+            <a:endParaRPr lang="en-US" dirty="0"/>
+          </a:p>
+        </p:txBody>
+      </p:sp>
+      <p:sp>
+        <p:nvSpPr>
+          <p:cNvPr id="4" name="Text Placeholder 3"/>
           <p:cNvSpPr>
             <a:spLocks noGrp="1"/>
           </p:cNvSpPr>
@@ -2613,8 +2286,8 @@
         </p:nvSpPr>
         <p:spPr>
           <a:xfrm>
-            <a:off x="839788" y="2057400"/>
-            <a:ext cx="3932237" cy="3811588"/>
+            <a:off x="682328" y="2057400"/>
+            <a:ext cx="3194943" cy="3811588"/>
           </a:xfrm>
         </p:spPr>
         <p:txBody>
@@ -2668,13 +2341,7 @@
       </p:sp>
       <p:sp>
         <p:nvSpPr>
-          <p:cNvPr id="5" name="Date Placeholder 4">
-            <a:extLst>
-              <a:ext uri="{FF2B5EF4-FFF2-40B4-BE49-F238E27FC236}">
-                <a16:creationId xmlns:a16="http://schemas.microsoft.com/office/drawing/2014/main" id="{342E95C1-AF3B-44C8-8EAF-555CE8EAAD97}"/>
-              </a:ext>
-            </a:extLst>
-          </p:cNvPr>
+          <p:cNvPr id="5" name="Date Placeholder 4"/>
           <p:cNvSpPr>
             <a:spLocks noGrp="1"/>
           </p:cNvSpPr>
@@ -2697,13 +2364,7 @@
       </p:sp>
       <p:sp>
         <p:nvSpPr>
-          <p:cNvPr id="6" name="Footer Placeholder 5">
-            <a:extLst>
-              <a:ext uri="{FF2B5EF4-FFF2-40B4-BE49-F238E27FC236}">
-                <a16:creationId xmlns:a16="http://schemas.microsoft.com/office/drawing/2014/main" id="{0102B0A3-1EB2-417C-88B9-843E5325A83B}"/>
-              </a:ext>
-            </a:extLst>
-          </p:cNvPr>
+          <p:cNvPr id="6" name="Footer Placeholder 5"/>
           <p:cNvSpPr>
             <a:spLocks noGrp="1"/>
           </p:cNvSpPr>
@@ -2722,13 +2383,7 @@
       </p:sp>
       <p:sp>
         <p:nvSpPr>
-          <p:cNvPr id="7" name="Slide Number Placeholder 6">
-            <a:extLst>
-              <a:ext uri="{FF2B5EF4-FFF2-40B4-BE49-F238E27FC236}">
-                <a16:creationId xmlns:a16="http://schemas.microsoft.com/office/drawing/2014/main" id="{C724E479-85C2-47A1-BB3E-FDA2AB97ACA5}"/>
-              </a:ext>
-            </a:extLst>
-          </p:cNvPr>
+          <p:cNvPr id="7" name="Slide Number Placeholder 6"/>
           <p:cNvSpPr>
             <a:spLocks noGrp="1"/>
           </p:cNvSpPr>
@@ -2752,7 +2407,7 @@
     </p:spTree>
     <p:extLst>
       <p:ext uri="{BB962C8B-B14F-4D97-AF65-F5344CB8AC3E}">
-        <p14:creationId xmlns:p14="http://schemas.microsoft.com/office/powerpoint/2010/main" val="170217066"/>
+        <p14:creationId xmlns:p14="http://schemas.microsoft.com/office/powerpoint/2010/main" val="1104120330"/>
       </p:ext>
     </p:extLst>
   </p:cSld>
@@ -2786,13 +2441,7 @@
       </p:grpSpPr>
       <p:sp>
         <p:nvSpPr>
-          <p:cNvPr id="2" name="Title Placeholder 1">
-            <a:extLst>
-              <a:ext uri="{FF2B5EF4-FFF2-40B4-BE49-F238E27FC236}">
-                <a16:creationId xmlns:a16="http://schemas.microsoft.com/office/drawing/2014/main" id="{1E672D98-0E9B-4EEC-AC4A-0326883D70EF}"/>
-              </a:ext>
-            </a:extLst>
-          </p:cNvPr>
+          <p:cNvPr id="2" name="Title Placeholder 1"/>
           <p:cNvSpPr>
             <a:spLocks noGrp="1"/>
           </p:cNvSpPr>
@@ -2802,8 +2451,8 @@
         </p:nvSpPr>
         <p:spPr>
           <a:xfrm>
-            <a:off x="838200" y="365125"/>
-            <a:ext cx="10515600" cy="1325563"/>
+            <a:off x="681038" y="365127"/>
+            <a:ext cx="8543925" cy="1325563"/>
           </a:xfrm>
           <a:prstGeom prst="rect">
             <a:avLst/>
@@ -2819,19 +2468,13 @@
               <a:rPr lang="en-US"/>
               <a:t>Click to edit Master title style</a:t>
             </a:r>
-            <a:endParaRPr lang="th-TH"/>
-          </a:p>
-        </p:txBody>
-      </p:sp>
-      <p:sp>
-        <p:nvSpPr>
-          <p:cNvPr id="3" name="Text Placeholder 2">
-            <a:extLst>
-              <a:ext uri="{FF2B5EF4-FFF2-40B4-BE49-F238E27FC236}">
-                <a16:creationId xmlns:a16="http://schemas.microsoft.com/office/drawing/2014/main" id="{1F81DA0F-1001-4CB2-A85B-55241D4C73FB}"/>
-              </a:ext>
-            </a:extLst>
-          </p:cNvPr>
+            <a:endParaRPr lang="en-US" dirty="0"/>
+          </a:p>
+        </p:txBody>
+      </p:sp>
+      <p:sp>
+        <p:nvSpPr>
+          <p:cNvPr id="3" name="Text Placeholder 2"/>
           <p:cNvSpPr>
             <a:spLocks noGrp="1"/>
           </p:cNvSpPr>
@@ -2841,8 +2484,8 @@
         </p:nvSpPr>
         <p:spPr>
           <a:xfrm>
-            <a:off x="838200" y="1825625"/>
-            <a:ext cx="10515600" cy="4351338"/>
+            <a:off x="681038" y="1825625"/>
+            <a:ext cx="8543925" cy="4351338"/>
           </a:xfrm>
           <a:prstGeom prst="rect">
             <a:avLst/>
@@ -2887,19 +2530,13 @@
               <a:rPr lang="en-US"/>
               <a:t>Fifth level</a:t>
             </a:r>
-            <a:endParaRPr lang="th-TH"/>
-          </a:p>
-        </p:txBody>
-      </p:sp>
-      <p:sp>
-        <p:nvSpPr>
-          <p:cNvPr id="4" name="Date Placeholder 3">
-            <a:extLst>
-              <a:ext uri="{FF2B5EF4-FFF2-40B4-BE49-F238E27FC236}">
-                <a16:creationId xmlns:a16="http://schemas.microsoft.com/office/drawing/2014/main" id="{E6CCAA39-E56A-432A-B88E-C111A5845315}"/>
-              </a:ext>
-            </a:extLst>
-          </p:cNvPr>
+            <a:endParaRPr lang="en-US" dirty="0"/>
+          </a:p>
+        </p:txBody>
+      </p:sp>
+      <p:sp>
+        <p:nvSpPr>
+          <p:cNvPr id="4" name="Date Placeholder 3"/>
           <p:cNvSpPr>
             <a:spLocks noGrp="1"/>
           </p:cNvSpPr>
@@ -2909,8 +2546,8 @@
         </p:nvSpPr>
         <p:spPr>
           <a:xfrm>
-            <a:off x="838200" y="6356350"/>
-            <a:ext cx="2743200" cy="365125"/>
+            <a:off x="681038" y="6356352"/>
+            <a:ext cx="2228850" cy="365125"/>
           </a:xfrm>
           <a:prstGeom prst="rect">
             <a:avLst/>
@@ -2940,13 +2577,7 @@
       </p:sp>
       <p:sp>
         <p:nvSpPr>
-          <p:cNvPr id="5" name="Footer Placeholder 4">
-            <a:extLst>
-              <a:ext uri="{FF2B5EF4-FFF2-40B4-BE49-F238E27FC236}">
-                <a16:creationId xmlns:a16="http://schemas.microsoft.com/office/drawing/2014/main" id="{ADD49464-4651-471F-B3E8-C2067CEBABA6}"/>
-              </a:ext>
-            </a:extLst>
-          </p:cNvPr>
+          <p:cNvPr id="5" name="Footer Placeholder 4"/>
           <p:cNvSpPr>
             <a:spLocks noGrp="1"/>
           </p:cNvSpPr>
@@ -2956,8 +2587,8 @@
         </p:nvSpPr>
         <p:spPr>
           <a:xfrm>
-            <a:off x="4038600" y="6356350"/>
-            <a:ext cx="4114800" cy="365125"/>
+            <a:off x="3281363" y="6356352"/>
+            <a:ext cx="3343275" cy="365125"/>
           </a:xfrm>
           <a:prstGeom prst="rect">
             <a:avLst/>
@@ -2983,13 +2614,7 @@
       </p:sp>
       <p:sp>
         <p:nvSpPr>
-          <p:cNvPr id="6" name="Slide Number Placeholder 5">
-            <a:extLst>
-              <a:ext uri="{FF2B5EF4-FFF2-40B4-BE49-F238E27FC236}">
-                <a16:creationId xmlns:a16="http://schemas.microsoft.com/office/drawing/2014/main" id="{AF87D763-9C54-4959-A05B-D23688C98CAB}"/>
-              </a:ext>
-            </a:extLst>
-          </p:cNvPr>
+          <p:cNvPr id="6" name="Slide Number Placeholder 5"/>
           <p:cNvSpPr>
             <a:spLocks noGrp="1"/>
           </p:cNvSpPr>
@@ -2999,8 +2624,8 @@
         </p:nvSpPr>
         <p:spPr>
           <a:xfrm>
-            <a:off x="8610600" y="6356350"/>
-            <a:ext cx="2743200" cy="365125"/>
+            <a:off x="6996113" y="6356352"/>
+            <a:ext cx="2228850" cy="365125"/>
           </a:xfrm>
           <a:prstGeom prst="rect">
             <a:avLst/>
@@ -3031,23 +2656,23 @@
     </p:spTree>
     <p:extLst>
       <p:ext uri="{BB962C8B-B14F-4D97-AF65-F5344CB8AC3E}">
-        <p14:creationId xmlns:p14="http://schemas.microsoft.com/office/powerpoint/2010/main" val="2123448939"/>
+        <p14:creationId xmlns:p14="http://schemas.microsoft.com/office/powerpoint/2010/main" val="296525909"/>
       </p:ext>
     </p:extLst>
   </p:cSld>
   <p:clrMap bg1="lt1" tx1="dk1" bg2="lt2" tx2="dk2" accent1="accent1" accent2="accent2" accent3="accent3" accent4="accent4" accent5="accent5" accent6="accent6" hlink="hlink" folHlink="folHlink"/>
   <p:sldLayoutIdLst>
-    <p:sldLayoutId id="2147483649" r:id="rId1"/>
-    <p:sldLayoutId id="2147483650" r:id="rId2"/>
-    <p:sldLayoutId id="2147483651" r:id="rId3"/>
-    <p:sldLayoutId id="2147483652" r:id="rId4"/>
-    <p:sldLayoutId id="2147483653" r:id="rId5"/>
-    <p:sldLayoutId id="2147483654" r:id="rId6"/>
-    <p:sldLayoutId id="2147483655" r:id="rId7"/>
-    <p:sldLayoutId id="2147483656" r:id="rId8"/>
-    <p:sldLayoutId id="2147483657" r:id="rId9"/>
-    <p:sldLayoutId id="2147483658" r:id="rId10"/>
-    <p:sldLayoutId id="2147483659" r:id="rId11"/>
+    <p:sldLayoutId id="2147483661" r:id="rId1"/>
+    <p:sldLayoutId id="2147483662" r:id="rId2"/>
+    <p:sldLayoutId id="2147483663" r:id="rId3"/>
+    <p:sldLayoutId id="2147483664" r:id="rId4"/>
+    <p:sldLayoutId id="2147483665" r:id="rId5"/>
+    <p:sldLayoutId id="2147483666" r:id="rId6"/>
+    <p:sldLayoutId id="2147483667" r:id="rId7"/>
+    <p:sldLayoutId id="2147483668" r:id="rId8"/>
+    <p:sldLayoutId id="2147483669" r:id="rId9"/>
+    <p:sldLayoutId id="2147483670" r:id="rId10"/>
+    <p:sldLayoutId id="2147483671" r:id="rId11"/>
   </p:sldLayoutIdLst>
   <p:txStyles>
     <p:titleStyle>
@@ -3235,10 +2860,10 @@
     </p:bodyStyle>
     <p:otherStyle>
       <a:defPPr>
-        <a:defRPr lang="th-TH"/>
+        <a:defRPr lang="en-US"/>
       </a:defPPr>
       <a:lvl1pPr marL="0" algn="l" defTabSz="914400" rtl="0" eaLnBrk="1" latinLnBrk="0" hangingPunct="1">
-        <a:defRPr sz="2800" kern="1200">
+        <a:defRPr sz="1800" kern="1200">
           <a:solidFill>
             <a:schemeClr val="tx1"/>
           </a:solidFill>
@@ -3248,7 +2873,7 @@
         </a:defRPr>
       </a:lvl1pPr>
       <a:lvl2pPr marL="457200" algn="l" defTabSz="914400" rtl="0" eaLnBrk="1" latinLnBrk="0" hangingPunct="1">
-        <a:defRPr sz="2800" kern="1200">
+        <a:defRPr sz="1800" kern="1200">
           <a:solidFill>
             <a:schemeClr val="tx1"/>
           </a:solidFill>
@@ -3258,7 +2883,7 @@
         </a:defRPr>
       </a:lvl2pPr>
       <a:lvl3pPr marL="914400" algn="l" defTabSz="914400" rtl="0" eaLnBrk="1" latinLnBrk="0" hangingPunct="1">
-        <a:defRPr sz="2800" kern="1200">
+        <a:defRPr sz="1800" kern="1200">
           <a:solidFill>
             <a:schemeClr val="tx1"/>
           </a:solidFill>
@@ -3268,7 +2893,7 @@
         </a:defRPr>
       </a:lvl3pPr>
       <a:lvl4pPr marL="1371600" algn="l" defTabSz="914400" rtl="0" eaLnBrk="1" latinLnBrk="0" hangingPunct="1">
-        <a:defRPr sz="2800" kern="1200">
+        <a:defRPr sz="1800" kern="1200">
           <a:solidFill>
             <a:schemeClr val="tx1"/>
           </a:solidFill>
@@ -3278,7 +2903,7 @@
         </a:defRPr>
       </a:lvl4pPr>
       <a:lvl5pPr marL="1828800" algn="l" defTabSz="914400" rtl="0" eaLnBrk="1" latinLnBrk="0" hangingPunct="1">
-        <a:defRPr sz="2800" kern="1200">
+        <a:defRPr sz="1800" kern="1200">
           <a:solidFill>
             <a:schemeClr val="tx1"/>
           </a:solidFill>
@@ -3288,7 +2913,7 @@
         </a:defRPr>
       </a:lvl5pPr>
       <a:lvl6pPr marL="2286000" algn="l" defTabSz="914400" rtl="0" eaLnBrk="1" latinLnBrk="0" hangingPunct="1">
-        <a:defRPr sz="2800" kern="1200">
+        <a:defRPr sz="1800" kern="1200">
           <a:solidFill>
             <a:schemeClr val="tx1"/>
           </a:solidFill>
@@ -3298,7 +2923,7 @@
         </a:defRPr>
       </a:lvl6pPr>
       <a:lvl7pPr marL="2743200" algn="l" defTabSz="914400" rtl="0" eaLnBrk="1" latinLnBrk="0" hangingPunct="1">
-        <a:defRPr sz="2800" kern="1200">
+        <a:defRPr sz="1800" kern="1200">
           <a:solidFill>
             <a:schemeClr val="tx1"/>
           </a:solidFill>
@@ -3308,7 +2933,7 @@
         </a:defRPr>
       </a:lvl7pPr>
       <a:lvl8pPr marL="3200400" algn="l" defTabSz="914400" rtl="0" eaLnBrk="1" latinLnBrk="0" hangingPunct="1">
-        <a:defRPr sz="2800" kern="1200">
+        <a:defRPr sz="1800" kern="1200">
           <a:solidFill>
             <a:schemeClr val="tx1"/>
           </a:solidFill>
@@ -3318,7 +2943,7 @@
         </a:defRPr>
       </a:lvl8pPr>
       <a:lvl9pPr marL="3657600" algn="l" defTabSz="914400" rtl="0" eaLnBrk="1" latinLnBrk="0" hangingPunct="1">
-        <a:defRPr sz="2800" kern="1200">
+        <a:defRPr sz="1800" kern="1200">
           <a:solidFill>
             <a:schemeClr val="tx1"/>
           </a:solidFill>
@@ -3363,8 +2988,8 @@
         </p:nvSpPr>
         <p:spPr>
           <a:xfrm>
-            <a:off x="1677881" y="3162669"/>
-            <a:ext cx="1535837" cy="532662"/>
+            <a:off x="1363279" y="3212606"/>
+            <a:ext cx="1247868" cy="432788"/>
           </a:xfrm>
           <a:prstGeom prst="rect">
             <a:avLst/>
@@ -3390,7 +3015,7 @@
           <a:p>
             <a:pPr algn="ctr"/>
             <a:r>
-              <a:rPr lang="th-TH" sz="2400" dirty="0">
+              <a:rPr lang="th-TH" sz="1950" dirty="0">
                 <a:latin typeface="TH Sarabun New" panose="020B0500040200020003" pitchFamily="34" charset="-34"/>
                 <a:cs typeface="TH Sarabun New" panose="020B0500040200020003" pitchFamily="34" charset="-34"/>
               </a:rPr>
@@ -3413,8 +3038,8 @@
         </p:nvGrpSpPr>
         <p:grpSpPr>
           <a:xfrm>
-            <a:off x="4598633" y="2068498"/>
-            <a:ext cx="1864311" cy="1100832"/>
+            <a:off x="3736390" y="2323592"/>
+            <a:ext cx="1514753" cy="894426"/>
             <a:chOff x="5530788" y="2405849"/>
             <a:chExt cx="1864311" cy="1100832"/>
           </a:xfrm>
@@ -3459,7 +3084,7 @@
             <a:lstStyle/>
             <a:p>
               <a:pPr algn="ctr"/>
-              <a:endParaRPr lang="th-TH" dirty="0"/>
+              <a:endParaRPr lang="th-TH" sz="2275" dirty="0"/>
             </a:p>
           </p:txBody>
         </p:sp>
@@ -3514,8 +3139,8 @@
         </p:nvGrpSpPr>
         <p:grpSpPr>
           <a:xfrm>
-            <a:off x="4598633" y="3623569"/>
-            <a:ext cx="1864311" cy="1100832"/>
+            <a:off x="3736390" y="3587087"/>
+            <a:ext cx="1514753" cy="894426"/>
             <a:chOff x="5530788" y="2405849"/>
             <a:chExt cx="1864311" cy="1100832"/>
           </a:xfrm>
@@ -3560,7 +3185,7 @@
             <a:lstStyle/>
             <a:p>
               <a:pPr algn="ctr"/>
-              <a:endParaRPr lang="th-TH"/>
+              <a:endParaRPr lang="th-TH" sz="2275"/>
             </a:p>
           </p:txBody>
         </p:sp>
@@ -3615,8 +3240,8 @@
         </p:nvGrpSpPr>
         <p:grpSpPr>
           <a:xfrm>
-            <a:off x="8477455" y="1810217"/>
-            <a:ext cx="2521965" cy="710212"/>
+            <a:off x="6887932" y="2113739"/>
+            <a:ext cx="2049097" cy="577047"/>
             <a:chOff x="8044650" y="3089432"/>
             <a:chExt cx="2129160" cy="710212"/>
           </a:xfrm>
@@ -3662,7 +3287,7 @@
             <a:p>
               <a:pPr algn="ctr"/>
               <a:r>
-                <a:rPr lang="th-TH" sz="2400" dirty="0">
+                <a:rPr lang="th-TH" sz="1950" dirty="0">
                   <a:latin typeface="TH Sarabun New" panose="020B0500040200020003" pitchFamily="34" charset="-34"/>
                   <a:cs typeface="TH Sarabun New" panose="020B0500040200020003" pitchFamily="34" charset="-34"/>
                 </a:rPr>
@@ -3757,7 +3382,7 @@
             <a:lstStyle/>
             <a:p>
               <a:pPr algn="ctr"/>
-              <a:endParaRPr lang="th-TH"/>
+              <a:endParaRPr lang="th-TH" sz="2275"/>
             </a:p>
           </p:txBody>
         </p:sp>
@@ -3776,8 +3401,8 @@
         </p:nvSpPr>
         <p:spPr>
           <a:xfrm>
-            <a:off x="5324642" y="2068498"/>
-            <a:ext cx="412292" cy="400110"/>
+            <a:off x="4326272" y="2323592"/>
+            <a:ext cx="369012" cy="342401"/>
           </a:xfrm>
           <a:prstGeom prst="rect">
             <a:avLst/>
@@ -3791,14 +3416,14 @@
           <a:lstStyle/>
           <a:p>
             <a:r>
-              <a:rPr lang="en-US" sz="2000" dirty="0">
+              <a:rPr lang="en-US" sz="1625" dirty="0">
                 <a:latin typeface="TH Sarabun New" panose="020B0500040200020003" pitchFamily="34" charset="-34"/>
                 <a:cs typeface="TH Sarabun New" panose="020B0500040200020003" pitchFamily="34" charset="-34"/>
               </a:rPr>
               <a:t>5</a:t>
             </a:r>
             <a:r>
-              <a:rPr lang="th-TH" sz="2000" dirty="0">
+              <a:rPr lang="th-TH" sz="1625" dirty="0">
                 <a:latin typeface="TH Sarabun New" panose="020B0500040200020003" pitchFamily="34" charset="-34"/>
                 <a:cs typeface="TH Sarabun New" panose="020B0500040200020003" pitchFamily="34" charset="-34"/>
               </a:rPr>
@@ -3821,8 +3446,8 @@
         </p:nvSpPr>
         <p:spPr>
           <a:xfrm>
-            <a:off x="5324642" y="3599589"/>
-            <a:ext cx="412292" cy="400110"/>
+            <a:off x="4326272" y="3567604"/>
+            <a:ext cx="369012" cy="342401"/>
           </a:xfrm>
           <a:prstGeom prst="rect">
             <a:avLst/>
@@ -3836,14 +3461,14 @@
           <a:lstStyle/>
           <a:p>
             <a:r>
-              <a:rPr lang="en-US" sz="2000" dirty="0">
+              <a:rPr lang="en-US" sz="1625" dirty="0">
                 <a:latin typeface="TH Sarabun New" panose="020B0500040200020003" pitchFamily="34" charset="-34"/>
                 <a:cs typeface="TH Sarabun New" panose="020B0500040200020003" pitchFamily="34" charset="-34"/>
               </a:rPr>
               <a:t>5</a:t>
             </a:r>
             <a:r>
-              <a:rPr lang="th-TH" sz="2000" dirty="0">
+              <a:rPr lang="th-TH" sz="1625" dirty="0">
                 <a:latin typeface="TH Sarabun New" panose="020B0500040200020003" pitchFamily="34" charset="-34"/>
                 <a:cs typeface="TH Sarabun New" panose="020B0500040200020003" pitchFamily="34" charset="-34"/>
               </a:rPr>
@@ -3866,8 +3491,8 @@
         </p:nvSpPr>
         <p:spPr>
           <a:xfrm>
-            <a:off x="4891835" y="2416116"/>
-            <a:ext cx="1277914" cy="400110"/>
+            <a:off x="3958205" y="2606032"/>
+            <a:ext cx="1071127" cy="342401"/>
           </a:xfrm>
           <a:prstGeom prst="rect">
             <a:avLst/>
@@ -3882,7 +3507,7 @@
           <a:p>
             <a:pPr algn="ctr"/>
             <a:r>
-              <a:rPr lang="th-TH" sz="2000" dirty="0">
+              <a:rPr lang="th-TH" sz="1625" dirty="0">
                 <a:latin typeface="TH Sarabun New" panose="020B0500040200020003" pitchFamily="34" charset="-34"/>
                 <a:cs typeface="TH Sarabun New" panose="020B0500040200020003" pitchFamily="34" charset="-34"/>
               </a:rPr>
@@ -3905,8 +3530,8 @@
         </p:nvSpPr>
         <p:spPr>
           <a:xfrm>
-            <a:off x="4923090" y="3965352"/>
-            <a:ext cx="1215397" cy="400110"/>
+            <a:off x="3982247" y="3864786"/>
+            <a:ext cx="1023037" cy="342401"/>
           </a:xfrm>
           <a:prstGeom prst="rect">
             <a:avLst/>
@@ -3921,7 +3546,7 @@
           <a:p>
             <a:pPr algn="ctr"/>
             <a:r>
-              <a:rPr lang="th-TH" sz="2000" dirty="0">
+              <a:rPr lang="th-TH" sz="1625" dirty="0">
                 <a:latin typeface="TH Sarabun New" panose="020B0500040200020003" pitchFamily="34" charset="-34"/>
                 <a:cs typeface="TH Sarabun New" panose="020B0500040200020003" pitchFamily="34" charset="-34"/>
               </a:rPr>
@@ -3944,8 +3569,8 @@
         </p:nvSpPr>
         <p:spPr>
           <a:xfrm>
-            <a:off x="8529336" y="2016006"/>
-            <a:ext cx="388248" cy="400110"/>
+            <a:off x="6930086" y="2280943"/>
+            <a:ext cx="349776" cy="342401"/>
           </a:xfrm>
           <a:prstGeom prst="rect">
             <a:avLst/>
@@ -3959,13 +3584,13 @@
           <a:lstStyle/>
           <a:p>
             <a:r>
-              <a:rPr lang="en-US" sz="2000" dirty="0">
+              <a:rPr lang="en-US" sz="1625" dirty="0">
                 <a:latin typeface="TH Sarabun New" panose="020B0500040200020003" pitchFamily="34" charset="-34"/>
                 <a:cs typeface="TH Sarabun New" panose="020B0500040200020003" pitchFamily="34" charset="-34"/>
               </a:rPr>
-              <a:t>D5</a:t>
-            </a:r>
-            <a:endParaRPr lang="th-TH" sz="2000" dirty="0">
+              <a:t>D6</a:t>
+            </a:r>
+            <a:endParaRPr lang="th-TH" sz="1625" dirty="0">
               <a:latin typeface="TH Sarabun New" panose="020B0500040200020003" pitchFamily="34" charset="-34"/>
               <a:cs typeface="TH Sarabun New" panose="020B0500040200020003" pitchFamily="34" charset="-34"/>
             </a:endParaRPr>
@@ -3989,8 +3614,8 @@
         </p:nvCxnSpPr>
         <p:spPr>
           <a:xfrm rot="5400000" flipH="1" flipV="1">
-            <a:off x="3250339" y="1814376"/>
-            <a:ext cx="543755" cy="2152833"/>
+            <a:off x="2640901" y="2117118"/>
+            <a:ext cx="441801" cy="1749177"/>
           </a:xfrm>
           <a:prstGeom prst="bentConnector2">
             <a:avLst/>
@@ -4032,8 +3657,8 @@
         </p:nvCxnSpPr>
         <p:spPr>
           <a:xfrm rot="5400000">
-            <a:off x="4242419" y="2140630"/>
-            <a:ext cx="259670" cy="2317071"/>
+            <a:off x="3446965" y="2382200"/>
+            <a:ext cx="210982" cy="1882620"/>
           </a:xfrm>
           <a:prstGeom prst="bentConnector2">
             <a:avLst/>
@@ -4074,8 +3699,8 @@
         </p:nvCxnSpPr>
         <p:spPr>
           <a:xfrm>
-            <a:off x="2584120" y="3695330"/>
-            <a:ext cx="2014513" cy="478655"/>
+            <a:off x="2099598" y="3645394"/>
+            <a:ext cx="1636792" cy="388907"/>
           </a:xfrm>
           <a:prstGeom prst="bentConnector3">
             <a:avLst>
@@ -4118,8 +3743,8 @@
         </p:nvCxnSpPr>
         <p:spPr>
           <a:xfrm rot="5400000" flipH="1">
-            <a:off x="3473760" y="2667372"/>
-            <a:ext cx="1029070" cy="3084989"/>
+            <a:off x="2822430" y="2810177"/>
+            <a:ext cx="836119" cy="2506554"/>
           </a:xfrm>
           <a:prstGeom prst="bentConnector3">
             <a:avLst>
@@ -4159,8 +3784,8 @@
         </p:nvSpPr>
         <p:spPr>
           <a:xfrm>
-            <a:off x="2473659" y="2316473"/>
-            <a:ext cx="1955985" cy="338554"/>
+            <a:off x="1992385" y="2525072"/>
+            <a:ext cx="1624164" cy="292388"/>
           </a:xfrm>
           <a:prstGeom prst="rect">
             <a:avLst/>
@@ -4175,21 +3800,21 @@
           <a:p>
             <a:pPr algn="ctr"/>
             <a:r>
-              <a:rPr lang="th-TH" sz="1600" dirty="0">
+              <a:rPr lang="th-TH" sz="1300" dirty="0">
                 <a:latin typeface="TH Sarabun New" panose="020B0500040200020003" pitchFamily="34" charset="-34"/>
                 <a:cs typeface="TH Sarabun New" panose="020B0500040200020003" pitchFamily="34" charset="-34"/>
               </a:rPr>
               <a:t>รายละเอียดรถยนต์</a:t>
             </a:r>
             <a:r>
-              <a:rPr lang="en-US" sz="1600" dirty="0">
+              <a:rPr lang="en-US" sz="1300" dirty="0">
                 <a:latin typeface="TH Sarabun New" panose="020B0500040200020003" pitchFamily="34" charset="-34"/>
                 <a:cs typeface="TH Sarabun New" panose="020B0500040200020003" pitchFamily="34" charset="-34"/>
               </a:rPr>
               <a:t>/</a:t>
             </a:r>
             <a:r>
-              <a:rPr lang="th-TH" sz="1600" dirty="0">
+              <a:rPr lang="th-TH" sz="1300" dirty="0">
                 <a:latin typeface="TH Sarabun New" panose="020B0500040200020003" pitchFamily="34" charset="-34"/>
                 <a:cs typeface="TH Sarabun New" panose="020B0500040200020003" pitchFamily="34" charset="-34"/>
               </a:rPr>
@@ -4212,8 +3837,8 @@
         </p:nvSpPr>
         <p:spPr>
           <a:xfrm>
-            <a:off x="2650388" y="3877196"/>
-            <a:ext cx="1955985" cy="338554"/>
+            <a:off x="2135978" y="3793159"/>
+            <a:ext cx="1624164" cy="292388"/>
           </a:xfrm>
           <a:prstGeom prst="rect">
             <a:avLst/>
@@ -4228,21 +3853,21 @@
           <a:p>
             <a:pPr algn="ctr"/>
             <a:r>
-              <a:rPr lang="th-TH" sz="1600" dirty="0">
+              <a:rPr lang="th-TH" sz="1300" dirty="0">
                 <a:latin typeface="TH Sarabun New" panose="020B0500040200020003" pitchFamily="34" charset="-34"/>
                 <a:cs typeface="TH Sarabun New" panose="020B0500040200020003" pitchFamily="34" charset="-34"/>
               </a:rPr>
               <a:t>รายละเอียดรถยนต์</a:t>
             </a:r>
             <a:r>
-              <a:rPr lang="en-US" sz="1600" dirty="0">
+              <a:rPr lang="en-US" sz="1300" dirty="0">
                 <a:latin typeface="TH Sarabun New" panose="020B0500040200020003" pitchFamily="34" charset="-34"/>
                 <a:cs typeface="TH Sarabun New" panose="020B0500040200020003" pitchFamily="34" charset="-34"/>
               </a:rPr>
               <a:t>/</a:t>
             </a:r>
             <a:r>
-              <a:rPr lang="th-TH" sz="1600" dirty="0">
+              <a:rPr lang="th-TH" sz="1300" dirty="0">
                 <a:latin typeface="TH Sarabun New" panose="020B0500040200020003" pitchFamily="34" charset="-34"/>
                 <a:cs typeface="TH Sarabun New" panose="020B0500040200020003" pitchFamily="34" charset="-34"/>
               </a:rPr>
@@ -4265,8 +3890,8 @@
         </p:nvSpPr>
         <p:spPr>
           <a:xfrm>
-            <a:off x="3138935" y="4673238"/>
-            <a:ext cx="1374094" cy="338554"/>
+            <a:off x="2531369" y="4439944"/>
+            <a:ext cx="1154483" cy="292388"/>
           </a:xfrm>
           <a:prstGeom prst="rect">
             <a:avLst/>
@@ -4281,7 +3906,7 @@
           <a:p>
             <a:pPr algn="ctr"/>
             <a:r>
-              <a:rPr lang="th-TH" sz="1600" dirty="0">
+              <a:rPr lang="th-TH" sz="1300" dirty="0">
                 <a:latin typeface="TH Sarabun New" panose="020B0500040200020003" pitchFamily="34" charset="-34"/>
                 <a:cs typeface="TH Sarabun New" panose="020B0500040200020003" pitchFamily="34" charset="-34"/>
               </a:rPr>
@@ -4304,8 +3929,8 @@
         </p:nvSpPr>
         <p:spPr>
           <a:xfrm>
-            <a:off x="3387125" y="3131567"/>
-            <a:ext cx="1422185" cy="338554"/>
+            <a:off x="2733324" y="3187336"/>
+            <a:ext cx="1192955" cy="292388"/>
           </a:xfrm>
           <a:prstGeom prst="rect">
             <a:avLst/>
@@ -4320,7 +3945,7 @@
           <a:p>
             <a:pPr algn="ctr"/>
             <a:r>
-              <a:rPr lang="th-TH" sz="1600" dirty="0">
+              <a:rPr lang="th-TH" sz="1300" dirty="0">
                 <a:latin typeface="TH Sarabun New" panose="020B0500040200020003" pitchFamily="34" charset="-34"/>
                 <a:cs typeface="TH Sarabun New" panose="020B0500040200020003" pitchFamily="34" charset="-34"/>
               </a:rPr>
@@ -4343,8 +3968,8 @@
         </p:nvSpPr>
         <p:spPr>
           <a:xfrm>
-            <a:off x="6791200" y="2653248"/>
-            <a:ext cx="888385" cy="338554"/>
+            <a:off x="5500288" y="2798702"/>
+            <a:ext cx="756938" cy="292388"/>
           </a:xfrm>
           <a:prstGeom prst="rect">
             <a:avLst/>
@@ -4359,7 +3984,7 @@
           <a:p>
             <a:pPr algn="ctr"/>
             <a:r>
-              <a:rPr lang="th-TH" sz="1600" dirty="0">
+              <a:rPr lang="th-TH" sz="1300" dirty="0">
                 <a:latin typeface="TH Sarabun New" panose="020B0500040200020003" pitchFamily="34" charset="-34"/>
                 <a:cs typeface="TH Sarabun New" panose="020B0500040200020003" pitchFamily="34" charset="-34"/>
               </a:rPr>
@@ -4382,8 +4007,8 @@
         </p:nvSpPr>
         <p:spPr>
           <a:xfrm>
-            <a:off x="6679209" y="1659065"/>
-            <a:ext cx="1159292" cy="338554"/>
+            <a:off x="5408743" y="1990928"/>
+            <a:ext cx="978153" cy="292388"/>
           </a:xfrm>
           <a:prstGeom prst="rect">
             <a:avLst/>
@@ -4398,7 +4023,7 @@
           <a:p>
             <a:pPr algn="ctr"/>
             <a:r>
-              <a:rPr lang="th-TH" sz="1600" dirty="0">
+              <a:rPr lang="th-TH" sz="1300" dirty="0">
                 <a:latin typeface="TH Sarabun New" panose="020B0500040200020003" pitchFamily="34" charset="-34"/>
                 <a:cs typeface="TH Sarabun New" panose="020B0500040200020003" pitchFamily="34" charset="-34"/>
               </a:rPr>
@@ -4421,8 +4046,8 @@
         </p:nvSpPr>
         <p:spPr>
           <a:xfrm>
-            <a:off x="6656806" y="2339283"/>
-            <a:ext cx="1159292" cy="338554"/>
+            <a:off x="5390541" y="2543605"/>
+            <a:ext cx="978153" cy="292388"/>
           </a:xfrm>
           <a:prstGeom prst="rect">
             <a:avLst/>
@@ -4437,7 +4062,7 @@
           <a:p>
             <a:pPr algn="ctr"/>
             <a:r>
-              <a:rPr lang="th-TH" sz="1600" dirty="0">
+              <a:rPr lang="th-TH" sz="1300" dirty="0">
                 <a:latin typeface="TH Sarabun New" panose="020B0500040200020003" pitchFamily="34" charset="-34"/>
                 <a:cs typeface="TH Sarabun New" panose="020B0500040200020003" pitchFamily="34" charset="-34"/>
               </a:rPr>
@@ -4460,8 +4085,8 @@
         </p:nvGrpSpPr>
         <p:grpSpPr>
           <a:xfrm>
-            <a:off x="8492936" y="2483917"/>
-            <a:ext cx="2506485" cy="710212"/>
+            <a:off x="6900511" y="2661120"/>
+            <a:ext cx="2036519" cy="577047"/>
             <a:chOff x="8044650" y="3089432"/>
             <a:chExt cx="2129160" cy="710212"/>
           </a:xfrm>
@@ -4507,7 +4132,7 @@
             <a:p>
               <a:pPr algn="ctr"/>
               <a:r>
-                <a:rPr lang="th-TH" sz="2400" dirty="0">
+                <a:rPr lang="th-TH" sz="1950" dirty="0">
                   <a:latin typeface="TH Sarabun New" panose="020B0500040200020003" pitchFamily="34" charset="-34"/>
                   <a:cs typeface="TH Sarabun New" panose="020B0500040200020003" pitchFamily="34" charset="-34"/>
                 </a:rPr>
@@ -4602,7 +4227,7 @@
             <a:lstStyle/>
             <a:p>
               <a:pPr algn="ctr"/>
-              <a:endParaRPr lang="th-TH"/>
+              <a:endParaRPr lang="th-TH" sz="2275"/>
             </a:p>
           </p:txBody>
         </p:sp>
@@ -4621,8 +4246,8 @@
         </p:nvSpPr>
         <p:spPr>
           <a:xfrm>
-            <a:off x="8544817" y="2689706"/>
-            <a:ext cx="388248" cy="400110"/>
+            <a:off x="6942664" y="2828324"/>
+            <a:ext cx="349776" cy="342401"/>
           </a:xfrm>
           <a:prstGeom prst="rect">
             <a:avLst/>
@@ -4636,13 +4261,13 @@
           <a:lstStyle/>
           <a:p>
             <a:r>
-              <a:rPr lang="en-US" sz="2000" dirty="0">
+              <a:rPr lang="en-US" sz="1625" dirty="0">
                 <a:latin typeface="TH Sarabun New" panose="020B0500040200020003" pitchFamily="34" charset="-34"/>
                 <a:cs typeface="TH Sarabun New" panose="020B0500040200020003" pitchFamily="34" charset="-34"/>
               </a:rPr>
               <a:t>D3</a:t>
             </a:r>
-            <a:endParaRPr lang="th-TH" sz="2000" dirty="0">
+            <a:endParaRPr lang="th-TH" sz="1625" dirty="0">
               <a:latin typeface="TH Sarabun New" panose="020B0500040200020003" pitchFamily="34" charset="-34"/>
               <a:cs typeface="TH Sarabun New" panose="020B0500040200020003" pitchFamily="34" charset="-34"/>
             </a:endParaRPr>
@@ -4663,8 +4288,8 @@
         </p:nvGrpSpPr>
         <p:grpSpPr>
           <a:xfrm>
-            <a:off x="8477455" y="3193745"/>
-            <a:ext cx="2521973" cy="710212"/>
+            <a:off x="6887933" y="3237855"/>
+            <a:ext cx="2049103" cy="577047"/>
             <a:chOff x="8044650" y="3089432"/>
             <a:chExt cx="2129160" cy="710212"/>
           </a:xfrm>
@@ -4710,7 +4335,7 @@
             <a:p>
               <a:pPr algn="ctr"/>
               <a:r>
-                <a:rPr lang="th-TH" sz="2400" dirty="0">
+                <a:rPr lang="th-TH" sz="1950" dirty="0">
                   <a:latin typeface="TH Sarabun New" panose="020B0500040200020003" pitchFamily="34" charset="-34"/>
                   <a:cs typeface="TH Sarabun New" panose="020B0500040200020003" pitchFamily="34" charset="-34"/>
                 </a:rPr>
@@ -4805,7 +4430,7 @@
             <a:lstStyle/>
             <a:p>
               <a:pPr algn="ctr"/>
-              <a:endParaRPr lang="th-TH"/>
+              <a:endParaRPr lang="th-TH" sz="2275"/>
             </a:p>
           </p:txBody>
         </p:sp>
@@ -4824,8 +4449,8 @@
         </p:nvSpPr>
         <p:spPr>
           <a:xfrm>
-            <a:off x="8529336" y="3399534"/>
-            <a:ext cx="388248" cy="400110"/>
+            <a:off x="6930086" y="3405059"/>
+            <a:ext cx="349776" cy="342401"/>
           </a:xfrm>
           <a:prstGeom prst="rect">
             <a:avLst/>
@@ -4839,13 +4464,13 @@
           <a:lstStyle/>
           <a:p>
             <a:r>
-              <a:rPr lang="en-US" sz="2000" dirty="0">
+              <a:rPr lang="en-US" sz="1625" dirty="0">
                 <a:latin typeface="TH Sarabun New" panose="020B0500040200020003" pitchFamily="34" charset="-34"/>
                 <a:cs typeface="TH Sarabun New" panose="020B0500040200020003" pitchFamily="34" charset="-34"/>
               </a:rPr>
               <a:t>D4</a:t>
             </a:r>
-            <a:endParaRPr lang="th-TH" sz="2000" dirty="0">
+            <a:endParaRPr lang="th-TH" sz="1625" dirty="0">
               <a:latin typeface="TH Sarabun New" panose="020B0500040200020003" pitchFamily="34" charset="-34"/>
               <a:cs typeface="TH Sarabun New" panose="020B0500040200020003" pitchFamily="34" charset="-34"/>
             </a:endParaRPr>
@@ -4866,8 +4491,8 @@
         </p:nvGrpSpPr>
         <p:grpSpPr>
           <a:xfrm>
-            <a:off x="8452985" y="4518859"/>
-            <a:ext cx="2521965" cy="710212"/>
+            <a:off x="6868051" y="4314511"/>
+            <a:ext cx="2049097" cy="577047"/>
             <a:chOff x="8044650" y="3089432"/>
             <a:chExt cx="2129160" cy="710212"/>
           </a:xfrm>
@@ -4913,7 +4538,7 @@
             <a:p>
               <a:pPr algn="ctr"/>
               <a:r>
-                <a:rPr lang="th-TH" sz="2400" dirty="0">
+                <a:rPr lang="th-TH" sz="1950" dirty="0">
                   <a:latin typeface="TH Sarabun New" panose="020B0500040200020003" pitchFamily="34" charset="-34"/>
                   <a:cs typeface="TH Sarabun New" panose="020B0500040200020003" pitchFamily="34" charset="-34"/>
                 </a:rPr>
@@ -5008,7 +4633,7 @@
             <a:lstStyle/>
             <a:p>
               <a:pPr algn="ctr"/>
-              <a:endParaRPr lang="th-TH"/>
+              <a:endParaRPr lang="th-TH" sz="2275"/>
             </a:p>
           </p:txBody>
         </p:sp>
@@ -5027,8 +4652,8 @@
         </p:nvSpPr>
         <p:spPr>
           <a:xfrm>
-            <a:off x="8504866" y="4724648"/>
-            <a:ext cx="388248" cy="400110"/>
+            <a:off x="6910204" y="4481714"/>
+            <a:ext cx="349776" cy="342401"/>
           </a:xfrm>
           <a:prstGeom prst="rect">
             <a:avLst/>
@@ -5042,13 +4667,13 @@
           <a:lstStyle/>
           <a:p>
             <a:r>
-              <a:rPr lang="en-US" sz="2000" dirty="0">
+              <a:rPr lang="en-US" sz="1625" dirty="0">
                 <a:latin typeface="TH Sarabun New" panose="020B0500040200020003" pitchFamily="34" charset="-34"/>
                 <a:cs typeface="TH Sarabun New" panose="020B0500040200020003" pitchFamily="34" charset="-34"/>
               </a:rPr>
-              <a:t>D5</a:t>
-            </a:r>
-            <a:endParaRPr lang="th-TH" sz="2000" dirty="0">
+              <a:t>D6</a:t>
+            </a:r>
+            <a:endParaRPr lang="th-TH" sz="1625" dirty="0">
               <a:latin typeface="TH Sarabun New" panose="020B0500040200020003" pitchFamily="34" charset="-34"/>
               <a:cs typeface="TH Sarabun New" panose="020B0500040200020003" pitchFamily="34" charset="-34"/>
             </a:endParaRPr>
@@ -5069,8 +4694,8 @@
         </p:nvGrpSpPr>
         <p:grpSpPr>
           <a:xfrm>
-            <a:off x="8477455" y="3819248"/>
-            <a:ext cx="2506485" cy="710212"/>
+            <a:off x="6887933" y="3746077"/>
+            <a:ext cx="2036519" cy="577047"/>
             <a:chOff x="8044650" y="3089432"/>
             <a:chExt cx="2129160" cy="710212"/>
           </a:xfrm>
@@ -5116,7 +4741,7 @@
             <a:p>
               <a:pPr algn="ctr"/>
               <a:r>
-                <a:rPr lang="th-TH" sz="2400" dirty="0">
+                <a:rPr lang="th-TH" sz="1950" dirty="0">
                   <a:latin typeface="TH Sarabun New" panose="020B0500040200020003" pitchFamily="34" charset="-34"/>
                   <a:cs typeface="TH Sarabun New" panose="020B0500040200020003" pitchFamily="34" charset="-34"/>
                 </a:rPr>
@@ -5211,7 +4836,7 @@
             <a:lstStyle/>
             <a:p>
               <a:pPr algn="ctr"/>
-              <a:endParaRPr lang="th-TH"/>
+              <a:endParaRPr lang="th-TH" sz="2275"/>
             </a:p>
           </p:txBody>
         </p:sp>
@@ -5230,8 +4855,8 @@
         </p:nvSpPr>
         <p:spPr>
           <a:xfrm>
-            <a:off x="8529336" y="4025037"/>
-            <a:ext cx="388248" cy="400110"/>
+            <a:off x="6930086" y="3913280"/>
+            <a:ext cx="349776" cy="342401"/>
           </a:xfrm>
           <a:prstGeom prst="rect">
             <a:avLst/>
@@ -5245,13 +4870,13 @@
           <a:lstStyle/>
           <a:p>
             <a:r>
-              <a:rPr lang="en-US" sz="2000" dirty="0">
+              <a:rPr lang="en-US" sz="1625" dirty="0">
                 <a:latin typeface="TH Sarabun New" panose="020B0500040200020003" pitchFamily="34" charset="-34"/>
                 <a:cs typeface="TH Sarabun New" panose="020B0500040200020003" pitchFamily="34" charset="-34"/>
               </a:rPr>
               <a:t>D3</a:t>
             </a:r>
-            <a:endParaRPr lang="th-TH" sz="2000" dirty="0">
+            <a:endParaRPr lang="th-TH" sz="1625" dirty="0">
               <a:latin typeface="TH Sarabun New" panose="020B0500040200020003" pitchFamily="34" charset="-34"/>
               <a:cs typeface="TH Sarabun New" panose="020B0500040200020003" pitchFamily="34" charset="-34"/>
             </a:endParaRPr>
@@ -5274,8 +4899,8 @@
         </p:nvCxnSpPr>
         <p:spPr>
           <a:xfrm rot="10800000" flipV="1">
-            <a:off x="6462943" y="1970137"/>
-            <a:ext cx="2029994" cy="491409"/>
+            <a:off x="5251141" y="2243674"/>
+            <a:ext cx="1649370" cy="399270"/>
           </a:xfrm>
           <a:prstGeom prst="bentConnector3">
             <a:avLst>
@@ -5317,8 +4942,8 @@
         </p:nvCxnSpPr>
         <p:spPr>
           <a:xfrm rot="10800000">
-            <a:off x="6462944" y="2914587"/>
-            <a:ext cx="1998229" cy="248"/>
+            <a:off x="5251142" y="3011039"/>
+            <a:ext cx="1623561" cy="202"/>
           </a:xfrm>
           <a:prstGeom prst="bentConnector3">
             <a:avLst>
@@ -5360,8 +4985,8 @@
         </p:nvCxnSpPr>
         <p:spPr>
           <a:xfrm rot="10800000">
-            <a:off x="6096001" y="3183339"/>
-            <a:ext cx="2396937" cy="198058"/>
+            <a:off x="4953001" y="3229401"/>
+            <a:ext cx="1947511" cy="160922"/>
           </a:xfrm>
           <a:prstGeom prst="bentConnector3">
             <a:avLst>
@@ -5403,8 +5028,8 @@
         </p:nvCxnSpPr>
         <p:spPr>
           <a:xfrm rot="10800000" flipV="1">
-            <a:off x="6479234" y="3734629"/>
-            <a:ext cx="2033821" cy="274505"/>
+            <a:off x="5264378" y="3677324"/>
+            <a:ext cx="1652480" cy="223035"/>
           </a:xfrm>
           <a:prstGeom prst="bentConnector3">
             <a:avLst>
@@ -5446,8 +5071,8 @@
         </p:nvCxnSpPr>
         <p:spPr>
           <a:xfrm rot="10800000">
-            <a:off x="6479235" y="4527523"/>
-            <a:ext cx="1981939" cy="182579"/>
+            <a:off x="5264379" y="4321551"/>
+            <a:ext cx="1610325" cy="148345"/>
           </a:xfrm>
           <a:prstGeom prst="bentConnector3">
             <a:avLst>
@@ -5489,8 +5114,8 @@
         </p:nvCxnSpPr>
         <p:spPr>
           <a:xfrm>
-            <a:off x="6096000" y="4724401"/>
-            <a:ext cx="2340694" cy="353232"/>
+            <a:off x="4953000" y="4481513"/>
+            <a:ext cx="1901814" cy="287001"/>
           </a:xfrm>
           <a:prstGeom prst="bentConnector3">
             <a:avLst>
@@ -5533,8 +5158,8 @@
         </p:nvCxnSpPr>
         <p:spPr>
           <a:xfrm rot="10800000">
-            <a:off x="6462944" y="4173986"/>
-            <a:ext cx="2041528" cy="35883"/>
+            <a:off x="5251142" y="4034302"/>
+            <a:ext cx="1658742" cy="29155"/>
           </a:xfrm>
           <a:prstGeom prst="bentConnector3">
             <a:avLst>
@@ -5578,8 +5203,8 @@
         </p:nvCxnSpPr>
         <p:spPr>
           <a:xfrm flipV="1">
-            <a:off x="6462944" y="2156446"/>
-            <a:ext cx="2014511" cy="462468"/>
+            <a:off x="5251143" y="2395050"/>
+            <a:ext cx="1636790" cy="375755"/>
           </a:xfrm>
           <a:prstGeom prst="bentConnector3">
             <a:avLst>
@@ -5619,8 +5244,8 @@
         </p:nvSpPr>
         <p:spPr>
           <a:xfrm>
-            <a:off x="6541479" y="3098790"/>
-            <a:ext cx="1335622" cy="584775"/>
+            <a:off x="5297138" y="3160705"/>
+            <a:ext cx="1120821" cy="492443"/>
           </a:xfrm>
           <a:prstGeom prst="rect">
             <a:avLst/>
@@ -5635,7 +5260,7 @@
           <a:p>
             <a:pPr algn="ctr"/>
             <a:r>
-              <a:rPr lang="th-TH" sz="1600" dirty="0">
+              <a:rPr lang="th-TH" sz="1300" dirty="0">
                 <a:latin typeface="TH Sarabun New" panose="020B0500040200020003" pitchFamily="34" charset="-34"/>
                 <a:cs typeface="TH Sarabun New" panose="020B0500040200020003" pitchFamily="34" charset="-34"/>
               </a:rPr>
@@ -5644,7 +5269,7 @@
           </a:p>
           <a:p>
             <a:pPr algn="ctr"/>
-            <a:endParaRPr lang="th-TH" sz="1600" dirty="0">
+            <a:endParaRPr lang="th-TH" sz="1300" dirty="0">
               <a:latin typeface="TH Sarabun New" panose="020B0500040200020003" pitchFamily="34" charset="-34"/>
               <a:cs typeface="TH Sarabun New" panose="020B0500040200020003" pitchFamily="34" charset="-34"/>
             </a:endParaRPr>
@@ -5665,8 +5290,8 @@
         </p:nvSpPr>
         <p:spPr>
           <a:xfrm>
-            <a:off x="6782007" y="3464791"/>
-            <a:ext cx="1335622" cy="584775"/>
+            <a:off x="5492567" y="3458081"/>
+            <a:ext cx="1120821" cy="492443"/>
           </a:xfrm>
           <a:prstGeom prst="rect">
             <a:avLst/>
@@ -5681,7 +5306,7 @@
           <a:p>
             <a:pPr algn="ctr"/>
             <a:r>
-              <a:rPr lang="th-TH" sz="1600" dirty="0">
+              <a:rPr lang="th-TH" sz="1300" dirty="0">
                 <a:latin typeface="TH Sarabun New" panose="020B0500040200020003" pitchFamily="34" charset="-34"/>
                 <a:cs typeface="TH Sarabun New" panose="020B0500040200020003" pitchFamily="34" charset="-34"/>
               </a:rPr>
@@ -5690,7 +5315,7 @@
           </a:p>
           <a:p>
             <a:pPr algn="ctr"/>
-            <a:endParaRPr lang="th-TH" sz="1600" dirty="0">
+            <a:endParaRPr lang="th-TH" sz="1300" dirty="0">
               <a:latin typeface="TH Sarabun New" panose="020B0500040200020003" pitchFamily="34" charset="-34"/>
               <a:cs typeface="TH Sarabun New" panose="020B0500040200020003" pitchFamily="34" charset="-34"/>
             </a:endParaRPr>
@@ -5711,8 +5336,8 @@
         </p:nvSpPr>
         <p:spPr>
           <a:xfrm>
-            <a:off x="6683937" y="3924582"/>
-            <a:ext cx="1362874" cy="584775"/>
+            <a:off x="5412735" y="3831661"/>
+            <a:ext cx="1143262" cy="492443"/>
           </a:xfrm>
           <a:prstGeom prst="rect">
             <a:avLst/>
@@ -5727,7 +5352,7 @@
           <a:p>
             <a:pPr algn="ctr"/>
             <a:r>
-              <a:rPr lang="th-TH" sz="1600" dirty="0">
+              <a:rPr lang="th-TH" sz="1300" dirty="0">
                 <a:latin typeface="TH Sarabun New" panose="020B0500040200020003" pitchFamily="34" charset="-34"/>
                 <a:cs typeface="TH Sarabun New" panose="020B0500040200020003" pitchFamily="34" charset="-34"/>
               </a:rPr>
@@ -5736,7 +5361,7 @@
           </a:p>
           <a:p>
             <a:pPr algn="ctr"/>
-            <a:endParaRPr lang="th-TH" sz="1600" dirty="0">
+            <a:endParaRPr lang="th-TH" sz="1300" dirty="0">
               <a:latin typeface="TH Sarabun New" panose="020B0500040200020003" pitchFamily="34" charset="-34"/>
               <a:cs typeface="TH Sarabun New" panose="020B0500040200020003" pitchFamily="34" charset="-34"/>
             </a:endParaRPr>
@@ -5757,8 +5382,8 @@
         </p:nvSpPr>
         <p:spPr>
           <a:xfrm>
-            <a:off x="6790286" y="4415303"/>
-            <a:ext cx="1159292" cy="338554"/>
+            <a:off x="5498993" y="4230371"/>
+            <a:ext cx="978153" cy="292388"/>
           </a:xfrm>
           <a:prstGeom prst="rect">
             <a:avLst/>
@@ -5773,7 +5398,7 @@
           <a:p>
             <a:pPr algn="ctr"/>
             <a:r>
-              <a:rPr lang="th-TH" sz="1600" dirty="0">
+              <a:rPr lang="th-TH" sz="1300" dirty="0">
                 <a:latin typeface="TH Sarabun New" panose="020B0500040200020003" pitchFamily="34" charset="-34"/>
                 <a:cs typeface="TH Sarabun New" panose="020B0500040200020003" pitchFamily="34" charset="-34"/>
               </a:rPr>
@@ -5796,8 +5421,8 @@
         </p:nvSpPr>
         <p:spPr>
           <a:xfrm>
-            <a:off x="6819599" y="4777668"/>
-            <a:ext cx="1159292" cy="338554"/>
+            <a:off x="5522810" y="4524793"/>
+            <a:ext cx="978153" cy="292388"/>
           </a:xfrm>
           <a:prstGeom prst="rect">
             <a:avLst/>
@@ -5812,7 +5437,7 @@
           <a:p>
             <a:pPr algn="ctr"/>
             <a:r>
-              <a:rPr lang="th-TH" sz="1600" dirty="0">
+              <a:rPr lang="th-TH" sz="1300" dirty="0">
                 <a:latin typeface="TH Sarabun New" panose="020B0500040200020003" pitchFamily="34" charset="-34"/>
                 <a:cs typeface="TH Sarabun New" panose="020B0500040200020003" pitchFamily="34" charset="-34"/>
               </a:rPr>
@@ -5865,8 +5490,8 @@
         </p:nvSpPr>
         <p:spPr>
           <a:xfrm>
-            <a:off x="1677881" y="3162669"/>
-            <a:ext cx="1535837" cy="532662"/>
+            <a:off x="1363279" y="3212606"/>
+            <a:ext cx="1247868" cy="432788"/>
           </a:xfrm>
           <a:prstGeom prst="rect">
             <a:avLst/>
@@ -5892,7 +5517,7 @@
           <a:p>
             <a:pPr algn="ctr"/>
             <a:r>
-              <a:rPr lang="th-TH" sz="2400" dirty="0">
+              <a:rPr lang="th-TH" sz="1950" dirty="0">
                 <a:latin typeface="TH Sarabun New" panose="020B0500040200020003" pitchFamily="34" charset="-34"/>
                 <a:cs typeface="TH Sarabun New" panose="020B0500040200020003" pitchFamily="34" charset="-34"/>
               </a:rPr>
@@ -5915,8 +5540,8 @@
         </p:nvGrpSpPr>
         <p:grpSpPr>
           <a:xfrm>
-            <a:off x="4598633" y="2068498"/>
-            <a:ext cx="1864311" cy="1100832"/>
+            <a:off x="3736390" y="2323592"/>
+            <a:ext cx="1514753" cy="894426"/>
             <a:chOff x="5530788" y="2405849"/>
             <a:chExt cx="1864311" cy="1100832"/>
           </a:xfrm>
@@ -5961,7 +5586,7 @@
             <a:lstStyle/>
             <a:p>
               <a:pPr algn="ctr"/>
-              <a:endParaRPr lang="th-TH" dirty="0"/>
+              <a:endParaRPr lang="th-TH" sz="2275" dirty="0"/>
             </a:p>
           </p:txBody>
         </p:sp>
@@ -6016,8 +5641,8 @@
         </p:nvGrpSpPr>
         <p:grpSpPr>
           <a:xfrm>
-            <a:off x="4598633" y="3623569"/>
-            <a:ext cx="1864311" cy="1100832"/>
+            <a:off x="3736390" y="3587087"/>
+            <a:ext cx="1514753" cy="894426"/>
             <a:chOff x="5530788" y="2405849"/>
             <a:chExt cx="1864311" cy="1100832"/>
           </a:xfrm>
@@ -6062,7 +5687,7 @@
             <a:lstStyle/>
             <a:p>
               <a:pPr algn="ctr"/>
-              <a:endParaRPr lang="th-TH"/>
+              <a:endParaRPr lang="th-TH" sz="2275"/>
             </a:p>
           </p:txBody>
         </p:sp>
@@ -6117,8 +5742,8 @@
         </p:nvSpPr>
         <p:spPr>
           <a:xfrm>
-            <a:off x="5324642" y="2068498"/>
-            <a:ext cx="412292" cy="400110"/>
+            <a:off x="4326272" y="2323592"/>
+            <a:ext cx="369012" cy="342401"/>
           </a:xfrm>
           <a:prstGeom prst="rect">
             <a:avLst/>
@@ -6132,14 +5757,14 @@
           <a:lstStyle/>
           <a:p>
             <a:r>
-              <a:rPr lang="en-US" sz="2000" dirty="0">
+              <a:rPr lang="en-US" sz="1625" dirty="0">
                 <a:latin typeface="TH Sarabun New" panose="020B0500040200020003" pitchFamily="34" charset="-34"/>
                 <a:cs typeface="TH Sarabun New" panose="020B0500040200020003" pitchFamily="34" charset="-34"/>
               </a:rPr>
               <a:t>3</a:t>
             </a:r>
             <a:r>
-              <a:rPr lang="th-TH" sz="2000" dirty="0">
+              <a:rPr lang="th-TH" sz="1625" dirty="0">
                 <a:latin typeface="TH Sarabun New" panose="020B0500040200020003" pitchFamily="34" charset="-34"/>
                 <a:cs typeface="TH Sarabun New" panose="020B0500040200020003" pitchFamily="34" charset="-34"/>
               </a:rPr>
@@ -6162,8 +5787,8 @@
         </p:nvSpPr>
         <p:spPr>
           <a:xfrm>
-            <a:off x="5324642" y="3599589"/>
-            <a:ext cx="412292" cy="400110"/>
+            <a:off x="4326272" y="3567604"/>
+            <a:ext cx="369012" cy="342401"/>
           </a:xfrm>
           <a:prstGeom prst="rect">
             <a:avLst/>
@@ -6177,14 +5802,14 @@
           <a:lstStyle/>
           <a:p>
             <a:r>
-              <a:rPr lang="en-US" sz="2000" dirty="0">
+              <a:rPr lang="en-US" sz="1625" dirty="0">
                 <a:latin typeface="TH Sarabun New" panose="020B0500040200020003" pitchFamily="34" charset="-34"/>
                 <a:cs typeface="TH Sarabun New" panose="020B0500040200020003" pitchFamily="34" charset="-34"/>
               </a:rPr>
               <a:t>3</a:t>
             </a:r>
             <a:r>
-              <a:rPr lang="th-TH" sz="2000" dirty="0">
+              <a:rPr lang="th-TH" sz="1625" dirty="0">
                 <a:latin typeface="TH Sarabun New" panose="020B0500040200020003" pitchFamily="34" charset="-34"/>
                 <a:cs typeface="TH Sarabun New" panose="020B0500040200020003" pitchFamily="34" charset="-34"/>
               </a:rPr>
@@ -6207,8 +5832,8 @@
         </p:nvSpPr>
         <p:spPr>
           <a:xfrm>
-            <a:off x="5059348" y="2416116"/>
-            <a:ext cx="942887" cy="400110"/>
+            <a:off x="4092857" y="2606032"/>
+            <a:ext cx="801823" cy="342401"/>
           </a:xfrm>
           <a:prstGeom prst="rect">
             <a:avLst/>
@@ -6223,7 +5848,7 @@
           <a:p>
             <a:pPr algn="ctr"/>
             <a:r>
-              <a:rPr lang="th-TH" sz="2000" dirty="0">
+              <a:rPr lang="th-TH" sz="1625" dirty="0">
                 <a:latin typeface="TH Sarabun New" panose="020B0500040200020003" pitchFamily="34" charset="-34"/>
                 <a:cs typeface="TH Sarabun New" panose="020B0500040200020003" pitchFamily="34" charset="-34"/>
               </a:rPr>
@@ -6246,8 +5871,8 @@
         </p:nvSpPr>
         <p:spPr>
           <a:xfrm>
-            <a:off x="4778020" y="3965352"/>
-            <a:ext cx="1505541" cy="400110"/>
+            <a:off x="3864428" y="3864786"/>
+            <a:ext cx="1258678" cy="342401"/>
           </a:xfrm>
           <a:prstGeom prst="rect">
             <a:avLst/>
@@ -6262,7 +5887,7 @@
           <a:p>
             <a:pPr algn="ctr"/>
             <a:r>
-              <a:rPr lang="th-TH" sz="2000" dirty="0">
+              <a:rPr lang="th-TH" sz="1625" dirty="0">
                 <a:latin typeface="TH Sarabun New" panose="020B0500040200020003" pitchFamily="34" charset="-34"/>
                 <a:cs typeface="TH Sarabun New" panose="020B0500040200020003" pitchFamily="34" charset="-34"/>
               </a:rPr>
@@ -6288,8 +5913,8 @@
         </p:nvCxnSpPr>
         <p:spPr>
           <a:xfrm rot="5400000" flipH="1" flipV="1">
-            <a:off x="3250339" y="1814376"/>
-            <a:ext cx="543755" cy="2152833"/>
+            <a:off x="2640901" y="2117118"/>
+            <a:ext cx="441801" cy="1749177"/>
           </a:xfrm>
           <a:prstGeom prst="bentConnector2">
             <a:avLst/>
@@ -6331,8 +5956,8 @@
         </p:nvCxnSpPr>
         <p:spPr>
           <a:xfrm rot="5400000">
-            <a:off x="4242419" y="2140630"/>
-            <a:ext cx="259670" cy="2317071"/>
+            <a:off x="3446965" y="2382200"/>
+            <a:ext cx="210982" cy="1882620"/>
           </a:xfrm>
           <a:prstGeom prst="bentConnector2">
             <a:avLst/>
@@ -6373,8 +5998,8 @@
         </p:nvCxnSpPr>
         <p:spPr>
           <a:xfrm>
-            <a:off x="2584120" y="3695330"/>
-            <a:ext cx="2014513" cy="478655"/>
+            <a:off x="2099598" y="3645394"/>
+            <a:ext cx="1636792" cy="388907"/>
           </a:xfrm>
           <a:prstGeom prst="bentConnector3">
             <a:avLst>
@@ -6417,8 +6042,8 @@
         </p:nvCxnSpPr>
         <p:spPr>
           <a:xfrm rot="5400000" flipH="1">
-            <a:off x="3473760" y="2667372"/>
-            <a:ext cx="1029070" cy="3084989"/>
+            <a:off x="2822430" y="2810177"/>
+            <a:ext cx="836119" cy="2506554"/>
           </a:xfrm>
           <a:prstGeom prst="bentConnector3">
             <a:avLst>
@@ -6458,8 +6083,8 @@
         </p:nvSpPr>
         <p:spPr>
           <a:xfrm>
-            <a:off x="2847159" y="2316473"/>
-            <a:ext cx="1208985" cy="338554"/>
+            <a:off x="2296154" y="2525072"/>
+            <a:ext cx="1016625" cy="292388"/>
           </a:xfrm>
           <a:prstGeom prst="rect">
             <a:avLst/>
@@ -6474,7 +6099,7 @@
           <a:p>
             <a:pPr algn="ctr"/>
             <a:r>
-              <a:rPr lang="th-TH" sz="1600" dirty="0">
+              <a:rPr lang="th-TH" sz="1300" dirty="0">
                 <a:latin typeface="TH Sarabun New" panose="020B0500040200020003" pitchFamily="34" charset="-34"/>
                 <a:cs typeface="TH Sarabun New" panose="020B0500040200020003" pitchFamily="34" charset="-34"/>
               </a:rPr>
@@ -6497,8 +6122,8 @@
         </p:nvSpPr>
         <p:spPr>
           <a:xfrm>
-            <a:off x="2871603" y="3877196"/>
-            <a:ext cx="1513555" cy="338554"/>
+            <a:off x="2315514" y="3793159"/>
+            <a:ext cx="1265091" cy="292388"/>
           </a:xfrm>
           <a:prstGeom prst="rect">
             <a:avLst/>
@@ -6513,7 +6138,7 @@
           <a:p>
             <a:pPr algn="ctr"/>
             <a:r>
-              <a:rPr lang="th-TH" sz="1600" dirty="0">
+              <a:rPr lang="th-TH" sz="1300" dirty="0">
                 <a:latin typeface="TH Sarabun New" panose="020B0500040200020003" pitchFamily="34" charset="-34"/>
                 <a:cs typeface="TH Sarabun New" panose="020B0500040200020003" pitchFamily="34" charset="-34"/>
               </a:rPr>
@@ -6536,8 +6161,8 @@
         </p:nvSpPr>
         <p:spPr>
           <a:xfrm>
-            <a:off x="3025123" y="4673238"/>
-            <a:ext cx="1601721" cy="338554"/>
+            <a:off x="2439197" y="4439944"/>
+            <a:ext cx="1338829" cy="292388"/>
           </a:xfrm>
           <a:prstGeom prst="rect">
             <a:avLst/>
@@ -6552,7 +6177,7 @@
           <a:p>
             <a:pPr algn="ctr"/>
             <a:r>
-              <a:rPr lang="th-TH" sz="1600" dirty="0">
+              <a:rPr lang="th-TH" sz="1300" dirty="0">
                 <a:latin typeface="TH Sarabun New" panose="020B0500040200020003" pitchFamily="34" charset="-34"/>
                 <a:cs typeface="TH Sarabun New" panose="020B0500040200020003" pitchFamily="34" charset="-34"/>
               </a:rPr>
@@ -6575,8 +6200,8 @@
         </p:nvSpPr>
         <p:spPr>
           <a:xfrm>
-            <a:off x="3520976" y="3131567"/>
-            <a:ext cx="1154483" cy="338554"/>
+            <a:off x="2842328" y="3187336"/>
+            <a:ext cx="974947" cy="292388"/>
           </a:xfrm>
           <a:prstGeom prst="rect">
             <a:avLst/>
@@ -6591,7 +6216,7 @@
           <a:p>
             <a:pPr algn="ctr"/>
             <a:r>
-              <a:rPr lang="th-TH" sz="1600" dirty="0">
+              <a:rPr lang="th-TH" sz="1300" dirty="0">
                 <a:latin typeface="TH Sarabun New" panose="020B0500040200020003" pitchFamily="34" charset="-34"/>
                 <a:cs typeface="TH Sarabun New" panose="020B0500040200020003" pitchFamily="34" charset="-34"/>
               </a:rPr>
@@ -6614,8 +6239,8 @@
         </p:nvSpPr>
         <p:spPr>
           <a:xfrm>
-            <a:off x="6680482" y="2350915"/>
-            <a:ext cx="1107996" cy="338554"/>
+            <a:off x="5410580" y="2553056"/>
+            <a:ext cx="934871" cy="292388"/>
           </a:xfrm>
           <a:prstGeom prst="rect">
             <a:avLst/>
@@ -6630,7 +6255,7 @@
           <a:p>
             <a:pPr algn="ctr"/>
             <a:r>
-              <a:rPr lang="th-TH" sz="1600" dirty="0">
+              <a:rPr lang="th-TH" sz="1300" dirty="0">
                 <a:latin typeface="TH Sarabun New" panose="020B0500040200020003" pitchFamily="34" charset="-34"/>
                 <a:cs typeface="TH Sarabun New" panose="020B0500040200020003" pitchFamily="34" charset="-34"/>
               </a:rPr>
@@ -6653,8 +6278,8 @@
         </p:nvSpPr>
         <p:spPr>
           <a:xfrm>
-            <a:off x="6643471" y="4109247"/>
-            <a:ext cx="1555234" cy="338554"/>
+            <a:off x="5380258" y="3981701"/>
+            <a:ext cx="1298753" cy="292388"/>
           </a:xfrm>
           <a:prstGeom prst="rect">
             <a:avLst/>
@@ -6669,7 +6294,7 @@
           <a:p>
             <a:pPr algn="ctr"/>
             <a:r>
-              <a:rPr lang="th-TH" sz="1600" dirty="0">
+              <a:rPr lang="th-TH" sz="1300" dirty="0">
                 <a:latin typeface="TH Sarabun New" panose="020B0500040200020003" pitchFamily="34" charset="-34"/>
                 <a:cs typeface="TH Sarabun New" panose="020B0500040200020003" pitchFamily="34" charset="-34"/>
               </a:rPr>
@@ -6692,8 +6317,8 @@
         </p:nvSpPr>
         <p:spPr>
           <a:xfrm>
-            <a:off x="6753275" y="3886175"/>
-            <a:ext cx="1335623" cy="338554"/>
+            <a:off x="5469222" y="3800455"/>
+            <a:ext cx="1120821" cy="292388"/>
           </a:xfrm>
           <a:prstGeom prst="rect">
             <a:avLst/>
@@ -6708,7 +6333,7 @@
           <a:p>
             <a:pPr algn="ctr"/>
             <a:r>
-              <a:rPr lang="th-TH" sz="1600" dirty="0">
+              <a:rPr lang="th-TH" sz="1300" dirty="0">
                 <a:latin typeface="TH Sarabun New" panose="020B0500040200020003" pitchFamily="34" charset="-34"/>
                 <a:cs typeface="TH Sarabun New" panose="020B0500040200020003" pitchFamily="34" charset="-34"/>
               </a:rPr>
@@ -6731,8 +6356,8 @@
         </p:nvGrpSpPr>
         <p:grpSpPr>
           <a:xfrm>
-            <a:off x="8492257" y="2058430"/>
-            <a:ext cx="2506485" cy="710212"/>
+            <a:off x="6899959" y="2315412"/>
+            <a:ext cx="2036519" cy="577047"/>
             <a:chOff x="8044650" y="3089432"/>
             <a:chExt cx="2129160" cy="710212"/>
           </a:xfrm>
@@ -6778,7 +6403,7 @@
             <a:p>
               <a:pPr algn="ctr"/>
               <a:r>
-                <a:rPr lang="th-TH" sz="2400" dirty="0">
+                <a:rPr lang="th-TH" sz="1950" dirty="0">
                   <a:latin typeface="TH Sarabun New" panose="020B0500040200020003" pitchFamily="34" charset="-34"/>
                   <a:cs typeface="TH Sarabun New" panose="020B0500040200020003" pitchFamily="34" charset="-34"/>
                 </a:rPr>
@@ -6873,7 +6498,7 @@
             <a:lstStyle/>
             <a:p>
               <a:pPr algn="ctr"/>
-              <a:endParaRPr lang="th-TH"/>
+              <a:endParaRPr lang="th-TH" sz="2275"/>
             </a:p>
           </p:txBody>
         </p:sp>
@@ -6892,8 +6517,8 @@
         </p:nvSpPr>
         <p:spPr>
           <a:xfrm>
-            <a:off x="8544138" y="2264219"/>
-            <a:ext cx="388248" cy="400110"/>
+            <a:off x="6942112" y="2482616"/>
+            <a:ext cx="349776" cy="342401"/>
           </a:xfrm>
           <a:prstGeom prst="rect">
             <a:avLst/>
@@ -6907,13 +6532,13 @@
           <a:lstStyle/>
           <a:p>
             <a:r>
-              <a:rPr lang="en-US" sz="2000" dirty="0">
+              <a:rPr lang="en-US" sz="1625" dirty="0">
                 <a:latin typeface="TH Sarabun New" panose="020B0500040200020003" pitchFamily="34" charset="-34"/>
                 <a:cs typeface="TH Sarabun New" panose="020B0500040200020003" pitchFamily="34" charset="-34"/>
               </a:rPr>
               <a:t>D3</a:t>
             </a:r>
-            <a:endParaRPr lang="th-TH" sz="2000" dirty="0">
+            <a:endParaRPr lang="th-TH" sz="1625" dirty="0">
               <a:latin typeface="TH Sarabun New" panose="020B0500040200020003" pitchFamily="34" charset="-34"/>
               <a:cs typeface="TH Sarabun New" panose="020B0500040200020003" pitchFamily="34" charset="-34"/>
             </a:endParaRPr>
@@ -6934,8 +6559,8 @@
         </p:nvGrpSpPr>
         <p:grpSpPr>
           <a:xfrm>
-            <a:off x="8487069" y="3903458"/>
-            <a:ext cx="2797186" cy="710212"/>
+            <a:off x="6895743" y="3814497"/>
+            <a:ext cx="2272714" cy="577047"/>
             <a:chOff x="8044650" y="3089432"/>
             <a:chExt cx="2129160" cy="710212"/>
           </a:xfrm>
@@ -6981,7 +6606,7 @@
             <a:p>
               <a:pPr algn="ctr"/>
               <a:r>
-                <a:rPr lang="th-TH" sz="2400" dirty="0">
+                <a:rPr lang="th-TH" sz="1950" dirty="0">
                   <a:latin typeface="TH Sarabun New" panose="020B0500040200020003" pitchFamily="34" charset="-34"/>
                   <a:cs typeface="TH Sarabun New" panose="020B0500040200020003" pitchFamily="34" charset="-34"/>
                 </a:rPr>
@@ -7076,7 +6701,7 @@
             <a:lstStyle/>
             <a:p>
               <a:pPr algn="ctr"/>
-              <a:endParaRPr lang="th-TH"/>
+              <a:endParaRPr lang="th-TH" sz="2275"/>
             </a:p>
           </p:txBody>
         </p:sp>
@@ -7095,8 +6720,8 @@
         </p:nvSpPr>
         <p:spPr>
           <a:xfrm>
-            <a:off x="8538950" y="4109247"/>
-            <a:ext cx="388248" cy="400110"/>
+            <a:off x="6937897" y="3981701"/>
+            <a:ext cx="349776" cy="342401"/>
           </a:xfrm>
           <a:prstGeom prst="rect">
             <a:avLst/>
@@ -7110,13 +6735,13 @@
           <a:lstStyle/>
           <a:p>
             <a:r>
-              <a:rPr lang="en-US" sz="2000" dirty="0">
+              <a:rPr lang="en-US" sz="1625" dirty="0">
                 <a:latin typeface="TH Sarabun New" panose="020B0500040200020003" pitchFamily="34" charset="-34"/>
                 <a:cs typeface="TH Sarabun New" panose="020B0500040200020003" pitchFamily="34" charset="-34"/>
               </a:rPr>
               <a:t>D4</a:t>
             </a:r>
-            <a:endParaRPr lang="th-TH" sz="2000" dirty="0">
+            <a:endParaRPr lang="th-TH" sz="1625" dirty="0">
               <a:latin typeface="TH Sarabun New" panose="020B0500040200020003" pitchFamily="34" charset="-34"/>
               <a:cs typeface="TH Sarabun New" panose="020B0500040200020003" pitchFamily="34" charset="-34"/>
             </a:endParaRPr>
@@ -7139,8 +6764,8 @@
         </p:nvCxnSpPr>
         <p:spPr>
           <a:xfrm rot="10800000">
-            <a:off x="6486205" y="2612437"/>
-            <a:ext cx="1998229" cy="248"/>
+            <a:off x="5270042" y="2765542"/>
+            <a:ext cx="1623561" cy="202"/>
           </a:xfrm>
           <a:prstGeom prst="bentConnector3">
             <a:avLst>
@@ -7183,8 +6808,8 @@
         </p:nvCxnSpPr>
         <p:spPr>
           <a:xfrm>
-            <a:off x="6485704" y="2390498"/>
-            <a:ext cx="2006553" cy="14161"/>
+            <a:off x="5269635" y="2585217"/>
+            <a:ext cx="1630324" cy="11506"/>
           </a:xfrm>
           <a:prstGeom prst="bentConnector3">
             <a:avLst>
@@ -7224,8 +6849,8 @@
         </p:nvSpPr>
         <p:spPr>
           <a:xfrm>
-            <a:off x="6829291" y="2096095"/>
-            <a:ext cx="888385" cy="338554"/>
+            <a:off x="5531237" y="2346015"/>
+            <a:ext cx="756938" cy="292388"/>
           </a:xfrm>
           <a:prstGeom prst="rect">
             <a:avLst/>
@@ -7240,7 +6865,7 @@
           <a:p>
             <a:pPr algn="ctr"/>
             <a:r>
-              <a:rPr lang="th-TH" sz="1600" dirty="0">
+              <a:rPr lang="th-TH" sz="1300" dirty="0">
                 <a:latin typeface="TH Sarabun New" panose="020B0500040200020003" pitchFamily="34" charset="-34"/>
                 <a:cs typeface="TH Sarabun New" panose="020B0500040200020003" pitchFamily="34" charset="-34"/>
               </a:rPr>
@@ -7265,8 +6890,8 @@
         </p:nvCxnSpPr>
         <p:spPr>
           <a:xfrm rot="10800000">
-            <a:off x="6462944" y="4367846"/>
-            <a:ext cx="1998229" cy="248"/>
+            <a:off x="5251142" y="4191812"/>
+            <a:ext cx="1623561" cy="202"/>
           </a:xfrm>
           <a:prstGeom prst="bentConnector3">
             <a:avLst>
@@ -7308,8 +6933,8 @@
         </p:nvCxnSpPr>
         <p:spPr>
           <a:xfrm>
-            <a:off x="6462443" y="4145907"/>
-            <a:ext cx="2006553" cy="14161"/>
+            <a:off x="5250736" y="4011487"/>
+            <a:ext cx="1630324" cy="11506"/>
           </a:xfrm>
           <a:prstGeom prst="bentConnector3">
             <a:avLst>
@@ -7379,8 +7004,8 @@
         </p:nvSpPr>
         <p:spPr>
           <a:xfrm>
-            <a:off x="1677881" y="3162669"/>
-            <a:ext cx="1535837" cy="532662"/>
+            <a:off x="1363279" y="3212606"/>
+            <a:ext cx="1247868" cy="432788"/>
           </a:xfrm>
           <a:prstGeom prst="rect">
             <a:avLst/>
@@ -7406,7 +7031,7 @@
           <a:p>
             <a:pPr algn="ctr"/>
             <a:r>
-              <a:rPr lang="th-TH" sz="2400" dirty="0">
+              <a:rPr lang="th-TH" sz="1950" dirty="0">
                 <a:latin typeface="TH Sarabun New" panose="020B0500040200020003" pitchFamily="34" charset="-34"/>
                 <a:cs typeface="TH Sarabun New" panose="020B0500040200020003" pitchFamily="34" charset="-34"/>
               </a:rPr>
@@ -7429,8 +7054,8 @@
         </p:nvGrpSpPr>
         <p:grpSpPr>
           <a:xfrm>
-            <a:off x="4598633" y="2068498"/>
-            <a:ext cx="1864311" cy="1100832"/>
+            <a:off x="3736390" y="2323592"/>
+            <a:ext cx="1514753" cy="894426"/>
             <a:chOff x="5530788" y="2405849"/>
             <a:chExt cx="1864311" cy="1100832"/>
           </a:xfrm>
@@ -7475,7 +7100,7 @@
             <a:lstStyle/>
             <a:p>
               <a:pPr algn="ctr"/>
-              <a:endParaRPr lang="th-TH" dirty="0"/>
+              <a:endParaRPr lang="th-TH" sz="2275" dirty="0"/>
             </a:p>
           </p:txBody>
         </p:sp>
@@ -7530,8 +7155,8 @@
         </p:nvGrpSpPr>
         <p:grpSpPr>
           <a:xfrm>
-            <a:off x="4598633" y="3623569"/>
-            <a:ext cx="1864311" cy="1100832"/>
+            <a:off x="3736390" y="3587087"/>
+            <a:ext cx="1514753" cy="894426"/>
             <a:chOff x="5530788" y="2405849"/>
             <a:chExt cx="1864311" cy="1100832"/>
           </a:xfrm>
@@ -7576,7 +7201,7 @@
             <a:lstStyle/>
             <a:p>
               <a:pPr algn="ctr"/>
-              <a:endParaRPr lang="th-TH"/>
+              <a:endParaRPr lang="th-TH" sz="2275"/>
             </a:p>
           </p:txBody>
         </p:sp>
@@ -7631,8 +7256,8 @@
         </p:nvSpPr>
         <p:spPr>
           <a:xfrm>
-            <a:off x="5324642" y="2068498"/>
-            <a:ext cx="412292" cy="400110"/>
+            <a:off x="4326272" y="2323592"/>
+            <a:ext cx="369012" cy="342401"/>
           </a:xfrm>
           <a:prstGeom prst="rect">
             <a:avLst/>
@@ -7646,14 +7271,14 @@
           <a:lstStyle/>
           <a:p>
             <a:r>
-              <a:rPr lang="en-US" sz="2000" dirty="0">
+              <a:rPr lang="en-US" sz="1625" dirty="0">
                 <a:latin typeface="TH Sarabun New" panose="020B0500040200020003" pitchFamily="34" charset="-34"/>
                 <a:cs typeface="TH Sarabun New" panose="020B0500040200020003" pitchFamily="34" charset="-34"/>
               </a:rPr>
               <a:t>2</a:t>
             </a:r>
             <a:r>
-              <a:rPr lang="th-TH" sz="2000" dirty="0">
+              <a:rPr lang="th-TH" sz="1625" dirty="0">
                 <a:latin typeface="TH Sarabun New" panose="020B0500040200020003" pitchFamily="34" charset="-34"/>
                 <a:cs typeface="TH Sarabun New" panose="020B0500040200020003" pitchFamily="34" charset="-34"/>
               </a:rPr>
@@ -7676,8 +7301,8 @@
         </p:nvSpPr>
         <p:spPr>
           <a:xfrm>
-            <a:off x="5324642" y="3599589"/>
-            <a:ext cx="412292" cy="400110"/>
+            <a:off x="4326272" y="3567604"/>
+            <a:ext cx="369012" cy="342401"/>
           </a:xfrm>
           <a:prstGeom prst="rect">
             <a:avLst/>
@@ -7691,14 +7316,14 @@
           <a:lstStyle/>
           <a:p>
             <a:r>
-              <a:rPr lang="en-US" sz="2000" dirty="0">
+              <a:rPr lang="en-US" sz="1625" dirty="0">
                 <a:latin typeface="TH Sarabun New" panose="020B0500040200020003" pitchFamily="34" charset="-34"/>
                 <a:cs typeface="TH Sarabun New" panose="020B0500040200020003" pitchFamily="34" charset="-34"/>
               </a:rPr>
               <a:t>2</a:t>
             </a:r>
             <a:r>
-              <a:rPr lang="th-TH" sz="2000" dirty="0">
+              <a:rPr lang="th-TH" sz="1625" dirty="0">
                 <a:latin typeface="TH Sarabun New" panose="020B0500040200020003" pitchFamily="34" charset="-34"/>
                 <a:cs typeface="TH Sarabun New" panose="020B0500040200020003" pitchFamily="34" charset="-34"/>
               </a:rPr>
@@ -7721,8 +7346,8 @@
         </p:nvSpPr>
         <p:spPr>
           <a:xfrm>
-            <a:off x="4996834" y="2416116"/>
-            <a:ext cx="1067921" cy="400110"/>
+            <a:off x="4041563" y="2606032"/>
+            <a:ext cx="904415" cy="342401"/>
           </a:xfrm>
           <a:prstGeom prst="rect">
             <a:avLst/>
@@ -7737,7 +7362,7 @@
           <a:p>
             <a:pPr algn="ctr"/>
             <a:r>
-              <a:rPr lang="th-TH" sz="2000" dirty="0">
+              <a:rPr lang="th-TH" sz="1625" dirty="0">
                 <a:latin typeface="TH Sarabun New" panose="020B0500040200020003" pitchFamily="34" charset="-34"/>
                 <a:cs typeface="TH Sarabun New" panose="020B0500040200020003" pitchFamily="34" charset="-34"/>
               </a:rPr>
@@ -7760,8 +7385,8 @@
         </p:nvSpPr>
         <p:spPr>
           <a:xfrm>
-            <a:off x="4715505" y="3965352"/>
-            <a:ext cx="1630576" cy="400110"/>
+            <a:off x="3813134" y="3864786"/>
+            <a:ext cx="1361270" cy="342401"/>
           </a:xfrm>
           <a:prstGeom prst="rect">
             <a:avLst/>
@@ -7776,7 +7401,7 @@
           <a:p>
             <a:pPr algn="ctr"/>
             <a:r>
-              <a:rPr lang="th-TH" sz="2000" dirty="0">
+              <a:rPr lang="th-TH" sz="1625" dirty="0">
                 <a:latin typeface="TH Sarabun New" panose="020B0500040200020003" pitchFamily="34" charset="-34"/>
                 <a:cs typeface="TH Sarabun New" panose="020B0500040200020003" pitchFamily="34" charset="-34"/>
               </a:rPr>
@@ -7802,8 +7427,8 @@
         </p:nvCxnSpPr>
         <p:spPr>
           <a:xfrm rot="5400000" flipH="1" flipV="1">
-            <a:off x="3250339" y="1814376"/>
-            <a:ext cx="543755" cy="2152833"/>
+            <a:off x="2640901" y="2117118"/>
+            <a:ext cx="441801" cy="1749177"/>
           </a:xfrm>
           <a:prstGeom prst="bentConnector2">
             <a:avLst/>
@@ -7845,8 +7470,8 @@
         </p:nvCxnSpPr>
         <p:spPr>
           <a:xfrm rot="5400000">
-            <a:off x="4242419" y="2140630"/>
-            <a:ext cx="259670" cy="2317071"/>
+            <a:off x="3446965" y="2382200"/>
+            <a:ext cx="210982" cy="1882620"/>
           </a:xfrm>
           <a:prstGeom prst="bentConnector2">
             <a:avLst/>
@@ -7887,8 +7512,8 @@
         </p:nvCxnSpPr>
         <p:spPr>
           <a:xfrm>
-            <a:off x="2584120" y="3695330"/>
-            <a:ext cx="2014513" cy="478655"/>
+            <a:off x="2099598" y="3645394"/>
+            <a:ext cx="1636792" cy="388907"/>
           </a:xfrm>
           <a:prstGeom prst="bentConnector3">
             <a:avLst>
@@ -7931,8 +7556,8 @@
         </p:nvCxnSpPr>
         <p:spPr>
           <a:xfrm rot="5400000" flipH="1">
-            <a:off x="3473760" y="2667372"/>
-            <a:ext cx="1029070" cy="3084989"/>
+            <a:off x="2822430" y="2810177"/>
+            <a:ext cx="836119" cy="2506554"/>
           </a:xfrm>
           <a:prstGeom prst="bentConnector3">
             <a:avLst>
@@ -7972,8 +7597,8 @@
         </p:nvSpPr>
         <p:spPr>
           <a:xfrm>
-            <a:off x="2847159" y="2316473"/>
-            <a:ext cx="1208985" cy="338554"/>
+            <a:off x="2296154" y="2525072"/>
+            <a:ext cx="1016625" cy="292388"/>
           </a:xfrm>
           <a:prstGeom prst="rect">
             <a:avLst/>
@@ -7988,7 +7613,7 @@
           <a:p>
             <a:pPr algn="ctr"/>
             <a:r>
-              <a:rPr lang="th-TH" sz="1600" dirty="0">
+              <a:rPr lang="th-TH" sz="1300" dirty="0">
                 <a:latin typeface="TH Sarabun New" panose="020B0500040200020003" pitchFamily="34" charset="-34"/>
                 <a:cs typeface="TH Sarabun New" panose="020B0500040200020003" pitchFamily="34" charset="-34"/>
               </a:rPr>
@@ -8011,8 +7636,8 @@
         </p:nvSpPr>
         <p:spPr>
           <a:xfrm>
-            <a:off x="2871603" y="3877196"/>
-            <a:ext cx="1513555" cy="338554"/>
+            <a:off x="2315514" y="3793159"/>
+            <a:ext cx="1265091" cy="292388"/>
           </a:xfrm>
           <a:prstGeom prst="rect">
             <a:avLst/>
@@ -8027,7 +7652,7 @@
           <a:p>
             <a:pPr algn="ctr"/>
             <a:r>
-              <a:rPr lang="th-TH" sz="1600" dirty="0">
+              <a:rPr lang="th-TH" sz="1300" dirty="0">
                 <a:latin typeface="TH Sarabun New" panose="020B0500040200020003" pitchFamily="34" charset="-34"/>
                 <a:cs typeface="TH Sarabun New" panose="020B0500040200020003" pitchFamily="34" charset="-34"/>
               </a:rPr>
@@ -8050,8 +7675,8 @@
         </p:nvSpPr>
         <p:spPr>
           <a:xfrm>
-            <a:off x="2974627" y="4673238"/>
-            <a:ext cx="1702710" cy="338554"/>
+            <a:off x="2398319" y="4439944"/>
+            <a:ext cx="1420582" cy="292388"/>
           </a:xfrm>
           <a:prstGeom prst="rect">
             <a:avLst/>
@@ -8066,7 +7691,7 @@
           <a:p>
             <a:pPr algn="ctr"/>
             <a:r>
-              <a:rPr lang="th-TH" sz="1600" dirty="0">
+              <a:rPr lang="th-TH" sz="1300" dirty="0">
                 <a:latin typeface="TH Sarabun New" panose="020B0500040200020003" pitchFamily="34" charset="-34"/>
                 <a:cs typeface="TH Sarabun New" panose="020B0500040200020003" pitchFamily="34" charset="-34"/>
               </a:rPr>
@@ -8089,8 +7714,8 @@
         </p:nvSpPr>
         <p:spPr>
           <a:xfrm>
-            <a:off x="3470484" y="3131567"/>
-            <a:ext cx="1255473" cy="338554"/>
+            <a:off x="2801453" y="3187336"/>
+            <a:ext cx="1056701" cy="292388"/>
           </a:xfrm>
           <a:prstGeom prst="rect">
             <a:avLst/>
@@ -8105,7 +7730,7 @@
           <a:p>
             <a:pPr algn="ctr"/>
             <a:r>
-              <a:rPr lang="th-TH" sz="1600" dirty="0">
+              <a:rPr lang="th-TH" sz="1300" dirty="0">
                 <a:latin typeface="TH Sarabun New" panose="020B0500040200020003" pitchFamily="34" charset="-34"/>
                 <a:cs typeface="TH Sarabun New" panose="020B0500040200020003" pitchFamily="34" charset="-34"/>
               </a:rPr>
@@ -8128,8 +7753,8 @@
         </p:nvSpPr>
         <p:spPr>
           <a:xfrm>
-            <a:off x="6839509" y="1948092"/>
-            <a:ext cx="888385" cy="338554"/>
+            <a:off x="5539539" y="2225762"/>
+            <a:ext cx="756938" cy="292388"/>
           </a:xfrm>
           <a:prstGeom prst="rect">
             <a:avLst/>
@@ -8144,7 +7769,7 @@
           <a:p>
             <a:pPr algn="ctr"/>
             <a:r>
-              <a:rPr lang="th-TH" sz="1600" dirty="0">
+              <a:rPr lang="th-TH" sz="1300" dirty="0">
                 <a:latin typeface="TH Sarabun New" panose="020B0500040200020003" pitchFamily="34" charset="-34"/>
                 <a:cs typeface="TH Sarabun New" panose="020B0500040200020003" pitchFamily="34" charset="-34"/>
               </a:rPr>
@@ -8167,8 +7792,8 @@
         </p:nvGrpSpPr>
         <p:grpSpPr>
           <a:xfrm>
-            <a:off x="8492943" y="2034803"/>
-            <a:ext cx="2506485" cy="710212"/>
+            <a:off x="6900517" y="2296215"/>
+            <a:ext cx="2036519" cy="577047"/>
             <a:chOff x="8044650" y="3089432"/>
             <a:chExt cx="2129160" cy="710212"/>
           </a:xfrm>
@@ -8214,7 +7839,7 @@
             <a:p>
               <a:pPr algn="ctr"/>
               <a:r>
-                <a:rPr lang="th-TH" sz="2400" dirty="0">
+                <a:rPr lang="th-TH" sz="1950" dirty="0">
                   <a:latin typeface="TH Sarabun New" panose="020B0500040200020003" pitchFamily="34" charset="-34"/>
                   <a:cs typeface="TH Sarabun New" panose="020B0500040200020003" pitchFamily="34" charset="-34"/>
                 </a:rPr>
@@ -8309,7 +7934,7 @@
             <a:lstStyle/>
             <a:p>
               <a:pPr algn="ctr"/>
-              <a:endParaRPr lang="th-TH"/>
+              <a:endParaRPr lang="th-TH" sz="2275"/>
             </a:p>
           </p:txBody>
         </p:sp>
@@ -8328,8 +7953,8 @@
         </p:nvSpPr>
         <p:spPr>
           <a:xfrm>
-            <a:off x="8544824" y="2240592"/>
-            <a:ext cx="388248" cy="400110"/>
+            <a:off x="6942670" y="2463419"/>
+            <a:ext cx="349776" cy="342401"/>
           </a:xfrm>
           <a:prstGeom prst="rect">
             <a:avLst/>
@@ -8343,13 +7968,13 @@
           <a:lstStyle/>
           <a:p>
             <a:r>
-              <a:rPr lang="en-US" sz="2000" dirty="0">
+              <a:rPr lang="en-US" sz="1625" dirty="0">
                 <a:latin typeface="TH Sarabun New" panose="020B0500040200020003" pitchFamily="34" charset="-34"/>
                 <a:cs typeface="TH Sarabun New" panose="020B0500040200020003" pitchFamily="34" charset="-34"/>
               </a:rPr>
               <a:t>D3</a:t>
             </a:r>
-            <a:endParaRPr lang="th-TH" sz="2000" dirty="0">
+            <a:endParaRPr lang="th-TH" sz="1625" dirty="0">
               <a:latin typeface="TH Sarabun New" panose="020B0500040200020003" pitchFamily="34" charset="-34"/>
               <a:cs typeface="TH Sarabun New" panose="020B0500040200020003" pitchFamily="34" charset="-34"/>
             </a:endParaRPr>
@@ -8370,8 +7995,8 @@
         </p:nvGrpSpPr>
         <p:grpSpPr>
           <a:xfrm>
-            <a:off x="8477455" y="3193745"/>
-            <a:ext cx="2521973" cy="710212"/>
+            <a:off x="6887933" y="3237855"/>
+            <a:ext cx="2049103" cy="577047"/>
             <a:chOff x="8044650" y="3089432"/>
             <a:chExt cx="2129160" cy="710212"/>
           </a:xfrm>
@@ -8417,7 +8042,7 @@
             <a:p>
               <a:pPr algn="ctr"/>
               <a:r>
-                <a:rPr lang="th-TH" sz="2400" dirty="0">
+                <a:rPr lang="th-TH" sz="1950" dirty="0">
                   <a:latin typeface="TH Sarabun New" panose="020B0500040200020003" pitchFamily="34" charset="-34"/>
                   <a:cs typeface="TH Sarabun New" panose="020B0500040200020003" pitchFamily="34" charset="-34"/>
                 </a:rPr>
@@ -8512,7 +8137,7 @@
             <a:lstStyle/>
             <a:p>
               <a:pPr algn="ctr"/>
-              <a:endParaRPr lang="th-TH"/>
+              <a:endParaRPr lang="th-TH" sz="2275"/>
             </a:p>
           </p:txBody>
         </p:sp>
@@ -8531,8 +8156,8 @@
         </p:nvSpPr>
         <p:spPr>
           <a:xfrm>
-            <a:off x="8529336" y="3399534"/>
-            <a:ext cx="388248" cy="400110"/>
+            <a:off x="6930086" y="3405059"/>
+            <a:ext cx="349776" cy="342401"/>
           </a:xfrm>
           <a:prstGeom prst="rect">
             <a:avLst/>
@@ -8546,13 +8171,13 @@
           <a:lstStyle/>
           <a:p>
             <a:r>
-              <a:rPr lang="en-US" sz="2000" dirty="0">
+              <a:rPr lang="en-US" sz="1625" dirty="0">
                 <a:latin typeface="TH Sarabun New" panose="020B0500040200020003" pitchFamily="34" charset="-34"/>
                 <a:cs typeface="TH Sarabun New" panose="020B0500040200020003" pitchFamily="34" charset="-34"/>
               </a:rPr>
               <a:t>D2</a:t>
             </a:r>
-            <a:endParaRPr lang="th-TH" sz="2000" dirty="0">
+            <a:endParaRPr lang="th-TH" sz="1625" dirty="0">
               <a:latin typeface="TH Sarabun New" panose="020B0500040200020003" pitchFamily="34" charset="-34"/>
               <a:cs typeface="TH Sarabun New" panose="020B0500040200020003" pitchFamily="34" charset="-34"/>
             </a:endParaRPr>
@@ -8573,8 +8198,8 @@
         </p:nvGrpSpPr>
         <p:grpSpPr>
           <a:xfrm>
-            <a:off x="8452985" y="4518859"/>
-            <a:ext cx="2521965" cy="710212"/>
+            <a:off x="6868051" y="4314511"/>
+            <a:ext cx="2049097" cy="577047"/>
             <a:chOff x="8044650" y="3089432"/>
             <a:chExt cx="2129160" cy="710212"/>
           </a:xfrm>
@@ -8620,7 +8245,7 @@
             <a:p>
               <a:pPr algn="ctr"/>
               <a:r>
-                <a:rPr lang="th-TH" sz="2400" dirty="0">
+                <a:rPr lang="th-TH" sz="1950" dirty="0">
                   <a:latin typeface="TH Sarabun New" panose="020B0500040200020003" pitchFamily="34" charset="-34"/>
                   <a:cs typeface="TH Sarabun New" panose="020B0500040200020003" pitchFamily="34" charset="-34"/>
                 </a:rPr>
@@ -8715,7 +8340,7 @@
             <a:lstStyle/>
             <a:p>
               <a:pPr algn="ctr"/>
-              <a:endParaRPr lang="th-TH"/>
+              <a:endParaRPr lang="th-TH" sz="2275"/>
             </a:p>
           </p:txBody>
         </p:sp>
@@ -8734,8 +8359,8 @@
         </p:nvSpPr>
         <p:spPr>
           <a:xfrm>
-            <a:off x="8504866" y="4724648"/>
-            <a:ext cx="388248" cy="400110"/>
+            <a:off x="6910204" y="4481714"/>
+            <a:ext cx="349776" cy="342401"/>
           </a:xfrm>
           <a:prstGeom prst="rect">
             <a:avLst/>
@@ -8749,13 +8374,13 @@
           <a:lstStyle/>
           <a:p>
             <a:r>
-              <a:rPr lang="en-US" sz="2000" dirty="0">
+              <a:rPr lang="en-US" sz="1625" dirty="0">
                 <a:latin typeface="TH Sarabun New" panose="020B0500040200020003" pitchFamily="34" charset="-34"/>
                 <a:cs typeface="TH Sarabun New" panose="020B0500040200020003" pitchFamily="34" charset="-34"/>
               </a:rPr>
               <a:t>D5</a:t>
             </a:r>
-            <a:endParaRPr lang="th-TH" sz="2000" dirty="0">
+            <a:endParaRPr lang="th-TH" sz="1625" dirty="0">
               <a:latin typeface="TH Sarabun New" panose="020B0500040200020003" pitchFamily="34" charset="-34"/>
               <a:cs typeface="TH Sarabun New" panose="020B0500040200020003" pitchFamily="34" charset="-34"/>
             </a:endParaRPr>
@@ -8778,8 +8403,8 @@
         </p:nvCxnSpPr>
         <p:spPr>
           <a:xfrm rot="10800000">
-            <a:off x="6444747" y="2537715"/>
-            <a:ext cx="1998229" cy="248"/>
+            <a:off x="5236357" y="2704831"/>
+            <a:ext cx="1623561" cy="202"/>
           </a:xfrm>
           <a:prstGeom prst="bentConnector3">
             <a:avLst>
@@ -8821,8 +8446,8 @@
         </p:nvCxnSpPr>
         <p:spPr>
           <a:xfrm rot="10800000">
-            <a:off x="6096001" y="3183339"/>
-            <a:ext cx="2396937" cy="198058"/>
+            <a:off x="4953001" y="3229401"/>
+            <a:ext cx="1947511" cy="160922"/>
           </a:xfrm>
           <a:prstGeom prst="bentConnector3">
             <a:avLst>
@@ -8864,8 +8489,8 @@
         </p:nvCxnSpPr>
         <p:spPr>
           <a:xfrm rot="10800000" flipV="1">
-            <a:off x="6479234" y="3734629"/>
-            <a:ext cx="2033821" cy="274505"/>
+            <a:off x="5264378" y="3677324"/>
+            <a:ext cx="1652480" cy="223035"/>
           </a:xfrm>
           <a:prstGeom prst="bentConnector3">
             <a:avLst>
@@ -8907,8 +8532,8 @@
         </p:nvCxnSpPr>
         <p:spPr>
           <a:xfrm rot="10800000">
-            <a:off x="6479235" y="4527523"/>
-            <a:ext cx="1981939" cy="182579"/>
+            <a:off x="5264379" y="4321551"/>
+            <a:ext cx="1610325" cy="148345"/>
           </a:xfrm>
           <a:prstGeom prst="bentConnector3">
             <a:avLst>
@@ -8950,8 +8575,8 @@
         </p:nvCxnSpPr>
         <p:spPr>
           <a:xfrm>
-            <a:off x="6096000" y="4724401"/>
-            <a:ext cx="2340694" cy="353232"/>
+            <a:off x="4953000" y="4481513"/>
+            <a:ext cx="1901814" cy="287001"/>
           </a:xfrm>
           <a:prstGeom prst="bentConnector3">
             <a:avLst>
@@ -8991,8 +8616,8 @@
         </p:nvSpPr>
         <p:spPr>
           <a:xfrm>
-            <a:off x="6771510" y="3098790"/>
-            <a:ext cx="875561" cy="584775"/>
+            <a:off x="5484690" y="3160705"/>
+            <a:ext cx="745717" cy="492443"/>
           </a:xfrm>
           <a:prstGeom prst="rect">
             <a:avLst/>
@@ -9007,7 +8632,7 @@
           <a:p>
             <a:pPr algn="ctr"/>
             <a:r>
-              <a:rPr lang="th-TH" sz="1600" dirty="0">
+              <a:rPr lang="th-TH" sz="1300" dirty="0">
                 <a:latin typeface="TH Sarabun New" panose="020B0500040200020003" pitchFamily="34" charset="-34"/>
                 <a:cs typeface="TH Sarabun New" panose="020B0500040200020003" pitchFamily="34" charset="-34"/>
               </a:rPr>
@@ -9016,7 +8641,7 @@
           </a:p>
           <a:p>
             <a:pPr algn="ctr"/>
-            <a:endParaRPr lang="th-TH" sz="1600" dirty="0">
+            <a:endParaRPr lang="th-TH" sz="1300" dirty="0">
               <a:latin typeface="TH Sarabun New" panose="020B0500040200020003" pitchFamily="34" charset="-34"/>
               <a:cs typeface="TH Sarabun New" panose="020B0500040200020003" pitchFamily="34" charset="-34"/>
             </a:endParaRPr>
@@ -9037,8 +8662,8 @@
         </p:nvSpPr>
         <p:spPr>
           <a:xfrm>
-            <a:off x="7012038" y="3464791"/>
-            <a:ext cx="875561" cy="338554"/>
+            <a:off x="5680119" y="3458080"/>
+            <a:ext cx="745717" cy="292388"/>
           </a:xfrm>
           <a:prstGeom prst="rect">
             <a:avLst/>
@@ -9053,7 +8678,7 @@
           <a:p>
             <a:pPr algn="ctr"/>
             <a:r>
-              <a:rPr lang="th-TH" sz="1600" dirty="0">
+              <a:rPr lang="th-TH" sz="1300" dirty="0">
                 <a:latin typeface="TH Sarabun New" panose="020B0500040200020003" pitchFamily="34" charset="-34"/>
                 <a:cs typeface="TH Sarabun New" panose="020B0500040200020003" pitchFamily="34" charset="-34"/>
               </a:rPr>
@@ -9076,8 +8701,8 @@
         </p:nvSpPr>
         <p:spPr>
           <a:xfrm>
-            <a:off x="6702122" y="4415303"/>
-            <a:ext cx="1335623" cy="338554"/>
+            <a:off x="5427661" y="4230371"/>
+            <a:ext cx="1120821" cy="292388"/>
           </a:xfrm>
           <a:prstGeom prst="rect">
             <a:avLst/>
@@ -9092,7 +8717,7 @@
           <a:p>
             <a:pPr algn="ctr"/>
             <a:r>
-              <a:rPr lang="th-TH" sz="1600" dirty="0">
+              <a:rPr lang="th-TH" sz="1300" dirty="0">
                 <a:latin typeface="TH Sarabun New" panose="020B0500040200020003" pitchFamily="34" charset="-34"/>
                 <a:cs typeface="TH Sarabun New" panose="020B0500040200020003" pitchFamily="34" charset="-34"/>
               </a:rPr>
@@ -9115,8 +8740,8 @@
         </p:nvSpPr>
         <p:spPr>
           <a:xfrm>
-            <a:off x="6731434" y="4777668"/>
-            <a:ext cx="1335623" cy="338554"/>
+            <a:off x="5451477" y="4524793"/>
+            <a:ext cx="1120821" cy="292388"/>
           </a:xfrm>
           <a:prstGeom prst="rect">
             <a:avLst/>
@@ -9131,7 +8756,7 @@
           <a:p>
             <a:pPr algn="ctr"/>
             <a:r>
-              <a:rPr lang="th-TH" sz="1600" dirty="0">
+              <a:rPr lang="th-TH" sz="1300" dirty="0">
                 <a:latin typeface="TH Sarabun New" panose="020B0500040200020003" pitchFamily="34" charset="-34"/>
                 <a:cs typeface="TH Sarabun New" panose="020B0500040200020003" pitchFamily="34" charset="-34"/>
               </a:rPr>
@@ -9156,8 +8781,8 @@
         </p:nvCxnSpPr>
         <p:spPr>
           <a:xfrm flipV="1">
-            <a:off x="6425859" y="2197046"/>
-            <a:ext cx="2104515" cy="14173"/>
+            <a:off x="5221011" y="2428038"/>
+            <a:ext cx="1709918" cy="11516"/>
           </a:xfrm>
           <a:prstGeom prst="bentConnector3">
             <a:avLst>
@@ -9197,8 +8822,8 @@
         </p:nvSpPr>
         <p:spPr>
           <a:xfrm>
-            <a:off x="6829804" y="2273306"/>
-            <a:ext cx="888385" cy="338554"/>
+            <a:off x="5531654" y="2489999"/>
+            <a:ext cx="756938" cy="292388"/>
           </a:xfrm>
           <a:prstGeom prst="rect">
             <a:avLst/>
@@ -9213,7 +8838,7 @@
           <a:p>
             <a:pPr algn="ctr"/>
             <a:r>
-              <a:rPr lang="th-TH" sz="1600" dirty="0">
+              <a:rPr lang="th-TH" sz="1300" dirty="0">
                 <a:latin typeface="TH Sarabun New" panose="020B0500040200020003" pitchFamily="34" charset="-34"/>
                 <a:cs typeface="TH Sarabun New" panose="020B0500040200020003" pitchFamily="34" charset="-34"/>
               </a:rPr>
@@ -9235,10 +8860,5169 @@
 </p:sld>
 </file>
 
+<file path=ppt/slides/slide4.xml><?xml version="1.0" encoding="utf-8"?>
+<p:sld xmlns:a="http://schemas.openxmlformats.org/drawingml/2006/main" xmlns:r="http://schemas.openxmlformats.org/officeDocument/2006/relationships" xmlns:p="http://schemas.openxmlformats.org/presentationml/2006/main">
+  <p:cSld>
+    <p:spTree>
+      <p:nvGrpSpPr>
+        <p:cNvPr id="1" name=""/>
+        <p:cNvGrpSpPr/>
+        <p:nvPr/>
+      </p:nvGrpSpPr>
+      <p:grpSpPr>
+        <a:xfrm>
+          <a:off x="0" y="0"/>
+          <a:ext cx="0" cy="0"/>
+          <a:chOff x="0" y="0"/>
+          <a:chExt cx="0" cy="0"/>
+        </a:xfrm>
+      </p:grpSpPr>
+      <p:sp>
+        <p:nvSpPr>
+          <p:cNvPr id="47" name="Rectangle 46">
+            <a:extLst>
+              <a:ext uri="{FF2B5EF4-FFF2-40B4-BE49-F238E27FC236}">
+                <a16:creationId xmlns:a16="http://schemas.microsoft.com/office/drawing/2014/main" id="{5C9A6C3E-5FEA-44FF-89B9-01544B84B490}"/>
+              </a:ext>
+            </a:extLst>
+          </p:cNvPr>
+          <p:cNvSpPr/>
+          <p:nvPr/>
+        </p:nvSpPr>
+        <p:spPr>
+          <a:xfrm>
+            <a:off x="1345524" y="1081965"/>
+            <a:ext cx="1247868" cy="432788"/>
+          </a:xfrm>
+          <a:prstGeom prst="rect">
+            <a:avLst/>
+          </a:prstGeom>
+        </p:spPr>
+        <p:style>
+          <a:lnRef idx="2">
+            <a:schemeClr val="dk1"/>
+          </a:lnRef>
+          <a:fillRef idx="1">
+            <a:schemeClr val="lt1"/>
+          </a:fillRef>
+          <a:effectRef idx="0">
+            <a:schemeClr val="dk1"/>
+          </a:effectRef>
+          <a:fontRef idx="minor">
+            <a:schemeClr val="dk1"/>
+          </a:fontRef>
+        </p:style>
+        <p:txBody>
+          <a:bodyPr rtlCol="0" anchor="ctr"/>
+          <a:lstStyle/>
+          <a:p>
+            <a:pPr algn="ctr"/>
+            <a:r>
+              <a:rPr lang="th-TH" sz="1950" dirty="0">
+                <a:latin typeface="TH Sarabun New" panose="020B0500040200020003" pitchFamily="34" charset="-34"/>
+                <a:cs typeface="TH Sarabun New" panose="020B0500040200020003" pitchFamily="34" charset="-34"/>
+              </a:rPr>
+              <a:t>ผู้ใช้งาน</a:t>
+            </a:r>
+          </a:p>
+        </p:txBody>
+      </p:sp>
+      <p:grpSp>
+        <p:nvGrpSpPr>
+          <p:cNvPr id="48" name="Group 47">
+            <a:extLst>
+              <a:ext uri="{FF2B5EF4-FFF2-40B4-BE49-F238E27FC236}">
+                <a16:creationId xmlns:a16="http://schemas.microsoft.com/office/drawing/2014/main" id="{36E01731-4995-4553-9D79-05EF2AA1B756}"/>
+              </a:ext>
+            </a:extLst>
+          </p:cNvPr>
+          <p:cNvGrpSpPr/>
+          <p:nvPr/>
+        </p:nvGrpSpPr>
+        <p:grpSpPr>
+          <a:xfrm>
+            <a:off x="3718635" y="192951"/>
+            <a:ext cx="1514753" cy="894426"/>
+            <a:chOff x="5530788" y="2405849"/>
+            <a:chExt cx="1864311" cy="1100832"/>
+          </a:xfrm>
+        </p:grpSpPr>
+        <p:sp>
+          <p:nvSpPr>
+            <p:cNvPr id="49" name="Rectangle: Rounded Corners 48">
+              <a:extLst>
+                <a:ext uri="{FF2B5EF4-FFF2-40B4-BE49-F238E27FC236}">
+                  <a16:creationId xmlns:a16="http://schemas.microsoft.com/office/drawing/2014/main" id="{CB5ECA4F-FA0E-4650-9A81-F011BB25BE0F}"/>
+                </a:ext>
+              </a:extLst>
+            </p:cNvPr>
+            <p:cNvSpPr/>
+            <p:nvPr/>
+          </p:nvSpPr>
+          <p:spPr>
+            <a:xfrm>
+              <a:off x="5530788" y="2405849"/>
+              <a:ext cx="1864311" cy="1100832"/>
+            </a:xfrm>
+            <a:prstGeom prst="roundRect">
+              <a:avLst/>
+            </a:prstGeom>
+          </p:spPr>
+          <p:style>
+            <a:lnRef idx="2">
+              <a:schemeClr val="dk1"/>
+            </a:lnRef>
+            <a:fillRef idx="1">
+              <a:schemeClr val="lt1"/>
+            </a:fillRef>
+            <a:effectRef idx="0">
+              <a:schemeClr val="dk1"/>
+            </a:effectRef>
+            <a:fontRef idx="minor">
+              <a:schemeClr val="dk1"/>
+            </a:fontRef>
+          </p:style>
+          <p:txBody>
+            <a:bodyPr rtlCol="0" anchor="ctr"/>
+            <a:lstStyle/>
+            <a:p>
+              <a:pPr algn="ctr"/>
+              <a:endParaRPr lang="th-TH" sz="2275" dirty="0"/>
+            </a:p>
+          </p:txBody>
+        </p:sp>
+        <p:cxnSp>
+          <p:nvCxnSpPr>
+            <p:cNvPr id="50" name="Straight Connector 49">
+              <a:extLst>
+                <a:ext uri="{FF2B5EF4-FFF2-40B4-BE49-F238E27FC236}">
+                  <a16:creationId xmlns:a16="http://schemas.microsoft.com/office/drawing/2014/main" id="{6347DCF2-5EF3-43F0-B473-51D7F7B5D855}"/>
+                </a:ext>
+              </a:extLst>
+            </p:cNvPr>
+            <p:cNvCxnSpPr/>
+            <p:nvPr/>
+          </p:nvCxnSpPr>
+          <p:spPr>
+            <a:xfrm>
+              <a:off x="5530788" y="2725445"/>
+              <a:ext cx="1864311" cy="0"/>
+            </a:xfrm>
+            <a:prstGeom prst="line">
+              <a:avLst/>
+            </a:prstGeom>
+          </p:spPr>
+          <p:style>
+            <a:lnRef idx="1">
+              <a:schemeClr val="dk1"/>
+            </a:lnRef>
+            <a:fillRef idx="0">
+              <a:schemeClr val="dk1"/>
+            </a:fillRef>
+            <a:effectRef idx="0">
+              <a:schemeClr val="dk1"/>
+            </a:effectRef>
+            <a:fontRef idx="minor">
+              <a:schemeClr val="tx1"/>
+            </a:fontRef>
+          </p:style>
+        </p:cxnSp>
+      </p:grpSp>
+      <p:grpSp>
+        <p:nvGrpSpPr>
+          <p:cNvPr id="51" name="Group 50">
+            <a:extLst>
+              <a:ext uri="{FF2B5EF4-FFF2-40B4-BE49-F238E27FC236}">
+                <a16:creationId xmlns:a16="http://schemas.microsoft.com/office/drawing/2014/main" id="{6F2771B9-686B-422B-BB9E-66C7E3FAB280}"/>
+              </a:ext>
+            </a:extLst>
+          </p:cNvPr>
+          <p:cNvGrpSpPr/>
+          <p:nvPr/>
+        </p:nvGrpSpPr>
+        <p:grpSpPr>
+          <a:xfrm>
+            <a:off x="3718635" y="1456446"/>
+            <a:ext cx="1514753" cy="894426"/>
+            <a:chOff x="5530788" y="2405849"/>
+            <a:chExt cx="1864311" cy="1100832"/>
+          </a:xfrm>
+        </p:grpSpPr>
+        <p:sp>
+          <p:nvSpPr>
+            <p:cNvPr id="52" name="Rectangle: Rounded Corners 51">
+              <a:extLst>
+                <a:ext uri="{FF2B5EF4-FFF2-40B4-BE49-F238E27FC236}">
+                  <a16:creationId xmlns:a16="http://schemas.microsoft.com/office/drawing/2014/main" id="{5FDDE8F3-B86B-46E0-A3D3-0AF8511106B5}"/>
+                </a:ext>
+              </a:extLst>
+            </p:cNvPr>
+            <p:cNvSpPr/>
+            <p:nvPr/>
+          </p:nvSpPr>
+          <p:spPr>
+            <a:xfrm>
+              <a:off x="5530788" y="2405849"/>
+              <a:ext cx="1864311" cy="1100832"/>
+            </a:xfrm>
+            <a:prstGeom prst="roundRect">
+              <a:avLst/>
+            </a:prstGeom>
+          </p:spPr>
+          <p:style>
+            <a:lnRef idx="2">
+              <a:schemeClr val="dk1"/>
+            </a:lnRef>
+            <a:fillRef idx="1">
+              <a:schemeClr val="lt1"/>
+            </a:fillRef>
+            <a:effectRef idx="0">
+              <a:schemeClr val="dk1"/>
+            </a:effectRef>
+            <a:fontRef idx="minor">
+              <a:schemeClr val="dk1"/>
+            </a:fontRef>
+          </p:style>
+          <p:txBody>
+            <a:bodyPr rtlCol="0" anchor="ctr"/>
+            <a:lstStyle/>
+            <a:p>
+              <a:pPr algn="ctr"/>
+              <a:endParaRPr lang="th-TH" sz="2275"/>
+            </a:p>
+          </p:txBody>
+        </p:sp>
+        <p:cxnSp>
+          <p:nvCxnSpPr>
+            <p:cNvPr id="53" name="Straight Connector 52">
+              <a:extLst>
+                <a:ext uri="{FF2B5EF4-FFF2-40B4-BE49-F238E27FC236}">
+                  <a16:creationId xmlns:a16="http://schemas.microsoft.com/office/drawing/2014/main" id="{E7AA7355-1A4B-45E1-976E-B2830535C75F}"/>
+                </a:ext>
+              </a:extLst>
+            </p:cNvPr>
+            <p:cNvCxnSpPr/>
+            <p:nvPr/>
+          </p:nvCxnSpPr>
+          <p:spPr>
+            <a:xfrm>
+              <a:off x="5530788" y="2725445"/>
+              <a:ext cx="1864311" cy="0"/>
+            </a:xfrm>
+            <a:prstGeom prst="line">
+              <a:avLst/>
+            </a:prstGeom>
+          </p:spPr>
+          <p:style>
+            <a:lnRef idx="1">
+              <a:schemeClr val="dk1"/>
+            </a:lnRef>
+            <a:fillRef idx="0">
+              <a:schemeClr val="dk1"/>
+            </a:fillRef>
+            <a:effectRef idx="0">
+              <a:schemeClr val="dk1"/>
+            </a:effectRef>
+            <a:fontRef idx="minor">
+              <a:schemeClr val="tx1"/>
+            </a:fontRef>
+          </p:style>
+        </p:cxnSp>
+      </p:grpSp>
+      <p:sp>
+        <p:nvSpPr>
+          <p:cNvPr id="54" name="TextBox 53">
+            <a:extLst>
+              <a:ext uri="{FF2B5EF4-FFF2-40B4-BE49-F238E27FC236}">
+                <a16:creationId xmlns:a16="http://schemas.microsoft.com/office/drawing/2014/main" id="{E8E0B327-FE0C-4097-8EB0-02BB64E5C789}"/>
+              </a:ext>
+            </a:extLst>
+          </p:cNvPr>
+          <p:cNvSpPr txBox="1"/>
+          <p:nvPr/>
+        </p:nvSpPr>
+        <p:spPr>
+          <a:xfrm>
+            <a:off x="4308517" y="192951"/>
+            <a:ext cx="369012" cy="342401"/>
+          </a:xfrm>
+          <a:prstGeom prst="rect">
+            <a:avLst/>
+          </a:prstGeom>
+          <a:noFill/>
+        </p:spPr>
+        <p:txBody>
+          <a:bodyPr wrap="none" rtlCol="0">
+            <a:spAutoFit/>
+          </a:bodyPr>
+          <a:lstStyle/>
+          <a:p>
+            <a:r>
+              <a:rPr lang="en-US" sz="1625" dirty="0">
+                <a:latin typeface="TH Sarabun New" panose="020B0500040200020003" pitchFamily="34" charset="-34"/>
+                <a:cs typeface="TH Sarabun New" panose="020B0500040200020003" pitchFamily="34" charset="-34"/>
+              </a:rPr>
+              <a:t>1</a:t>
+            </a:r>
+            <a:r>
+              <a:rPr lang="th-TH" sz="1625" dirty="0">
+                <a:latin typeface="TH Sarabun New" panose="020B0500040200020003" pitchFamily="34" charset="-34"/>
+                <a:cs typeface="TH Sarabun New" panose="020B0500040200020003" pitchFamily="34" charset="-34"/>
+              </a:rPr>
+              <a:t>.</a:t>
+            </a:r>
+            <a:r>
+              <a:rPr lang="en-US" sz="1625" dirty="0">
+                <a:latin typeface="TH Sarabun New" panose="020B0500040200020003" pitchFamily="34" charset="-34"/>
+                <a:cs typeface="TH Sarabun New" panose="020B0500040200020003" pitchFamily="34" charset="-34"/>
+              </a:rPr>
+              <a:t>0</a:t>
+            </a:r>
+            <a:endParaRPr lang="th-TH" sz="1625" dirty="0">
+              <a:latin typeface="TH Sarabun New" panose="020B0500040200020003" pitchFamily="34" charset="-34"/>
+              <a:cs typeface="TH Sarabun New" panose="020B0500040200020003" pitchFamily="34" charset="-34"/>
+            </a:endParaRPr>
+          </a:p>
+        </p:txBody>
+      </p:sp>
+      <p:sp>
+        <p:nvSpPr>
+          <p:cNvPr id="55" name="TextBox 54">
+            <a:extLst>
+              <a:ext uri="{FF2B5EF4-FFF2-40B4-BE49-F238E27FC236}">
+                <a16:creationId xmlns:a16="http://schemas.microsoft.com/office/drawing/2014/main" id="{EC043D01-88BC-4081-BBFC-98D1EAACFA5E}"/>
+              </a:ext>
+            </a:extLst>
+          </p:cNvPr>
+          <p:cNvSpPr txBox="1"/>
+          <p:nvPr/>
+        </p:nvSpPr>
+        <p:spPr>
+          <a:xfrm>
+            <a:off x="4308517" y="1436963"/>
+            <a:ext cx="369012" cy="342401"/>
+          </a:xfrm>
+          <a:prstGeom prst="rect">
+            <a:avLst/>
+          </a:prstGeom>
+          <a:noFill/>
+        </p:spPr>
+        <p:txBody>
+          <a:bodyPr wrap="none" rtlCol="0">
+            <a:spAutoFit/>
+          </a:bodyPr>
+          <a:lstStyle/>
+          <a:p>
+            <a:r>
+              <a:rPr lang="en-US" sz="1625" dirty="0">
+                <a:latin typeface="TH Sarabun New" panose="020B0500040200020003" pitchFamily="34" charset="-34"/>
+                <a:cs typeface="TH Sarabun New" panose="020B0500040200020003" pitchFamily="34" charset="-34"/>
+              </a:rPr>
+              <a:t>2</a:t>
+            </a:r>
+            <a:r>
+              <a:rPr lang="th-TH" sz="1625" dirty="0">
+                <a:latin typeface="TH Sarabun New" panose="020B0500040200020003" pitchFamily="34" charset="-34"/>
+                <a:cs typeface="TH Sarabun New" panose="020B0500040200020003" pitchFamily="34" charset="-34"/>
+              </a:rPr>
+              <a:t>.</a:t>
+            </a:r>
+            <a:r>
+              <a:rPr lang="en-US" sz="1625" dirty="0">
+                <a:latin typeface="TH Sarabun New" panose="020B0500040200020003" pitchFamily="34" charset="-34"/>
+                <a:cs typeface="TH Sarabun New" panose="020B0500040200020003" pitchFamily="34" charset="-34"/>
+              </a:rPr>
+              <a:t>0</a:t>
+            </a:r>
+            <a:endParaRPr lang="th-TH" sz="1625" dirty="0">
+              <a:latin typeface="TH Sarabun New" panose="020B0500040200020003" pitchFamily="34" charset="-34"/>
+              <a:cs typeface="TH Sarabun New" panose="020B0500040200020003" pitchFamily="34" charset="-34"/>
+            </a:endParaRPr>
+          </a:p>
+        </p:txBody>
+      </p:sp>
+      <p:sp>
+        <p:nvSpPr>
+          <p:cNvPr id="56" name="TextBox 55">
+            <a:extLst>
+              <a:ext uri="{FF2B5EF4-FFF2-40B4-BE49-F238E27FC236}">
+                <a16:creationId xmlns:a16="http://schemas.microsoft.com/office/drawing/2014/main" id="{BCE95DBC-6CE3-4DA4-B353-E6231942A4EF}"/>
+              </a:ext>
+            </a:extLst>
+          </p:cNvPr>
+          <p:cNvSpPr txBox="1"/>
+          <p:nvPr/>
+        </p:nvSpPr>
+        <p:spPr>
+          <a:xfrm>
+            <a:off x="3791378" y="475391"/>
+            <a:ext cx="1369286" cy="592470"/>
+          </a:xfrm>
+          <a:prstGeom prst="rect">
+            <a:avLst/>
+          </a:prstGeom>
+          <a:noFill/>
+        </p:spPr>
+        <p:txBody>
+          <a:bodyPr wrap="none" rtlCol="0">
+            <a:spAutoFit/>
+          </a:bodyPr>
+          <a:lstStyle/>
+          <a:p>
+            <a:pPr algn="ctr"/>
+            <a:r>
+              <a:rPr lang="th-TH" sz="1625" dirty="0">
+                <a:latin typeface="TH Sarabun New" panose="020B0500040200020003" pitchFamily="34" charset="-34"/>
+                <a:cs typeface="TH Sarabun New" panose="020B0500040200020003" pitchFamily="34" charset="-34"/>
+              </a:rPr>
+              <a:t>ระบบเข้าสู่ระบบ และ</a:t>
+            </a:r>
+          </a:p>
+          <a:p>
+            <a:pPr algn="ctr"/>
+            <a:r>
+              <a:rPr lang="th-TH" sz="1625" dirty="0">
+                <a:latin typeface="TH Sarabun New" panose="020B0500040200020003" pitchFamily="34" charset="-34"/>
+                <a:cs typeface="TH Sarabun New" panose="020B0500040200020003" pitchFamily="34" charset="-34"/>
+              </a:rPr>
+              <a:t>สมัครสมาชิก</a:t>
+            </a:r>
+          </a:p>
+        </p:txBody>
+      </p:sp>
+      <p:sp>
+        <p:nvSpPr>
+          <p:cNvPr id="57" name="TextBox 56">
+            <a:extLst>
+              <a:ext uri="{FF2B5EF4-FFF2-40B4-BE49-F238E27FC236}">
+                <a16:creationId xmlns:a16="http://schemas.microsoft.com/office/drawing/2014/main" id="{0B438BBA-DCF5-492C-9050-DAAF7D1886BC}"/>
+              </a:ext>
+            </a:extLst>
+          </p:cNvPr>
+          <p:cNvSpPr txBox="1"/>
+          <p:nvPr/>
+        </p:nvSpPr>
+        <p:spPr>
+          <a:xfrm>
+            <a:off x="3724850" y="1734145"/>
+            <a:ext cx="1502334" cy="592470"/>
+          </a:xfrm>
+          <a:prstGeom prst="rect">
+            <a:avLst/>
+          </a:prstGeom>
+          <a:noFill/>
+        </p:spPr>
+        <p:txBody>
+          <a:bodyPr wrap="none" rtlCol="0">
+            <a:spAutoFit/>
+          </a:bodyPr>
+          <a:lstStyle/>
+          <a:p>
+            <a:pPr algn="ctr"/>
+            <a:r>
+              <a:rPr lang="th-TH" sz="1625" dirty="0">
+                <a:latin typeface="TH Sarabun New" panose="020B0500040200020003" pitchFamily="34" charset="-34"/>
+                <a:cs typeface="TH Sarabun New" panose="020B0500040200020003" pitchFamily="34" charset="-34"/>
+              </a:rPr>
+              <a:t>ระบบค้นหารถยนต์ และ</a:t>
+            </a:r>
+          </a:p>
+          <a:p>
+            <a:pPr algn="ctr"/>
+            <a:r>
+              <a:rPr lang="th-TH" sz="1625" dirty="0">
+                <a:latin typeface="TH Sarabun New" panose="020B0500040200020003" pitchFamily="34" charset="-34"/>
+                <a:cs typeface="TH Sarabun New" panose="020B0500040200020003" pitchFamily="34" charset="-34"/>
+              </a:rPr>
+              <a:t>จักรยานยนต์</a:t>
+            </a:r>
+          </a:p>
+        </p:txBody>
+      </p:sp>
+      <p:cxnSp>
+        <p:nvCxnSpPr>
+          <p:cNvPr id="58" name="Connector: Elbow 57">
+            <a:extLst>
+              <a:ext uri="{FF2B5EF4-FFF2-40B4-BE49-F238E27FC236}">
+                <a16:creationId xmlns:a16="http://schemas.microsoft.com/office/drawing/2014/main" id="{0E5FFCC6-65B4-453B-8473-A257224A2A1E}"/>
+              </a:ext>
+            </a:extLst>
+          </p:cNvPr>
+          <p:cNvCxnSpPr>
+            <a:stCxn id="47" idx="0"/>
+            <a:endCxn id="49" idx="1"/>
+          </p:cNvCxnSpPr>
+          <p:nvPr/>
+        </p:nvCxnSpPr>
+        <p:spPr>
+          <a:xfrm rot="5400000" flipH="1" flipV="1">
+            <a:off x="2623146" y="-13523"/>
+            <a:ext cx="441801" cy="1749177"/>
+          </a:xfrm>
+          <a:prstGeom prst="bentConnector2">
+            <a:avLst/>
+          </a:prstGeom>
+          <a:ln>
+            <a:tailEnd type="triangle"/>
+          </a:ln>
+        </p:spPr>
+        <p:style>
+          <a:lnRef idx="1">
+            <a:schemeClr val="dk1"/>
+          </a:lnRef>
+          <a:fillRef idx="0">
+            <a:schemeClr val="dk1"/>
+          </a:fillRef>
+          <a:effectRef idx="0">
+            <a:schemeClr val="dk1"/>
+          </a:effectRef>
+          <a:fontRef idx="minor">
+            <a:schemeClr val="tx1"/>
+          </a:fontRef>
+        </p:style>
+      </p:cxnSp>
+      <p:cxnSp>
+        <p:nvCxnSpPr>
+          <p:cNvPr id="59" name="Connector: Elbow 58">
+            <a:extLst>
+              <a:ext uri="{FF2B5EF4-FFF2-40B4-BE49-F238E27FC236}">
+                <a16:creationId xmlns:a16="http://schemas.microsoft.com/office/drawing/2014/main" id="{642570B5-37E6-4134-8B2C-823C7F4E64C3}"/>
+              </a:ext>
+            </a:extLst>
+          </p:cNvPr>
+          <p:cNvCxnSpPr>
+            <a:cxnSpLocks/>
+            <a:stCxn id="49" idx="2"/>
+            <a:endCxn id="47" idx="3"/>
+          </p:cNvCxnSpPr>
+          <p:nvPr/>
+        </p:nvCxnSpPr>
+        <p:spPr>
+          <a:xfrm rot="5400000">
+            <a:off x="3429210" y="251559"/>
+            <a:ext cx="210982" cy="1882620"/>
+          </a:xfrm>
+          <a:prstGeom prst="bentConnector2">
+            <a:avLst/>
+          </a:prstGeom>
+          <a:ln>
+            <a:tailEnd type="triangle"/>
+          </a:ln>
+        </p:spPr>
+        <p:style>
+          <a:lnRef idx="1">
+            <a:schemeClr val="dk1"/>
+          </a:lnRef>
+          <a:fillRef idx="0">
+            <a:schemeClr val="dk1"/>
+          </a:fillRef>
+          <a:effectRef idx="0">
+            <a:schemeClr val="dk1"/>
+          </a:effectRef>
+          <a:fontRef idx="minor">
+            <a:schemeClr val="tx1"/>
+          </a:fontRef>
+        </p:style>
+      </p:cxnSp>
+      <p:cxnSp>
+        <p:nvCxnSpPr>
+          <p:cNvPr id="60" name="Connector: Elbow 59">
+            <a:extLst>
+              <a:ext uri="{FF2B5EF4-FFF2-40B4-BE49-F238E27FC236}">
+                <a16:creationId xmlns:a16="http://schemas.microsoft.com/office/drawing/2014/main" id="{1A2F6112-E6C0-451B-9E2E-3A439D543094}"/>
+              </a:ext>
+            </a:extLst>
+          </p:cNvPr>
+          <p:cNvCxnSpPr>
+            <a:cxnSpLocks/>
+            <a:endCxn id="52" idx="1"/>
+          </p:cNvCxnSpPr>
+          <p:nvPr/>
+        </p:nvCxnSpPr>
+        <p:spPr>
+          <a:xfrm>
+            <a:off x="2081843" y="1514753"/>
+            <a:ext cx="1636792" cy="388907"/>
+          </a:xfrm>
+          <a:prstGeom prst="bentConnector3">
+            <a:avLst>
+              <a:gd name="adj1" fmla="val 4609"/>
+            </a:avLst>
+          </a:prstGeom>
+          <a:ln>
+            <a:tailEnd type="triangle"/>
+          </a:ln>
+        </p:spPr>
+        <p:style>
+          <a:lnRef idx="1">
+            <a:schemeClr val="dk1"/>
+          </a:lnRef>
+          <a:fillRef idx="0">
+            <a:schemeClr val="dk1"/>
+          </a:fillRef>
+          <a:effectRef idx="0">
+            <a:schemeClr val="dk1"/>
+          </a:effectRef>
+          <a:fontRef idx="minor">
+            <a:schemeClr val="tx1"/>
+          </a:fontRef>
+        </p:style>
+      </p:cxnSp>
+      <p:cxnSp>
+        <p:nvCxnSpPr>
+          <p:cNvPr id="61" name="Connector: Elbow 60">
+            <a:extLst>
+              <a:ext uri="{FF2B5EF4-FFF2-40B4-BE49-F238E27FC236}">
+                <a16:creationId xmlns:a16="http://schemas.microsoft.com/office/drawing/2014/main" id="{D255CD67-8143-4460-AE47-686A355503AA}"/>
+              </a:ext>
+            </a:extLst>
+          </p:cNvPr>
+          <p:cNvCxnSpPr>
+            <a:stCxn id="52" idx="2"/>
+            <a:endCxn id="47" idx="2"/>
+          </p:cNvCxnSpPr>
+          <p:nvPr/>
+        </p:nvCxnSpPr>
+        <p:spPr>
+          <a:xfrm rot="5400000" flipH="1">
+            <a:off x="2804675" y="679536"/>
+            <a:ext cx="836119" cy="2506554"/>
+          </a:xfrm>
+          <a:prstGeom prst="bentConnector3">
+            <a:avLst>
+              <a:gd name="adj1" fmla="val -22214"/>
+            </a:avLst>
+          </a:prstGeom>
+          <a:ln>
+            <a:tailEnd type="triangle"/>
+          </a:ln>
+        </p:spPr>
+        <p:style>
+          <a:lnRef idx="1">
+            <a:schemeClr val="dk1"/>
+          </a:lnRef>
+          <a:fillRef idx="0">
+            <a:schemeClr val="dk1"/>
+          </a:fillRef>
+          <a:effectRef idx="0">
+            <a:schemeClr val="dk1"/>
+          </a:effectRef>
+          <a:fontRef idx="minor">
+            <a:schemeClr val="tx1"/>
+          </a:fontRef>
+        </p:style>
+      </p:cxnSp>
+      <p:sp>
+        <p:nvSpPr>
+          <p:cNvPr id="62" name="TextBox 61">
+            <a:extLst>
+              <a:ext uri="{FF2B5EF4-FFF2-40B4-BE49-F238E27FC236}">
+                <a16:creationId xmlns:a16="http://schemas.microsoft.com/office/drawing/2014/main" id="{2094F3D2-EDF0-4791-9336-FEA1B05CA543}"/>
+              </a:ext>
+            </a:extLst>
+          </p:cNvPr>
+          <p:cNvSpPr txBox="1"/>
+          <p:nvPr/>
+        </p:nvSpPr>
+        <p:spPr>
+          <a:xfrm>
+            <a:off x="2481180" y="394431"/>
+            <a:ext cx="611065" cy="292388"/>
+          </a:xfrm>
+          <a:prstGeom prst="rect">
+            <a:avLst/>
+          </a:prstGeom>
+          <a:noFill/>
+        </p:spPr>
+        <p:txBody>
+          <a:bodyPr wrap="none" rtlCol="0">
+            <a:spAutoFit/>
+          </a:bodyPr>
+          <a:lstStyle/>
+          <a:p>
+            <a:pPr algn="ctr"/>
+            <a:r>
+              <a:rPr lang="th-TH" sz="1300" dirty="0">
+                <a:latin typeface="TH Sarabun New" panose="020B0500040200020003" pitchFamily="34" charset="-34"/>
+                <a:cs typeface="TH Sarabun New" panose="020B0500040200020003" pitchFamily="34" charset="-34"/>
+              </a:rPr>
+              <a:t>ข้อมูลผู้ใช้</a:t>
+            </a:r>
+          </a:p>
+        </p:txBody>
+      </p:sp>
+      <p:sp>
+        <p:nvSpPr>
+          <p:cNvPr id="63" name="TextBox 62">
+            <a:extLst>
+              <a:ext uri="{FF2B5EF4-FFF2-40B4-BE49-F238E27FC236}">
+                <a16:creationId xmlns:a16="http://schemas.microsoft.com/office/drawing/2014/main" id="{A2F55176-D0A1-4CA7-9715-8F1169D2D58B}"/>
+              </a:ext>
+            </a:extLst>
+          </p:cNvPr>
+          <p:cNvSpPr txBox="1"/>
+          <p:nvPr/>
+        </p:nvSpPr>
+        <p:spPr>
+          <a:xfrm>
+            <a:off x="2651223" y="1662518"/>
+            <a:ext cx="558165" cy="292388"/>
+          </a:xfrm>
+          <a:prstGeom prst="rect">
+            <a:avLst/>
+          </a:prstGeom>
+          <a:noFill/>
+        </p:spPr>
+        <p:txBody>
+          <a:bodyPr wrap="none" rtlCol="0">
+            <a:spAutoFit/>
+          </a:bodyPr>
+          <a:lstStyle/>
+          <a:p>
+            <a:pPr algn="ctr"/>
+            <a:r>
+              <a:rPr lang="th-TH" sz="1300" dirty="0">
+                <a:latin typeface="TH Sarabun New" panose="020B0500040200020003" pitchFamily="34" charset="-34"/>
+                <a:cs typeface="TH Sarabun New" panose="020B0500040200020003" pitchFamily="34" charset="-34"/>
+              </a:rPr>
+              <a:t>ข้อมูลรถ</a:t>
+            </a:r>
+          </a:p>
+        </p:txBody>
+      </p:sp>
+      <p:sp>
+        <p:nvSpPr>
+          <p:cNvPr id="64" name="TextBox 63">
+            <a:extLst>
+              <a:ext uri="{FF2B5EF4-FFF2-40B4-BE49-F238E27FC236}">
+                <a16:creationId xmlns:a16="http://schemas.microsoft.com/office/drawing/2014/main" id="{D69FEDED-B303-4593-9538-CD574073BDF8}"/>
+              </a:ext>
+            </a:extLst>
+          </p:cNvPr>
+          <p:cNvSpPr txBox="1"/>
+          <p:nvPr/>
+        </p:nvSpPr>
+        <p:spPr>
+          <a:xfrm>
+            <a:off x="2719599" y="2309303"/>
+            <a:ext cx="742511" cy="292388"/>
+          </a:xfrm>
+          <a:prstGeom prst="rect">
+            <a:avLst/>
+          </a:prstGeom>
+          <a:noFill/>
+        </p:spPr>
+        <p:txBody>
+          <a:bodyPr wrap="none" rtlCol="0">
+            <a:spAutoFit/>
+          </a:bodyPr>
+          <a:lstStyle/>
+          <a:p>
+            <a:pPr algn="ctr"/>
+            <a:r>
+              <a:rPr lang="th-TH" sz="1300" dirty="0">
+                <a:latin typeface="TH Sarabun New" panose="020B0500040200020003" pitchFamily="34" charset="-34"/>
+                <a:cs typeface="TH Sarabun New" panose="020B0500040200020003" pitchFamily="34" charset="-34"/>
+              </a:rPr>
+              <a:t>ผลการค้นหา</a:t>
+            </a:r>
+          </a:p>
+        </p:txBody>
+      </p:sp>
+      <p:sp>
+        <p:nvSpPr>
+          <p:cNvPr id="65" name="TextBox 64">
+            <a:extLst>
+              <a:ext uri="{FF2B5EF4-FFF2-40B4-BE49-F238E27FC236}">
+                <a16:creationId xmlns:a16="http://schemas.microsoft.com/office/drawing/2014/main" id="{E2626EEA-340C-4433-A783-D2EEA4ECEC83}"/>
+              </a:ext>
+            </a:extLst>
+          </p:cNvPr>
+          <p:cNvSpPr txBox="1"/>
+          <p:nvPr/>
+        </p:nvSpPr>
+        <p:spPr>
+          <a:xfrm>
+            <a:off x="2590161" y="1056343"/>
+            <a:ext cx="1736374" cy="292388"/>
+          </a:xfrm>
+          <a:prstGeom prst="rect">
+            <a:avLst/>
+          </a:prstGeom>
+          <a:noFill/>
+        </p:spPr>
+        <p:txBody>
+          <a:bodyPr wrap="none" rtlCol="0">
+            <a:spAutoFit/>
+          </a:bodyPr>
+          <a:lstStyle/>
+          <a:p>
+            <a:pPr algn="ctr"/>
+            <a:r>
+              <a:rPr lang="th-TH" sz="1300" dirty="0">
+                <a:latin typeface="TH Sarabun New" panose="020B0500040200020003" pitchFamily="34" charset="-34"/>
+                <a:cs typeface="TH Sarabun New" panose="020B0500040200020003" pitchFamily="34" charset="-34"/>
+              </a:rPr>
+              <a:t>ผลการเข้าสู่ระบบ และสมัครสมาชิก</a:t>
+            </a:r>
+          </a:p>
+        </p:txBody>
+      </p:sp>
+      <p:sp>
+        <p:nvSpPr>
+          <p:cNvPr id="66" name="TextBox 65">
+            <a:extLst>
+              <a:ext uri="{FF2B5EF4-FFF2-40B4-BE49-F238E27FC236}">
+                <a16:creationId xmlns:a16="http://schemas.microsoft.com/office/drawing/2014/main" id="{8CD8A806-F2A8-48B9-B11D-826E6A19C58A}"/>
+              </a:ext>
+            </a:extLst>
+          </p:cNvPr>
+          <p:cNvSpPr txBox="1"/>
+          <p:nvPr/>
+        </p:nvSpPr>
+        <p:spPr>
+          <a:xfrm>
+            <a:off x="5594721" y="95121"/>
+            <a:ext cx="611065" cy="292388"/>
+          </a:xfrm>
+          <a:prstGeom prst="rect">
+            <a:avLst/>
+          </a:prstGeom>
+          <a:noFill/>
+        </p:spPr>
+        <p:txBody>
+          <a:bodyPr wrap="none" rtlCol="0">
+            <a:spAutoFit/>
+          </a:bodyPr>
+          <a:lstStyle/>
+          <a:p>
+            <a:pPr algn="ctr"/>
+            <a:r>
+              <a:rPr lang="th-TH" sz="1300" dirty="0">
+                <a:latin typeface="TH Sarabun New" panose="020B0500040200020003" pitchFamily="34" charset="-34"/>
+                <a:cs typeface="TH Sarabun New" panose="020B0500040200020003" pitchFamily="34" charset="-34"/>
+              </a:rPr>
+              <a:t>ข้อมูลผู้ใช้</a:t>
+            </a:r>
+          </a:p>
+        </p:txBody>
+      </p:sp>
+      <p:grpSp>
+        <p:nvGrpSpPr>
+          <p:cNvPr id="67" name="Group 66">
+            <a:extLst>
+              <a:ext uri="{FF2B5EF4-FFF2-40B4-BE49-F238E27FC236}">
+                <a16:creationId xmlns:a16="http://schemas.microsoft.com/office/drawing/2014/main" id="{0AC3CB2C-25D3-45F0-8B64-9F717C02AA90}"/>
+              </a:ext>
+            </a:extLst>
+          </p:cNvPr>
+          <p:cNvGrpSpPr/>
+          <p:nvPr/>
+        </p:nvGrpSpPr>
+        <p:grpSpPr>
+          <a:xfrm>
+            <a:off x="6882762" y="165574"/>
+            <a:ext cx="2270100" cy="577047"/>
+            <a:chOff x="8044650" y="3089432"/>
+            <a:chExt cx="2129160" cy="710212"/>
+          </a:xfrm>
+        </p:grpSpPr>
+        <p:sp>
+          <p:nvSpPr>
+            <p:cNvPr id="68" name="Rectangle 67">
+              <a:extLst>
+                <a:ext uri="{FF2B5EF4-FFF2-40B4-BE49-F238E27FC236}">
+                  <a16:creationId xmlns:a16="http://schemas.microsoft.com/office/drawing/2014/main" id="{64CEC152-4A68-4FE7-A554-DDB1085B3D7A}"/>
+                </a:ext>
+              </a:extLst>
+            </p:cNvPr>
+            <p:cNvSpPr/>
+            <p:nvPr/>
+          </p:nvSpPr>
+          <p:spPr>
+            <a:xfrm>
+              <a:off x="8044650" y="3169330"/>
+              <a:ext cx="1864311" cy="532662"/>
+            </a:xfrm>
+            <a:prstGeom prst="rect">
+              <a:avLst/>
+            </a:prstGeom>
+          </p:spPr>
+          <p:style>
+            <a:lnRef idx="2">
+              <a:schemeClr val="dk1"/>
+            </a:lnRef>
+            <a:fillRef idx="1">
+              <a:schemeClr val="lt1"/>
+            </a:fillRef>
+            <a:effectRef idx="0">
+              <a:schemeClr val="dk1"/>
+            </a:effectRef>
+            <a:fontRef idx="minor">
+              <a:schemeClr val="dk1"/>
+            </a:fontRef>
+          </p:style>
+          <p:txBody>
+            <a:bodyPr rtlCol="0" anchor="ctr"/>
+            <a:lstStyle/>
+            <a:p>
+              <a:pPr algn="ctr"/>
+              <a:r>
+                <a:rPr lang="th-TH" sz="1950" dirty="0">
+                  <a:latin typeface="TH Sarabun New" panose="020B0500040200020003" pitchFamily="34" charset="-34"/>
+                  <a:cs typeface="TH Sarabun New" panose="020B0500040200020003" pitchFamily="34" charset="-34"/>
+                </a:rPr>
+                <a:t>      ข้อมูลผู้ใช้</a:t>
+              </a:r>
+            </a:p>
+          </p:txBody>
+        </p:sp>
+        <p:cxnSp>
+          <p:nvCxnSpPr>
+            <p:cNvPr id="69" name="Straight Connector 68">
+              <a:extLst>
+                <a:ext uri="{FF2B5EF4-FFF2-40B4-BE49-F238E27FC236}">
+                  <a16:creationId xmlns:a16="http://schemas.microsoft.com/office/drawing/2014/main" id="{A3C2D3B5-18D5-4450-868D-0DCB1F683062}"/>
+                </a:ext>
+              </a:extLst>
+            </p:cNvPr>
+            <p:cNvCxnSpPr/>
+            <p:nvPr/>
+          </p:nvCxnSpPr>
+          <p:spPr>
+            <a:xfrm>
+              <a:off x="8469297" y="3169330"/>
+              <a:ext cx="0" cy="532662"/>
+            </a:xfrm>
+            <a:prstGeom prst="line">
+              <a:avLst/>
+            </a:prstGeom>
+          </p:spPr>
+          <p:style>
+            <a:lnRef idx="1">
+              <a:schemeClr val="dk1"/>
+            </a:lnRef>
+            <a:fillRef idx="0">
+              <a:schemeClr val="dk1"/>
+            </a:fillRef>
+            <a:effectRef idx="0">
+              <a:schemeClr val="dk1"/>
+            </a:effectRef>
+            <a:fontRef idx="minor">
+              <a:schemeClr val="tx1"/>
+            </a:fontRef>
+          </p:style>
+        </p:cxnSp>
+        <p:sp>
+          <p:nvSpPr>
+            <p:cNvPr id="70" name="Rectangle 69">
+              <a:extLst>
+                <a:ext uri="{FF2B5EF4-FFF2-40B4-BE49-F238E27FC236}">
+                  <a16:creationId xmlns:a16="http://schemas.microsoft.com/office/drawing/2014/main" id="{DB18F893-5A40-4D0E-9DC9-89AD690958D8}"/>
+                </a:ext>
+              </a:extLst>
+            </p:cNvPr>
+            <p:cNvSpPr/>
+            <p:nvPr/>
+          </p:nvSpPr>
+          <p:spPr>
+            <a:xfrm>
+              <a:off x="9823884" y="3089432"/>
+              <a:ext cx="349926" cy="710212"/>
+            </a:xfrm>
+            <a:prstGeom prst="rect">
+              <a:avLst/>
+            </a:prstGeom>
+            <a:solidFill>
+              <a:schemeClr val="bg1"/>
+            </a:solidFill>
+            <a:ln>
+              <a:solidFill>
+                <a:schemeClr val="bg1"/>
+              </a:solidFill>
+            </a:ln>
+          </p:spPr>
+          <p:style>
+            <a:lnRef idx="2">
+              <a:schemeClr val="accent1">
+                <a:shade val="50000"/>
+              </a:schemeClr>
+            </a:lnRef>
+            <a:fillRef idx="1">
+              <a:schemeClr val="accent1"/>
+            </a:fillRef>
+            <a:effectRef idx="0">
+              <a:schemeClr val="accent1"/>
+            </a:effectRef>
+            <a:fontRef idx="minor">
+              <a:schemeClr val="lt1"/>
+            </a:fontRef>
+          </p:style>
+          <p:txBody>
+            <a:bodyPr rtlCol="0" anchor="ctr"/>
+            <a:lstStyle/>
+            <a:p>
+              <a:pPr algn="ctr"/>
+              <a:endParaRPr lang="th-TH" sz="2275"/>
+            </a:p>
+          </p:txBody>
+        </p:sp>
+      </p:grpSp>
+      <p:sp>
+        <p:nvSpPr>
+          <p:cNvPr id="71" name="TextBox 70">
+            <a:extLst>
+              <a:ext uri="{FF2B5EF4-FFF2-40B4-BE49-F238E27FC236}">
+                <a16:creationId xmlns:a16="http://schemas.microsoft.com/office/drawing/2014/main" id="{DEBBA993-9B9D-447C-9E9C-21826D223ADF}"/>
+              </a:ext>
+            </a:extLst>
+          </p:cNvPr>
+          <p:cNvSpPr txBox="1"/>
+          <p:nvPr/>
+        </p:nvSpPr>
+        <p:spPr>
+          <a:xfrm>
+            <a:off x="6924915" y="332778"/>
+            <a:ext cx="349776" cy="342401"/>
+          </a:xfrm>
+          <a:prstGeom prst="rect">
+            <a:avLst/>
+          </a:prstGeom>
+          <a:noFill/>
+        </p:spPr>
+        <p:txBody>
+          <a:bodyPr wrap="none" rtlCol="0">
+            <a:spAutoFit/>
+          </a:bodyPr>
+          <a:lstStyle/>
+          <a:p>
+            <a:r>
+              <a:rPr lang="en-US" sz="1625" dirty="0">
+                <a:latin typeface="TH Sarabun New" panose="020B0500040200020003" pitchFamily="34" charset="-34"/>
+                <a:cs typeface="TH Sarabun New" panose="020B0500040200020003" pitchFamily="34" charset="-34"/>
+              </a:rPr>
+              <a:t>D1</a:t>
+            </a:r>
+            <a:endParaRPr lang="th-TH" sz="1625" dirty="0">
+              <a:latin typeface="TH Sarabun New" panose="020B0500040200020003" pitchFamily="34" charset="-34"/>
+              <a:cs typeface="TH Sarabun New" panose="020B0500040200020003" pitchFamily="34" charset="-34"/>
+            </a:endParaRPr>
+          </a:p>
+        </p:txBody>
+      </p:sp>
+      <p:grpSp>
+        <p:nvGrpSpPr>
+          <p:cNvPr id="72" name="Group 71">
+            <a:extLst>
+              <a:ext uri="{FF2B5EF4-FFF2-40B4-BE49-F238E27FC236}">
+                <a16:creationId xmlns:a16="http://schemas.microsoft.com/office/drawing/2014/main" id="{47B417A6-D4F0-40D8-82B6-0673CEB46126}"/>
+              </a:ext>
+            </a:extLst>
+          </p:cNvPr>
+          <p:cNvGrpSpPr/>
+          <p:nvPr/>
+        </p:nvGrpSpPr>
+        <p:grpSpPr>
+          <a:xfrm>
+            <a:off x="6870178" y="1107214"/>
+            <a:ext cx="2282684" cy="577047"/>
+            <a:chOff x="8044650" y="3089432"/>
+            <a:chExt cx="2129160" cy="710212"/>
+          </a:xfrm>
+        </p:grpSpPr>
+        <p:sp>
+          <p:nvSpPr>
+            <p:cNvPr id="73" name="Rectangle 72">
+              <a:extLst>
+                <a:ext uri="{FF2B5EF4-FFF2-40B4-BE49-F238E27FC236}">
+                  <a16:creationId xmlns:a16="http://schemas.microsoft.com/office/drawing/2014/main" id="{36364B88-071E-49C2-9C9B-F3F9003025FD}"/>
+                </a:ext>
+              </a:extLst>
+            </p:cNvPr>
+            <p:cNvSpPr/>
+            <p:nvPr/>
+          </p:nvSpPr>
+          <p:spPr>
+            <a:xfrm>
+              <a:off x="8044650" y="3169330"/>
+              <a:ext cx="1985372" cy="532662"/>
+            </a:xfrm>
+            <a:prstGeom prst="rect">
+              <a:avLst/>
+            </a:prstGeom>
+          </p:spPr>
+          <p:style>
+            <a:lnRef idx="2">
+              <a:schemeClr val="dk1"/>
+            </a:lnRef>
+            <a:fillRef idx="1">
+              <a:schemeClr val="lt1"/>
+            </a:fillRef>
+            <a:effectRef idx="0">
+              <a:schemeClr val="dk1"/>
+            </a:effectRef>
+            <a:fontRef idx="minor">
+              <a:schemeClr val="dk1"/>
+            </a:fontRef>
+          </p:style>
+          <p:txBody>
+            <a:bodyPr rtlCol="0" anchor="ctr"/>
+            <a:lstStyle/>
+            <a:p>
+              <a:pPr algn="ctr"/>
+              <a:r>
+                <a:rPr lang="th-TH" sz="1950" dirty="0">
+                  <a:latin typeface="TH Sarabun New" panose="020B0500040200020003" pitchFamily="34" charset="-34"/>
+                  <a:cs typeface="TH Sarabun New" panose="020B0500040200020003" pitchFamily="34" charset="-34"/>
+                </a:rPr>
+                <a:t>      ข้อมูลจังหวัด</a:t>
+              </a:r>
+            </a:p>
+          </p:txBody>
+        </p:sp>
+        <p:cxnSp>
+          <p:nvCxnSpPr>
+            <p:cNvPr id="74" name="Straight Connector 73">
+              <a:extLst>
+                <a:ext uri="{FF2B5EF4-FFF2-40B4-BE49-F238E27FC236}">
+                  <a16:creationId xmlns:a16="http://schemas.microsoft.com/office/drawing/2014/main" id="{06E3D8ED-EA48-4DB0-8BDE-531E1311E8D4}"/>
+                </a:ext>
+              </a:extLst>
+            </p:cNvPr>
+            <p:cNvCxnSpPr/>
+            <p:nvPr/>
+          </p:nvCxnSpPr>
+          <p:spPr>
+            <a:xfrm>
+              <a:off x="8469297" y="3169330"/>
+              <a:ext cx="0" cy="532662"/>
+            </a:xfrm>
+            <a:prstGeom prst="line">
+              <a:avLst/>
+            </a:prstGeom>
+          </p:spPr>
+          <p:style>
+            <a:lnRef idx="1">
+              <a:schemeClr val="dk1"/>
+            </a:lnRef>
+            <a:fillRef idx="0">
+              <a:schemeClr val="dk1"/>
+            </a:fillRef>
+            <a:effectRef idx="0">
+              <a:schemeClr val="dk1"/>
+            </a:effectRef>
+            <a:fontRef idx="minor">
+              <a:schemeClr val="tx1"/>
+            </a:fontRef>
+          </p:style>
+        </p:cxnSp>
+        <p:sp>
+          <p:nvSpPr>
+            <p:cNvPr id="75" name="Rectangle 74">
+              <a:extLst>
+                <a:ext uri="{FF2B5EF4-FFF2-40B4-BE49-F238E27FC236}">
+                  <a16:creationId xmlns:a16="http://schemas.microsoft.com/office/drawing/2014/main" id="{460F8DF7-C420-409F-91F5-8B8913ECE249}"/>
+                </a:ext>
+              </a:extLst>
+            </p:cNvPr>
+            <p:cNvSpPr/>
+            <p:nvPr/>
+          </p:nvSpPr>
+          <p:spPr>
+            <a:xfrm>
+              <a:off x="9823884" y="3089432"/>
+              <a:ext cx="349926" cy="710212"/>
+            </a:xfrm>
+            <a:prstGeom prst="rect">
+              <a:avLst/>
+            </a:prstGeom>
+            <a:solidFill>
+              <a:schemeClr val="bg1"/>
+            </a:solidFill>
+            <a:ln>
+              <a:solidFill>
+                <a:schemeClr val="bg1"/>
+              </a:solidFill>
+            </a:ln>
+          </p:spPr>
+          <p:style>
+            <a:lnRef idx="2">
+              <a:schemeClr val="accent1">
+                <a:shade val="50000"/>
+              </a:schemeClr>
+            </a:lnRef>
+            <a:fillRef idx="1">
+              <a:schemeClr val="accent1"/>
+            </a:fillRef>
+            <a:effectRef idx="0">
+              <a:schemeClr val="accent1"/>
+            </a:effectRef>
+            <a:fontRef idx="minor">
+              <a:schemeClr val="lt1"/>
+            </a:fontRef>
+          </p:style>
+          <p:txBody>
+            <a:bodyPr rtlCol="0" anchor="ctr"/>
+            <a:lstStyle/>
+            <a:p>
+              <a:pPr algn="ctr"/>
+              <a:endParaRPr lang="th-TH" sz="2275"/>
+            </a:p>
+          </p:txBody>
+        </p:sp>
+      </p:grpSp>
+      <p:sp>
+        <p:nvSpPr>
+          <p:cNvPr id="76" name="TextBox 75">
+            <a:extLst>
+              <a:ext uri="{FF2B5EF4-FFF2-40B4-BE49-F238E27FC236}">
+                <a16:creationId xmlns:a16="http://schemas.microsoft.com/office/drawing/2014/main" id="{3291E4A9-CECF-4807-84AE-7A067A6B5CA0}"/>
+              </a:ext>
+            </a:extLst>
+          </p:cNvPr>
+          <p:cNvSpPr txBox="1"/>
+          <p:nvPr/>
+        </p:nvSpPr>
+        <p:spPr>
+          <a:xfrm>
+            <a:off x="6912331" y="1274418"/>
+            <a:ext cx="349776" cy="342401"/>
+          </a:xfrm>
+          <a:prstGeom prst="rect">
+            <a:avLst/>
+          </a:prstGeom>
+          <a:noFill/>
+        </p:spPr>
+        <p:txBody>
+          <a:bodyPr wrap="none" rtlCol="0">
+            <a:spAutoFit/>
+          </a:bodyPr>
+          <a:lstStyle/>
+          <a:p>
+            <a:r>
+              <a:rPr lang="en-US" sz="1625" dirty="0">
+                <a:latin typeface="TH Sarabun New" panose="020B0500040200020003" pitchFamily="34" charset="-34"/>
+                <a:cs typeface="TH Sarabun New" panose="020B0500040200020003" pitchFamily="34" charset="-34"/>
+              </a:rPr>
+              <a:t>D2</a:t>
+            </a:r>
+            <a:endParaRPr lang="th-TH" sz="1625" dirty="0">
+              <a:latin typeface="TH Sarabun New" panose="020B0500040200020003" pitchFamily="34" charset="-34"/>
+              <a:cs typeface="TH Sarabun New" panose="020B0500040200020003" pitchFamily="34" charset="-34"/>
+            </a:endParaRPr>
+          </a:p>
+        </p:txBody>
+      </p:sp>
+      <p:grpSp>
+        <p:nvGrpSpPr>
+          <p:cNvPr id="77" name="Group 76">
+            <a:extLst>
+              <a:ext uri="{FF2B5EF4-FFF2-40B4-BE49-F238E27FC236}">
+                <a16:creationId xmlns:a16="http://schemas.microsoft.com/office/drawing/2014/main" id="{10710890-91E9-45BF-AC23-69086F94156C}"/>
+              </a:ext>
+            </a:extLst>
+          </p:cNvPr>
+          <p:cNvGrpSpPr/>
+          <p:nvPr/>
+        </p:nvGrpSpPr>
+        <p:grpSpPr>
+          <a:xfrm>
+            <a:off x="6840436" y="2086334"/>
+            <a:ext cx="2310707" cy="577047"/>
+            <a:chOff x="8044650" y="3089432"/>
+            <a:chExt cx="2129160" cy="710212"/>
+          </a:xfrm>
+        </p:grpSpPr>
+        <p:sp>
+          <p:nvSpPr>
+            <p:cNvPr id="78" name="Rectangle 77">
+              <a:extLst>
+                <a:ext uri="{FF2B5EF4-FFF2-40B4-BE49-F238E27FC236}">
+                  <a16:creationId xmlns:a16="http://schemas.microsoft.com/office/drawing/2014/main" id="{3034FE2B-66FC-487B-9794-540F53F91FC7}"/>
+                </a:ext>
+              </a:extLst>
+            </p:cNvPr>
+            <p:cNvSpPr/>
+            <p:nvPr/>
+          </p:nvSpPr>
+          <p:spPr>
+            <a:xfrm>
+              <a:off x="8044650" y="3169330"/>
+              <a:ext cx="1864311" cy="532662"/>
+            </a:xfrm>
+            <a:prstGeom prst="rect">
+              <a:avLst/>
+            </a:prstGeom>
+          </p:spPr>
+          <p:style>
+            <a:lnRef idx="2">
+              <a:schemeClr val="dk1"/>
+            </a:lnRef>
+            <a:fillRef idx="1">
+              <a:schemeClr val="lt1"/>
+            </a:fillRef>
+            <a:effectRef idx="0">
+              <a:schemeClr val="dk1"/>
+            </a:effectRef>
+            <a:fontRef idx="minor">
+              <a:schemeClr val="dk1"/>
+            </a:fontRef>
+          </p:style>
+          <p:txBody>
+            <a:bodyPr rtlCol="0" anchor="ctr"/>
+            <a:lstStyle/>
+            <a:p>
+              <a:pPr algn="ctr"/>
+              <a:r>
+                <a:rPr lang="th-TH" sz="1950" dirty="0">
+                  <a:latin typeface="TH Sarabun New" panose="020B0500040200020003" pitchFamily="34" charset="-34"/>
+                  <a:cs typeface="TH Sarabun New" panose="020B0500040200020003" pitchFamily="34" charset="-34"/>
+                </a:rPr>
+                <a:t>      ข้อมูลรถยนต์</a:t>
+              </a:r>
+            </a:p>
+          </p:txBody>
+        </p:sp>
+        <p:cxnSp>
+          <p:nvCxnSpPr>
+            <p:cNvPr id="79" name="Straight Connector 78">
+              <a:extLst>
+                <a:ext uri="{FF2B5EF4-FFF2-40B4-BE49-F238E27FC236}">
+                  <a16:creationId xmlns:a16="http://schemas.microsoft.com/office/drawing/2014/main" id="{9B3C6266-4F61-478F-9C76-580E48FDA541}"/>
+                </a:ext>
+              </a:extLst>
+            </p:cNvPr>
+            <p:cNvCxnSpPr/>
+            <p:nvPr/>
+          </p:nvCxnSpPr>
+          <p:spPr>
+            <a:xfrm>
+              <a:off x="8469297" y="3169330"/>
+              <a:ext cx="0" cy="532662"/>
+            </a:xfrm>
+            <a:prstGeom prst="line">
+              <a:avLst/>
+            </a:prstGeom>
+          </p:spPr>
+          <p:style>
+            <a:lnRef idx="1">
+              <a:schemeClr val="dk1"/>
+            </a:lnRef>
+            <a:fillRef idx="0">
+              <a:schemeClr val="dk1"/>
+            </a:fillRef>
+            <a:effectRef idx="0">
+              <a:schemeClr val="dk1"/>
+            </a:effectRef>
+            <a:fontRef idx="minor">
+              <a:schemeClr val="tx1"/>
+            </a:fontRef>
+          </p:style>
+        </p:cxnSp>
+        <p:sp>
+          <p:nvSpPr>
+            <p:cNvPr id="80" name="Rectangle 79">
+              <a:extLst>
+                <a:ext uri="{FF2B5EF4-FFF2-40B4-BE49-F238E27FC236}">
+                  <a16:creationId xmlns:a16="http://schemas.microsoft.com/office/drawing/2014/main" id="{8B49D376-7162-44FA-AB70-6B2A786F3AC2}"/>
+                </a:ext>
+              </a:extLst>
+            </p:cNvPr>
+            <p:cNvSpPr/>
+            <p:nvPr/>
+          </p:nvSpPr>
+          <p:spPr>
+            <a:xfrm>
+              <a:off x="9823884" y="3089432"/>
+              <a:ext cx="349926" cy="710212"/>
+            </a:xfrm>
+            <a:prstGeom prst="rect">
+              <a:avLst/>
+            </a:prstGeom>
+            <a:solidFill>
+              <a:schemeClr val="bg1"/>
+            </a:solidFill>
+            <a:ln>
+              <a:solidFill>
+                <a:schemeClr val="bg1"/>
+              </a:solidFill>
+            </a:ln>
+          </p:spPr>
+          <p:style>
+            <a:lnRef idx="2">
+              <a:schemeClr val="accent1">
+                <a:shade val="50000"/>
+              </a:schemeClr>
+            </a:lnRef>
+            <a:fillRef idx="1">
+              <a:schemeClr val="accent1"/>
+            </a:fillRef>
+            <a:effectRef idx="0">
+              <a:schemeClr val="accent1"/>
+            </a:effectRef>
+            <a:fontRef idx="minor">
+              <a:schemeClr val="lt1"/>
+            </a:fontRef>
+          </p:style>
+          <p:txBody>
+            <a:bodyPr rtlCol="0" anchor="ctr"/>
+            <a:lstStyle/>
+            <a:p>
+              <a:pPr algn="ctr"/>
+              <a:endParaRPr lang="th-TH" sz="2275"/>
+            </a:p>
+          </p:txBody>
+        </p:sp>
+      </p:grpSp>
+      <p:sp>
+        <p:nvSpPr>
+          <p:cNvPr id="81" name="TextBox 80">
+            <a:extLst>
+              <a:ext uri="{FF2B5EF4-FFF2-40B4-BE49-F238E27FC236}">
+                <a16:creationId xmlns:a16="http://schemas.microsoft.com/office/drawing/2014/main" id="{27775272-0DF7-4F1C-8AFA-9CA2F7AFFD80}"/>
+              </a:ext>
+            </a:extLst>
+          </p:cNvPr>
+          <p:cNvSpPr txBox="1"/>
+          <p:nvPr/>
+        </p:nvSpPr>
+        <p:spPr>
+          <a:xfrm>
+            <a:off x="6882589" y="2253537"/>
+            <a:ext cx="349776" cy="342401"/>
+          </a:xfrm>
+          <a:prstGeom prst="rect">
+            <a:avLst/>
+          </a:prstGeom>
+          <a:noFill/>
+        </p:spPr>
+        <p:txBody>
+          <a:bodyPr wrap="none" rtlCol="0">
+            <a:spAutoFit/>
+          </a:bodyPr>
+          <a:lstStyle/>
+          <a:p>
+            <a:r>
+              <a:rPr lang="en-US" sz="1625" dirty="0">
+                <a:latin typeface="TH Sarabun New" panose="020B0500040200020003" pitchFamily="34" charset="-34"/>
+                <a:cs typeface="TH Sarabun New" panose="020B0500040200020003" pitchFamily="34" charset="-34"/>
+              </a:rPr>
+              <a:t>D3</a:t>
+            </a:r>
+            <a:endParaRPr lang="th-TH" sz="1625" dirty="0">
+              <a:latin typeface="TH Sarabun New" panose="020B0500040200020003" pitchFamily="34" charset="-34"/>
+              <a:cs typeface="TH Sarabun New" panose="020B0500040200020003" pitchFamily="34" charset="-34"/>
+            </a:endParaRPr>
+          </a:p>
+        </p:txBody>
+      </p:sp>
+      <p:cxnSp>
+        <p:nvCxnSpPr>
+          <p:cNvPr id="82" name="Connector: Elbow 81">
+            <a:extLst>
+              <a:ext uri="{FF2B5EF4-FFF2-40B4-BE49-F238E27FC236}">
+                <a16:creationId xmlns:a16="http://schemas.microsoft.com/office/drawing/2014/main" id="{B6B19797-76A1-4366-BCBC-5271CDD462A3}"/>
+              </a:ext>
+            </a:extLst>
+          </p:cNvPr>
+          <p:cNvCxnSpPr>
+            <a:cxnSpLocks/>
+          </p:cNvCxnSpPr>
+          <p:nvPr/>
+        </p:nvCxnSpPr>
+        <p:spPr>
+          <a:xfrm rot="10800000">
+            <a:off x="5218602" y="574190"/>
+            <a:ext cx="1623561" cy="202"/>
+          </a:xfrm>
+          <a:prstGeom prst="bentConnector3">
+            <a:avLst>
+              <a:gd name="adj1" fmla="val 50000"/>
+            </a:avLst>
+          </a:prstGeom>
+          <a:ln>
+            <a:tailEnd type="triangle"/>
+          </a:ln>
+        </p:spPr>
+        <p:style>
+          <a:lnRef idx="1">
+            <a:schemeClr val="dk1"/>
+          </a:lnRef>
+          <a:fillRef idx="0">
+            <a:schemeClr val="dk1"/>
+          </a:fillRef>
+          <a:effectRef idx="0">
+            <a:schemeClr val="dk1"/>
+          </a:effectRef>
+          <a:fontRef idx="minor">
+            <a:schemeClr val="tx1"/>
+          </a:fontRef>
+        </p:style>
+      </p:cxnSp>
+      <p:cxnSp>
+        <p:nvCxnSpPr>
+          <p:cNvPr id="84" name="Connector: Elbow 83">
+            <a:extLst>
+              <a:ext uri="{FF2B5EF4-FFF2-40B4-BE49-F238E27FC236}">
+                <a16:creationId xmlns:a16="http://schemas.microsoft.com/office/drawing/2014/main" id="{BCB16AA4-0529-45CC-8470-355536D000BF}"/>
+              </a:ext>
+            </a:extLst>
+          </p:cNvPr>
+          <p:cNvCxnSpPr>
+            <a:cxnSpLocks/>
+          </p:cNvCxnSpPr>
+          <p:nvPr/>
+        </p:nvCxnSpPr>
+        <p:spPr>
+          <a:xfrm rot="10800000" flipV="1">
+            <a:off x="5246623" y="1546683"/>
+            <a:ext cx="1652480" cy="223035"/>
+          </a:xfrm>
+          <a:prstGeom prst="bentConnector3">
+            <a:avLst>
+              <a:gd name="adj1" fmla="val 90595"/>
+            </a:avLst>
+          </a:prstGeom>
+          <a:ln>
+            <a:tailEnd type="triangle"/>
+          </a:ln>
+        </p:spPr>
+        <p:style>
+          <a:lnRef idx="1">
+            <a:schemeClr val="dk1"/>
+          </a:lnRef>
+          <a:fillRef idx="0">
+            <a:schemeClr val="dk1"/>
+          </a:fillRef>
+          <a:effectRef idx="0">
+            <a:schemeClr val="dk1"/>
+          </a:effectRef>
+          <a:fontRef idx="minor">
+            <a:schemeClr val="tx1"/>
+          </a:fontRef>
+        </p:style>
+      </p:cxnSp>
+      <p:sp>
+        <p:nvSpPr>
+          <p:cNvPr id="88" name="TextBox 87">
+            <a:extLst>
+              <a:ext uri="{FF2B5EF4-FFF2-40B4-BE49-F238E27FC236}">
+                <a16:creationId xmlns:a16="http://schemas.microsoft.com/office/drawing/2014/main" id="{9EE7652D-8C68-4005-9999-3C0FFF5F1663}"/>
+              </a:ext>
+            </a:extLst>
+          </p:cNvPr>
+          <p:cNvSpPr txBox="1"/>
+          <p:nvPr/>
+        </p:nvSpPr>
+        <p:spPr>
+          <a:xfrm>
+            <a:off x="5662364" y="1327439"/>
+            <a:ext cx="745717" cy="292388"/>
+          </a:xfrm>
+          <a:prstGeom prst="rect">
+            <a:avLst/>
+          </a:prstGeom>
+          <a:noFill/>
+        </p:spPr>
+        <p:txBody>
+          <a:bodyPr wrap="none" rtlCol="0">
+            <a:spAutoFit/>
+          </a:bodyPr>
+          <a:lstStyle/>
+          <a:p>
+            <a:pPr algn="ctr"/>
+            <a:r>
+              <a:rPr lang="th-TH" sz="1300" dirty="0">
+                <a:latin typeface="TH Sarabun New" panose="020B0500040200020003" pitchFamily="34" charset="-34"/>
+                <a:cs typeface="TH Sarabun New" panose="020B0500040200020003" pitchFamily="34" charset="-34"/>
+              </a:rPr>
+              <a:t>ข้อมูลจังหวัด</a:t>
+            </a:r>
+          </a:p>
+        </p:txBody>
+      </p:sp>
+      <p:cxnSp>
+        <p:nvCxnSpPr>
+          <p:cNvPr id="91" name="Connector: Elbow 90">
+            <a:extLst>
+              <a:ext uri="{FF2B5EF4-FFF2-40B4-BE49-F238E27FC236}">
+                <a16:creationId xmlns:a16="http://schemas.microsoft.com/office/drawing/2014/main" id="{A443E190-236F-4090-883B-5863CB9E84FE}"/>
+              </a:ext>
+            </a:extLst>
+          </p:cNvPr>
+          <p:cNvCxnSpPr>
+            <a:cxnSpLocks/>
+          </p:cNvCxnSpPr>
+          <p:nvPr/>
+        </p:nvCxnSpPr>
+        <p:spPr>
+          <a:xfrm flipV="1">
+            <a:off x="5203256" y="297397"/>
+            <a:ext cx="1709918" cy="11516"/>
+          </a:xfrm>
+          <a:prstGeom prst="bentConnector3">
+            <a:avLst>
+              <a:gd name="adj1" fmla="val 50000"/>
+            </a:avLst>
+          </a:prstGeom>
+          <a:ln>
+            <a:tailEnd type="triangle"/>
+          </a:ln>
+        </p:spPr>
+        <p:style>
+          <a:lnRef idx="1">
+            <a:schemeClr val="dk1"/>
+          </a:lnRef>
+          <a:fillRef idx="0">
+            <a:schemeClr val="dk1"/>
+          </a:fillRef>
+          <a:effectRef idx="0">
+            <a:schemeClr val="dk1"/>
+          </a:effectRef>
+          <a:fontRef idx="minor">
+            <a:schemeClr val="tx1"/>
+          </a:fontRef>
+        </p:style>
+      </p:cxnSp>
+      <p:sp>
+        <p:nvSpPr>
+          <p:cNvPr id="92" name="TextBox 91">
+            <a:extLst>
+              <a:ext uri="{FF2B5EF4-FFF2-40B4-BE49-F238E27FC236}">
+                <a16:creationId xmlns:a16="http://schemas.microsoft.com/office/drawing/2014/main" id="{2999D00D-9D30-4747-A48D-ADE9700263F4}"/>
+              </a:ext>
+            </a:extLst>
+          </p:cNvPr>
+          <p:cNvSpPr txBox="1"/>
+          <p:nvPr/>
+        </p:nvSpPr>
+        <p:spPr>
+          <a:xfrm>
+            <a:off x="5586835" y="359358"/>
+            <a:ext cx="611065" cy="292388"/>
+          </a:xfrm>
+          <a:prstGeom prst="rect">
+            <a:avLst/>
+          </a:prstGeom>
+          <a:noFill/>
+        </p:spPr>
+        <p:txBody>
+          <a:bodyPr wrap="none" rtlCol="0">
+            <a:spAutoFit/>
+          </a:bodyPr>
+          <a:lstStyle/>
+          <a:p>
+            <a:pPr algn="ctr"/>
+            <a:r>
+              <a:rPr lang="th-TH" sz="1300" dirty="0">
+                <a:latin typeface="TH Sarabun New" panose="020B0500040200020003" pitchFamily="34" charset="-34"/>
+                <a:cs typeface="TH Sarabun New" panose="020B0500040200020003" pitchFamily="34" charset="-34"/>
+              </a:rPr>
+              <a:t>ข้อมูลผู้ใช้</a:t>
+            </a:r>
+          </a:p>
+        </p:txBody>
+      </p:sp>
+      <p:grpSp>
+        <p:nvGrpSpPr>
+          <p:cNvPr id="95" name="Group 94">
+            <a:extLst>
+              <a:ext uri="{FF2B5EF4-FFF2-40B4-BE49-F238E27FC236}">
+                <a16:creationId xmlns:a16="http://schemas.microsoft.com/office/drawing/2014/main" id="{E55C9E91-2087-43EE-B997-64E309244A3E}"/>
+              </a:ext>
+            </a:extLst>
+          </p:cNvPr>
+          <p:cNvGrpSpPr/>
+          <p:nvPr/>
+        </p:nvGrpSpPr>
+        <p:grpSpPr>
+          <a:xfrm>
+            <a:off x="6828025" y="2730162"/>
+            <a:ext cx="2310540" cy="577047"/>
+            <a:chOff x="8044650" y="3089432"/>
+            <a:chExt cx="2129160" cy="710212"/>
+          </a:xfrm>
+        </p:grpSpPr>
+        <p:sp>
+          <p:nvSpPr>
+            <p:cNvPr id="96" name="Rectangle 95">
+              <a:extLst>
+                <a:ext uri="{FF2B5EF4-FFF2-40B4-BE49-F238E27FC236}">
+                  <a16:creationId xmlns:a16="http://schemas.microsoft.com/office/drawing/2014/main" id="{BDB9CB26-5A6A-4C12-B246-31DCEC3A4DD2}"/>
+                </a:ext>
+              </a:extLst>
+            </p:cNvPr>
+            <p:cNvSpPr/>
+            <p:nvPr/>
+          </p:nvSpPr>
+          <p:spPr>
+            <a:xfrm>
+              <a:off x="8044650" y="3169330"/>
+              <a:ext cx="1864311" cy="532662"/>
+            </a:xfrm>
+            <a:prstGeom prst="rect">
+              <a:avLst/>
+            </a:prstGeom>
+          </p:spPr>
+          <p:style>
+            <a:lnRef idx="2">
+              <a:schemeClr val="dk1"/>
+            </a:lnRef>
+            <a:fillRef idx="1">
+              <a:schemeClr val="lt1"/>
+            </a:fillRef>
+            <a:effectRef idx="0">
+              <a:schemeClr val="dk1"/>
+            </a:effectRef>
+            <a:fontRef idx="minor">
+              <a:schemeClr val="dk1"/>
+            </a:fontRef>
+          </p:style>
+          <p:txBody>
+            <a:bodyPr rtlCol="0" anchor="ctr"/>
+            <a:lstStyle/>
+            <a:p>
+              <a:pPr algn="ctr"/>
+              <a:r>
+                <a:rPr lang="th-TH" sz="1950" dirty="0">
+                  <a:latin typeface="TH Sarabun New" panose="020B0500040200020003" pitchFamily="34" charset="-34"/>
+                  <a:cs typeface="TH Sarabun New" panose="020B0500040200020003" pitchFamily="34" charset="-34"/>
+                </a:rPr>
+                <a:t>      ข้อมูลรถจักรยานยนต์</a:t>
+              </a:r>
+            </a:p>
+          </p:txBody>
+        </p:sp>
+        <p:cxnSp>
+          <p:nvCxnSpPr>
+            <p:cNvPr id="97" name="Straight Connector 96">
+              <a:extLst>
+                <a:ext uri="{FF2B5EF4-FFF2-40B4-BE49-F238E27FC236}">
+                  <a16:creationId xmlns:a16="http://schemas.microsoft.com/office/drawing/2014/main" id="{724E7EEC-F3AE-435D-9FC9-EC41AE9F0361}"/>
+                </a:ext>
+              </a:extLst>
+            </p:cNvPr>
+            <p:cNvCxnSpPr/>
+            <p:nvPr/>
+          </p:nvCxnSpPr>
+          <p:spPr>
+            <a:xfrm>
+              <a:off x="8469297" y="3169330"/>
+              <a:ext cx="0" cy="532662"/>
+            </a:xfrm>
+            <a:prstGeom prst="line">
+              <a:avLst/>
+            </a:prstGeom>
+          </p:spPr>
+          <p:style>
+            <a:lnRef idx="1">
+              <a:schemeClr val="dk1"/>
+            </a:lnRef>
+            <a:fillRef idx="0">
+              <a:schemeClr val="dk1"/>
+            </a:fillRef>
+            <a:effectRef idx="0">
+              <a:schemeClr val="dk1"/>
+            </a:effectRef>
+            <a:fontRef idx="minor">
+              <a:schemeClr val="tx1"/>
+            </a:fontRef>
+          </p:style>
+        </p:cxnSp>
+        <p:sp>
+          <p:nvSpPr>
+            <p:cNvPr id="98" name="Rectangle 97">
+              <a:extLst>
+                <a:ext uri="{FF2B5EF4-FFF2-40B4-BE49-F238E27FC236}">
+                  <a16:creationId xmlns:a16="http://schemas.microsoft.com/office/drawing/2014/main" id="{7730BECE-F0C4-49FD-8C55-422FD3934D73}"/>
+                </a:ext>
+              </a:extLst>
+            </p:cNvPr>
+            <p:cNvSpPr/>
+            <p:nvPr/>
+          </p:nvSpPr>
+          <p:spPr>
+            <a:xfrm>
+              <a:off x="9823884" y="3089432"/>
+              <a:ext cx="349926" cy="710212"/>
+            </a:xfrm>
+            <a:prstGeom prst="rect">
+              <a:avLst/>
+            </a:prstGeom>
+            <a:solidFill>
+              <a:schemeClr val="bg1"/>
+            </a:solidFill>
+            <a:ln>
+              <a:solidFill>
+                <a:schemeClr val="bg1"/>
+              </a:solidFill>
+            </a:ln>
+          </p:spPr>
+          <p:style>
+            <a:lnRef idx="2">
+              <a:schemeClr val="accent1">
+                <a:shade val="50000"/>
+              </a:schemeClr>
+            </a:lnRef>
+            <a:fillRef idx="1">
+              <a:schemeClr val="accent1"/>
+            </a:fillRef>
+            <a:effectRef idx="0">
+              <a:schemeClr val="accent1"/>
+            </a:effectRef>
+            <a:fontRef idx="minor">
+              <a:schemeClr val="lt1"/>
+            </a:fontRef>
+          </p:style>
+          <p:txBody>
+            <a:bodyPr rtlCol="0" anchor="ctr"/>
+            <a:lstStyle/>
+            <a:p>
+              <a:pPr algn="ctr"/>
+              <a:endParaRPr lang="th-TH" sz="2275"/>
+            </a:p>
+          </p:txBody>
+        </p:sp>
+      </p:grpSp>
+      <p:sp>
+        <p:nvSpPr>
+          <p:cNvPr id="99" name="TextBox 98">
+            <a:extLst>
+              <a:ext uri="{FF2B5EF4-FFF2-40B4-BE49-F238E27FC236}">
+                <a16:creationId xmlns:a16="http://schemas.microsoft.com/office/drawing/2014/main" id="{125014AA-6763-4D2F-9C0C-88E38E070B93}"/>
+              </a:ext>
+            </a:extLst>
+          </p:cNvPr>
+          <p:cNvSpPr txBox="1"/>
+          <p:nvPr/>
+        </p:nvSpPr>
+        <p:spPr>
+          <a:xfrm>
+            <a:off x="6870178" y="2897365"/>
+            <a:ext cx="349776" cy="342401"/>
+          </a:xfrm>
+          <a:prstGeom prst="rect">
+            <a:avLst/>
+          </a:prstGeom>
+          <a:noFill/>
+        </p:spPr>
+        <p:txBody>
+          <a:bodyPr wrap="none" rtlCol="0">
+            <a:spAutoFit/>
+          </a:bodyPr>
+          <a:lstStyle/>
+          <a:p>
+            <a:r>
+              <a:rPr lang="en-US" sz="1625" dirty="0">
+                <a:latin typeface="TH Sarabun New" panose="020B0500040200020003" pitchFamily="34" charset="-34"/>
+                <a:cs typeface="TH Sarabun New" panose="020B0500040200020003" pitchFamily="34" charset="-34"/>
+              </a:rPr>
+              <a:t>D4</a:t>
+            </a:r>
+            <a:endParaRPr lang="th-TH" sz="1625" dirty="0">
+              <a:latin typeface="TH Sarabun New" panose="020B0500040200020003" pitchFamily="34" charset="-34"/>
+              <a:cs typeface="TH Sarabun New" panose="020B0500040200020003" pitchFamily="34" charset="-34"/>
+            </a:endParaRPr>
+          </a:p>
+        </p:txBody>
+      </p:sp>
+      <p:grpSp>
+        <p:nvGrpSpPr>
+          <p:cNvPr id="100" name="Group 99">
+            <a:extLst>
+              <a:ext uri="{FF2B5EF4-FFF2-40B4-BE49-F238E27FC236}">
+                <a16:creationId xmlns:a16="http://schemas.microsoft.com/office/drawing/2014/main" id="{795D471D-0D6B-471B-825F-DE14F54E8C9D}"/>
+              </a:ext>
+            </a:extLst>
+          </p:cNvPr>
+          <p:cNvGrpSpPr/>
+          <p:nvPr/>
+        </p:nvGrpSpPr>
+        <p:grpSpPr>
+          <a:xfrm>
+            <a:off x="3704828" y="3257096"/>
+            <a:ext cx="1514753" cy="894426"/>
+            <a:chOff x="5530788" y="2405849"/>
+            <a:chExt cx="1864311" cy="1100832"/>
+          </a:xfrm>
+        </p:grpSpPr>
+        <p:sp>
+          <p:nvSpPr>
+            <p:cNvPr id="101" name="Rectangle: Rounded Corners 100">
+              <a:extLst>
+                <a:ext uri="{FF2B5EF4-FFF2-40B4-BE49-F238E27FC236}">
+                  <a16:creationId xmlns:a16="http://schemas.microsoft.com/office/drawing/2014/main" id="{85C242E2-12D2-447E-8A53-AFF8B9DBA013}"/>
+                </a:ext>
+              </a:extLst>
+            </p:cNvPr>
+            <p:cNvSpPr/>
+            <p:nvPr/>
+          </p:nvSpPr>
+          <p:spPr>
+            <a:xfrm>
+              <a:off x="5530788" y="2405849"/>
+              <a:ext cx="1864311" cy="1100832"/>
+            </a:xfrm>
+            <a:prstGeom prst="roundRect">
+              <a:avLst/>
+            </a:prstGeom>
+          </p:spPr>
+          <p:style>
+            <a:lnRef idx="2">
+              <a:schemeClr val="dk1"/>
+            </a:lnRef>
+            <a:fillRef idx="1">
+              <a:schemeClr val="lt1"/>
+            </a:fillRef>
+            <a:effectRef idx="0">
+              <a:schemeClr val="dk1"/>
+            </a:effectRef>
+            <a:fontRef idx="minor">
+              <a:schemeClr val="dk1"/>
+            </a:fontRef>
+          </p:style>
+          <p:txBody>
+            <a:bodyPr rtlCol="0" anchor="ctr"/>
+            <a:lstStyle/>
+            <a:p>
+              <a:pPr algn="ctr"/>
+              <a:endParaRPr lang="th-TH" sz="2275"/>
+            </a:p>
+          </p:txBody>
+        </p:sp>
+        <p:cxnSp>
+          <p:nvCxnSpPr>
+            <p:cNvPr id="102" name="Straight Connector 101">
+              <a:extLst>
+                <a:ext uri="{FF2B5EF4-FFF2-40B4-BE49-F238E27FC236}">
+                  <a16:creationId xmlns:a16="http://schemas.microsoft.com/office/drawing/2014/main" id="{84BC5E43-8061-48FE-9F7C-4BD5173F8EEE}"/>
+                </a:ext>
+              </a:extLst>
+            </p:cNvPr>
+            <p:cNvCxnSpPr/>
+            <p:nvPr/>
+          </p:nvCxnSpPr>
+          <p:spPr>
+            <a:xfrm>
+              <a:off x="5530788" y="2725445"/>
+              <a:ext cx="1864311" cy="0"/>
+            </a:xfrm>
+            <a:prstGeom prst="line">
+              <a:avLst/>
+            </a:prstGeom>
+          </p:spPr>
+          <p:style>
+            <a:lnRef idx="1">
+              <a:schemeClr val="dk1"/>
+            </a:lnRef>
+            <a:fillRef idx="0">
+              <a:schemeClr val="dk1"/>
+            </a:fillRef>
+            <a:effectRef idx="0">
+              <a:schemeClr val="dk1"/>
+            </a:effectRef>
+            <a:fontRef idx="minor">
+              <a:schemeClr val="tx1"/>
+            </a:fontRef>
+          </p:style>
+        </p:cxnSp>
+      </p:grpSp>
+      <p:grpSp>
+        <p:nvGrpSpPr>
+          <p:cNvPr id="103" name="Group 102">
+            <a:extLst>
+              <a:ext uri="{FF2B5EF4-FFF2-40B4-BE49-F238E27FC236}">
+                <a16:creationId xmlns:a16="http://schemas.microsoft.com/office/drawing/2014/main" id="{F808C44F-FC8C-4C90-A549-6623985DDB64}"/>
+              </a:ext>
+            </a:extLst>
+          </p:cNvPr>
+          <p:cNvGrpSpPr/>
+          <p:nvPr/>
+        </p:nvGrpSpPr>
+        <p:grpSpPr>
+          <a:xfrm>
+            <a:off x="3731326" y="4566055"/>
+            <a:ext cx="1514753" cy="894426"/>
+            <a:chOff x="5530788" y="2405849"/>
+            <a:chExt cx="1864311" cy="1100832"/>
+          </a:xfrm>
+        </p:grpSpPr>
+        <p:sp>
+          <p:nvSpPr>
+            <p:cNvPr id="104" name="Rectangle: Rounded Corners 103">
+              <a:extLst>
+                <a:ext uri="{FF2B5EF4-FFF2-40B4-BE49-F238E27FC236}">
+                  <a16:creationId xmlns:a16="http://schemas.microsoft.com/office/drawing/2014/main" id="{97BFA0CE-F26E-482D-B6DA-BBA7DB20DA36}"/>
+                </a:ext>
+              </a:extLst>
+            </p:cNvPr>
+            <p:cNvSpPr/>
+            <p:nvPr/>
+          </p:nvSpPr>
+          <p:spPr>
+            <a:xfrm>
+              <a:off x="5530788" y="2405849"/>
+              <a:ext cx="1864311" cy="1100832"/>
+            </a:xfrm>
+            <a:prstGeom prst="roundRect">
+              <a:avLst/>
+            </a:prstGeom>
+          </p:spPr>
+          <p:style>
+            <a:lnRef idx="2">
+              <a:schemeClr val="dk1"/>
+            </a:lnRef>
+            <a:fillRef idx="1">
+              <a:schemeClr val="lt1"/>
+            </a:fillRef>
+            <a:effectRef idx="0">
+              <a:schemeClr val="dk1"/>
+            </a:effectRef>
+            <a:fontRef idx="minor">
+              <a:schemeClr val="dk1"/>
+            </a:fontRef>
+          </p:style>
+          <p:txBody>
+            <a:bodyPr rtlCol="0" anchor="ctr"/>
+            <a:lstStyle/>
+            <a:p>
+              <a:pPr algn="ctr"/>
+              <a:endParaRPr lang="th-TH" sz="2275"/>
+            </a:p>
+          </p:txBody>
+        </p:sp>
+        <p:cxnSp>
+          <p:nvCxnSpPr>
+            <p:cNvPr id="105" name="Straight Connector 104">
+              <a:extLst>
+                <a:ext uri="{FF2B5EF4-FFF2-40B4-BE49-F238E27FC236}">
+                  <a16:creationId xmlns:a16="http://schemas.microsoft.com/office/drawing/2014/main" id="{4E1A1FAB-3425-4C4C-AF31-EDDF3E6B08A5}"/>
+                </a:ext>
+              </a:extLst>
+            </p:cNvPr>
+            <p:cNvCxnSpPr/>
+            <p:nvPr/>
+          </p:nvCxnSpPr>
+          <p:spPr>
+            <a:xfrm>
+              <a:off x="5530788" y="2725445"/>
+              <a:ext cx="1864311" cy="0"/>
+            </a:xfrm>
+            <a:prstGeom prst="line">
+              <a:avLst/>
+            </a:prstGeom>
+          </p:spPr>
+          <p:style>
+            <a:lnRef idx="1">
+              <a:schemeClr val="dk1"/>
+            </a:lnRef>
+            <a:fillRef idx="0">
+              <a:schemeClr val="dk1"/>
+            </a:fillRef>
+            <a:effectRef idx="0">
+              <a:schemeClr val="dk1"/>
+            </a:effectRef>
+            <a:fontRef idx="minor">
+              <a:schemeClr val="tx1"/>
+            </a:fontRef>
+          </p:style>
+        </p:cxnSp>
+      </p:grpSp>
+      <p:sp>
+        <p:nvSpPr>
+          <p:cNvPr id="106" name="TextBox 105">
+            <a:extLst>
+              <a:ext uri="{FF2B5EF4-FFF2-40B4-BE49-F238E27FC236}">
+                <a16:creationId xmlns:a16="http://schemas.microsoft.com/office/drawing/2014/main" id="{A10B03C8-970C-4D85-BC33-A4CBF94A05DF}"/>
+              </a:ext>
+            </a:extLst>
+          </p:cNvPr>
+          <p:cNvSpPr txBox="1"/>
+          <p:nvPr/>
+        </p:nvSpPr>
+        <p:spPr>
+          <a:xfrm>
+            <a:off x="4304196" y="3246911"/>
+            <a:ext cx="369012" cy="342401"/>
+          </a:xfrm>
+          <a:prstGeom prst="rect">
+            <a:avLst/>
+          </a:prstGeom>
+          <a:noFill/>
+        </p:spPr>
+        <p:txBody>
+          <a:bodyPr wrap="none" rtlCol="0">
+            <a:spAutoFit/>
+          </a:bodyPr>
+          <a:lstStyle/>
+          <a:p>
+            <a:r>
+              <a:rPr lang="en-US" sz="1625" dirty="0">
+                <a:latin typeface="TH Sarabun New" panose="020B0500040200020003" pitchFamily="34" charset="-34"/>
+                <a:cs typeface="TH Sarabun New" panose="020B0500040200020003" pitchFamily="34" charset="-34"/>
+              </a:rPr>
+              <a:t>3</a:t>
+            </a:r>
+            <a:r>
+              <a:rPr lang="th-TH" sz="1625" dirty="0">
+                <a:latin typeface="TH Sarabun New" panose="020B0500040200020003" pitchFamily="34" charset="-34"/>
+                <a:cs typeface="TH Sarabun New" panose="020B0500040200020003" pitchFamily="34" charset="-34"/>
+              </a:rPr>
+              <a:t>.</a:t>
+            </a:r>
+            <a:r>
+              <a:rPr lang="en-US" sz="1625" dirty="0">
+                <a:latin typeface="TH Sarabun New" panose="020B0500040200020003" pitchFamily="34" charset="-34"/>
+                <a:cs typeface="TH Sarabun New" panose="020B0500040200020003" pitchFamily="34" charset="-34"/>
+              </a:rPr>
+              <a:t>0</a:t>
+            </a:r>
+            <a:endParaRPr lang="th-TH" sz="1625" dirty="0">
+              <a:latin typeface="TH Sarabun New" panose="020B0500040200020003" pitchFamily="34" charset="-34"/>
+              <a:cs typeface="TH Sarabun New" panose="020B0500040200020003" pitchFamily="34" charset="-34"/>
+            </a:endParaRPr>
+          </a:p>
+        </p:txBody>
+      </p:sp>
+      <p:sp>
+        <p:nvSpPr>
+          <p:cNvPr id="107" name="TextBox 106">
+            <a:extLst>
+              <a:ext uri="{FF2B5EF4-FFF2-40B4-BE49-F238E27FC236}">
+                <a16:creationId xmlns:a16="http://schemas.microsoft.com/office/drawing/2014/main" id="{C0260874-CBEC-41E9-B59D-521F58B971F1}"/>
+              </a:ext>
+            </a:extLst>
+          </p:cNvPr>
+          <p:cNvSpPr txBox="1"/>
+          <p:nvPr/>
+        </p:nvSpPr>
+        <p:spPr>
+          <a:xfrm>
+            <a:off x="4304196" y="4524915"/>
+            <a:ext cx="369012" cy="342401"/>
+          </a:xfrm>
+          <a:prstGeom prst="rect">
+            <a:avLst/>
+          </a:prstGeom>
+          <a:noFill/>
+        </p:spPr>
+        <p:txBody>
+          <a:bodyPr wrap="none" rtlCol="0">
+            <a:spAutoFit/>
+          </a:bodyPr>
+          <a:lstStyle/>
+          <a:p>
+            <a:r>
+              <a:rPr lang="en-US" sz="1625" dirty="0">
+                <a:latin typeface="TH Sarabun New" panose="020B0500040200020003" pitchFamily="34" charset="-34"/>
+                <a:cs typeface="TH Sarabun New" panose="020B0500040200020003" pitchFamily="34" charset="-34"/>
+              </a:rPr>
+              <a:t>4</a:t>
+            </a:r>
+            <a:r>
+              <a:rPr lang="th-TH" sz="1625" dirty="0">
+                <a:latin typeface="TH Sarabun New" panose="020B0500040200020003" pitchFamily="34" charset="-34"/>
+                <a:cs typeface="TH Sarabun New" panose="020B0500040200020003" pitchFamily="34" charset="-34"/>
+              </a:rPr>
+              <a:t>.</a:t>
+            </a:r>
+            <a:r>
+              <a:rPr lang="en-US" sz="1625" dirty="0">
+                <a:latin typeface="TH Sarabun New" panose="020B0500040200020003" pitchFamily="34" charset="-34"/>
+                <a:cs typeface="TH Sarabun New" panose="020B0500040200020003" pitchFamily="34" charset="-34"/>
+              </a:rPr>
+              <a:t>0</a:t>
+            </a:r>
+            <a:endParaRPr lang="th-TH" sz="1625" dirty="0">
+              <a:latin typeface="TH Sarabun New" panose="020B0500040200020003" pitchFamily="34" charset="-34"/>
+              <a:cs typeface="TH Sarabun New" panose="020B0500040200020003" pitchFamily="34" charset="-34"/>
+            </a:endParaRPr>
+          </a:p>
+        </p:txBody>
+      </p:sp>
+      <p:grpSp>
+        <p:nvGrpSpPr>
+          <p:cNvPr id="108" name="Group 107">
+            <a:extLst>
+              <a:ext uri="{FF2B5EF4-FFF2-40B4-BE49-F238E27FC236}">
+                <a16:creationId xmlns:a16="http://schemas.microsoft.com/office/drawing/2014/main" id="{43A05A86-850F-4950-A939-349F1BCC6681}"/>
+              </a:ext>
+            </a:extLst>
+          </p:cNvPr>
+          <p:cNvGrpSpPr/>
+          <p:nvPr/>
+        </p:nvGrpSpPr>
+        <p:grpSpPr>
+          <a:xfrm>
+            <a:off x="3792177" y="5927501"/>
+            <a:ext cx="1514753" cy="894426"/>
+            <a:chOff x="5530788" y="2405849"/>
+            <a:chExt cx="1864311" cy="1100832"/>
+          </a:xfrm>
+        </p:grpSpPr>
+        <p:sp>
+          <p:nvSpPr>
+            <p:cNvPr id="109" name="Rectangle: Rounded Corners 108">
+              <a:extLst>
+                <a:ext uri="{FF2B5EF4-FFF2-40B4-BE49-F238E27FC236}">
+                  <a16:creationId xmlns:a16="http://schemas.microsoft.com/office/drawing/2014/main" id="{B78F54E6-48E8-4B80-9137-DB15E11BD03C}"/>
+                </a:ext>
+              </a:extLst>
+            </p:cNvPr>
+            <p:cNvSpPr/>
+            <p:nvPr/>
+          </p:nvSpPr>
+          <p:spPr>
+            <a:xfrm>
+              <a:off x="5530788" y="2405849"/>
+              <a:ext cx="1864311" cy="1100832"/>
+            </a:xfrm>
+            <a:prstGeom prst="roundRect">
+              <a:avLst/>
+            </a:prstGeom>
+          </p:spPr>
+          <p:style>
+            <a:lnRef idx="2">
+              <a:schemeClr val="dk1"/>
+            </a:lnRef>
+            <a:fillRef idx="1">
+              <a:schemeClr val="lt1"/>
+            </a:fillRef>
+            <a:effectRef idx="0">
+              <a:schemeClr val="dk1"/>
+            </a:effectRef>
+            <a:fontRef idx="minor">
+              <a:schemeClr val="dk1"/>
+            </a:fontRef>
+          </p:style>
+          <p:txBody>
+            <a:bodyPr rtlCol="0" anchor="ctr"/>
+            <a:lstStyle/>
+            <a:p>
+              <a:pPr algn="ctr"/>
+              <a:endParaRPr lang="th-TH" sz="2275"/>
+            </a:p>
+          </p:txBody>
+        </p:sp>
+        <p:cxnSp>
+          <p:nvCxnSpPr>
+            <p:cNvPr id="110" name="Straight Connector 109">
+              <a:extLst>
+                <a:ext uri="{FF2B5EF4-FFF2-40B4-BE49-F238E27FC236}">
+                  <a16:creationId xmlns:a16="http://schemas.microsoft.com/office/drawing/2014/main" id="{5204A3BD-068A-4856-B3DD-34E762479E00}"/>
+                </a:ext>
+              </a:extLst>
+            </p:cNvPr>
+            <p:cNvCxnSpPr/>
+            <p:nvPr/>
+          </p:nvCxnSpPr>
+          <p:spPr>
+            <a:xfrm>
+              <a:off x="5530788" y="2725445"/>
+              <a:ext cx="1864311" cy="0"/>
+            </a:xfrm>
+            <a:prstGeom prst="line">
+              <a:avLst/>
+            </a:prstGeom>
+          </p:spPr>
+          <p:style>
+            <a:lnRef idx="1">
+              <a:schemeClr val="dk1"/>
+            </a:lnRef>
+            <a:fillRef idx="0">
+              <a:schemeClr val="dk1"/>
+            </a:fillRef>
+            <a:effectRef idx="0">
+              <a:schemeClr val="dk1"/>
+            </a:effectRef>
+            <a:fontRef idx="minor">
+              <a:schemeClr val="tx1"/>
+            </a:fontRef>
+          </p:style>
+        </p:cxnSp>
+      </p:grpSp>
+      <p:sp>
+        <p:nvSpPr>
+          <p:cNvPr id="111" name="TextBox 110">
+            <a:extLst>
+              <a:ext uri="{FF2B5EF4-FFF2-40B4-BE49-F238E27FC236}">
+                <a16:creationId xmlns:a16="http://schemas.microsoft.com/office/drawing/2014/main" id="{E7EAB8DD-5A81-47E8-B666-0B7D5F5EFF8B}"/>
+              </a:ext>
+            </a:extLst>
+          </p:cNvPr>
+          <p:cNvSpPr txBox="1"/>
+          <p:nvPr/>
+        </p:nvSpPr>
+        <p:spPr>
+          <a:xfrm>
+            <a:off x="4326535" y="5836845"/>
+            <a:ext cx="369012" cy="342401"/>
+          </a:xfrm>
+          <a:prstGeom prst="rect">
+            <a:avLst/>
+          </a:prstGeom>
+          <a:noFill/>
+        </p:spPr>
+        <p:txBody>
+          <a:bodyPr wrap="none" rtlCol="0">
+            <a:spAutoFit/>
+          </a:bodyPr>
+          <a:lstStyle/>
+          <a:p>
+            <a:r>
+              <a:rPr lang="en-US" sz="1625" dirty="0">
+                <a:latin typeface="TH Sarabun New" panose="020B0500040200020003" pitchFamily="34" charset="-34"/>
+                <a:cs typeface="TH Sarabun New" panose="020B0500040200020003" pitchFamily="34" charset="-34"/>
+              </a:rPr>
+              <a:t>5</a:t>
+            </a:r>
+            <a:r>
+              <a:rPr lang="th-TH" sz="1625" dirty="0">
+                <a:latin typeface="TH Sarabun New" panose="020B0500040200020003" pitchFamily="34" charset="-34"/>
+                <a:cs typeface="TH Sarabun New" panose="020B0500040200020003" pitchFamily="34" charset="-34"/>
+              </a:rPr>
+              <a:t>.</a:t>
+            </a:r>
+            <a:r>
+              <a:rPr lang="en-US" sz="1625" dirty="0">
+                <a:latin typeface="TH Sarabun New" panose="020B0500040200020003" pitchFamily="34" charset="-34"/>
+                <a:cs typeface="TH Sarabun New" panose="020B0500040200020003" pitchFamily="34" charset="-34"/>
+              </a:rPr>
+              <a:t>0</a:t>
+            </a:r>
+            <a:endParaRPr lang="th-TH" sz="1625" dirty="0">
+              <a:latin typeface="TH Sarabun New" panose="020B0500040200020003" pitchFamily="34" charset="-34"/>
+              <a:cs typeface="TH Sarabun New" panose="020B0500040200020003" pitchFamily="34" charset="-34"/>
+            </a:endParaRPr>
+          </a:p>
+        </p:txBody>
+      </p:sp>
+      <p:cxnSp>
+        <p:nvCxnSpPr>
+          <p:cNvPr id="112" name="Connector: Elbow 111">
+            <a:extLst>
+              <a:ext uri="{FF2B5EF4-FFF2-40B4-BE49-F238E27FC236}">
+                <a16:creationId xmlns:a16="http://schemas.microsoft.com/office/drawing/2014/main" id="{FDE91519-E6ED-44B1-A582-94CACE2F9A45}"/>
+              </a:ext>
+            </a:extLst>
+          </p:cNvPr>
+          <p:cNvCxnSpPr>
+            <a:cxnSpLocks/>
+            <a:endCxn id="52" idx="3"/>
+          </p:cNvCxnSpPr>
+          <p:nvPr/>
+        </p:nvCxnSpPr>
+        <p:spPr>
+          <a:xfrm rot="10800000">
+            <a:off x="5233388" y="1903659"/>
+            <a:ext cx="1607050" cy="301964"/>
+          </a:xfrm>
+          <a:prstGeom prst="bentConnector3">
+            <a:avLst>
+              <a:gd name="adj1" fmla="val 5050"/>
+            </a:avLst>
+          </a:prstGeom>
+          <a:ln>
+            <a:tailEnd type="triangle"/>
+          </a:ln>
+        </p:spPr>
+        <p:style>
+          <a:lnRef idx="1">
+            <a:schemeClr val="dk1"/>
+          </a:lnRef>
+          <a:fillRef idx="0">
+            <a:schemeClr val="dk1"/>
+          </a:fillRef>
+          <a:effectRef idx="0">
+            <a:schemeClr val="dk1"/>
+          </a:effectRef>
+          <a:fontRef idx="minor">
+            <a:schemeClr val="tx1"/>
+          </a:fontRef>
+        </p:style>
+      </p:cxnSp>
+      <p:cxnSp>
+        <p:nvCxnSpPr>
+          <p:cNvPr id="116" name="Connector: Elbow 115">
+            <a:extLst>
+              <a:ext uri="{FF2B5EF4-FFF2-40B4-BE49-F238E27FC236}">
+                <a16:creationId xmlns:a16="http://schemas.microsoft.com/office/drawing/2014/main" id="{BE631A37-7C42-4D94-974E-07178E462DE8}"/>
+              </a:ext>
+            </a:extLst>
+          </p:cNvPr>
+          <p:cNvCxnSpPr>
+            <a:cxnSpLocks/>
+          </p:cNvCxnSpPr>
+          <p:nvPr/>
+        </p:nvCxnSpPr>
+        <p:spPr>
+          <a:xfrm rot="10800000">
+            <a:off x="5183479" y="2216930"/>
+            <a:ext cx="1644545" cy="637768"/>
+          </a:xfrm>
+          <a:prstGeom prst="bentConnector3">
+            <a:avLst>
+              <a:gd name="adj1" fmla="val 74465"/>
+            </a:avLst>
+          </a:prstGeom>
+          <a:ln>
+            <a:tailEnd type="triangle"/>
+          </a:ln>
+        </p:spPr>
+        <p:style>
+          <a:lnRef idx="1">
+            <a:schemeClr val="dk1"/>
+          </a:lnRef>
+          <a:fillRef idx="0">
+            <a:schemeClr val="dk1"/>
+          </a:fillRef>
+          <a:effectRef idx="0">
+            <a:schemeClr val="dk1"/>
+          </a:effectRef>
+          <a:fontRef idx="minor">
+            <a:schemeClr val="tx1"/>
+          </a:fontRef>
+        </p:style>
+      </p:cxnSp>
+      <p:cxnSp>
+        <p:nvCxnSpPr>
+          <p:cNvPr id="120" name="Connector: Elbow 119">
+            <a:extLst>
+              <a:ext uri="{FF2B5EF4-FFF2-40B4-BE49-F238E27FC236}">
+                <a16:creationId xmlns:a16="http://schemas.microsoft.com/office/drawing/2014/main" id="{16021EBA-BF36-45C9-B8DB-32AF3FB2ECAB}"/>
+              </a:ext>
+            </a:extLst>
+          </p:cNvPr>
+          <p:cNvCxnSpPr>
+            <a:cxnSpLocks/>
+            <a:endCxn id="78" idx="1"/>
+          </p:cNvCxnSpPr>
+          <p:nvPr/>
+        </p:nvCxnSpPr>
+        <p:spPr>
+          <a:xfrm>
+            <a:off x="5259886" y="2083809"/>
+            <a:ext cx="1580550" cy="283836"/>
+          </a:xfrm>
+          <a:prstGeom prst="bentConnector3">
+            <a:avLst>
+              <a:gd name="adj1" fmla="val 29751"/>
+            </a:avLst>
+          </a:prstGeom>
+          <a:ln>
+            <a:tailEnd type="triangle"/>
+          </a:ln>
+        </p:spPr>
+        <p:style>
+          <a:lnRef idx="1">
+            <a:schemeClr val="dk1"/>
+          </a:lnRef>
+          <a:fillRef idx="0">
+            <a:schemeClr val="dk1"/>
+          </a:fillRef>
+          <a:effectRef idx="0">
+            <a:schemeClr val="dk1"/>
+          </a:effectRef>
+          <a:fontRef idx="minor">
+            <a:schemeClr val="tx1"/>
+          </a:fontRef>
+        </p:style>
+      </p:cxnSp>
+      <p:sp>
+        <p:nvSpPr>
+          <p:cNvPr id="126" name="TextBox 125">
+            <a:extLst>
+              <a:ext uri="{FF2B5EF4-FFF2-40B4-BE49-F238E27FC236}">
+                <a16:creationId xmlns:a16="http://schemas.microsoft.com/office/drawing/2014/main" id="{59DC9C70-F501-4E97-A5C2-D2E2C030653F}"/>
+              </a:ext>
+            </a:extLst>
+          </p:cNvPr>
+          <p:cNvSpPr txBox="1"/>
+          <p:nvPr/>
+        </p:nvSpPr>
+        <p:spPr>
+          <a:xfrm>
+            <a:off x="5690224" y="1680268"/>
+            <a:ext cx="756938" cy="292388"/>
+          </a:xfrm>
+          <a:prstGeom prst="rect">
+            <a:avLst/>
+          </a:prstGeom>
+          <a:noFill/>
+        </p:spPr>
+        <p:txBody>
+          <a:bodyPr wrap="none" rtlCol="0">
+            <a:spAutoFit/>
+          </a:bodyPr>
+          <a:lstStyle/>
+          <a:p>
+            <a:pPr algn="ctr"/>
+            <a:r>
+              <a:rPr lang="th-TH" sz="1300" dirty="0">
+                <a:latin typeface="TH Sarabun New" panose="020B0500040200020003" pitchFamily="34" charset="-34"/>
+                <a:cs typeface="TH Sarabun New" panose="020B0500040200020003" pitchFamily="34" charset="-34"/>
+              </a:rPr>
+              <a:t>ข้อมูลรถยนต์</a:t>
+            </a:r>
+          </a:p>
+        </p:txBody>
+      </p:sp>
+      <p:sp>
+        <p:nvSpPr>
+          <p:cNvPr id="127" name="TextBox 126">
+            <a:extLst>
+              <a:ext uri="{FF2B5EF4-FFF2-40B4-BE49-F238E27FC236}">
+                <a16:creationId xmlns:a16="http://schemas.microsoft.com/office/drawing/2014/main" id="{40031099-5711-4392-892F-D055BB77D6D7}"/>
+              </a:ext>
+            </a:extLst>
+          </p:cNvPr>
+          <p:cNvSpPr txBox="1"/>
+          <p:nvPr/>
+        </p:nvSpPr>
+        <p:spPr>
+          <a:xfrm>
+            <a:off x="8036107" y="3782503"/>
+            <a:ext cx="756938" cy="292388"/>
+          </a:xfrm>
+          <a:prstGeom prst="rect">
+            <a:avLst/>
+          </a:prstGeom>
+          <a:noFill/>
+        </p:spPr>
+        <p:txBody>
+          <a:bodyPr wrap="none" rtlCol="0">
+            <a:spAutoFit/>
+          </a:bodyPr>
+          <a:lstStyle/>
+          <a:p>
+            <a:pPr algn="ctr"/>
+            <a:r>
+              <a:rPr lang="th-TH" sz="1300" dirty="0">
+                <a:latin typeface="TH Sarabun New" panose="020B0500040200020003" pitchFamily="34" charset="-34"/>
+                <a:cs typeface="TH Sarabun New" panose="020B0500040200020003" pitchFamily="34" charset="-34"/>
+              </a:rPr>
+              <a:t>ข้อมูลรถยนต์</a:t>
+            </a:r>
+          </a:p>
+        </p:txBody>
+      </p:sp>
+      <p:sp>
+        <p:nvSpPr>
+          <p:cNvPr id="128" name="TextBox 127">
+            <a:extLst>
+              <a:ext uri="{FF2B5EF4-FFF2-40B4-BE49-F238E27FC236}">
+                <a16:creationId xmlns:a16="http://schemas.microsoft.com/office/drawing/2014/main" id="{1AE14DA6-6DCD-4363-84A4-607FD16E4198}"/>
+              </a:ext>
+            </a:extLst>
+          </p:cNvPr>
+          <p:cNvSpPr txBox="1"/>
+          <p:nvPr/>
+        </p:nvSpPr>
+        <p:spPr>
+          <a:xfrm>
+            <a:off x="5544982" y="2583932"/>
+            <a:ext cx="1120821" cy="292388"/>
+          </a:xfrm>
+          <a:prstGeom prst="rect">
+            <a:avLst/>
+          </a:prstGeom>
+          <a:noFill/>
+        </p:spPr>
+        <p:txBody>
+          <a:bodyPr wrap="none" rtlCol="0">
+            <a:spAutoFit/>
+          </a:bodyPr>
+          <a:lstStyle/>
+          <a:p>
+            <a:pPr algn="ctr"/>
+            <a:r>
+              <a:rPr lang="th-TH" sz="1300" dirty="0">
+                <a:latin typeface="TH Sarabun New" panose="020B0500040200020003" pitchFamily="34" charset="-34"/>
+                <a:cs typeface="TH Sarabun New" panose="020B0500040200020003" pitchFamily="34" charset="-34"/>
+              </a:rPr>
+              <a:t>ข้อมูลรถจักรยานยนต์</a:t>
+            </a:r>
+          </a:p>
+        </p:txBody>
+      </p:sp>
+      <p:cxnSp>
+        <p:nvCxnSpPr>
+          <p:cNvPr id="129" name="Connector: Elbow 128">
+            <a:extLst>
+              <a:ext uri="{FF2B5EF4-FFF2-40B4-BE49-F238E27FC236}">
+                <a16:creationId xmlns:a16="http://schemas.microsoft.com/office/drawing/2014/main" id="{258BA734-8213-452A-8555-29CC67C0C54C}"/>
+              </a:ext>
+            </a:extLst>
+          </p:cNvPr>
+          <p:cNvCxnSpPr>
+            <a:cxnSpLocks/>
+          </p:cNvCxnSpPr>
+          <p:nvPr/>
+        </p:nvCxnSpPr>
+        <p:spPr>
+          <a:xfrm>
+            <a:off x="5066883" y="2365999"/>
+            <a:ext cx="1704627" cy="811340"/>
+          </a:xfrm>
+          <a:prstGeom prst="bentConnector3">
+            <a:avLst>
+              <a:gd name="adj1" fmla="val 24788"/>
+            </a:avLst>
+          </a:prstGeom>
+          <a:ln>
+            <a:tailEnd type="triangle"/>
+          </a:ln>
+        </p:spPr>
+        <p:style>
+          <a:lnRef idx="1">
+            <a:schemeClr val="dk1"/>
+          </a:lnRef>
+          <a:fillRef idx="0">
+            <a:schemeClr val="dk1"/>
+          </a:fillRef>
+          <a:effectRef idx="0">
+            <a:schemeClr val="dk1"/>
+          </a:effectRef>
+          <a:fontRef idx="minor">
+            <a:schemeClr val="tx1"/>
+          </a:fontRef>
+        </p:style>
+      </p:cxnSp>
+      <p:sp>
+        <p:nvSpPr>
+          <p:cNvPr id="134" name="TextBox 133">
+            <a:extLst>
+              <a:ext uri="{FF2B5EF4-FFF2-40B4-BE49-F238E27FC236}">
+                <a16:creationId xmlns:a16="http://schemas.microsoft.com/office/drawing/2014/main" id="{E6B9056B-4455-4E26-9002-9EBF8BAD6E9F}"/>
+              </a:ext>
+            </a:extLst>
+          </p:cNvPr>
+          <p:cNvSpPr txBox="1"/>
+          <p:nvPr/>
+        </p:nvSpPr>
+        <p:spPr>
+          <a:xfrm>
+            <a:off x="5532624" y="2935479"/>
+            <a:ext cx="1120821" cy="292388"/>
+          </a:xfrm>
+          <a:prstGeom prst="rect">
+            <a:avLst/>
+          </a:prstGeom>
+          <a:noFill/>
+        </p:spPr>
+        <p:txBody>
+          <a:bodyPr wrap="none" rtlCol="0">
+            <a:spAutoFit/>
+          </a:bodyPr>
+          <a:lstStyle/>
+          <a:p>
+            <a:pPr algn="ctr"/>
+            <a:r>
+              <a:rPr lang="th-TH" sz="1300" dirty="0">
+                <a:latin typeface="TH Sarabun New" panose="020B0500040200020003" pitchFamily="34" charset="-34"/>
+                <a:cs typeface="TH Sarabun New" panose="020B0500040200020003" pitchFamily="34" charset="-34"/>
+              </a:rPr>
+              <a:t>ข้อมูลรถจักรยานยนต์</a:t>
+            </a:r>
+          </a:p>
+        </p:txBody>
+      </p:sp>
+      <p:sp>
+        <p:nvSpPr>
+          <p:cNvPr id="135" name="TextBox 134">
+            <a:extLst>
+              <a:ext uri="{FF2B5EF4-FFF2-40B4-BE49-F238E27FC236}">
+                <a16:creationId xmlns:a16="http://schemas.microsoft.com/office/drawing/2014/main" id="{1523BDD6-7FD5-485D-B34F-4BC09804CD0A}"/>
+              </a:ext>
+            </a:extLst>
+          </p:cNvPr>
+          <p:cNvSpPr txBox="1"/>
+          <p:nvPr/>
+        </p:nvSpPr>
+        <p:spPr>
+          <a:xfrm>
+            <a:off x="3723224" y="3569090"/>
+            <a:ext cx="1399742" cy="592470"/>
+          </a:xfrm>
+          <a:prstGeom prst="rect">
+            <a:avLst/>
+          </a:prstGeom>
+          <a:noFill/>
+        </p:spPr>
+        <p:txBody>
+          <a:bodyPr wrap="none" rtlCol="0">
+            <a:spAutoFit/>
+          </a:bodyPr>
+          <a:lstStyle/>
+          <a:p>
+            <a:pPr algn="ctr"/>
+            <a:r>
+              <a:rPr lang="th-TH" sz="1625" dirty="0">
+                <a:latin typeface="TH Sarabun New" panose="020B0500040200020003" pitchFamily="34" charset="-34"/>
+                <a:cs typeface="TH Sarabun New" panose="020B0500040200020003" pitchFamily="34" charset="-34"/>
+              </a:rPr>
+              <a:t>ระบบขายรถยนต์ และ</a:t>
+            </a:r>
+          </a:p>
+          <a:p>
+            <a:pPr algn="ctr"/>
+            <a:r>
+              <a:rPr lang="th-TH" sz="1625" dirty="0">
+                <a:latin typeface="TH Sarabun New" panose="020B0500040200020003" pitchFamily="34" charset="-34"/>
+                <a:cs typeface="TH Sarabun New" panose="020B0500040200020003" pitchFamily="34" charset="-34"/>
+              </a:rPr>
+              <a:t>จักรยานยนต์</a:t>
+            </a:r>
+          </a:p>
+        </p:txBody>
+      </p:sp>
+      <p:cxnSp>
+        <p:nvCxnSpPr>
+          <p:cNvPr id="136" name="Connector: Elbow 135">
+            <a:extLst>
+              <a:ext uri="{FF2B5EF4-FFF2-40B4-BE49-F238E27FC236}">
+                <a16:creationId xmlns:a16="http://schemas.microsoft.com/office/drawing/2014/main" id="{D84860BE-C673-4595-B8FB-96B6EE2F0CA8}"/>
+              </a:ext>
+            </a:extLst>
+          </p:cNvPr>
+          <p:cNvCxnSpPr>
+            <a:cxnSpLocks/>
+          </p:cNvCxnSpPr>
+          <p:nvPr/>
+        </p:nvCxnSpPr>
+        <p:spPr>
+          <a:xfrm flipV="1">
+            <a:off x="5241463" y="2250552"/>
+            <a:ext cx="3538310" cy="1801545"/>
+          </a:xfrm>
+          <a:prstGeom prst="bentConnector3">
+            <a:avLst>
+              <a:gd name="adj1" fmla="val 113832"/>
+            </a:avLst>
+          </a:prstGeom>
+          <a:ln>
+            <a:tailEnd type="triangle"/>
+          </a:ln>
+        </p:spPr>
+        <p:style>
+          <a:lnRef idx="1">
+            <a:schemeClr val="dk1"/>
+          </a:lnRef>
+          <a:fillRef idx="0">
+            <a:schemeClr val="dk1"/>
+          </a:fillRef>
+          <a:effectRef idx="0">
+            <a:schemeClr val="dk1"/>
+          </a:effectRef>
+          <a:fontRef idx="minor">
+            <a:schemeClr val="tx1"/>
+          </a:fontRef>
+        </p:style>
+      </p:cxnSp>
+      <p:cxnSp>
+        <p:nvCxnSpPr>
+          <p:cNvPr id="143" name="Connector: Elbow 142">
+            <a:extLst>
+              <a:ext uri="{FF2B5EF4-FFF2-40B4-BE49-F238E27FC236}">
+                <a16:creationId xmlns:a16="http://schemas.microsoft.com/office/drawing/2014/main" id="{1A80C8BE-6962-4787-8B7E-2CF7E2EA368E}"/>
+              </a:ext>
+            </a:extLst>
+          </p:cNvPr>
+          <p:cNvCxnSpPr>
+            <a:cxnSpLocks/>
+            <a:endCxn id="99" idx="2"/>
+          </p:cNvCxnSpPr>
+          <p:nvPr/>
+        </p:nvCxnSpPr>
+        <p:spPr>
+          <a:xfrm flipV="1">
+            <a:off x="5226265" y="3239766"/>
+            <a:ext cx="1818801" cy="193694"/>
+          </a:xfrm>
+          <a:prstGeom prst="bentConnector2">
+            <a:avLst/>
+          </a:prstGeom>
+          <a:ln>
+            <a:tailEnd type="triangle"/>
+          </a:ln>
+        </p:spPr>
+        <p:style>
+          <a:lnRef idx="1">
+            <a:schemeClr val="dk1"/>
+          </a:lnRef>
+          <a:fillRef idx="0">
+            <a:schemeClr val="dk1"/>
+          </a:fillRef>
+          <a:effectRef idx="0">
+            <a:schemeClr val="dk1"/>
+          </a:effectRef>
+          <a:fontRef idx="minor">
+            <a:schemeClr val="tx1"/>
+          </a:fontRef>
+        </p:style>
+      </p:cxnSp>
+      <p:cxnSp>
+        <p:nvCxnSpPr>
+          <p:cNvPr id="145" name="Connector: Elbow 144">
+            <a:extLst>
+              <a:ext uri="{FF2B5EF4-FFF2-40B4-BE49-F238E27FC236}">
+                <a16:creationId xmlns:a16="http://schemas.microsoft.com/office/drawing/2014/main" id="{9AD59B43-E70D-4C53-81C7-94CA594252F6}"/>
+              </a:ext>
+            </a:extLst>
+          </p:cNvPr>
+          <p:cNvCxnSpPr>
+            <a:cxnSpLocks/>
+          </p:cNvCxnSpPr>
+          <p:nvPr/>
+        </p:nvCxnSpPr>
+        <p:spPr>
+          <a:xfrm rot="10800000" flipV="1">
+            <a:off x="5220975" y="2517265"/>
+            <a:ext cx="3595193" cy="1239095"/>
+          </a:xfrm>
+          <a:prstGeom prst="bentConnector3">
+            <a:avLst>
+              <a:gd name="adj1" fmla="val -8752"/>
+            </a:avLst>
+          </a:prstGeom>
+          <a:ln>
+            <a:tailEnd type="triangle"/>
+          </a:ln>
+        </p:spPr>
+        <p:style>
+          <a:lnRef idx="1">
+            <a:schemeClr val="dk1"/>
+          </a:lnRef>
+          <a:fillRef idx="0">
+            <a:schemeClr val="dk1"/>
+          </a:fillRef>
+          <a:effectRef idx="0">
+            <a:schemeClr val="dk1"/>
+          </a:effectRef>
+          <a:fontRef idx="minor">
+            <a:schemeClr val="tx1"/>
+          </a:fontRef>
+        </p:style>
+      </p:cxnSp>
+      <p:cxnSp>
+        <p:nvCxnSpPr>
+          <p:cNvPr id="148" name="Connector: Elbow 147">
+            <a:extLst>
+              <a:ext uri="{FF2B5EF4-FFF2-40B4-BE49-F238E27FC236}">
+                <a16:creationId xmlns:a16="http://schemas.microsoft.com/office/drawing/2014/main" id="{C8229DC9-4CBE-4A1F-BF96-242F1CFB66A7}"/>
+              </a:ext>
+            </a:extLst>
+          </p:cNvPr>
+          <p:cNvCxnSpPr>
+            <a:cxnSpLocks/>
+            <a:endCxn id="101" idx="3"/>
+          </p:cNvCxnSpPr>
+          <p:nvPr/>
+        </p:nvCxnSpPr>
+        <p:spPr>
+          <a:xfrm rot="10800000" flipV="1">
+            <a:off x="5219582" y="3244007"/>
+            <a:ext cx="2105867" cy="460302"/>
+          </a:xfrm>
+          <a:prstGeom prst="bentConnector3">
+            <a:avLst>
+              <a:gd name="adj1" fmla="val -1672"/>
+            </a:avLst>
+          </a:prstGeom>
+          <a:ln>
+            <a:tailEnd type="triangle"/>
+          </a:ln>
+        </p:spPr>
+        <p:style>
+          <a:lnRef idx="1">
+            <a:schemeClr val="dk1"/>
+          </a:lnRef>
+          <a:fillRef idx="0">
+            <a:schemeClr val="dk1"/>
+          </a:fillRef>
+          <a:effectRef idx="0">
+            <a:schemeClr val="dk1"/>
+          </a:effectRef>
+          <a:fontRef idx="minor">
+            <a:schemeClr val="tx1"/>
+          </a:fontRef>
+        </p:style>
+      </p:cxnSp>
+      <p:sp>
+        <p:nvSpPr>
+          <p:cNvPr id="158" name="TextBox 157">
+            <a:extLst>
+              <a:ext uri="{FF2B5EF4-FFF2-40B4-BE49-F238E27FC236}">
+                <a16:creationId xmlns:a16="http://schemas.microsoft.com/office/drawing/2014/main" id="{95B8AA8F-DAD5-4CEC-9A26-24124E656D8B}"/>
+              </a:ext>
+            </a:extLst>
+          </p:cNvPr>
+          <p:cNvSpPr txBox="1"/>
+          <p:nvPr/>
+        </p:nvSpPr>
+        <p:spPr>
+          <a:xfrm>
+            <a:off x="5547822" y="3180974"/>
+            <a:ext cx="1120821" cy="292388"/>
+          </a:xfrm>
+          <a:prstGeom prst="rect">
+            <a:avLst/>
+          </a:prstGeom>
+          <a:noFill/>
+        </p:spPr>
+        <p:txBody>
+          <a:bodyPr wrap="none" rtlCol="0">
+            <a:spAutoFit/>
+          </a:bodyPr>
+          <a:lstStyle/>
+          <a:p>
+            <a:pPr algn="ctr"/>
+            <a:r>
+              <a:rPr lang="th-TH" sz="1300" dirty="0">
+                <a:latin typeface="TH Sarabun New" panose="020B0500040200020003" pitchFamily="34" charset="-34"/>
+                <a:cs typeface="TH Sarabun New" panose="020B0500040200020003" pitchFamily="34" charset="-34"/>
+              </a:rPr>
+              <a:t>ข้อมูลรถจักรยานยนต์</a:t>
+            </a:r>
+          </a:p>
+        </p:txBody>
+      </p:sp>
+      <p:sp>
+        <p:nvSpPr>
+          <p:cNvPr id="159" name="TextBox 158">
+            <a:extLst>
+              <a:ext uri="{FF2B5EF4-FFF2-40B4-BE49-F238E27FC236}">
+                <a16:creationId xmlns:a16="http://schemas.microsoft.com/office/drawing/2014/main" id="{FB337B12-BF01-46B5-B4EA-B89DE18240BB}"/>
+              </a:ext>
+            </a:extLst>
+          </p:cNvPr>
+          <p:cNvSpPr txBox="1"/>
+          <p:nvPr/>
+        </p:nvSpPr>
+        <p:spPr>
+          <a:xfrm>
+            <a:off x="5565315" y="3472254"/>
+            <a:ext cx="1120821" cy="292388"/>
+          </a:xfrm>
+          <a:prstGeom prst="rect">
+            <a:avLst/>
+          </a:prstGeom>
+          <a:noFill/>
+        </p:spPr>
+        <p:txBody>
+          <a:bodyPr wrap="none" rtlCol="0">
+            <a:spAutoFit/>
+          </a:bodyPr>
+          <a:lstStyle/>
+          <a:p>
+            <a:pPr algn="ctr"/>
+            <a:r>
+              <a:rPr lang="th-TH" sz="1300" dirty="0">
+                <a:latin typeface="TH Sarabun New" panose="020B0500040200020003" pitchFamily="34" charset="-34"/>
+                <a:cs typeface="TH Sarabun New" panose="020B0500040200020003" pitchFamily="34" charset="-34"/>
+              </a:rPr>
+              <a:t>ข้อมูลรถจักรยานยนต์</a:t>
+            </a:r>
+          </a:p>
+        </p:txBody>
+      </p:sp>
+      <p:sp>
+        <p:nvSpPr>
+          <p:cNvPr id="160" name="TextBox 159">
+            <a:extLst>
+              <a:ext uri="{FF2B5EF4-FFF2-40B4-BE49-F238E27FC236}">
+                <a16:creationId xmlns:a16="http://schemas.microsoft.com/office/drawing/2014/main" id="{A7F85347-72D8-48D1-8830-83234597D0E1}"/>
+              </a:ext>
+            </a:extLst>
+          </p:cNvPr>
+          <p:cNvSpPr txBox="1"/>
+          <p:nvPr/>
+        </p:nvSpPr>
+        <p:spPr>
+          <a:xfrm>
+            <a:off x="8044630" y="3507269"/>
+            <a:ext cx="756938" cy="292388"/>
+          </a:xfrm>
+          <a:prstGeom prst="rect">
+            <a:avLst/>
+          </a:prstGeom>
+          <a:noFill/>
+        </p:spPr>
+        <p:txBody>
+          <a:bodyPr wrap="none" rtlCol="0">
+            <a:spAutoFit/>
+          </a:bodyPr>
+          <a:lstStyle/>
+          <a:p>
+            <a:pPr algn="ctr"/>
+            <a:r>
+              <a:rPr lang="th-TH" sz="1300" dirty="0">
+                <a:latin typeface="TH Sarabun New" panose="020B0500040200020003" pitchFamily="34" charset="-34"/>
+                <a:cs typeface="TH Sarabun New" panose="020B0500040200020003" pitchFamily="34" charset="-34"/>
+              </a:rPr>
+              <a:t>ข้อมูลรถยนต์</a:t>
+            </a:r>
+          </a:p>
+        </p:txBody>
+      </p:sp>
+      <p:sp>
+        <p:nvSpPr>
+          <p:cNvPr id="161" name="TextBox 160">
+            <a:extLst>
+              <a:ext uri="{FF2B5EF4-FFF2-40B4-BE49-F238E27FC236}">
+                <a16:creationId xmlns:a16="http://schemas.microsoft.com/office/drawing/2014/main" id="{9813A439-0F1C-44CA-87C6-134EEB151C84}"/>
+              </a:ext>
+            </a:extLst>
+          </p:cNvPr>
+          <p:cNvSpPr txBox="1"/>
+          <p:nvPr/>
+        </p:nvSpPr>
+        <p:spPr>
+          <a:xfrm>
+            <a:off x="5836430" y="2153797"/>
+            <a:ext cx="756938" cy="292388"/>
+          </a:xfrm>
+          <a:prstGeom prst="rect">
+            <a:avLst/>
+          </a:prstGeom>
+          <a:noFill/>
+        </p:spPr>
+        <p:txBody>
+          <a:bodyPr wrap="none" rtlCol="0">
+            <a:spAutoFit/>
+          </a:bodyPr>
+          <a:lstStyle/>
+          <a:p>
+            <a:pPr algn="ctr"/>
+            <a:r>
+              <a:rPr lang="th-TH" sz="1300" dirty="0">
+                <a:latin typeface="TH Sarabun New" panose="020B0500040200020003" pitchFamily="34" charset="-34"/>
+                <a:cs typeface="TH Sarabun New" panose="020B0500040200020003" pitchFamily="34" charset="-34"/>
+              </a:rPr>
+              <a:t>ข้อมูลรถยนต์</a:t>
+            </a:r>
+          </a:p>
+        </p:txBody>
+      </p:sp>
+      <p:grpSp>
+        <p:nvGrpSpPr>
+          <p:cNvPr id="162" name="Group 161">
+            <a:extLst>
+              <a:ext uri="{FF2B5EF4-FFF2-40B4-BE49-F238E27FC236}">
+                <a16:creationId xmlns:a16="http://schemas.microsoft.com/office/drawing/2014/main" id="{45133382-2F1F-4A24-935D-1002B8EFB715}"/>
+              </a:ext>
+            </a:extLst>
+          </p:cNvPr>
+          <p:cNvGrpSpPr/>
+          <p:nvPr/>
+        </p:nvGrpSpPr>
+        <p:grpSpPr>
+          <a:xfrm>
+            <a:off x="6895173" y="4875642"/>
+            <a:ext cx="2310707" cy="577047"/>
+            <a:chOff x="8044650" y="3089432"/>
+            <a:chExt cx="2129160" cy="710212"/>
+          </a:xfrm>
+        </p:grpSpPr>
+        <p:sp>
+          <p:nvSpPr>
+            <p:cNvPr id="163" name="Rectangle 162">
+              <a:extLst>
+                <a:ext uri="{FF2B5EF4-FFF2-40B4-BE49-F238E27FC236}">
+                  <a16:creationId xmlns:a16="http://schemas.microsoft.com/office/drawing/2014/main" id="{828BDF60-2876-4A81-8952-F4A9279D950E}"/>
+                </a:ext>
+              </a:extLst>
+            </p:cNvPr>
+            <p:cNvSpPr/>
+            <p:nvPr/>
+          </p:nvSpPr>
+          <p:spPr>
+            <a:xfrm>
+              <a:off x="8044650" y="3169330"/>
+              <a:ext cx="1864311" cy="532662"/>
+            </a:xfrm>
+            <a:prstGeom prst="rect">
+              <a:avLst/>
+            </a:prstGeom>
+          </p:spPr>
+          <p:style>
+            <a:lnRef idx="2">
+              <a:schemeClr val="dk1"/>
+            </a:lnRef>
+            <a:fillRef idx="1">
+              <a:schemeClr val="lt1"/>
+            </a:fillRef>
+            <a:effectRef idx="0">
+              <a:schemeClr val="dk1"/>
+            </a:effectRef>
+            <a:fontRef idx="minor">
+              <a:schemeClr val="dk1"/>
+            </a:fontRef>
+          </p:style>
+          <p:txBody>
+            <a:bodyPr rtlCol="0" anchor="ctr"/>
+            <a:lstStyle/>
+            <a:p>
+              <a:pPr algn="ctr"/>
+              <a:r>
+                <a:rPr lang="th-TH" sz="1950" dirty="0">
+                  <a:latin typeface="TH Sarabun New" panose="020B0500040200020003" pitchFamily="34" charset="-34"/>
+                  <a:cs typeface="TH Sarabun New" panose="020B0500040200020003" pitchFamily="34" charset="-34"/>
+                </a:rPr>
+                <a:t>      ข้อมูลรถยนต์</a:t>
+              </a:r>
+            </a:p>
+          </p:txBody>
+        </p:sp>
+        <p:cxnSp>
+          <p:nvCxnSpPr>
+            <p:cNvPr id="164" name="Straight Connector 163">
+              <a:extLst>
+                <a:ext uri="{FF2B5EF4-FFF2-40B4-BE49-F238E27FC236}">
+                  <a16:creationId xmlns:a16="http://schemas.microsoft.com/office/drawing/2014/main" id="{4CEE832E-2683-43D7-99A5-F13C9A98B1E7}"/>
+                </a:ext>
+              </a:extLst>
+            </p:cNvPr>
+            <p:cNvCxnSpPr/>
+            <p:nvPr/>
+          </p:nvCxnSpPr>
+          <p:spPr>
+            <a:xfrm>
+              <a:off x="8469297" y="3169330"/>
+              <a:ext cx="0" cy="532662"/>
+            </a:xfrm>
+            <a:prstGeom prst="line">
+              <a:avLst/>
+            </a:prstGeom>
+          </p:spPr>
+          <p:style>
+            <a:lnRef idx="1">
+              <a:schemeClr val="dk1"/>
+            </a:lnRef>
+            <a:fillRef idx="0">
+              <a:schemeClr val="dk1"/>
+            </a:fillRef>
+            <a:effectRef idx="0">
+              <a:schemeClr val="dk1"/>
+            </a:effectRef>
+            <a:fontRef idx="minor">
+              <a:schemeClr val="tx1"/>
+            </a:fontRef>
+          </p:style>
+        </p:cxnSp>
+        <p:sp>
+          <p:nvSpPr>
+            <p:cNvPr id="165" name="Rectangle 164">
+              <a:extLst>
+                <a:ext uri="{FF2B5EF4-FFF2-40B4-BE49-F238E27FC236}">
+                  <a16:creationId xmlns:a16="http://schemas.microsoft.com/office/drawing/2014/main" id="{B01651CB-FF1B-47AC-922C-C1B0B11286BF}"/>
+                </a:ext>
+              </a:extLst>
+            </p:cNvPr>
+            <p:cNvSpPr/>
+            <p:nvPr/>
+          </p:nvSpPr>
+          <p:spPr>
+            <a:xfrm>
+              <a:off x="9823884" y="3089432"/>
+              <a:ext cx="349926" cy="710212"/>
+            </a:xfrm>
+            <a:prstGeom prst="rect">
+              <a:avLst/>
+            </a:prstGeom>
+            <a:solidFill>
+              <a:schemeClr val="bg1"/>
+            </a:solidFill>
+            <a:ln>
+              <a:solidFill>
+                <a:schemeClr val="bg1"/>
+              </a:solidFill>
+            </a:ln>
+          </p:spPr>
+          <p:style>
+            <a:lnRef idx="2">
+              <a:schemeClr val="accent1">
+                <a:shade val="50000"/>
+              </a:schemeClr>
+            </a:lnRef>
+            <a:fillRef idx="1">
+              <a:schemeClr val="accent1"/>
+            </a:fillRef>
+            <a:effectRef idx="0">
+              <a:schemeClr val="accent1"/>
+            </a:effectRef>
+            <a:fontRef idx="minor">
+              <a:schemeClr val="lt1"/>
+            </a:fontRef>
+          </p:style>
+          <p:txBody>
+            <a:bodyPr rtlCol="0" anchor="ctr"/>
+            <a:lstStyle/>
+            <a:p>
+              <a:pPr algn="ctr"/>
+              <a:endParaRPr lang="th-TH" sz="2275"/>
+            </a:p>
+          </p:txBody>
+        </p:sp>
+      </p:grpSp>
+      <p:sp>
+        <p:nvSpPr>
+          <p:cNvPr id="166" name="TextBox 165">
+            <a:extLst>
+              <a:ext uri="{FF2B5EF4-FFF2-40B4-BE49-F238E27FC236}">
+                <a16:creationId xmlns:a16="http://schemas.microsoft.com/office/drawing/2014/main" id="{8D90ABBD-F22A-4203-ABD8-50829C638C81}"/>
+              </a:ext>
+            </a:extLst>
+          </p:cNvPr>
+          <p:cNvSpPr txBox="1"/>
+          <p:nvPr/>
+        </p:nvSpPr>
+        <p:spPr>
+          <a:xfrm>
+            <a:off x="6937326" y="5042845"/>
+            <a:ext cx="349776" cy="342401"/>
+          </a:xfrm>
+          <a:prstGeom prst="rect">
+            <a:avLst/>
+          </a:prstGeom>
+          <a:noFill/>
+        </p:spPr>
+        <p:txBody>
+          <a:bodyPr wrap="none" rtlCol="0">
+            <a:spAutoFit/>
+          </a:bodyPr>
+          <a:lstStyle/>
+          <a:p>
+            <a:r>
+              <a:rPr lang="en-US" sz="1625" dirty="0">
+                <a:latin typeface="TH Sarabun New" panose="020B0500040200020003" pitchFamily="34" charset="-34"/>
+                <a:cs typeface="TH Sarabun New" panose="020B0500040200020003" pitchFamily="34" charset="-34"/>
+              </a:rPr>
+              <a:t>D3</a:t>
+            </a:r>
+            <a:endParaRPr lang="th-TH" sz="1625" dirty="0">
+              <a:latin typeface="TH Sarabun New" panose="020B0500040200020003" pitchFamily="34" charset="-34"/>
+              <a:cs typeface="TH Sarabun New" panose="020B0500040200020003" pitchFamily="34" charset="-34"/>
+            </a:endParaRPr>
+          </a:p>
+        </p:txBody>
+      </p:sp>
+      <p:grpSp>
+        <p:nvGrpSpPr>
+          <p:cNvPr id="167" name="Group 166">
+            <a:extLst>
+              <a:ext uri="{FF2B5EF4-FFF2-40B4-BE49-F238E27FC236}">
+                <a16:creationId xmlns:a16="http://schemas.microsoft.com/office/drawing/2014/main" id="{D28AC0EC-9586-4DE9-A7E4-944DD6A00723}"/>
+              </a:ext>
+            </a:extLst>
+          </p:cNvPr>
+          <p:cNvGrpSpPr/>
+          <p:nvPr/>
+        </p:nvGrpSpPr>
+        <p:grpSpPr>
+          <a:xfrm>
+            <a:off x="6882762" y="5519470"/>
+            <a:ext cx="2310540" cy="577047"/>
+            <a:chOff x="8044650" y="3089432"/>
+            <a:chExt cx="2129160" cy="710212"/>
+          </a:xfrm>
+        </p:grpSpPr>
+        <p:sp>
+          <p:nvSpPr>
+            <p:cNvPr id="168" name="Rectangle 167">
+              <a:extLst>
+                <a:ext uri="{FF2B5EF4-FFF2-40B4-BE49-F238E27FC236}">
+                  <a16:creationId xmlns:a16="http://schemas.microsoft.com/office/drawing/2014/main" id="{B9F0745F-607D-420D-91A8-50AD899C80B1}"/>
+                </a:ext>
+              </a:extLst>
+            </p:cNvPr>
+            <p:cNvSpPr/>
+            <p:nvPr/>
+          </p:nvSpPr>
+          <p:spPr>
+            <a:xfrm>
+              <a:off x="8044650" y="3169330"/>
+              <a:ext cx="1864311" cy="532662"/>
+            </a:xfrm>
+            <a:prstGeom prst="rect">
+              <a:avLst/>
+            </a:prstGeom>
+          </p:spPr>
+          <p:style>
+            <a:lnRef idx="2">
+              <a:schemeClr val="dk1"/>
+            </a:lnRef>
+            <a:fillRef idx="1">
+              <a:schemeClr val="lt1"/>
+            </a:fillRef>
+            <a:effectRef idx="0">
+              <a:schemeClr val="dk1"/>
+            </a:effectRef>
+            <a:fontRef idx="minor">
+              <a:schemeClr val="dk1"/>
+            </a:fontRef>
+          </p:style>
+          <p:txBody>
+            <a:bodyPr rtlCol="0" anchor="ctr"/>
+            <a:lstStyle/>
+            <a:p>
+              <a:pPr algn="ctr"/>
+              <a:r>
+                <a:rPr lang="th-TH" sz="1950" dirty="0">
+                  <a:latin typeface="TH Sarabun New" panose="020B0500040200020003" pitchFamily="34" charset="-34"/>
+                  <a:cs typeface="TH Sarabun New" panose="020B0500040200020003" pitchFamily="34" charset="-34"/>
+                </a:rPr>
+                <a:t>      ข้อมูลรถจักรยานยนต์</a:t>
+              </a:r>
+            </a:p>
+          </p:txBody>
+        </p:sp>
+        <p:cxnSp>
+          <p:nvCxnSpPr>
+            <p:cNvPr id="169" name="Straight Connector 168">
+              <a:extLst>
+                <a:ext uri="{FF2B5EF4-FFF2-40B4-BE49-F238E27FC236}">
+                  <a16:creationId xmlns:a16="http://schemas.microsoft.com/office/drawing/2014/main" id="{8CD4B830-9684-45AA-83AE-56AF6B51BE2B}"/>
+                </a:ext>
+              </a:extLst>
+            </p:cNvPr>
+            <p:cNvCxnSpPr/>
+            <p:nvPr/>
+          </p:nvCxnSpPr>
+          <p:spPr>
+            <a:xfrm>
+              <a:off x="8469297" y="3169330"/>
+              <a:ext cx="0" cy="532662"/>
+            </a:xfrm>
+            <a:prstGeom prst="line">
+              <a:avLst/>
+            </a:prstGeom>
+          </p:spPr>
+          <p:style>
+            <a:lnRef idx="1">
+              <a:schemeClr val="dk1"/>
+            </a:lnRef>
+            <a:fillRef idx="0">
+              <a:schemeClr val="dk1"/>
+            </a:fillRef>
+            <a:effectRef idx="0">
+              <a:schemeClr val="dk1"/>
+            </a:effectRef>
+            <a:fontRef idx="minor">
+              <a:schemeClr val="tx1"/>
+            </a:fontRef>
+          </p:style>
+        </p:cxnSp>
+        <p:sp>
+          <p:nvSpPr>
+            <p:cNvPr id="170" name="Rectangle 169">
+              <a:extLst>
+                <a:ext uri="{FF2B5EF4-FFF2-40B4-BE49-F238E27FC236}">
+                  <a16:creationId xmlns:a16="http://schemas.microsoft.com/office/drawing/2014/main" id="{15718DC7-A69E-4EF4-B54B-4D53CEDCD5D2}"/>
+                </a:ext>
+              </a:extLst>
+            </p:cNvPr>
+            <p:cNvSpPr/>
+            <p:nvPr/>
+          </p:nvSpPr>
+          <p:spPr>
+            <a:xfrm>
+              <a:off x="9823884" y="3089432"/>
+              <a:ext cx="349926" cy="710212"/>
+            </a:xfrm>
+            <a:prstGeom prst="rect">
+              <a:avLst/>
+            </a:prstGeom>
+            <a:solidFill>
+              <a:schemeClr val="bg1"/>
+            </a:solidFill>
+            <a:ln>
+              <a:solidFill>
+                <a:schemeClr val="bg1"/>
+              </a:solidFill>
+            </a:ln>
+          </p:spPr>
+          <p:style>
+            <a:lnRef idx="2">
+              <a:schemeClr val="accent1">
+                <a:shade val="50000"/>
+              </a:schemeClr>
+            </a:lnRef>
+            <a:fillRef idx="1">
+              <a:schemeClr val="accent1"/>
+            </a:fillRef>
+            <a:effectRef idx="0">
+              <a:schemeClr val="accent1"/>
+            </a:effectRef>
+            <a:fontRef idx="minor">
+              <a:schemeClr val="lt1"/>
+            </a:fontRef>
+          </p:style>
+          <p:txBody>
+            <a:bodyPr rtlCol="0" anchor="ctr"/>
+            <a:lstStyle/>
+            <a:p>
+              <a:pPr algn="ctr"/>
+              <a:endParaRPr lang="th-TH" sz="2275"/>
+            </a:p>
+          </p:txBody>
+        </p:sp>
+      </p:grpSp>
+      <p:sp>
+        <p:nvSpPr>
+          <p:cNvPr id="171" name="TextBox 170">
+            <a:extLst>
+              <a:ext uri="{FF2B5EF4-FFF2-40B4-BE49-F238E27FC236}">
+                <a16:creationId xmlns:a16="http://schemas.microsoft.com/office/drawing/2014/main" id="{44DB2ADE-47C8-4A23-9B11-1374E4FC5921}"/>
+              </a:ext>
+            </a:extLst>
+          </p:cNvPr>
+          <p:cNvSpPr txBox="1"/>
+          <p:nvPr/>
+        </p:nvSpPr>
+        <p:spPr>
+          <a:xfrm>
+            <a:off x="6924915" y="5686673"/>
+            <a:ext cx="349776" cy="342401"/>
+          </a:xfrm>
+          <a:prstGeom prst="rect">
+            <a:avLst/>
+          </a:prstGeom>
+          <a:noFill/>
+        </p:spPr>
+        <p:txBody>
+          <a:bodyPr wrap="none" rtlCol="0">
+            <a:spAutoFit/>
+          </a:bodyPr>
+          <a:lstStyle/>
+          <a:p>
+            <a:r>
+              <a:rPr lang="en-US" sz="1625" dirty="0">
+                <a:latin typeface="TH Sarabun New" panose="020B0500040200020003" pitchFamily="34" charset="-34"/>
+                <a:cs typeface="TH Sarabun New" panose="020B0500040200020003" pitchFamily="34" charset="-34"/>
+              </a:rPr>
+              <a:t>D4</a:t>
+            </a:r>
+            <a:endParaRPr lang="th-TH" sz="1625" dirty="0">
+              <a:latin typeface="TH Sarabun New" panose="020B0500040200020003" pitchFamily="34" charset="-34"/>
+              <a:cs typeface="TH Sarabun New" panose="020B0500040200020003" pitchFamily="34" charset="-34"/>
+            </a:endParaRPr>
+          </a:p>
+        </p:txBody>
+      </p:sp>
+      <p:grpSp>
+        <p:nvGrpSpPr>
+          <p:cNvPr id="172" name="Group 171">
+            <a:extLst>
+              <a:ext uri="{FF2B5EF4-FFF2-40B4-BE49-F238E27FC236}">
+                <a16:creationId xmlns:a16="http://schemas.microsoft.com/office/drawing/2014/main" id="{602F957E-C43A-4CAE-B3D6-FC8D2F39C16B}"/>
+              </a:ext>
+            </a:extLst>
+          </p:cNvPr>
+          <p:cNvGrpSpPr/>
+          <p:nvPr/>
+        </p:nvGrpSpPr>
+        <p:grpSpPr>
+          <a:xfrm>
+            <a:off x="6870178" y="4259916"/>
+            <a:ext cx="2310707" cy="577047"/>
+            <a:chOff x="8044650" y="3089432"/>
+            <a:chExt cx="2129160" cy="710212"/>
+          </a:xfrm>
+        </p:grpSpPr>
+        <p:sp>
+          <p:nvSpPr>
+            <p:cNvPr id="173" name="Rectangle 172">
+              <a:extLst>
+                <a:ext uri="{FF2B5EF4-FFF2-40B4-BE49-F238E27FC236}">
+                  <a16:creationId xmlns:a16="http://schemas.microsoft.com/office/drawing/2014/main" id="{E23B88A2-AC0F-4E40-BE13-4913DD17ABDA}"/>
+                </a:ext>
+              </a:extLst>
+            </p:cNvPr>
+            <p:cNvSpPr/>
+            <p:nvPr/>
+          </p:nvSpPr>
+          <p:spPr>
+            <a:xfrm>
+              <a:off x="8044650" y="3169330"/>
+              <a:ext cx="1864311" cy="532662"/>
+            </a:xfrm>
+            <a:prstGeom prst="rect">
+              <a:avLst/>
+            </a:prstGeom>
+          </p:spPr>
+          <p:style>
+            <a:lnRef idx="2">
+              <a:schemeClr val="dk1"/>
+            </a:lnRef>
+            <a:fillRef idx="1">
+              <a:schemeClr val="lt1"/>
+            </a:fillRef>
+            <a:effectRef idx="0">
+              <a:schemeClr val="dk1"/>
+            </a:effectRef>
+            <a:fontRef idx="minor">
+              <a:schemeClr val="dk1"/>
+            </a:fontRef>
+          </p:style>
+          <p:txBody>
+            <a:bodyPr rtlCol="0" anchor="ctr"/>
+            <a:lstStyle/>
+            <a:p>
+              <a:pPr algn="ctr"/>
+              <a:r>
+                <a:rPr lang="th-TH" sz="1950" dirty="0">
+                  <a:latin typeface="TH Sarabun New" panose="020B0500040200020003" pitchFamily="34" charset="-34"/>
+                  <a:cs typeface="TH Sarabun New" panose="020B0500040200020003" pitchFamily="34" charset="-34"/>
+                </a:rPr>
+                <a:t>      ข้อมูลลงทะเบียนรถ</a:t>
+              </a:r>
+            </a:p>
+          </p:txBody>
+        </p:sp>
+        <p:cxnSp>
+          <p:nvCxnSpPr>
+            <p:cNvPr id="174" name="Straight Connector 173">
+              <a:extLst>
+                <a:ext uri="{FF2B5EF4-FFF2-40B4-BE49-F238E27FC236}">
+                  <a16:creationId xmlns:a16="http://schemas.microsoft.com/office/drawing/2014/main" id="{4A8A75E2-5CEA-4CD5-B116-6EBB847124B7}"/>
+                </a:ext>
+              </a:extLst>
+            </p:cNvPr>
+            <p:cNvCxnSpPr/>
+            <p:nvPr/>
+          </p:nvCxnSpPr>
+          <p:spPr>
+            <a:xfrm>
+              <a:off x="8469297" y="3169330"/>
+              <a:ext cx="0" cy="532662"/>
+            </a:xfrm>
+            <a:prstGeom prst="line">
+              <a:avLst/>
+            </a:prstGeom>
+          </p:spPr>
+          <p:style>
+            <a:lnRef idx="1">
+              <a:schemeClr val="dk1"/>
+            </a:lnRef>
+            <a:fillRef idx="0">
+              <a:schemeClr val="dk1"/>
+            </a:fillRef>
+            <a:effectRef idx="0">
+              <a:schemeClr val="dk1"/>
+            </a:effectRef>
+            <a:fontRef idx="minor">
+              <a:schemeClr val="tx1"/>
+            </a:fontRef>
+          </p:style>
+        </p:cxnSp>
+        <p:sp>
+          <p:nvSpPr>
+            <p:cNvPr id="175" name="Rectangle 174">
+              <a:extLst>
+                <a:ext uri="{FF2B5EF4-FFF2-40B4-BE49-F238E27FC236}">
+                  <a16:creationId xmlns:a16="http://schemas.microsoft.com/office/drawing/2014/main" id="{20A92232-EA76-4F4D-8869-7267B8CDAD83}"/>
+                </a:ext>
+              </a:extLst>
+            </p:cNvPr>
+            <p:cNvSpPr/>
+            <p:nvPr/>
+          </p:nvSpPr>
+          <p:spPr>
+            <a:xfrm>
+              <a:off x="9823884" y="3089432"/>
+              <a:ext cx="349926" cy="710212"/>
+            </a:xfrm>
+            <a:prstGeom prst="rect">
+              <a:avLst/>
+            </a:prstGeom>
+            <a:solidFill>
+              <a:schemeClr val="bg1"/>
+            </a:solidFill>
+            <a:ln>
+              <a:solidFill>
+                <a:schemeClr val="bg1"/>
+              </a:solidFill>
+            </a:ln>
+          </p:spPr>
+          <p:style>
+            <a:lnRef idx="2">
+              <a:schemeClr val="accent1">
+                <a:shade val="50000"/>
+              </a:schemeClr>
+            </a:lnRef>
+            <a:fillRef idx="1">
+              <a:schemeClr val="accent1"/>
+            </a:fillRef>
+            <a:effectRef idx="0">
+              <a:schemeClr val="accent1"/>
+            </a:effectRef>
+            <a:fontRef idx="minor">
+              <a:schemeClr val="lt1"/>
+            </a:fontRef>
+          </p:style>
+          <p:txBody>
+            <a:bodyPr rtlCol="0" anchor="ctr"/>
+            <a:lstStyle/>
+            <a:p>
+              <a:pPr algn="ctr"/>
+              <a:endParaRPr lang="th-TH" sz="2275"/>
+            </a:p>
+          </p:txBody>
+        </p:sp>
+      </p:grpSp>
+      <p:sp>
+        <p:nvSpPr>
+          <p:cNvPr id="176" name="TextBox 175">
+            <a:extLst>
+              <a:ext uri="{FF2B5EF4-FFF2-40B4-BE49-F238E27FC236}">
+                <a16:creationId xmlns:a16="http://schemas.microsoft.com/office/drawing/2014/main" id="{5B2EE435-F78D-4D3A-BA3B-1813EFDF6A7F}"/>
+              </a:ext>
+            </a:extLst>
+          </p:cNvPr>
+          <p:cNvSpPr txBox="1"/>
+          <p:nvPr/>
+        </p:nvSpPr>
+        <p:spPr>
+          <a:xfrm>
+            <a:off x="6912331" y="4427119"/>
+            <a:ext cx="349776" cy="342401"/>
+          </a:xfrm>
+          <a:prstGeom prst="rect">
+            <a:avLst/>
+          </a:prstGeom>
+          <a:noFill/>
+        </p:spPr>
+        <p:txBody>
+          <a:bodyPr wrap="none" rtlCol="0">
+            <a:spAutoFit/>
+          </a:bodyPr>
+          <a:lstStyle/>
+          <a:p>
+            <a:r>
+              <a:rPr lang="en-US" sz="1625" dirty="0">
+                <a:latin typeface="TH Sarabun New" panose="020B0500040200020003" pitchFamily="34" charset="-34"/>
+                <a:cs typeface="TH Sarabun New" panose="020B0500040200020003" pitchFamily="34" charset="-34"/>
+              </a:rPr>
+              <a:t>D5</a:t>
+            </a:r>
+            <a:endParaRPr lang="th-TH" sz="1625" dirty="0">
+              <a:latin typeface="TH Sarabun New" panose="020B0500040200020003" pitchFamily="34" charset="-34"/>
+              <a:cs typeface="TH Sarabun New" panose="020B0500040200020003" pitchFamily="34" charset="-34"/>
+            </a:endParaRPr>
+          </a:p>
+        </p:txBody>
+      </p:sp>
+      <p:sp>
+        <p:nvSpPr>
+          <p:cNvPr id="177" name="TextBox 176">
+            <a:extLst>
+              <a:ext uri="{FF2B5EF4-FFF2-40B4-BE49-F238E27FC236}">
+                <a16:creationId xmlns:a16="http://schemas.microsoft.com/office/drawing/2014/main" id="{1BACA3E6-44EF-4A89-937C-23D2EBDBDB92}"/>
+              </a:ext>
+            </a:extLst>
+          </p:cNvPr>
+          <p:cNvSpPr txBox="1"/>
+          <p:nvPr/>
+        </p:nvSpPr>
+        <p:spPr>
+          <a:xfrm>
+            <a:off x="3704828" y="4869901"/>
+            <a:ext cx="1547218" cy="592470"/>
+          </a:xfrm>
+          <a:prstGeom prst="rect">
+            <a:avLst/>
+          </a:prstGeom>
+          <a:noFill/>
+        </p:spPr>
+        <p:txBody>
+          <a:bodyPr wrap="none" rtlCol="0">
+            <a:spAutoFit/>
+          </a:bodyPr>
+          <a:lstStyle/>
+          <a:p>
+            <a:pPr algn="ctr"/>
+            <a:r>
+              <a:rPr lang="th-TH" sz="1625" dirty="0">
+                <a:latin typeface="TH Sarabun New" panose="020B0500040200020003" pitchFamily="34" charset="-34"/>
+                <a:cs typeface="TH Sarabun New" panose="020B0500040200020003" pitchFamily="34" charset="-34"/>
+              </a:rPr>
+              <a:t>ระบบลงทะเบียน รถยนต์</a:t>
+            </a:r>
+          </a:p>
+          <a:p>
+            <a:pPr algn="ctr"/>
+            <a:r>
+              <a:rPr lang="th-TH" sz="1625" dirty="0">
+                <a:latin typeface="TH Sarabun New" panose="020B0500040200020003" pitchFamily="34" charset="-34"/>
+                <a:cs typeface="TH Sarabun New" panose="020B0500040200020003" pitchFamily="34" charset="-34"/>
+              </a:rPr>
+              <a:t>รถจักรยานยนต์ส่วนตัว</a:t>
+            </a:r>
+          </a:p>
+        </p:txBody>
+      </p:sp>
+      <p:cxnSp>
+        <p:nvCxnSpPr>
+          <p:cNvPr id="178" name="Connector: Elbow 177">
+            <a:extLst>
+              <a:ext uri="{FF2B5EF4-FFF2-40B4-BE49-F238E27FC236}">
+                <a16:creationId xmlns:a16="http://schemas.microsoft.com/office/drawing/2014/main" id="{E5934FEA-A5CD-49FD-B4BF-A608F1F78A56}"/>
+              </a:ext>
+            </a:extLst>
+          </p:cNvPr>
+          <p:cNvCxnSpPr>
+            <a:cxnSpLocks/>
+          </p:cNvCxnSpPr>
+          <p:nvPr/>
+        </p:nvCxnSpPr>
+        <p:spPr>
+          <a:xfrm flipV="1">
+            <a:off x="5334806" y="4651156"/>
+            <a:ext cx="1560367" cy="206675"/>
+          </a:xfrm>
+          <a:prstGeom prst="bentConnector3">
+            <a:avLst>
+              <a:gd name="adj1" fmla="val 90435"/>
+            </a:avLst>
+          </a:prstGeom>
+          <a:ln>
+            <a:tailEnd type="triangle"/>
+          </a:ln>
+        </p:spPr>
+        <p:style>
+          <a:lnRef idx="1">
+            <a:schemeClr val="dk1"/>
+          </a:lnRef>
+          <a:fillRef idx="0">
+            <a:schemeClr val="dk1"/>
+          </a:fillRef>
+          <a:effectRef idx="0">
+            <a:schemeClr val="dk1"/>
+          </a:effectRef>
+          <a:fontRef idx="minor">
+            <a:schemeClr val="tx1"/>
+          </a:fontRef>
+        </p:style>
+      </p:cxnSp>
+      <p:cxnSp>
+        <p:nvCxnSpPr>
+          <p:cNvPr id="183" name="Connector: Elbow 182">
+            <a:extLst>
+              <a:ext uri="{FF2B5EF4-FFF2-40B4-BE49-F238E27FC236}">
+                <a16:creationId xmlns:a16="http://schemas.microsoft.com/office/drawing/2014/main" id="{83C26391-FD83-4976-93A4-E450A6BF6271}"/>
+              </a:ext>
+            </a:extLst>
+          </p:cNvPr>
+          <p:cNvCxnSpPr>
+            <a:cxnSpLocks/>
+            <a:stCxn id="173" idx="1"/>
+          </p:cNvCxnSpPr>
+          <p:nvPr/>
+        </p:nvCxnSpPr>
+        <p:spPr>
+          <a:xfrm rot="10800000" flipV="1">
+            <a:off x="5259886" y="4541226"/>
+            <a:ext cx="1610292" cy="228293"/>
+          </a:xfrm>
+          <a:prstGeom prst="bentConnector3">
+            <a:avLst>
+              <a:gd name="adj1" fmla="val 83503"/>
+            </a:avLst>
+          </a:prstGeom>
+          <a:ln>
+            <a:tailEnd type="triangle"/>
+          </a:ln>
+        </p:spPr>
+        <p:style>
+          <a:lnRef idx="1">
+            <a:schemeClr val="dk1"/>
+          </a:lnRef>
+          <a:fillRef idx="0">
+            <a:schemeClr val="dk1"/>
+          </a:fillRef>
+          <a:effectRef idx="0">
+            <a:schemeClr val="dk1"/>
+          </a:effectRef>
+          <a:fontRef idx="minor">
+            <a:schemeClr val="tx1"/>
+          </a:fontRef>
+        </p:style>
+      </p:cxnSp>
+      <p:cxnSp>
+        <p:nvCxnSpPr>
+          <p:cNvPr id="190" name="Connector: Elbow 189">
+            <a:extLst>
+              <a:ext uri="{FF2B5EF4-FFF2-40B4-BE49-F238E27FC236}">
+                <a16:creationId xmlns:a16="http://schemas.microsoft.com/office/drawing/2014/main" id="{5769FFA2-4E7D-4892-95B3-C39B741F2DF3}"/>
+              </a:ext>
+            </a:extLst>
+          </p:cNvPr>
+          <p:cNvCxnSpPr>
+            <a:cxnSpLocks/>
+            <a:endCxn id="166" idx="1"/>
+          </p:cNvCxnSpPr>
+          <p:nvPr/>
+        </p:nvCxnSpPr>
+        <p:spPr>
+          <a:xfrm>
+            <a:off x="5334806" y="5012749"/>
+            <a:ext cx="1602520" cy="201297"/>
+          </a:xfrm>
+          <a:prstGeom prst="bentConnector3">
+            <a:avLst>
+              <a:gd name="adj1" fmla="val 10629"/>
+            </a:avLst>
+          </a:prstGeom>
+          <a:ln>
+            <a:tailEnd type="triangle"/>
+          </a:ln>
+        </p:spPr>
+        <p:style>
+          <a:lnRef idx="1">
+            <a:schemeClr val="dk1"/>
+          </a:lnRef>
+          <a:fillRef idx="0">
+            <a:schemeClr val="dk1"/>
+          </a:fillRef>
+          <a:effectRef idx="0">
+            <a:schemeClr val="dk1"/>
+          </a:effectRef>
+          <a:fontRef idx="minor">
+            <a:schemeClr val="tx1"/>
+          </a:fontRef>
+        </p:style>
+      </p:cxnSp>
+      <p:cxnSp>
+        <p:nvCxnSpPr>
+          <p:cNvPr id="192" name="Connector: Elbow 191">
+            <a:extLst>
+              <a:ext uri="{FF2B5EF4-FFF2-40B4-BE49-F238E27FC236}">
+                <a16:creationId xmlns:a16="http://schemas.microsoft.com/office/drawing/2014/main" id="{D16D591F-4A98-4404-A8B9-DE2EE943F234}"/>
+              </a:ext>
+            </a:extLst>
+          </p:cNvPr>
+          <p:cNvCxnSpPr>
+            <a:cxnSpLocks/>
+            <a:stCxn id="177" idx="3"/>
+          </p:cNvCxnSpPr>
+          <p:nvPr/>
+        </p:nvCxnSpPr>
+        <p:spPr>
+          <a:xfrm>
+            <a:off x="5252046" y="5166136"/>
+            <a:ext cx="1616354" cy="465130"/>
+          </a:xfrm>
+          <a:prstGeom prst="bentConnector3">
+            <a:avLst>
+              <a:gd name="adj1" fmla="val 9834"/>
+            </a:avLst>
+          </a:prstGeom>
+          <a:ln>
+            <a:tailEnd type="triangle"/>
+          </a:ln>
+        </p:spPr>
+        <p:style>
+          <a:lnRef idx="1">
+            <a:schemeClr val="dk1"/>
+          </a:lnRef>
+          <a:fillRef idx="0">
+            <a:schemeClr val="dk1"/>
+          </a:fillRef>
+          <a:effectRef idx="0">
+            <a:schemeClr val="dk1"/>
+          </a:effectRef>
+          <a:fontRef idx="minor">
+            <a:schemeClr val="tx1"/>
+          </a:fontRef>
+        </p:style>
+      </p:cxnSp>
+      <p:sp>
+        <p:nvSpPr>
+          <p:cNvPr id="200" name="TextBox 199">
+            <a:extLst>
+              <a:ext uri="{FF2B5EF4-FFF2-40B4-BE49-F238E27FC236}">
+                <a16:creationId xmlns:a16="http://schemas.microsoft.com/office/drawing/2014/main" id="{3F590CA1-06E4-4C3D-B772-C1CE67D6B3A6}"/>
+              </a:ext>
+            </a:extLst>
+          </p:cNvPr>
+          <p:cNvSpPr txBox="1"/>
+          <p:nvPr/>
+        </p:nvSpPr>
+        <p:spPr>
+          <a:xfrm>
+            <a:off x="5573683" y="5399637"/>
+            <a:ext cx="1120821" cy="292388"/>
+          </a:xfrm>
+          <a:prstGeom prst="rect">
+            <a:avLst/>
+          </a:prstGeom>
+          <a:noFill/>
+        </p:spPr>
+        <p:txBody>
+          <a:bodyPr wrap="none" rtlCol="0">
+            <a:spAutoFit/>
+          </a:bodyPr>
+          <a:lstStyle/>
+          <a:p>
+            <a:pPr algn="ctr"/>
+            <a:r>
+              <a:rPr lang="th-TH" sz="1300" dirty="0">
+                <a:latin typeface="TH Sarabun New" panose="020B0500040200020003" pitchFamily="34" charset="-34"/>
+                <a:cs typeface="TH Sarabun New" panose="020B0500040200020003" pitchFamily="34" charset="-34"/>
+              </a:rPr>
+              <a:t>ข้อมูลรถจักรยานยนต์</a:t>
+            </a:r>
+          </a:p>
+        </p:txBody>
+      </p:sp>
+      <p:sp>
+        <p:nvSpPr>
+          <p:cNvPr id="201" name="TextBox 200">
+            <a:extLst>
+              <a:ext uri="{FF2B5EF4-FFF2-40B4-BE49-F238E27FC236}">
+                <a16:creationId xmlns:a16="http://schemas.microsoft.com/office/drawing/2014/main" id="{FB02AE87-51E6-444D-A078-DF5F7050A747}"/>
+              </a:ext>
+            </a:extLst>
+          </p:cNvPr>
+          <p:cNvSpPr txBox="1"/>
+          <p:nvPr/>
+        </p:nvSpPr>
+        <p:spPr>
+          <a:xfrm>
+            <a:off x="5686562" y="4959132"/>
+            <a:ext cx="756938" cy="292388"/>
+          </a:xfrm>
+          <a:prstGeom prst="rect">
+            <a:avLst/>
+          </a:prstGeom>
+          <a:noFill/>
+        </p:spPr>
+        <p:txBody>
+          <a:bodyPr wrap="none" rtlCol="0">
+            <a:spAutoFit/>
+          </a:bodyPr>
+          <a:lstStyle/>
+          <a:p>
+            <a:pPr algn="ctr"/>
+            <a:r>
+              <a:rPr lang="th-TH" sz="1300" dirty="0">
+                <a:latin typeface="TH Sarabun New" panose="020B0500040200020003" pitchFamily="34" charset="-34"/>
+                <a:cs typeface="TH Sarabun New" panose="020B0500040200020003" pitchFamily="34" charset="-34"/>
+              </a:rPr>
+              <a:t>ข้อมูลรถยนต์</a:t>
+            </a:r>
+          </a:p>
+        </p:txBody>
+      </p:sp>
+      <p:sp>
+        <p:nvSpPr>
+          <p:cNvPr id="202" name="TextBox 201">
+            <a:extLst>
+              <a:ext uri="{FF2B5EF4-FFF2-40B4-BE49-F238E27FC236}">
+                <a16:creationId xmlns:a16="http://schemas.microsoft.com/office/drawing/2014/main" id="{B97FB453-F48C-4609-A734-B5737C247F16}"/>
+              </a:ext>
+            </a:extLst>
+          </p:cNvPr>
+          <p:cNvSpPr txBox="1"/>
+          <p:nvPr/>
+        </p:nvSpPr>
+        <p:spPr>
+          <a:xfrm>
+            <a:off x="5554265" y="4244985"/>
+            <a:ext cx="1077539" cy="292388"/>
+          </a:xfrm>
+          <a:prstGeom prst="rect">
+            <a:avLst/>
+          </a:prstGeom>
+          <a:noFill/>
+        </p:spPr>
+        <p:txBody>
+          <a:bodyPr wrap="none" rtlCol="0">
+            <a:spAutoFit/>
+          </a:bodyPr>
+          <a:lstStyle/>
+          <a:p>
+            <a:pPr algn="ctr"/>
+            <a:r>
+              <a:rPr lang="th-TH" sz="1300" dirty="0">
+                <a:latin typeface="TH Sarabun New" panose="020B0500040200020003" pitchFamily="34" charset="-34"/>
+                <a:cs typeface="TH Sarabun New" panose="020B0500040200020003" pitchFamily="34" charset="-34"/>
+              </a:rPr>
+              <a:t> ข้อมูลลงทะเบียนรถ</a:t>
+            </a:r>
+          </a:p>
+        </p:txBody>
+      </p:sp>
+      <p:sp>
+        <p:nvSpPr>
+          <p:cNvPr id="203" name="TextBox 202">
+            <a:extLst>
+              <a:ext uri="{FF2B5EF4-FFF2-40B4-BE49-F238E27FC236}">
+                <a16:creationId xmlns:a16="http://schemas.microsoft.com/office/drawing/2014/main" id="{3588FF38-185E-4C6F-B270-A61A9227B49C}"/>
+              </a:ext>
+            </a:extLst>
+          </p:cNvPr>
+          <p:cNvSpPr txBox="1"/>
+          <p:nvPr/>
+        </p:nvSpPr>
+        <p:spPr>
+          <a:xfrm>
+            <a:off x="5545219" y="4581292"/>
+            <a:ext cx="1077539" cy="292388"/>
+          </a:xfrm>
+          <a:prstGeom prst="rect">
+            <a:avLst/>
+          </a:prstGeom>
+          <a:noFill/>
+        </p:spPr>
+        <p:txBody>
+          <a:bodyPr wrap="none" rtlCol="0">
+            <a:spAutoFit/>
+          </a:bodyPr>
+          <a:lstStyle/>
+          <a:p>
+            <a:pPr algn="ctr"/>
+            <a:r>
+              <a:rPr lang="th-TH" sz="1300" dirty="0">
+                <a:latin typeface="TH Sarabun New" panose="020B0500040200020003" pitchFamily="34" charset="-34"/>
+                <a:cs typeface="TH Sarabun New" panose="020B0500040200020003" pitchFamily="34" charset="-34"/>
+              </a:rPr>
+              <a:t> ข้อมูลลงทะเบียนรถ</a:t>
+            </a:r>
+          </a:p>
+        </p:txBody>
+      </p:sp>
+      <p:cxnSp>
+        <p:nvCxnSpPr>
+          <p:cNvPr id="205" name="Connector: Elbow 204">
+            <a:extLst>
+              <a:ext uri="{FF2B5EF4-FFF2-40B4-BE49-F238E27FC236}">
+                <a16:creationId xmlns:a16="http://schemas.microsoft.com/office/drawing/2014/main" id="{E1F6E490-C507-40E3-9518-B25C12C36C24}"/>
+              </a:ext>
+            </a:extLst>
+          </p:cNvPr>
+          <p:cNvCxnSpPr>
+            <a:cxnSpLocks/>
+          </p:cNvCxnSpPr>
+          <p:nvPr/>
+        </p:nvCxnSpPr>
+        <p:spPr>
+          <a:xfrm rot="10800000" flipV="1">
+            <a:off x="5357125" y="5297220"/>
+            <a:ext cx="3468996" cy="882025"/>
+          </a:xfrm>
+          <a:prstGeom prst="bentConnector3">
+            <a:avLst>
+              <a:gd name="adj1" fmla="val -12187"/>
+            </a:avLst>
+          </a:prstGeom>
+          <a:ln>
+            <a:tailEnd type="triangle"/>
+          </a:ln>
+        </p:spPr>
+        <p:style>
+          <a:lnRef idx="1">
+            <a:schemeClr val="dk1"/>
+          </a:lnRef>
+          <a:fillRef idx="0">
+            <a:schemeClr val="dk1"/>
+          </a:fillRef>
+          <a:effectRef idx="0">
+            <a:schemeClr val="dk1"/>
+          </a:effectRef>
+          <a:fontRef idx="minor">
+            <a:schemeClr val="tx1"/>
+          </a:fontRef>
+        </p:style>
+      </p:cxnSp>
+      <p:cxnSp>
+        <p:nvCxnSpPr>
+          <p:cNvPr id="214" name="Connector: Elbow 213">
+            <a:extLst>
+              <a:ext uri="{FF2B5EF4-FFF2-40B4-BE49-F238E27FC236}">
+                <a16:creationId xmlns:a16="http://schemas.microsoft.com/office/drawing/2014/main" id="{7072A8F0-FB6C-4A20-83CB-57A7F8E03696}"/>
+              </a:ext>
+            </a:extLst>
+          </p:cNvPr>
+          <p:cNvCxnSpPr>
+            <a:cxnSpLocks/>
+          </p:cNvCxnSpPr>
+          <p:nvPr/>
+        </p:nvCxnSpPr>
+        <p:spPr>
+          <a:xfrm rot="10800000" flipV="1">
+            <a:off x="5320579" y="5873572"/>
+            <a:ext cx="1610292" cy="228293"/>
+          </a:xfrm>
+          <a:prstGeom prst="bentConnector3">
+            <a:avLst>
+              <a:gd name="adj1" fmla="val 83503"/>
+            </a:avLst>
+          </a:prstGeom>
+          <a:ln>
+            <a:tailEnd type="triangle"/>
+          </a:ln>
+        </p:spPr>
+        <p:style>
+          <a:lnRef idx="1">
+            <a:schemeClr val="dk1"/>
+          </a:lnRef>
+          <a:fillRef idx="0">
+            <a:schemeClr val="dk1"/>
+          </a:fillRef>
+          <a:effectRef idx="0">
+            <a:schemeClr val="dk1"/>
+          </a:effectRef>
+          <a:fontRef idx="minor">
+            <a:schemeClr val="tx1"/>
+          </a:fontRef>
+        </p:style>
+      </p:cxnSp>
+      <p:sp>
+        <p:nvSpPr>
+          <p:cNvPr id="215" name="TextBox 214">
+            <a:extLst>
+              <a:ext uri="{FF2B5EF4-FFF2-40B4-BE49-F238E27FC236}">
+                <a16:creationId xmlns:a16="http://schemas.microsoft.com/office/drawing/2014/main" id="{BCBE3F53-4B38-4F82-8FF7-8B3700FA5923}"/>
+              </a:ext>
+            </a:extLst>
+          </p:cNvPr>
+          <p:cNvSpPr txBox="1"/>
+          <p:nvPr/>
+        </p:nvSpPr>
+        <p:spPr>
+          <a:xfrm>
+            <a:off x="5642576" y="5624557"/>
+            <a:ext cx="1120821" cy="292388"/>
+          </a:xfrm>
+          <a:prstGeom prst="rect">
+            <a:avLst/>
+          </a:prstGeom>
+          <a:noFill/>
+        </p:spPr>
+        <p:txBody>
+          <a:bodyPr wrap="none" rtlCol="0">
+            <a:spAutoFit/>
+          </a:bodyPr>
+          <a:lstStyle/>
+          <a:p>
+            <a:pPr algn="ctr"/>
+            <a:r>
+              <a:rPr lang="th-TH" sz="1300" dirty="0">
+                <a:latin typeface="TH Sarabun New" panose="020B0500040200020003" pitchFamily="34" charset="-34"/>
+                <a:cs typeface="TH Sarabun New" panose="020B0500040200020003" pitchFamily="34" charset="-34"/>
+              </a:rPr>
+              <a:t>ข้อมูลรถจักรยานยนต์</a:t>
+            </a:r>
+          </a:p>
+        </p:txBody>
+      </p:sp>
+      <p:sp>
+        <p:nvSpPr>
+          <p:cNvPr id="218" name="TextBox 217">
+            <a:extLst>
+              <a:ext uri="{FF2B5EF4-FFF2-40B4-BE49-F238E27FC236}">
+                <a16:creationId xmlns:a16="http://schemas.microsoft.com/office/drawing/2014/main" id="{0637BD15-5868-4ECC-A09D-5D569A56043D}"/>
+              </a:ext>
+            </a:extLst>
+          </p:cNvPr>
+          <p:cNvSpPr txBox="1"/>
+          <p:nvPr/>
+        </p:nvSpPr>
+        <p:spPr>
+          <a:xfrm>
+            <a:off x="5686562" y="5946036"/>
+            <a:ext cx="756938" cy="292388"/>
+          </a:xfrm>
+          <a:prstGeom prst="rect">
+            <a:avLst/>
+          </a:prstGeom>
+          <a:noFill/>
+        </p:spPr>
+        <p:txBody>
+          <a:bodyPr wrap="none" rtlCol="0">
+            <a:spAutoFit/>
+          </a:bodyPr>
+          <a:lstStyle/>
+          <a:p>
+            <a:pPr algn="ctr"/>
+            <a:r>
+              <a:rPr lang="th-TH" sz="1300" dirty="0">
+                <a:latin typeface="TH Sarabun New" panose="020B0500040200020003" pitchFamily="34" charset="-34"/>
+                <a:cs typeface="TH Sarabun New" panose="020B0500040200020003" pitchFamily="34" charset="-34"/>
+              </a:rPr>
+              <a:t>ข้อมูลรถยนต์</a:t>
+            </a:r>
+          </a:p>
+        </p:txBody>
+      </p:sp>
+      <p:grpSp>
+        <p:nvGrpSpPr>
+          <p:cNvPr id="219" name="Group 218">
+            <a:extLst>
+              <a:ext uri="{FF2B5EF4-FFF2-40B4-BE49-F238E27FC236}">
+                <a16:creationId xmlns:a16="http://schemas.microsoft.com/office/drawing/2014/main" id="{9FC5DE0E-4075-4816-81A8-F78DE72A96AD}"/>
+              </a:ext>
+            </a:extLst>
+          </p:cNvPr>
+          <p:cNvGrpSpPr/>
+          <p:nvPr/>
+        </p:nvGrpSpPr>
+        <p:grpSpPr>
+          <a:xfrm>
+            <a:off x="6912331" y="6295658"/>
+            <a:ext cx="2310707" cy="577047"/>
+            <a:chOff x="8044650" y="3089432"/>
+            <a:chExt cx="2129160" cy="710212"/>
+          </a:xfrm>
+        </p:grpSpPr>
+        <p:sp>
+          <p:nvSpPr>
+            <p:cNvPr id="220" name="Rectangle 219">
+              <a:extLst>
+                <a:ext uri="{FF2B5EF4-FFF2-40B4-BE49-F238E27FC236}">
+                  <a16:creationId xmlns:a16="http://schemas.microsoft.com/office/drawing/2014/main" id="{2D2E577E-09B8-44D4-B977-C2C4F6B00B39}"/>
+                </a:ext>
+              </a:extLst>
+            </p:cNvPr>
+            <p:cNvSpPr/>
+            <p:nvPr/>
+          </p:nvSpPr>
+          <p:spPr>
+            <a:xfrm>
+              <a:off x="8044650" y="3169330"/>
+              <a:ext cx="1864311" cy="532662"/>
+            </a:xfrm>
+            <a:prstGeom prst="rect">
+              <a:avLst/>
+            </a:prstGeom>
+          </p:spPr>
+          <p:style>
+            <a:lnRef idx="2">
+              <a:schemeClr val="dk1"/>
+            </a:lnRef>
+            <a:fillRef idx="1">
+              <a:schemeClr val="lt1"/>
+            </a:fillRef>
+            <a:effectRef idx="0">
+              <a:schemeClr val="dk1"/>
+            </a:effectRef>
+            <a:fontRef idx="minor">
+              <a:schemeClr val="dk1"/>
+            </a:fontRef>
+          </p:style>
+          <p:txBody>
+            <a:bodyPr rtlCol="0" anchor="ctr"/>
+            <a:lstStyle/>
+            <a:p>
+              <a:pPr algn="ctr"/>
+              <a:r>
+                <a:rPr lang="th-TH" sz="1950" dirty="0">
+                  <a:latin typeface="TH Sarabun New" panose="020B0500040200020003" pitchFamily="34" charset="-34"/>
+                  <a:cs typeface="TH Sarabun New" panose="020B0500040200020003" pitchFamily="34" charset="-34"/>
+                </a:rPr>
+                <a:t>      ข้อมูลสิ่งที่อยากได้</a:t>
+              </a:r>
+            </a:p>
+          </p:txBody>
+        </p:sp>
+        <p:cxnSp>
+          <p:nvCxnSpPr>
+            <p:cNvPr id="221" name="Straight Connector 220">
+              <a:extLst>
+                <a:ext uri="{FF2B5EF4-FFF2-40B4-BE49-F238E27FC236}">
+                  <a16:creationId xmlns:a16="http://schemas.microsoft.com/office/drawing/2014/main" id="{40BFC361-7284-4187-AE9B-17CBD7900FE5}"/>
+                </a:ext>
+              </a:extLst>
+            </p:cNvPr>
+            <p:cNvCxnSpPr/>
+            <p:nvPr/>
+          </p:nvCxnSpPr>
+          <p:spPr>
+            <a:xfrm>
+              <a:off x="8469297" y="3169330"/>
+              <a:ext cx="0" cy="532662"/>
+            </a:xfrm>
+            <a:prstGeom prst="line">
+              <a:avLst/>
+            </a:prstGeom>
+          </p:spPr>
+          <p:style>
+            <a:lnRef idx="1">
+              <a:schemeClr val="dk1"/>
+            </a:lnRef>
+            <a:fillRef idx="0">
+              <a:schemeClr val="dk1"/>
+            </a:fillRef>
+            <a:effectRef idx="0">
+              <a:schemeClr val="dk1"/>
+            </a:effectRef>
+            <a:fontRef idx="minor">
+              <a:schemeClr val="tx1"/>
+            </a:fontRef>
+          </p:style>
+        </p:cxnSp>
+        <p:sp>
+          <p:nvSpPr>
+            <p:cNvPr id="222" name="Rectangle 221">
+              <a:extLst>
+                <a:ext uri="{FF2B5EF4-FFF2-40B4-BE49-F238E27FC236}">
+                  <a16:creationId xmlns:a16="http://schemas.microsoft.com/office/drawing/2014/main" id="{B4AB5B26-0175-47BB-8529-798587872532}"/>
+                </a:ext>
+              </a:extLst>
+            </p:cNvPr>
+            <p:cNvSpPr/>
+            <p:nvPr/>
+          </p:nvSpPr>
+          <p:spPr>
+            <a:xfrm>
+              <a:off x="9823884" y="3089432"/>
+              <a:ext cx="349926" cy="710212"/>
+            </a:xfrm>
+            <a:prstGeom prst="rect">
+              <a:avLst/>
+            </a:prstGeom>
+            <a:solidFill>
+              <a:schemeClr val="bg1"/>
+            </a:solidFill>
+            <a:ln>
+              <a:solidFill>
+                <a:schemeClr val="bg1"/>
+              </a:solidFill>
+            </a:ln>
+          </p:spPr>
+          <p:style>
+            <a:lnRef idx="2">
+              <a:schemeClr val="accent1">
+                <a:shade val="50000"/>
+              </a:schemeClr>
+            </a:lnRef>
+            <a:fillRef idx="1">
+              <a:schemeClr val="accent1"/>
+            </a:fillRef>
+            <a:effectRef idx="0">
+              <a:schemeClr val="accent1"/>
+            </a:effectRef>
+            <a:fontRef idx="minor">
+              <a:schemeClr val="lt1"/>
+            </a:fontRef>
+          </p:style>
+          <p:txBody>
+            <a:bodyPr rtlCol="0" anchor="ctr"/>
+            <a:lstStyle/>
+            <a:p>
+              <a:pPr algn="ctr"/>
+              <a:endParaRPr lang="th-TH" sz="2275"/>
+            </a:p>
+          </p:txBody>
+        </p:sp>
+      </p:grpSp>
+      <p:sp>
+        <p:nvSpPr>
+          <p:cNvPr id="223" name="TextBox 222">
+            <a:extLst>
+              <a:ext uri="{FF2B5EF4-FFF2-40B4-BE49-F238E27FC236}">
+                <a16:creationId xmlns:a16="http://schemas.microsoft.com/office/drawing/2014/main" id="{82E095D5-B740-4DDC-B841-DA8FF9F5FDA8}"/>
+              </a:ext>
+            </a:extLst>
+          </p:cNvPr>
+          <p:cNvSpPr txBox="1"/>
+          <p:nvPr/>
+        </p:nvSpPr>
+        <p:spPr>
+          <a:xfrm>
+            <a:off x="6954484" y="6462861"/>
+            <a:ext cx="349776" cy="342401"/>
+          </a:xfrm>
+          <a:prstGeom prst="rect">
+            <a:avLst/>
+          </a:prstGeom>
+          <a:noFill/>
+        </p:spPr>
+        <p:txBody>
+          <a:bodyPr wrap="none" rtlCol="0">
+            <a:spAutoFit/>
+          </a:bodyPr>
+          <a:lstStyle/>
+          <a:p>
+            <a:r>
+              <a:rPr lang="en-US" sz="1625" dirty="0">
+                <a:latin typeface="TH Sarabun New" panose="020B0500040200020003" pitchFamily="34" charset="-34"/>
+                <a:cs typeface="TH Sarabun New" panose="020B0500040200020003" pitchFamily="34" charset="-34"/>
+              </a:rPr>
+              <a:t>D6</a:t>
+            </a:r>
+            <a:endParaRPr lang="th-TH" sz="1625" dirty="0">
+              <a:latin typeface="TH Sarabun New" panose="020B0500040200020003" pitchFamily="34" charset="-34"/>
+              <a:cs typeface="TH Sarabun New" panose="020B0500040200020003" pitchFamily="34" charset="-34"/>
+            </a:endParaRPr>
+          </a:p>
+        </p:txBody>
+      </p:sp>
+      <p:sp>
+        <p:nvSpPr>
+          <p:cNvPr id="224" name="TextBox 223">
+            <a:extLst>
+              <a:ext uri="{FF2B5EF4-FFF2-40B4-BE49-F238E27FC236}">
+                <a16:creationId xmlns:a16="http://schemas.microsoft.com/office/drawing/2014/main" id="{B5353740-7453-42CD-805D-3B25B7BF726E}"/>
+              </a:ext>
+            </a:extLst>
+          </p:cNvPr>
+          <p:cNvSpPr txBox="1"/>
+          <p:nvPr/>
+        </p:nvSpPr>
+        <p:spPr>
+          <a:xfrm>
+            <a:off x="3924181" y="6291660"/>
+            <a:ext cx="1173719" cy="342401"/>
+          </a:xfrm>
+          <a:prstGeom prst="rect">
+            <a:avLst/>
+          </a:prstGeom>
+          <a:noFill/>
+        </p:spPr>
+        <p:txBody>
+          <a:bodyPr wrap="none" rtlCol="0">
+            <a:spAutoFit/>
+          </a:bodyPr>
+          <a:lstStyle/>
+          <a:p>
+            <a:pPr algn="ctr"/>
+            <a:r>
+              <a:rPr lang="th-TH" sz="1625" dirty="0">
+                <a:latin typeface="TH Sarabun New" panose="020B0500040200020003" pitchFamily="34" charset="-34"/>
+                <a:cs typeface="TH Sarabun New" panose="020B0500040200020003" pitchFamily="34" charset="-34"/>
+              </a:rPr>
+              <a:t>ระบบสิ่งที่อยากได้</a:t>
+            </a:r>
+          </a:p>
+        </p:txBody>
+      </p:sp>
+      <p:cxnSp>
+        <p:nvCxnSpPr>
+          <p:cNvPr id="225" name="Connector: Elbow 224">
+            <a:extLst>
+              <a:ext uri="{FF2B5EF4-FFF2-40B4-BE49-F238E27FC236}">
+                <a16:creationId xmlns:a16="http://schemas.microsoft.com/office/drawing/2014/main" id="{CA8F4A73-A034-4B6B-880F-2BF7525A5BBC}"/>
+              </a:ext>
+            </a:extLst>
+          </p:cNvPr>
+          <p:cNvCxnSpPr>
+            <a:cxnSpLocks/>
+          </p:cNvCxnSpPr>
+          <p:nvPr/>
+        </p:nvCxnSpPr>
+        <p:spPr>
+          <a:xfrm flipV="1">
+            <a:off x="5335580" y="6525561"/>
+            <a:ext cx="1560367" cy="206675"/>
+          </a:xfrm>
+          <a:prstGeom prst="bentConnector3">
+            <a:avLst>
+              <a:gd name="adj1" fmla="val 90435"/>
+            </a:avLst>
+          </a:prstGeom>
+          <a:ln>
+            <a:tailEnd type="triangle"/>
+          </a:ln>
+        </p:spPr>
+        <p:style>
+          <a:lnRef idx="1">
+            <a:schemeClr val="dk1"/>
+          </a:lnRef>
+          <a:fillRef idx="0">
+            <a:schemeClr val="dk1"/>
+          </a:fillRef>
+          <a:effectRef idx="0">
+            <a:schemeClr val="dk1"/>
+          </a:effectRef>
+          <a:fontRef idx="minor">
+            <a:schemeClr val="tx1"/>
+          </a:fontRef>
+        </p:style>
+      </p:cxnSp>
+      <p:cxnSp>
+        <p:nvCxnSpPr>
+          <p:cNvPr id="226" name="Connector: Elbow 225">
+            <a:extLst>
+              <a:ext uri="{FF2B5EF4-FFF2-40B4-BE49-F238E27FC236}">
+                <a16:creationId xmlns:a16="http://schemas.microsoft.com/office/drawing/2014/main" id="{EC67EB88-E49A-4A40-95AA-17A5B352E245}"/>
+              </a:ext>
+            </a:extLst>
+          </p:cNvPr>
+          <p:cNvCxnSpPr>
+            <a:cxnSpLocks/>
+          </p:cNvCxnSpPr>
+          <p:nvPr/>
+        </p:nvCxnSpPr>
+        <p:spPr>
+          <a:xfrm rot="10800000" flipV="1">
+            <a:off x="5259885" y="6441185"/>
+            <a:ext cx="1610292" cy="228293"/>
+          </a:xfrm>
+          <a:prstGeom prst="bentConnector3">
+            <a:avLst>
+              <a:gd name="adj1" fmla="val 83503"/>
+            </a:avLst>
+          </a:prstGeom>
+          <a:ln>
+            <a:tailEnd type="triangle"/>
+          </a:ln>
+        </p:spPr>
+        <p:style>
+          <a:lnRef idx="1">
+            <a:schemeClr val="dk1"/>
+          </a:lnRef>
+          <a:fillRef idx="0">
+            <a:schemeClr val="dk1"/>
+          </a:fillRef>
+          <a:effectRef idx="0">
+            <a:schemeClr val="dk1"/>
+          </a:effectRef>
+          <a:fontRef idx="minor">
+            <a:schemeClr val="tx1"/>
+          </a:fontRef>
+        </p:style>
+      </p:cxnSp>
+      <p:sp>
+        <p:nvSpPr>
+          <p:cNvPr id="229" name="TextBox 228">
+            <a:extLst>
+              <a:ext uri="{FF2B5EF4-FFF2-40B4-BE49-F238E27FC236}">
+                <a16:creationId xmlns:a16="http://schemas.microsoft.com/office/drawing/2014/main" id="{BE10A06B-8FE3-4B05-9F38-CBA76DB7B976}"/>
+              </a:ext>
+            </a:extLst>
+          </p:cNvPr>
+          <p:cNvSpPr txBox="1"/>
+          <p:nvPr/>
+        </p:nvSpPr>
+        <p:spPr>
+          <a:xfrm>
+            <a:off x="5568910" y="6231347"/>
+            <a:ext cx="1013419" cy="292388"/>
+          </a:xfrm>
+          <a:prstGeom prst="rect">
+            <a:avLst/>
+          </a:prstGeom>
+          <a:noFill/>
+        </p:spPr>
+        <p:txBody>
+          <a:bodyPr wrap="none" rtlCol="0">
+            <a:spAutoFit/>
+          </a:bodyPr>
+          <a:lstStyle/>
+          <a:p>
+            <a:pPr algn="ctr"/>
+            <a:r>
+              <a:rPr lang="th-TH" sz="1300" dirty="0">
+                <a:latin typeface="TH Sarabun New" panose="020B0500040200020003" pitchFamily="34" charset="-34"/>
+                <a:cs typeface="TH Sarabun New" panose="020B0500040200020003" pitchFamily="34" charset="-34"/>
+              </a:rPr>
+              <a:t> ข้อมูลสิ่งที่อยากได้</a:t>
+            </a:r>
+          </a:p>
+        </p:txBody>
+      </p:sp>
+      <p:sp>
+        <p:nvSpPr>
+          <p:cNvPr id="230" name="TextBox 229">
+            <a:extLst>
+              <a:ext uri="{FF2B5EF4-FFF2-40B4-BE49-F238E27FC236}">
+                <a16:creationId xmlns:a16="http://schemas.microsoft.com/office/drawing/2014/main" id="{3661086C-905F-49B2-AD64-79DD303EABF4}"/>
+              </a:ext>
+            </a:extLst>
+          </p:cNvPr>
+          <p:cNvSpPr txBox="1"/>
+          <p:nvPr/>
+        </p:nvSpPr>
+        <p:spPr>
+          <a:xfrm>
+            <a:off x="5532527" y="6517981"/>
+            <a:ext cx="1013419" cy="292388"/>
+          </a:xfrm>
+          <a:prstGeom prst="rect">
+            <a:avLst/>
+          </a:prstGeom>
+          <a:noFill/>
+        </p:spPr>
+        <p:txBody>
+          <a:bodyPr wrap="none" rtlCol="0">
+            <a:spAutoFit/>
+          </a:bodyPr>
+          <a:lstStyle/>
+          <a:p>
+            <a:pPr algn="ctr"/>
+            <a:r>
+              <a:rPr lang="th-TH" sz="1300" dirty="0">
+                <a:latin typeface="TH Sarabun New" panose="020B0500040200020003" pitchFamily="34" charset="-34"/>
+                <a:cs typeface="TH Sarabun New" panose="020B0500040200020003" pitchFamily="34" charset="-34"/>
+              </a:rPr>
+              <a:t> ข้อมูลสิ่งที่อยากได้</a:t>
+            </a:r>
+          </a:p>
+        </p:txBody>
+      </p:sp>
+      <p:sp>
+        <p:nvSpPr>
+          <p:cNvPr id="231" name="Rectangle 230">
+            <a:extLst>
+              <a:ext uri="{FF2B5EF4-FFF2-40B4-BE49-F238E27FC236}">
+                <a16:creationId xmlns:a16="http://schemas.microsoft.com/office/drawing/2014/main" id="{763FE3F2-577D-40C6-BA6D-7BB56F7F6050}"/>
+              </a:ext>
+            </a:extLst>
+          </p:cNvPr>
+          <p:cNvSpPr/>
+          <p:nvPr/>
+        </p:nvSpPr>
+        <p:spPr>
+          <a:xfrm>
+            <a:off x="1212304" y="4847944"/>
+            <a:ext cx="1247868" cy="432788"/>
+          </a:xfrm>
+          <a:prstGeom prst="rect">
+            <a:avLst/>
+          </a:prstGeom>
+        </p:spPr>
+        <p:style>
+          <a:lnRef idx="2">
+            <a:schemeClr val="dk1"/>
+          </a:lnRef>
+          <a:fillRef idx="1">
+            <a:schemeClr val="lt1"/>
+          </a:fillRef>
+          <a:effectRef idx="0">
+            <a:schemeClr val="dk1"/>
+          </a:effectRef>
+          <a:fontRef idx="minor">
+            <a:schemeClr val="dk1"/>
+          </a:fontRef>
+        </p:style>
+        <p:txBody>
+          <a:bodyPr rtlCol="0" anchor="ctr"/>
+          <a:lstStyle/>
+          <a:p>
+            <a:pPr algn="ctr"/>
+            <a:r>
+              <a:rPr lang="th-TH" sz="1950" dirty="0">
+                <a:latin typeface="TH Sarabun New" panose="020B0500040200020003" pitchFamily="34" charset="-34"/>
+                <a:cs typeface="TH Sarabun New" panose="020B0500040200020003" pitchFamily="34" charset="-34"/>
+              </a:rPr>
+              <a:t>ผู้ใช้งาน</a:t>
+            </a:r>
+          </a:p>
+        </p:txBody>
+      </p:sp>
+      <p:cxnSp>
+        <p:nvCxnSpPr>
+          <p:cNvPr id="232" name="Connector: Elbow 231">
+            <a:extLst>
+              <a:ext uri="{FF2B5EF4-FFF2-40B4-BE49-F238E27FC236}">
+                <a16:creationId xmlns:a16="http://schemas.microsoft.com/office/drawing/2014/main" id="{79BF4FA4-7313-4280-BB18-EC00D6197760}"/>
+              </a:ext>
+            </a:extLst>
+          </p:cNvPr>
+          <p:cNvCxnSpPr>
+            <a:cxnSpLocks/>
+          </p:cNvCxnSpPr>
+          <p:nvPr/>
+        </p:nvCxnSpPr>
+        <p:spPr>
+          <a:xfrm flipV="1">
+            <a:off x="1609344" y="3571646"/>
+            <a:ext cx="2090398" cy="1295670"/>
+          </a:xfrm>
+          <a:prstGeom prst="bentConnector3">
+            <a:avLst>
+              <a:gd name="adj1" fmla="val 571"/>
+            </a:avLst>
+          </a:prstGeom>
+          <a:ln>
+            <a:tailEnd type="triangle"/>
+          </a:ln>
+        </p:spPr>
+        <p:style>
+          <a:lnRef idx="1">
+            <a:schemeClr val="dk1"/>
+          </a:lnRef>
+          <a:fillRef idx="0">
+            <a:schemeClr val="dk1"/>
+          </a:fillRef>
+          <a:effectRef idx="0">
+            <a:schemeClr val="dk1"/>
+          </a:effectRef>
+          <a:fontRef idx="minor">
+            <a:schemeClr val="tx1"/>
+          </a:fontRef>
+        </p:style>
+      </p:cxnSp>
+      <p:cxnSp>
+        <p:nvCxnSpPr>
+          <p:cNvPr id="236" name="Connector: Elbow 235">
+            <a:extLst>
+              <a:ext uri="{FF2B5EF4-FFF2-40B4-BE49-F238E27FC236}">
+                <a16:creationId xmlns:a16="http://schemas.microsoft.com/office/drawing/2014/main" id="{1D586A4C-A3FD-4BFF-946F-966D89DA3082}"/>
+              </a:ext>
+            </a:extLst>
+          </p:cNvPr>
+          <p:cNvCxnSpPr>
+            <a:cxnSpLocks/>
+          </p:cNvCxnSpPr>
+          <p:nvPr/>
+        </p:nvCxnSpPr>
+        <p:spPr>
+          <a:xfrm flipV="1">
+            <a:off x="2478311" y="4873680"/>
+            <a:ext cx="1253014" cy="24266"/>
+          </a:xfrm>
+          <a:prstGeom prst="bentConnector3">
+            <a:avLst>
+              <a:gd name="adj1" fmla="val 50000"/>
+            </a:avLst>
+          </a:prstGeom>
+          <a:ln>
+            <a:tailEnd type="triangle"/>
+          </a:ln>
+        </p:spPr>
+        <p:style>
+          <a:lnRef idx="1">
+            <a:schemeClr val="dk1"/>
+          </a:lnRef>
+          <a:fillRef idx="0">
+            <a:schemeClr val="dk1"/>
+          </a:fillRef>
+          <a:effectRef idx="0">
+            <a:schemeClr val="dk1"/>
+          </a:effectRef>
+          <a:fontRef idx="minor">
+            <a:schemeClr val="tx1"/>
+          </a:fontRef>
+        </p:style>
+      </p:cxnSp>
+      <p:cxnSp>
+        <p:nvCxnSpPr>
+          <p:cNvPr id="240" name="Connector: Elbow 239">
+            <a:extLst>
+              <a:ext uri="{FF2B5EF4-FFF2-40B4-BE49-F238E27FC236}">
+                <a16:creationId xmlns:a16="http://schemas.microsoft.com/office/drawing/2014/main" id="{23FDE4C6-15C0-40C6-8F07-EC0A0404F51C}"/>
+              </a:ext>
+            </a:extLst>
+          </p:cNvPr>
+          <p:cNvCxnSpPr>
+            <a:cxnSpLocks/>
+          </p:cNvCxnSpPr>
+          <p:nvPr/>
+        </p:nvCxnSpPr>
+        <p:spPr>
+          <a:xfrm>
+            <a:off x="1645496" y="5289719"/>
+            <a:ext cx="2118031" cy="1339179"/>
+          </a:xfrm>
+          <a:prstGeom prst="bentConnector3">
+            <a:avLst>
+              <a:gd name="adj1" fmla="val -511"/>
+            </a:avLst>
+          </a:prstGeom>
+          <a:ln>
+            <a:tailEnd type="triangle"/>
+          </a:ln>
+        </p:spPr>
+        <p:style>
+          <a:lnRef idx="1">
+            <a:schemeClr val="dk1"/>
+          </a:lnRef>
+          <a:fillRef idx="0">
+            <a:schemeClr val="dk1"/>
+          </a:fillRef>
+          <a:effectRef idx="0">
+            <a:schemeClr val="dk1"/>
+          </a:effectRef>
+          <a:fontRef idx="minor">
+            <a:schemeClr val="tx1"/>
+          </a:fontRef>
+        </p:style>
+      </p:cxnSp>
+      <p:cxnSp>
+        <p:nvCxnSpPr>
+          <p:cNvPr id="244" name="Connector: Elbow 243">
+            <a:extLst>
+              <a:ext uri="{FF2B5EF4-FFF2-40B4-BE49-F238E27FC236}">
+                <a16:creationId xmlns:a16="http://schemas.microsoft.com/office/drawing/2014/main" id="{D95D940B-8114-447B-B2B2-BA360D2B5CC7}"/>
+              </a:ext>
+            </a:extLst>
+          </p:cNvPr>
+          <p:cNvCxnSpPr>
+            <a:cxnSpLocks/>
+            <a:stCxn id="135" idx="1"/>
+            <a:endCxn id="231" idx="0"/>
+          </p:cNvCxnSpPr>
+          <p:nvPr/>
+        </p:nvCxnSpPr>
+        <p:spPr>
+          <a:xfrm rot="10800000" flipV="1">
+            <a:off x="1836238" y="3865324"/>
+            <a:ext cx="1886986" cy="982619"/>
+          </a:xfrm>
+          <a:prstGeom prst="bentConnector2">
+            <a:avLst/>
+          </a:prstGeom>
+          <a:ln>
+            <a:tailEnd type="triangle"/>
+          </a:ln>
+        </p:spPr>
+        <p:style>
+          <a:lnRef idx="1">
+            <a:schemeClr val="dk1"/>
+          </a:lnRef>
+          <a:fillRef idx="0">
+            <a:schemeClr val="dk1"/>
+          </a:fillRef>
+          <a:effectRef idx="0">
+            <a:schemeClr val="dk1"/>
+          </a:effectRef>
+          <a:fontRef idx="minor">
+            <a:schemeClr val="tx1"/>
+          </a:fontRef>
+        </p:style>
+      </p:cxnSp>
+      <p:cxnSp>
+        <p:nvCxnSpPr>
+          <p:cNvPr id="247" name="Connector: Elbow 246">
+            <a:extLst>
+              <a:ext uri="{FF2B5EF4-FFF2-40B4-BE49-F238E27FC236}">
+                <a16:creationId xmlns:a16="http://schemas.microsoft.com/office/drawing/2014/main" id="{EDBAC403-5EF6-443F-BB5E-3A505399C7B5}"/>
+              </a:ext>
+            </a:extLst>
+          </p:cNvPr>
+          <p:cNvCxnSpPr>
+            <a:cxnSpLocks/>
+            <a:stCxn id="109" idx="1"/>
+            <a:endCxn id="231" idx="2"/>
+          </p:cNvCxnSpPr>
+          <p:nvPr/>
+        </p:nvCxnSpPr>
+        <p:spPr>
+          <a:xfrm rot="10800000">
+            <a:off x="1836239" y="5280732"/>
+            <a:ext cx="1955939" cy="1093982"/>
+          </a:xfrm>
+          <a:prstGeom prst="bentConnector2">
+            <a:avLst/>
+          </a:prstGeom>
+          <a:ln>
+            <a:tailEnd type="triangle"/>
+          </a:ln>
+        </p:spPr>
+        <p:style>
+          <a:lnRef idx="1">
+            <a:schemeClr val="dk1"/>
+          </a:lnRef>
+          <a:fillRef idx="0">
+            <a:schemeClr val="dk1"/>
+          </a:fillRef>
+          <a:effectRef idx="0">
+            <a:schemeClr val="dk1"/>
+          </a:effectRef>
+          <a:fontRef idx="minor">
+            <a:schemeClr val="tx1"/>
+          </a:fontRef>
+        </p:style>
+      </p:cxnSp>
+      <p:cxnSp>
+        <p:nvCxnSpPr>
+          <p:cNvPr id="253" name="Connector: Elbow 252">
+            <a:extLst>
+              <a:ext uri="{FF2B5EF4-FFF2-40B4-BE49-F238E27FC236}">
+                <a16:creationId xmlns:a16="http://schemas.microsoft.com/office/drawing/2014/main" id="{94C17FC3-A098-41C1-844A-FD14C7D45B3D}"/>
+              </a:ext>
+            </a:extLst>
+          </p:cNvPr>
+          <p:cNvCxnSpPr>
+            <a:cxnSpLocks/>
+            <a:stCxn id="177" idx="1"/>
+          </p:cNvCxnSpPr>
+          <p:nvPr/>
+        </p:nvCxnSpPr>
+        <p:spPr>
+          <a:xfrm rot="10800000" flipV="1">
+            <a:off x="2532588" y="5166136"/>
+            <a:ext cx="1172240" cy="28092"/>
+          </a:xfrm>
+          <a:prstGeom prst="bentConnector3">
+            <a:avLst>
+              <a:gd name="adj1" fmla="val 50000"/>
+            </a:avLst>
+          </a:prstGeom>
+          <a:ln>
+            <a:tailEnd type="triangle"/>
+          </a:ln>
+        </p:spPr>
+        <p:style>
+          <a:lnRef idx="1">
+            <a:schemeClr val="dk1"/>
+          </a:lnRef>
+          <a:fillRef idx="0">
+            <a:schemeClr val="dk1"/>
+          </a:fillRef>
+          <a:effectRef idx="0">
+            <a:schemeClr val="dk1"/>
+          </a:effectRef>
+          <a:fontRef idx="minor">
+            <a:schemeClr val="tx1"/>
+          </a:fontRef>
+        </p:style>
+      </p:cxnSp>
+      <p:sp>
+        <p:nvSpPr>
+          <p:cNvPr id="258" name="TextBox 257">
+            <a:extLst>
+              <a:ext uri="{FF2B5EF4-FFF2-40B4-BE49-F238E27FC236}">
+                <a16:creationId xmlns:a16="http://schemas.microsoft.com/office/drawing/2014/main" id="{22BB5C50-887F-4E6C-8BD6-4BC2CA19CA2F}"/>
+              </a:ext>
+            </a:extLst>
+          </p:cNvPr>
+          <p:cNvSpPr txBox="1"/>
+          <p:nvPr/>
+        </p:nvSpPr>
+        <p:spPr>
+          <a:xfrm>
+            <a:off x="2348462" y="3317462"/>
+            <a:ext cx="558166" cy="292388"/>
+          </a:xfrm>
+          <a:prstGeom prst="rect">
+            <a:avLst/>
+          </a:prstGeom>
+          <a:noFill/>
+        </p:spPr>
+        <p:txBody>
+          <a:bodyPr wrap="none" rtlCol="0">
+            <a:spAutoFit/>
+          </a:bodyPr>
+          <a:lstStyle/>
+          <a:p>
+            <a:pPr algn="ctr"/>
+            <a:r>
+              <a:rPr lang="th-TH" sz="1300" dirty="0">
+                <a:latin typeface="TH Sarabun New" panose="020B0500040200020003" pitchFamily="34" charset="-34"/>
+                <a:cs typeface="TH Sarabun New" panose="020B0500040200020003" pitchFamily="34" charset="-34"/>
+              </a:rPr>
+              <a:t>ข้อมูลรถ</a:t>
+            </a:r>
+          </a:p>
+        </p:txBody>
+      </p:sp>
+      <p:sp>
+        <p:nvSpPr>
+          <p:cNvPr id="259" name="TextBox 258">
+            <a:extLst>
+              <a:ext uri="{FF2B5EF4-FFF2-40B4-BE49-F238E27FC236}">
+                <a16:creationId xmlns:a16="http://schemas.microsoft.com/office/drawing/2014/main" id="{716A550B-9EF9-4B07-859E-DF242B68BFA2}"/>
+              </a:ext>
+            </a:extLst>
+          </p:cNvPr>
+          <p:cNvSpPr txBox="1"/>
+          <p:nvPr/>
+        </p:nvSpPr>
+        <p:spPr>
+          <a:xfrm>
+            <a:off x="2200215" y="3644938"/>
+            <a:ext cx="776175" cy="292388"/>
+          </a:xfrm>
+          <a:prstGeom prst="rect">
+            <a:avLst/>
+          </a:prstGeom>
+          <a:noFill/>
+        </p:spPr>
+        <p:txBody>
+          <a:bodyPr wrap="none" rtlCol="0">
+            <a:spAutoFit/>
+          </a:bodyPr>
+          <a:lstStyle/>
+          <a:p>
+            <a:pPr algn="ctr"/>
+            <a:r>
+              <a:rPr lang="th-TH" sz="1300" dirty="0">
+                <a:latin typeface="TH Sarabun New" panose="020B0500040200020003" pitchFamily="34" charset="-34"/>
+                <a:cs typeface="TH Sarabun New" panose="020B0500040200020003" pitchFamily="34" charset="-34"/>
+              </a:rPr>
+              <a:t>ผลการขายรถ</a:t>
+            </a:r>
+          </a:p>
+        </p:txBody>
+      </p:sp>
+      <p:sp>
+        <p:nvSpPr>
+          <p:cNvPr id="260" name="TextBox 259">
+            <a:extLst>
+              <a:ext uri="{FF2B5EF4-FFF2-40B4-BE49-F238E27FC236}">
+                <a16:creationId xmlns:a16="http://schemas.microsoft.com/office/drawing/2014/main" id="{960EC0BD-BD0B-4AEF-A6B1-349098C1E260}"/>
+              </a:ext>
+            </a:extLst>
+          </p:cNvPr>
+          <p:cNvSpPr txBox="1"/>
+          <p:nvPr/>
+        </p:nvSpPr>
+        <p:spPr>
+          <a:xfrm>
+            <a:off x="2518911" y="4611162"/>
+            <a:ext cx="870752" cy="292388"/>
+          </a:xfrm>
+          <a:prstGeom prst="rect">
+            <a:avLst/>
+          </a:prstGeom>
+          <a:noFill/>
+        </p:spPr>
+        <p:txBody>
+          <a:bodyPr wrap="none" rtlCol="0">
+            <a:spAutoFit/>
+          </a:bodyPr>
+          <a:lstStyle/>
+          <a:p>
+            <a:pPr algn="ctr"/>
+            <a:r>
+              <a:rPr lang="th-TH" sz="1300" dirty="0">
+                <a:latin typeface="TH Sarabun New" panose="020B0500040200020003" pitchFamily="34" charset="-34"/>
+                <a:cs typeface="TH Sarabun New" panose="020B0500040200020003" pitchFamily="34" charset="-34"/>
+              </a:rPr>
+              <a:t>ข้อมูลรถส่วนตัว</a:t>
+            </a:r>
+          </a:p>
+        </p:txBody>
+      </p:sp>
+      <p:sp>
+        <p:nvSpPr>
+          <p:cNvPr id="261" name="TextBox 260">
+            <a:extLst>
+              <a:ext uri="{FF2B5EF4-FFF2-40B4-BE49-F238E27FC236}">
+                <a16:creationId xmlns:a16="http://schemas.microsoft.com/office/drawing/2014/main" id="{6F52A01C-ACF2-4FEF-B346-466C1C67E37A}"/>
+              </a:ext>
+            </a:extLst>
+          </p:cNvPr>
+          <p:cNvSpPr txBox="1"/>
+          <p:nvPr/>
+        </p:nvSpPr>
+        <p:spPr>
+          <a:xfrm>
+            <a:off x="2420842" y="4951092"/>
+            <a:ext cx="1394934" cy="292388"/>
+          </a:xfrm>
+          <a:prstGeom prst="rect">
+            <a:avLst/>
+          </a:prstGeom>
+          <a:noFill/>
+        </p:spPr>
+        <p:txBody>
+          <a:bodyPr wrap="none" rtlCol="0">
+            <a:spAutoFit/>
+          </a:bodyPr>
+          <a:lstStyle/>
+          <a:p>
+            <a:pPr algn="ctr"/>
+            <a:r>
+              <a:rPr lang="th-TH" sz="1300" dirty="0">
+                <a:latin typeface="TH Sarabun New" panose="020B0500040200020003" pitchFamily="34" charset="-34"/>
+                <a:cs typeface="TH Sarabun New" panose="020B0500040200020003" pitchFamily="34" charset="-34"/>
+              </a:rPr>
+              <a:t>ผลการลงทะเบียนรถส่วนตัว</a:t>
+            </a:r>
+          </a:p>
+        </p:txBody>
+      </p:sp>
+      <p:sp>
+        <p:nvSpPr>
+          <p:cNvPr id="262" name="TextBox 261">
+            <a:extLst>
+              <a:ext uri="{FF2B5EF4-FFF2-40B4-BE49-F238E27FC236}">
+                <a16:creationId xmlns:a16="http://schemas.microsoft.com/office/drawing/2014/main" id="{EFEEEE65-8111-4C20-B58C-E9C8EC807D03}"/>
+              </a:ext>
+            </a:extLst>
+          </p:cNvPr>
+          <p:cNvSpPr txBox="1"/>
+          <p:nvPr/>
+        </p:nvSpPr>
+        <p:spPr>
+          <a:xfrm>
+            <a:off x="2319618" y="6116158"/>
+            <a:ext cx="978153" cy="292388"/>
+          </a:xfrm>
+          <a:prstGeom prst="rect">
+            <a:avLst/>
+          </a:prstGeom>
+          <a:noFill/>
+        </p:spPr>
+        <p:txBody>
+          <a:bodyPr wrap="none" rtlCol="0">
+            <a:spAutoFit/>
+          </a:bodyPr>
+          <a:lstStyle/>
+          <a:p>
+            <a:pPr algn="ctr"/>
+            <a:r>
+              <a:rPr lang="th-TH" sz="1300" dirty="0">
+                <a:latin typeface="TH Sarabun New" panose="020B0500040200020003" pitchFamily="34" charset="-34"/>
+                <a:cs typeface="TH Sarabun New" panose="020B0500040200020003" pitchFamily="34" charset="-34"/>
+              </a:rPr>
+              <a:t>ข้อมูลสิ่งที่อยากได้</a:t>
+            </a:r>
+          </a:p>
+        </p:txBody>
+      </p:sp>
+      <p:sp>
+        <p:nvSpPr>
+          <p:cNvPr id="263" name="TextBox 262">
+            <a:extLst>
+              <a:ext uri="{FF2B5EF4-FFF2-40B4-BE49-F238E27FC236}">
+                <a16:creationId xmlns:a16="http://schemas.microsoft.com/office/drawing/2014/main" id="{D93F14AD-EC42-4121-8D12-0671620603CB}"/>
+              </a:ext>
+            </a:extLst>
+          </p:cNvPr>
+          <p:cNvSpPr txBox="1"/>
+          <p:nvPr/>
+        </p:nvSpPr>
+        <p:spPr>
+          <a:xfrm>
+            <a:off x="2305202" y="6379367"/>
+            <a:ext cx="978153" cy="292388"/>
+          </a:xfrm>
+          <a:prstGeom prst="rect">
+            <a:avLst/>
+          </a:prstGeom>
+          <a:noFill/>
+        </p:spPr>
+        <p:txBody>
+          <a:bodyPr wrap="none" rtlCol="0">
+            <a:spAutoFit/>
+          </a:bodyPr>
+          <a:lstStyle/>
+          <a:p>
+            <a:pPr algn="ctr"/>
+            <a:r>
+              <a:rPr lang="th-TH" sz="1300" dirty="0">
+                <a:latin typeface="TH Sarabun New" panose="020B0500040200020003" pitchFamily="34" charset="-34"/>
+                <a:cs typeface="TH Sarabun New" panose="020B0500040200020003" pitchFamily="34" charset="-34"/>
+              </a:rPr>
+              <a:t>ข้อมูลสิ่งที่อยากได้</a:t>
+            </a:r>
+          </a:p>
+        </p:txBody>
+      </p:sp>
+    </p:spTree>
+    <p:extLst>
+      <p:ext uri="{BB962C8B-B14F-4D97-AF65-F5344CB8AC3E}">
+        <p14:creationId xmlns:p14="http://schemas.microsoft.com/office/powerpoint/2010/main" val="2017582447"/>
+      </p:ext>
+    </p:extLst>
+  </p:cSld>
+  <p:clrMapOvr>
+    <a:masterClrMapping/>
+  </p:clrMapOvr>
+</p:sld>
+</file>
+
 <file path=ppt/theme/theme1.xml><?xml version="1.0" encoding="utf-8"?>
 <a:theme xmlns:a="http://schemas.openxmlformats.org/drawingml/2006/main" name="Office Theme">
   <a:themeElements>
-    <a:clrScheme name="Office">
+    <a:clrScheme name="Office Theme">
       <a:dk1>
         <a:sysClr val="windowText" lastClr="000000"/>
       </a:dk1>
@@ -9276,7 +14060,7 @@
         <a:srgbClr val="954F72"/>
       </a:folHlink>
     </a:clrScheme>
-    <a:fontScheme name="Office">
+    <a:fontScheme name="Office Theme">
       <a:majorFont>
         <a:latin typeface="Calibri Light" panose="020F0302020204030204"/>
         <a:ea typeface=""/>
@@ -9311,23 +14095,6 @@
         <a:font script="Viet" typeface="Times New Roman"/>
         <a:font script="Uigh" typeface="Microsoft Uighur"/>
         <a:font script="Geor" typeface="Sylfaen"/>
-        <a:font script="Armn" typeface="Arial"/>
-        <a:font script="Bugi" typeface="Leelawadee UI"/>
-        <a:font script="Bopo" typeface="Microsoft JhengHei"/>
-        <a:font script="Java" typeface="Javanese Text"/>
-        <a:font script="Lisu" typeface="Segoe UI"/>
-        <a:font script="Mymr" typeface="Myanmar Text"/>
-        <a:font script="Nkoo" typeface="Ebrima"/>
-        <a:font script="Olck" typeface="Nirmala UI"/>
-        <a:font script="Osma" typeface="Ebrima"/>
-        <a:font script="Phag" typeface="Phagspa"/>
-        <a:font script="Syrn" typeface="Estrangelo Edessa"/>
-        <a:font script="Syrj" typeface="Estrangelo Edessa"/>
-        <a:font script="Syre" typeface="Estrangelo Edessa"/>
-        <a:font script="Sora" typeface="Nirmala UI"/>
-        <a:font script="Tale" typeface="Microsoft Tai Le"/>
-        <a:font script="Talu" typeface="Microsoft New Tai Lue"/>
-        <a:font script="Tfng" typeface="Ebrima"/>
       </a:majorFont>
       <a:minorFont>
         <a:latin typeface="Calibri" panose="020F0502020204030204"/>
@@ -9363,26 +14130,9 @@
         <a:font script="Viet" typeface="Arial"/>
         <a:font script="Uigh" typeface="Microsoft Uighur"/>
         <a:font script="Geor" typeface="Sylfaen"/>
-        <a:font script="Armn" typeface="Arial"/>
-        <a:font script="Bugi" typeface="Leelawadee UI"/>
-        <a:font script="Bopo" typeface="Microsoft JhengHei"/>
-        <a:font script="Java" typeface="Javanese Text"/>
-        <a:font script="Lisu" typeface="Segoe UI"/>
-        <a:font script="Mymr" typeface="Myanmar Text"/>
-        <a:font script="Nkoo" typeface="Ebrima"/>
-        <a:font script="Olck" typeface="Nirmala UI"/>
-        <a:font script="Osma" typeface="Ebrima"/>
-        <a:font script="Phag" typeface="Phagspa"/>
-        <a:font script="Syrn" typeface="Estrangelo Edessa"/>
-        <a:font script="Syrj" typeface="Estrangelo Edessa"/>
-        <a:font script="Syre" typeface="Estrangelo Edessa"/>
-        <a:font script="Sora" typeface="Nirmala UI"/>
-        <a:font script="Tale" typeface="Microsoft Tai Le"/>
-        <a:font script="Talu" typeface="Microsoft New Tai Lue"/>
-        <a:font script="Tfng" typeface="Ebrima"/>
       </a:minorFont>
     </a:fontScheme>
-    <a:fmtScheme name="Office">
+    <a:fmtScheme name="Office Theme">
       <a:fillStyleLst>
         <a:solidFill>
           <a:schemeClr val="phClr"/>
